--- a/Presentation_Python.pptx
+++ b/Presentation_Python.pptx
@@ -18,7 +18,8 @@
     <p:sldId id="266" r:id="rId12"/>
     <p:sldId id="269" r:id="rId13"/>
     <p:sldId id="267" r:id="rId14"/>
-    <p:sldId id="268" r:id="rId15"/>
+    <p:sldId id="270" r:id="rId15"/>
+    <p:sldId id="268" r:id="rId16"/>
   </p:sldIdLst>
   <p:sldSz cx="12192000" cy="6858000"/>
   <p:notesSz cx="6858000" cy="9144000"/>
@@ -3722,8 +3723,8 @@
         </p:nvSpPr>
         <p:spPr>
           <a:xfrm>
-            <a:off x="349314" y="1690688"/>
-            <a:ext cx="2756025" cy="5262979"/>
+            <a:off x="349315" y="1690688"/>
+            <a:ext cx="2491540" cy="5262979"/>
           </a:xfrm>
           <a:prstGeom prst="rect">
             <a:avLst/>
@@ -4134,57 +4135,179 @@
               <a:rPr lang="fr-FR" dirty="0"/>
               <a:t> </a:t>
             </a:r>
+            <a:r>
+              <a:rPr lang="fr-FR" sz="3200" i="1" dirty="0"/>
+              <a:t>(</a:t>
+            </a:r>
+            <a:r>
+              <a:rPr lang="fr-FR" sz="3200" i="1" dirty="0" err="1"/>
+              <a:t>Correlation</a:t>
+            </a:r>
+            <a:r>
+              <a:rPr lang="fr-FR" sz="3200" i="1" dirty="0"/>
+              <a:t> matrix) </a:t>
+            </a:r>
+            <a:endParaRPr lang="en-US" i="1" dirty="0"/>
+          </a:p>
+        </p:txBody>
+      </p:sp>
+      <p:pic>
+        <p:nvPicPr>
+          <p:cNvPr id="5" name="Image 4">
+            <a:extLst>
+              <a:ext uri="{FF2B5EF4-FFF2-40B4-BE49-F238E27FC236}">
+                <a16:creationId xmlns:a16="http://schemas.microsoft.com/office/drawing/2014/main" id="{A3BE7893-5C69-4B50-80A2-D4FD826E5654}"/>
+              </a:ext>
+            </a:extLst>
+          </p:cNvPr>
+          <p:cNvPicPr>
+            <a:picLocks noChangeAspect="1"/>
+          </p:cNvPicPr>
+          <p:nvPr/>
+        </p:nvPicPr>
+        <p:blipFill>
+          <a:blip r:embed="rId2"/>
+          <a:stretch>
+            <a:fillRect/>
+          </a:stretch>
+        </p:blipFill>
+        <p:spPr>
+          <a:xfrm>
+            <a:off x="838200" y="2891017"/>
+            <a:ext cx="7343775" cy="2390775"/>
+          </a:xfrm>
+          <a:prstGeom prst="rect">
+            <a:avLst/>
+          </a:prstGeom>
+        </p:spPr>
+      </p:pic>
+      <p:pic>
+        <p:nvPicPr>
+          <p:cNvPr id="7" name="Image 6">
+            <a:extLst>
+              <a:ext uri="{FF2B5EF4-FFF2-40B4-BE49-F238E27FC236}">
+                <a16:creationId xmlns:a16="http://schemas.microsoft.com/office/drawing/2014/main" id="{F07BB210-4DEF-4CAB-A03F-714B86A93AA0}"/>
+              </a:ext>
+            </a:extLst>
+          </p:cNvPr>
+          <p:cNvPicPr>
+            <a:picLocks noChangeAspect="1"/>
+          </p:cNvPicPr>
+          <p:nvPr/>
+        </p:nvPicPr>
+        <p:blipFill>
+          <a:blip r:embed="rId3"/>
+          <a:stretch>
+            <a:fillRect/>
+          </a:stretch>
+        </p:blipFill>
+        <p:spPr>
+          <a:xfrm>
+            <a:off x="10015680" y="365125"/>
+            <a:ext cx="628964" cy="4725267"/>
+          </a:xfrm>
+          <a:prstGeom prst="rect">
+            <a:avLst/>
+          </a:prstGeom>
+          <a:scene3d>
+            <a:camera prst="orthographicFront">
+              <a:rot lat="300000" lon="0" rev="0"/>
+            </a:camera>
+            <a:lightRig rig="threePt" dir="t"/>
+          </a:scene3d>
+        </p:spPr>
+      </p:pic>
+      <p:sp>
+        <p:nvSpPr>
+          <p:cNvPr id="17" name="ZoneTexte 16">
+            <a:extLst>
+              <a:ext uri="{FF2B5EF4-FFF2-40B4-BE49-F238E27FC236}">
+                <a16:creationId xmlns:a16="http://schemas.microsoft.com/office/drawing/2014/main" id="{DC465AD2-EE40-4B47-93CE-47288324BF07}"/>
+              </a:ext>
+            </a:extLst>
+          </p:cNvPr>
+          <p:cNvSpPr txBox="1"/>
+          <p:nvPr/>
+        </p:nvSpPr>
+        <p:spPr>
+          <a:xfrm>
+            <a:off x="838200" y="1690688"/>
+            <a:ext cx="4961298" cy="1200329"/>
+          </a:xfrm>
+          <a:prstGeom prst="rect">
+            <a:avLst/>
+          </a:prstGeom>
+          <a:noFill/>
+        </p:spPr>
+        <p:txBody>
+          <a:bodyPr wrap="square" rtlCol="0">
+            <a:spAutoFit/>
+          </a:bodyPr>
+          <a:lstStyle/>
+          <a:p>
+            <a:pPr algn="just"/>
+            <a:r>
+              <a:rPr lang="en-US" i="1" dirty="0"/>
+              <a:t>After encoding the variables, we did a correlation matrix to see with parameter are the most correlated to the type of Obesity.</a:t>
+            </a:r>
+          </a:p>
+          <a:p>
             <a:endParaRPr lang="en-US" dirty="0"/>
           </a:p>
         </p:txBody>
       </p:sp>
       <p:sp>
         <p:nvSpPr>
-          <p:cNvPr id="3" name="Espace réservé du contenu 2">
-            <a:extLst>
-              <a:ext uri="{FF2B5EF4-FFF2-40B4-BE49-F238E27FC236}">
-                <a16:creationId xmlns:a16="http://schemas.microsoft.com/office/drawing/2014/main" id="{AF8F68AA-939C-4E4E-BDC9-4E786D130691}"/>
-              </a:ext>
-            </a:extLst>
-          </p:cNvPr>
-          <p:cNvSpPr>
-            <a:spLocks noGrp="1"/>
-          </p:cNvSpPr>
-          <p:nvPr>
-            <p:ph idx="1"/>
-          </p:nvPr>
-        </p:nvSpPr>
-        <p:spPr/>
-        <p:txBody>
-          <a:bodyPr/>
-          <a:lstStyle/>
-          <a:p>
-            <a:r>
-              <a:rPr lang="en-US" dirty="0" err="1"/>
-              <a:t>Ligne</a:t>
-            </a:r>
-            <a:r>
-              <a:rPr lang="en-US" dirty="0"/>
-              <a:t> correlation </a:t>
-            </a:r>
-            <a:r>
-              <a:rPr lang="en-US" dirty="0" err="1"/>
-              <a:t>typeOb</a:t>
-            </a:r>
-            <a:r>
-              <a:rPr lang="en-US" dirty="0"/>
-              <a:t> et </a:t>
-            </a:r>
-            <a:r>
-              <a:rPr lang="en-US" dirty="0" err="1"/>
-              <a:t>poids</a:t>
-            </a:r>
-            <a:r>
-              <a:rPr lang="en-US" dirty="0"/>
-              <a:t> </a:t>
-            </a:r>
-          </a:p>
-          <a:p>
+          <p:cNvPr id="19" name="ZoneTexte 18">
+            <a:extLst>
+              <a:ext uri="{FF2B5EF4-FFF2-40B4-BE49-F238E27FC236}">
+                <a16:creationId xmlns:a16="http://schemas.microsoft.com/office/drawing/2014/main" id="{15366453-A4B2-46C1-A19A-9D0988B88C55}"/>
+              </a:ext>
+            </a:extLst>
+          </p:cNvPr>
+          <p:cNvSpPr txBox="1"/>
+          <p:nvPr/>
+        </p:nvSpPr>
+        <p:spPr>
+          <a:xfrm>
+            <a:off x="838200" y="5416908"/>
+            <a:ext cx="10515600" cy="1477328"/>
+          </a:xfrm>
+          <a:prstGeom prst="rect">
+            <a:avLst/>
+          </a:prstGeom>
+          <a:noFill/>
+        </p:spPr>
+        <p:txBody>
+          <a:bodyPr wrap="square" rtlCol="0">
+            <a:spAutoFit/>
+          </a:bodyPr>
+          <a:lstStyle/>
+          <a:p>
+            <a:pPr algn="just"/>
+            <a:r>
+              <a:rPr lang="en-US" i="1" dirty="0"/>
+              <a:t>We can see that the most correlated variable is, </a:t>
+            </a:r>
+            <a:r>
+              <a:rPr lang="fr-FR" dirty="0" err="1"/>
+              <a:t>unsurprisingly</a:t>
+            </a:r>
+            <a:r>
+              <a:rPr lang="en-US" i="1" dirty="0"/>
+              <a:t>, the Weight. But we can also see that the family history with overweight is highly correlated to the type of obesity. </a:t>
+            </a:r>
+          </a:p>
+          <a:p>
+            <a:pPr algn="just"/>
+            <a:r>
+              <a:rPr lang="en-US" i="1" dirty="0"/>
+              <a:t>The Age, Frequency of consumption of vegetables (FCVC) and if the person has a high consumption of high caloric food (FAVC) are also highly correlated parameters.</a:t>
+            </a:r>
+            <a:endParaRPr lang="fr-FR" i="1" dirty="0"/>
+          </a:p>
+          <a:p>
+            <a:pPr algn="just"/>
             <a:endParaRPr lang="en-US" dirty="0"/>
           </a:p>
         </p:txBody>
@@ -4224,6 +4347,268 @@
           <p:cNvPr id="2" name="Titre 1">
             <a:extLst>
               <a:ext uri="{FF2B5EF4-FFF2-40B4-BE49-F238E27FC236}">
+                <a16:creationId xmlns:a16="http://schemas.microsoft.com/office/drawing/2014/main" id="{4701E657-CCF1-4BA5-95E6-2BD9B0F9943E}"/>
+              </a:ext>
+            </a:extLst>
+          </p:cNvPr>
+          <p:cNvSpPr>
+            <a:spLocks noGrp="1"/>
+          </p:cNvSpPr>
+          <p:nvPr>
+            <p:ph type="title"/>
+          </p:nvPr>
+        </p:nvSpPr>
+        <p:spPr/>
+        <p:txBody>
+          <a:bodyPr/>
+          <a:lstStyle/>
+          <a:p>
+            <a:r>
+              <a:rPr lang="fr-FR" dirty="0"/>
+              <a:t>IV- </a:t>
+            </a:r>
+            <a:r>
+              <a:rPr lang="fr-FR" dirty="0" err="1"/>
+              <a:t>Prediction</a:t>
+            </a:r>
+            <a:r>
+              <a:rPr lang="fr-FR" dirty="0"/>
+              <a:t> </a:t>
+            </a:r>
+            <a:r>
+              <a:rPr lang="fr-FR" sz="3200" i="1" dirty="0"/>
+              <a:t>(</a:t>
+            </a:r>
+            <a:r>
+              <a:rPr lang="fr-FR" sz="3200" i="1" dirty="0" err="1"/>
+              <a:t>Correlation</a:t>
+            </a:r>
+            <a:r>
+              <a:rPr lang="fr-FR" sz="3200" i="1" dirty="0"/>
+              <a:t> matrix)</a:t>
+            </a:r>
+            <a:r>
+              <a:rPr lang="fr-FR" sz="3200" dirty="0"/>
+              <a:t> </a:t>
+            </a:r>
+            <a:endParaRPr lang="fr-FR" dirty="0"/>
+          </a:p>
+        </p:txBody>
+      </p:sp>
+      <p:pic>
+        <p:nvPicPr>
+          <p:cNvPr id="6" name="Image 5">
+            <a:extLst>
+              <a:ext uri="{FF2B5EF4-FFF2-40B4-BE49-F238E27FC236}">
+                <a16:creationId xmlns:a16="http://schemas.microsoft.com/office/drawing/2014/main" id="{6DFEDEE9-EEA3-407F-B4B9-642794FE2047}"/>
+              </a:ext>
+            </a:extLst>
+          </p:cNvPr>
+          <p:cNvPicPr>
+            <a:picLocks noChangeAspect="1"/>
+          </p:cNvPicPr>
+          <p:nvPr/>
+        </p:nvPicPr>
+        <p:blipFill>
+          <a:blip r:embed="rId2"/>
+          <a:stretch>
+            <a:fillRect/>
+          </a:stretch>
+        </p:blipFill>
+        <p:spPr>
+          <a:xfrm>
+            <a:off x="9958687" y="365125"/>
+            <a:ext cx="628964" cy="4725267"/>
+          </a:xfrm>
+          <a:prstGeom prst="rect">
+            <a:avLst/>
+          </a:prstGeom>
+          <a:scene3d>
+            <a:camera prst="orthographicFront">
+              <a:rot lat="300000" lon="0" rev="0"/>
+            </a:camera>
+            <a:lightRig rig="threePt" dir="t"/>
+          </a:scene3d>
+        </p:spPr>
+      </p:pic>
+      <p:pic>
+        <p:nvPicPr>
+          <p:cNvPr id="8" name="Image 7">
+            <a:extLst>
+              <a:ext uri="{FF2B5EF4-FFF2-40B4-BE49-F238E27FC236}">
+                <a16:creationId xmlns:a16="http://schemas.microsoft.com/office/drawing/2014/main" id="{13811389-A4AD-49F7-95FA-F4F71383C472}"/>
+              </a:ext>
+            </a:extLst>
+          </p:cNvPr>
+          <p:cNvPicPr>
+            <a:picLocks noChangeAspect="1"/>
+          </p:cNvPicPr>
+          <p:nvPr/>
+        </p:nvPicPr>
+        <p:blipFill>
+          <a:blip r:embed="rId3"/>
+          <a:stretch>
+            <a:fillRect/>
+          </a:stretch>
+        </p:blipFill>
+        <p:spPr>
+          <a:xfrm>
+            <a:off x="838200" y="2891017"/>
+            <a:ext cx="6972300" cy="352425"/>
+          </a:xfrm>
+          <a:prstGeom prst="rect">
+            <a:avLst/>
+          </a:prstGeom>
+        </p:spPr>
+      </p:pic>
+      <p:pic>
+        <p:nvPicPr>
+          <p:cNvPr id="10" name="Image 9">
+            <a:extLst>
+              <a:ext uri="{FF2B5EF4-FFF2-40B4-BE49-F238E27FC236}">
+                <a16:creationId xmlns:a16="http://schemas.microsoft.com/office/drawing/2014/main" id="{07A6AA4B-FC60-41C3-94F8-E4EEA99C4C21}"/>
+              </a:ext>
+            </a:extLst>
+          </p:cNvPr>
+          <p:cNvPicPr>
+            <a:picLocks noChangeAspect="1"/>
+          </p:cNvPicPr>
+          <p:nvPr/>
+        </p:nvPicPr>
+        <p:blipFill>
+          <a:blip r:embed="rId4"/>
+          <a:stretch>
+            <a:fillRect/>
+          </a:stretch>
+        </p:blipFill>
+        <p:spPr>
+          <a:xfrm>
+            <a:off x="1390650" y="3243442"/>
+            <a:ext cx="6419850" cy="2009775"/>
+          </a:xfrm>
+          <a:prstGeom prst="rect">
+            <a:avLst/>
+          </a:prstGeom>
+        </p:spPr>
+      </p:pic>
+      <p:sp>
+        <p:nvSpPr>
+          <p:cNvPr id="11" name="ZoneTexte 10">
+            <a:extLst>
+              <a:ext uri="{FF2B5EF4-FFF2-40B4-BE49-F238E27FC236}">
+                <a16:creationId xmlns:a16="http://schemas.microsoft.com/office/drawing/2014/main" id="{DBBACA88-CDA2-48BC-B22C-9ECED3A574DB}"/>
+              </a:ext>
+            </a:extLst>
+          </p:cNvPr>
+          <p:cNvSpPr txBox="1"/>
+          <p:nvPr/>
+        </p:nvSpPr>
+        <p:spPr>
+          <a:xfrm>
+            <a:off x="838200" y="1690688"/>
+            <a:ext cx="4961298" cy="1200329"/>
+          </a:xfrm>
+          <a:prstGeom prst="rect">
+            <a:avLst/>
+          </a:prstGeom>
+          <a:noFill/>
+        </p:spPr>
+        <p:txBody>
+          <a:bodyPr wrap="square" rtlCol="0">
+            <a:spAutoFit/>
+          </a:bodyPr>
+          <a:lstStyle/>
+          <a:p>
+            <a:pPr algn="just"/>
+            <a:r>
+              <a:rPr lang="en-US" i="1" dirty="0"/>
+              <a:t>Since Weight is the most correlated variable to Obesity, we decided to study the correlation of this parameter with all the others</a:t>
+            </a:r>
+          </a:p>
+          <a:p>
+            <a:endParaRPr lang="en-US" dirty="0"/>
+          </a:p>
+        </p:txBody>
+      </p:sp>
+      <p:sp>
+        <p:nvSpPr>
+          <p:cNvPr id="12" name="ZoneTexte 11">
+            <a:extLst>
+              <a:ext uri="{FF2B5EF4-FFF2-40B4-BE49-F238E27FC236}">
+                <a16:creationId xmlns:a16="http://schemas.microsoft.com/office/drawing/2014/main" id="{9F70AF8B-FECF-4F2D-8FF7-36ABB312C5FC}"/>
+              </a:ext>
+            </a:extLst>
+          </p:cNvPr>
+          <p:cNvSpPr txBox="1"/>
+          <p:nvPr/>
+        </p:nvSpPr>
+        <p:spPr>
+          <a:xfrm>
+            <a:off x="838201" y="5380672"/>
+            <a:ext cx="10525216" cy="1477328"/>
+          </a:xfrm>
+          <a:prstGeom prst="rect">
+            <a:avLst/>
+          </a:prstGeom>
+          <a:noFill/>
+        </p:spPr>
+        <p:txBody>
+          <a:bodyPr wrap="square" rtlCol="0">
+            <a:spAutoFit/>
+          </a:bodyPr>
+          <a:lstStyle/>
+          <a:p>
+            <a:pPr algn="just"/>
+            <a:r>
+              <a:rPr lang="en-US" i="1" dirty="0"/>
+              <a:t>We can see that the Weight has also a high correlation with family history with overweight, but also with the Height. </a:t>
+            </a:r>
+          </a:p>
+          <a:p>
+            <a:pPr algn="just"/>
+            <a:r>
+              <a:rPr lang="en-US" i="1" dirty="0"/>
+              <a:t>As for Obesity, the correlation between Weight and the parameters Age, FAVC and FCVC is high, but we can also see a high correlation with new parameters as daily water consumption CH2O and consumption of alcohol (CALC)</a:t>
+            </a:r>
+            <a:endParaRPr lang="en-US" dirty="0"/>
+          </a:p>
+        </p:txBody>
+      </p:sp>
+    </p:spTree>
+    <p:extLst>
+      <p:ext uri="{BB962C8B-B14F-4D97-AF65-F5344CB8AC3E}">
+        <p14:creationId xmlns:p14="http://schemas.microsoft.com/office/powerpoint/2010/main" val="15615601"/>
+      </p:ext>
+    </p:extLst>
+  </p:cSld>
+  <p:clrMapOvr>
+    <a:masterClrMapping/>
+  </p:clrMapOvr>
+</p:sld>
+</file>
+
+<file path=ppt/slides/slide15.xml><?xml version="1.0" encoding="utf-8"?>
+<p:sld xmlns:a="http://schemas.openxmlformats.org/drawingml/2006/main" xmlns:r="http://schemas.openxmlformats.org/officeDocument/2006/relationships" xmlns:p="http://schemas.openxmlformats.org/presentationml/2006/main">
+  <p:cSld>
+    <p:spTree>
+      <p:nvGrpSpPr>
+        <p:cNvPr id="1" name=""/>
+        <p:cNvGrpSpPr/>
+        <p:nvPr/>
+      </p:nvGrpSpPr>
+      <p:grpSpPr>
+        <a:xfrm>
+          <a:off x="0" y="0"/>
+          <a:ext cx="0" cy="0"/>
+          <a:chOff x="0" y="0"/>
+          <a:chExt cx="0" cy="0"/>
+        </a:xfrm>
+      </p:grpSpPr>
+      <p:sp>
+        <p:nvSpPr>
+          <p:cNvPr id="2" name="Titre 1">
+            <a:extLst>
+              <a:ext uri="{FF2B5EF4-FFF2-40B4-BE49-F238E27FC236}">
                 <a16:creationId xmlns:a16="http://schemas.microsoft.com/office/drawing/2014/main" id="{BBA226AB-E5AF-4755-8BF1-C230E7297151}"/>
               </a:ext>
             </a:extLst>
@@ -5818,8 +6203,8 @@
         </p:nvSpPr>
         <p:spPr>
           <a:xfrm>
-            <a:off x="579420" y="2118511"/>
-            <a:ext cx="3476531" cy="2308324"/>
+            <a:off x="579420" y="2274838"/>
+            <a:ext cx="3258958" cy="2308324"/>
           </a:xfrm>
           <a:prstGeom prst="rect">
             <a:avLst/>
@@ -5832,39 +6217,46 @@
           </a:bodyPr>
           <a:lstStyle/>
           <a:p>
+            <a:pPr algn="just"/>
             <a:r>
               <a:rPr lang="en-US" dirty="0"/>
               <a:t>FCVC {numeric value from 1 to 3}</a:t>
             </a:r>
           </a:p>
           <a:p>
+            <a:pPr algn="just"/>
             <a:r>
               <a:rPr lang="en-US" dirty="0"/>
               <a:t>1= Never </a:t>
             </a:r>
           </a:p>
           <a:p>
+            <a:pPr algn="just"/>
             <a:r>
               <a:rPr lang="en-US" dirty="0"/>
               <a:t>2= Sometimes </a:t>
             </a:r>
           </a:p>
           <a:p>
+            <a:pPr algn="just"/>
             <a:r>
               <a:rPr lang="en-US" dirty="0"/>
               <a:t>3= Always </a:t>
             </a:r>
           </a:p>
           <a:p>
+            <a:pPr algn="just"/>
             <a:endParaRPr lang="en-US" dirty="0"/>
           </a:p>
           <a:p>
+            <a:pPr algn="just"/>
             <a:r>
               <a:rPr lang="en-US" dirty="0"/>
               <a:t>Answering to the question:</a:t>
             </a:r>
           </a:p>
           <a:p>
+            <a:pPr algn="just"/>
             <a:r>
               <a:rPr lang="en-US" b="0" i="1" dirty="0">
                 <a:solidFill>

--- a/Presentation_Python.pptx
+++ b/Presentation_Python.pptx
@@ -17,9 +17,10 @@
     <p:sldId id="265" r:id="rId11"/>
     <p:sldId id="266" r:id="rId12"/>
     <p:sldId id="269" r:id="rId13"/>
-    <p:sldId id="267" r:id="rId14"/>
-    <p:sldId id="270" r:id="rId15"/>
-    <p:sldId id="268" r:id="rId16"/>
+    <p:sldId id="272" r:id="rId14"/>
+    <p:sldId id="267" r:id="rId15"/>
+    <p:sldId id="270" r:id="rId16"/>
+    <p:sldId id="268" r:id="rId17"/>
   </p:sldIdLst>
   <p:sldSz cx="12192000" cy="6858000"/>
   <p:notesSz cx="6858000" cy="9144000"/>
@@ -4102,220 +4103,1830 @@
           <a:chExt cx="0" cy="0"/>
         </a:xfrm>
       </p:grpSpPr>
-      <p:sp>
-        <p:nvSpPr>
-          <p:cNvPr id="2" name="Titre 1">
-            <a:extLst>
-              <a:ext uri="{FF2B5EF4-FFF2-40B4-BE49-F238E27FC236}">
-                <a16:creationId xmlns:a16="http://schemas.microsoft.com/office/drawing/2014/main" id="{BBA226AB-E5AF-4755-8BF1-C230E7297151}"/>
-              </a:ext>
-            </a:extLst>
-          </p:cNvPr>
-          <p:cNvSpPr>
-            <a:spLocks noGrp="1"/>
+      <p:graphicFrame>
+        <p:nvGraphicFramePr>
+          <p:cNvPr id="5" name="Tableau 5">
+            <a:extLst>
+              <a:ext uri="{FF2B5EF4-FFF2-40B4-BE49-F238E27FC236}">
+                <a16:creationId xmlns:a16="http://schemas.microsoft.com/office/drawing/2014/main" id="{3A623E46-B378-4DB4-A139-0CEB12779489}"/>
+              </a:ext>
+            </a:extLst>
+          </p:cNvPr>
+          <p:cNvGraphicFramePr>
+            <a:graphicFrameLocks noGrp="1"/>
+          </p:cNvGraphicFramePr>
+          <p:nvPr>
+            <p:ph idx="1"/>
+            <p:extLst>
+              <p:ext uri="{D42A27DB-BD31-4B8C-83A1-F6EECF244321}">
+                <p14:modId xmlns:p14="http://schemas.microsoft.com/office/powerpoint/2010/main" val="2559877751"/>
+              </p:ext>
+            </p:extLst>
+          </p:nvPr>
+        </p:nvGraphicFramePr>
+        <p:xfrm>
+          <a:off x="186430" y="1455281"/>
+          <a:ext cx="11819140" cy="731520"/>
+        </p:xfrm>
+        <a:graphic>
+          <a:graphicData uri="http://schemas.openxmlformats.org/drawingml/2006/table">
+            <a:tbl>
+              <a:tblPr firstRow="1" bandRow="1">
+                <a:tableStyleId>{5C22544A-7EE6-4342-B048-85BDC9FD1C3A}</a:tableStyleId>
+              </a:tblPr>
+              <a:tblGrid>
+                <a:gridCol w="4805781">
+                  <a:extLst>
+                    <a:ext uri="{9D8B030D-6E8A-4147-A177-3AD203B41FA5}">
+                      <a16:colId xmlns:a16="http://schemas.microsoft.com/office/drawing/2014/main" val="2686313315"/>
+                    </a:ext>
+                  </a:extLst>
+                </a:gridCol>
+                <a:gridCol w="2707689">
+                  <a:extLst>
+                    <a:ext uri="{9D8B030D-6E8A-4147-A177-3AD203B41FA5}">
+                      <a16:colId xmlns:a16="http://schemas.microsoft.com/office/drawing/2014/main" val="2629635083"/>
+                    </a:ext>
+                  </a:extLst>
+                </a:gridCol>
+                <a:gridCol w="4305670">
+                  <a:extLst>
+                    <a:ext uri="{9D8B030D-6E8A-4147-A177-3AD203B41FA5}">
+                      <a16:colId xmlns:a16="http://schemas.microsoft.com/office/drawing/2014/main" val="927885671"/>
+                    </a:ext>
+                  </a:extLst>
+                </a:gridCol>
+              </a:tblGrid>
+              <a:tr h="0">
+                <a:tc>
+                  <a:txBody>
+                    <a:bodyPr/>
+                    <a:lstStyle/>
+                    <a:p>
+                      <a:pPr algn="ctr"/>
+                      <a:r>
+                        <a:rPr lang="fr-FR" dirty="0"/>
+                        <a:t>Variable sous forme qualitative</a:t>
+                      </a:r>
+                    </a:p>
+                  </a:txBody>
+                  <a:tcPr/>
+                </a:tc>
+                <a:tc gridSpan="2">
+                  <a:txBody>
+                    <a:bodyPr/>
+                    <a:lstStyle/>
+                    <a:p>
+                      <a:pPr algn="ctr"/>
+                      <a:r>
+                        <a:rPr lang="fr-FR" dirty="0"/>
+                        <a:t>Variable Encodée</a:t>
+                      </a:r>
+                    </a:p>
+                  </a:txBody>
+                  <a:tcPr/>
+                </a:tc>
+                <a:tc hMerge="1">
+                  <a:txBody>
+                    <a:bodyPr/>
+                    <a:lstStyle/>
+                    <a:p>
+                      <a:endParaRPr lang="fr-FR"/>
+                    </a:p>
+                  </a:txBody>
+                  <a:tcPr/>
+                </a:tc>
+                <a:extLst>
+                  <a:ext uri="{0D108BD9-81ED-4DB2-BD59-A6C34878D82A}">
+                    <a16:rowId xmlns:a16="http://schemas.microsoft.com/office/drawing/2014/main" val="1258484801"/>
+                  </a:ext>
+                </a:extLst>
+              </a:tr>
+              <a:tr h="359430">
+                <a:tc>
+                  <a:txBody>
+                    <a:bodyPr/>
+                    <a:lstStyle/>
+                    <a:p>
+                      <a:r>
+                        <a:rPr lang="en-US" sz="1800" b="1" kern="1200" dirty="0">
+                          <a:solidFill>
+                            <a:schemeClr val="dk1"/>
+                          </a:solidFill>
+                          <a:effectLst/>
+                          <a:latin typeface="+mn-lt"/>
+                          <a:ea typeface="+mn-ea"/>
+                          <a:cs typeface="+mn-cs"/>
+                        </a:rPr>
+                        <a:t>Gender</a:t>
+                      </a:r>
+                    </a:p>
+                  </a:txBody>
+                  <a:tcPr/>
+                </a:tc>
+                <a:tc>
+                  <a:txBody>
+                    <a:bodyPr/>
+                    <a:lstStyle/>
+                    <a:p>
+                      <a:pPr marL="0" marR="0" lvl="0" indent="0" algn="ctr" defTabSz="914400" rtl="0" eaLnBrk="1" fontAlgn="auto" latinLnBrk="0" hangingPunct="1">
+                        <a:lnSpc>
+                          <a:spcPct val="100000"/>
+                        </a:lnSpc>
+                        <a:spcBef>
+                          <a:spcPts val="0"/>
+                        </a:spcBef>
+                        <a:spcAft>
+                          <a:spcPts val="0"/>
+                        </a:spcAft>
+                        <a:buClrTx/>
+                        <a:buSzTx/>
+                        <a:buFontTx/>
+                        <a:buNone/>
+                        <a:tabLst/>
+                        <a:defRPr/>
+                      </a:pPr>
+                      <a:r>
+                        <a:rPr lang="en-US" sz="1800" kern="1200" dirty="0">
+                          <a:solidFill>
+                            <a:schemeClr val="dk1"/>
+                          </a:solidFill>
+                          <a:effectLst/>
+                          <a:latin typeface="+mn-lt"/>
+                          <a:ea typeface="+mn-ea"/>
+                          <a:cs typeface="+mn-cs"/>
+                        </a:rPr>
+                        <a:t>male = 0</a:t>
+                      </a:r>
+                    </a:p>
+                  </a:txBody>
+                  <a:tcPr/>
+                </a:tc>
+                <a:tc>
+                  <a:txBody>
+                    <a:bodyPr/>
+                    <a:lstStyle/>
+                    <a:p>
+                      <a:pPr algn="ctr"/>
+                      <a:r>
+                        <a:rPr lang="en-US" sz="1800" kern="1200" dirty="0">
+                          <a:solidFill>
+                            <a:schemeClr val="dk1"/>
+                          </a:solidFill>
+                          <a:effectLst/>
+                          <a:latin typeface="+mn-lt"/>
+                          <a:ea typeface="+mn-ea"/>
+                          <a:cs typeface="+mn-cs"/>
+                        </a:rPr>
+                        <a:t>female = 1</a:t>
+                      </a:r>
+                      <a:endParaRPr lang="fr-FR" dirty="0"/>
+                    </a:p>
+                  </a:txBody>
+                  <a:tcPr/>
+                </a:tc>
+                <a:extLst>
+                  <a:ext uri="{0D108BD9-81ED-4DB2-BD59-A6C34878D82A}">
+                    <a16:rowId xmlns:a16="http://schemas.microsoft.com/office/drawing/2014/main" val="2620981345"/>
+                  </a:ext>
+                </a:extLst>
+              </a:tr>
+            </a:tbl>
+          </a:graphicData>
+        </a:graphic>
+      </p:graphicFrame>
+      <p:graphicFrame>
+        <p:nvGraphicFramePr>
+          <p:cNvPr id="6" name="Tableau 5">
+            <a:extLst>
+              <a:ext uri="{FF2B5EF4-FFF2-40B4-BE49-F238E27FC236}">
+                <a16:creationId xmlns:a16="http://schemas.microsoft.com/office/drawing/2014/main" id="{6E12C69E-3256-448B-AD61-7E1248322E71}"/>
+              </a:ext>
+            </a:extLst>
+          </p:cNvPr>
+          <p:cNvGraphicFramePr>
+            <a:graphicFrameLocks noGrp="1"/>
+          </p:cNvGraphicFramePr>
+          <p:nvPr>
+            <p:extLst>
+              <p:ext uri="{D42A27DB-BD31-4B8C-83A1-F6EECF244321}">
+                <p14:modId xmlns:p14="http://schemas.microsoft.com/office/powerpoint/2010/main" val="3365702265"/>
+              </p:ext>
+            </p:extLst>
+          </p:nvPr>
+        </p:nvGraphicFramePr>
+        <p:xfrm>
+          <a:off x="186430" y="3659407"/>
+          <a:ext cx="11819140" cy="640080"/>
+        </p:xfrm>
+        <a:graphic>
+          <a:graphicData uri="http://schemas.openxmlformats.org/drawingml/2006/table">
+            <a:tbl>
+              <a:tblPr firstRow="1" bandRow="1">
+                <a:tableStyleId>{5C22544A-7EE6-4342-B048-85BDC9FD1C3A}</a:tableStyleId>
+              </a:tblPr>
+              <a:tblGrid>
+                <a:gridCol w="4536490">
+                  <a:extLst>
+                    <a:ext uri="{9D8B030D-6E8A-4147-A177-3AD203B41FA5}">
+                      <a16:colId xmlns:a16="http://schemas.microsoft.com/office/drawing/2014/main" val="2115355154"/>
+                    </a:ext>
+                  </a:extLst>
+                </a:gridCol>
+                <a:gridCol w="1225119">
+                  <a:extLst>
+                    <a:ext uri="{9D8B030D-6E8A-4147-A177-3AD203B41FA5}">
+                      <a16:colId xmlns:a16="http://schemas.microsoft.com/office/drawing/2014/main" val="3124891401"/>
+                    </a:ext>
+                  </a:extLst>
+                </a:gridCol>
+                <a:gridCol w="2024109">
+                  <a:extLst>
+                    <a:ext uri="{9D8B030D-6E8A-4147-A177-3AD203B41FA5}">
+                      <a16:colId xmlns:a16="http://schemas.microsoft.com/office/drawing/2014/main" val="1468416287"/>
+                    </a:ext>
+                  </a:extLst>
+                </a:gridCol>
+                <a:gridCol w="2246459">
+                  <a:extLst>
+                    <a:ext uri="{9D8B030D-6E8A-4147-A177-3AD203B41FA5}">
+                      <a16:colId xmlns:a16="http://schemas.microsoft.com/office/drawing/2014/main" val="2311975971"/>
+                    </a:ext>
+                  </a:extLst>
+                </a:gridCol>
+                <a:gridCol w="1786963">
+                  <a:extLst>
+                    <a:ext uri="{9D8B030D-6E8A-4147-A177-3AD203B41FA5}">
+                      <a16:colId xmlns:a16="http://schemas.microsoft.com/office/drawing/2014/main" val="4286149607"/>
+                    </a:ext>
+                  </a:extLst>
+                </a:gridCol>
+              </a:tblGrid>
+              <a:tr h="607170">
+                <a:tc>
+                  <a:txBody>
+                    <a:bodyPr/>
+                    <a:lstStyle/>
+                    <a:p>
+                      <a:pPr marL="0" algn="just" defTabSz="914400" rtl="0" eaLnBrk="1" latinLnBrk="0" hangingPunct="1"/>
+                      <a:r>
+                        <a:rPr lang="en-US" sz="1800" b="1" kern="1200" dirty="0">
+                          <a:solidFill>
+                            <a:schemeClr val="dk1"/>
+                          </a:solidFill>
+                          <a:effectLst/>
+                          <a:latin typeface="+mn-lt"/>
+                          <a:ea typeface="+mn-ea"/>
+                          <a:cs typeface="+mn-cs"/>
+                        </a:rPr>
+                        <a:t>CAEC (Consumption of food between meals)</a:t>
+                      </a:r>
+                    </a:p>
+                    <a:p>
+                      <a:pPr marL="0" algn="just" defTabSz="914400" rtl="0" eaLnBrk="1" latinLnBrk="0" hangingPunct="1"/>
+                      <a:r>
+                        <a:rPr lang="en-US" sz="1800" b="1" kern="1200" dirty="0">
+                          <a:solidFill>
+                            <a:schemeClr val="dk1"/>
+                          </a:solidFill>
+                          <a:effectLst/>
+                          <a:latin typeface="+mn-lt"/>
+                          <a:ea typeface="+mn-ea"/>
+                          <a:cs typeface="+mn-cs"/>
+                        </a:rPr>
+                        <a:t>CALC (Consumption of alcohol)</a:t>
+                      </a:r>
+                      <a:endParaRPr lang="fr-FR" sz="1800" b="1" kern="1200" dirty="0">
+                        <a:solidFill>
+                          <a:schemeClr val="dk1"/>
+                        </a:solidFill>
+                        <a:effectLst/>
+                        <a:latin typeface="+mn-lt"/>
+                        <a:ea typeface="+mn-ea"/>
+                        <a:cs typeface="+mn-cs"/>
+                      </a:endParaRPr>
+                    </a:p>
+                  </a:txBody>
+                  <a:tcPr>
+                    <a:solidFill>
+                      <a:srgbClr val="E9EBF5"/>
+                    </a:solidFill>
+                  </a:tcPr>
+                </a:tc>
+                <a:tc>
+                  <a:txBody>
+                    <a:bodyPr/>
+                    <a:lstStyle/>
+                    <a:p>
+                      <a:pPr marL="0" marR="0" lvl="0" indent="0" algn="ctr" defTabSz="914400" rtl="0" eaLnBrk="1" fontAlgn="auto" latinLnBrk="0" hangingPunct="1">
+                        <a:lnSpc>
+                          <a:spcPct val="100000"/>
+                        </a:lnSpc>
+                        <a:spcBef>
+                          <a:spcPts val="0"/>
+                        </a:spcBef>
+                        <a:spcAft>
+                          <a:spcPts val="0"/>
+                        </a:spcAft>
+                        <a:buClrTx/>
+                        <a:buSzTx/>
+                        <a:buFontTx/>
+                        <a:buNone/>
+                        <a:tabLst/>
+                        <a:defRPr/>
+                      </a:pPr>
+                      <a:r>
+                        <a:rPr lang="en-US" sz="1800" b="1" kern="1200" dirty="0">
+                          <a:solidFill>
+                            <a:schemeClr val="dk1"/>
+                          </a:solidFill>
+                          <a:effectLst/>
+                          <a:latin typeface="+mn-lt"/>
+                          <a:ea typeface="+mn-ea"/>
+                          <a:cs typeface="+mn-cs"/>
+                        </a:rPr>
+                        <a:t>no = 0</a:t>
+                      </a:r>
+                    </a:p>
+                    <a:p>
+                      <a:pPr marL="0" algn="ctr" defTabSz="914400" rtl="0" eaLnBrk="1" latinLnBrk="0" hangingPunct="1"/>
+                      <a:endParaRPr lang="fr-FR" sz="1800" b="1" kern="1200" dirty="0">
+                        <a:solidFill>
+                          <a:schemeClr val="dk1"/>
+                        </a:solidFill>
+                        <a:effectLst/>
+                        <a:latin typeface="+mn-lt"/>
+                        <a:ea typeface="+mn-ea"/>
+                        <a:cs typeface="+mn-cs"/>
+                      </a:endParaRPr>
+                    </a:p>
+                  </a:txBody>
+                  <a:tcPr>
+                    <a:solidFill>
+                      <a:srgbClr val="E9EBF5"/>
+                    </a:solidFill>
+                  </a:tcPr>
+                </a:tc>
+                <a:tc>
+                  <a:txBody>
+                    <a:bodyPr/>
+                    <a:lstStyle/>
+                    <a:p>
+                      <a:pPr marL="0" marR="0" lvl="0" indent="0" algn="ctr" defTabSz="914400" rtl="0" eaLnBrk="1" fontAlgn="auto" latinLnBrk="0" hangingPunct="1">
+                        <a:lnSpc>
+                          <a:spcPct val="100000"/>
+                        </a:lnSpc>
+                        <a:spcBef>
+                          <a:spcPts val="0"/>
+                        </a:spcBef>
+                        <a:spcAft>
+                          <a:spcPts val="0"/>
+                        </a:spcAft>
+                        <a:buClrTx/>
+                        <a:buSzTx/>
+                        <a:buFontTx/>
+                        <a:buNone/>
+                        <a:tabLst/>
+                        <a:defRPr/>
+                      </a:pPr>
+                      <a:r>
+                        <a:rPr lang="en-US" sz="1800" b="1" kern="1200" dirty="0">
+                          <a:solidFill>
+                            <a:schemeClr val="dk1"/>
+                          </a:solidFill>
+                          <a:effectLst/>
+                          <a:latin typeface="+mn-lt"/>
+                          <a:ea typeface="+mn-ea"/>
+                          <a:cs typeface="+mn-cs"/>
+                        </a:rPr>
+                        <a:t>Sometimes = 1 </a:t>
+                      </a:r>
+                      <a:endParaRPr lang="fr-FR" sz="1800" b="1" kern="1200" dirty="0">
+                        <a:solidFill>
+                          <a:schemeClr val="dk1"/>
+                        </a:solidFill>
+                        <a:effectLst/>
+                        <a:latin typeface="+mn-lt"/>
+                        <a:ea typeface="+mn-ea"/>
+                        <a:cs typeface="+mn-cs"/>
+                      </a:endParaRPr>
+                    </a:p>
+                  </a:txBody>
+                  <a:tcPr>
+                    <a:solidFill>
+                      <a:srgbClr val="E9EBF5"/>
+                    </a:solidFill>
+                  </a:tcPr>
+                </a:tc>
+                <a:tc>
+                  <a:txBody>
+                    <a:bodyPr/>
+                    <a:lstStyle/>
+                    <a:p>
+                      <a:pPr marL="0" algn="ctr" defTabSz="914400" rtl="0" eaLnBrk="1" latinLnBrk="0" hangingPunct="1"/>
+                      <a:r>
+                        <a:rPr lang="en-US" sz="1800" b="1" kern="1200" dirty="0">
+                          <a:solidFill>
+                            <a:schemeClr val="dk1"/>
+                          </a:solidFill>
+                          <a:effectLst/>
+                          <a:latin typeface="+mn-lt"/>
+                          <a:ea typeface="+mn-ea"/>
+                          <a:cs typeface="+mn-cs"/>
+                        </a:rPr>
+                        <a:t>Frequently = 2</a:t>
+                      </a:r>
+                      <a:endParaRPr lang="fr-FR" sz="1800" b="1" kern="1200" dirty="0">
+                        <a:solidFill>
+                          <a:schemeClr val="dk1"/>
+                        </a:solidFill>
+                        <a:effectLst/>
+                        <a:latin typeface="+mn-lt"/>
+                        <a:ea typeface="+mn-ea"/>
+                        <a:cs typeface="+mn-cs"/>
+                      </a:endParaRPr>
+                    </a:p>
+                  </a:txBody>
+                  <a:tcPr>
+                    <a:solidFill>
+                      <a:srgbClr val="E9EBF5"/>
+                    </a:solidFill>
+                  </a:tcPr>
+                </a:tc>
+                <a:tc>
+                  <a:txBody>
+                    <a:bodyPr/>
+                    <a:lstStyle/>
+                    <a:p>
+                      <a:pPr marL="0" marR="0" lvl="0" indent="0" algn="ctr" defTabSz="914400" rtl="0" eaLnBrk="1" fontAlgn="auto" latinLnBrk="0" hangingPunct="1">
+                        <a:lnSpc>
+                          <a:spcPct val="100000"/>
+                        </a:lnSpc>
+                        <a:spcBef>
+                          <a:spcPts val="0"/>
+                        </a:spcBef>
+                        <a:spcAft>
+                          <a:spcPts val="0"/>
+                        </a:spcAft>
+                        <a:buClrTx/>
+                        <a:buSzTx/>
+                        <a:buFontTx/>
+                        <a:buNone/>
+                        <a:tabLst/>
+                        <a:defRPr/>
+                      </a:pPr>
+                      <a:r>
+                        <a:rPr lang="en-US" sz="1800" b="1" kern="1200" dirty="0">
+                          <a:solidFill>
+                            <a:schemeClr val="dk1"/>
+                          </a:solidFill>
+                          <a:effectLst/>
+                          <a:latin typeface="+mn-lt"/>
+                          <a:ea typeface="+mn-ea"/>
+                          <a:cs typeface="+mn-cs"/>
+                        </a:rPr>
+                        <a:t>Always = 3</a:t>
+                      </a:r>
+                      <a:endParaRPr lang="fr-FR" sz="1800" b="1" kern="1200" dirty="0">
+                        <a:solidFill>
+                          <a:schemeClr val="dk1"/>
+                        </a:solidFill>
+                        <a:effectLst/>
+                        <a:latin typeface="+mn-lt"/>
+                        <a:ea typeface="+mn-ea"/>
+                        <a:cs typeface="+mn-cs"/>
+                      </a:endParaRPr>
+                    </a:p>
+                    <a:p>
+                      <a:pPr marL="0" algn="ctr" defTabSz="914400" rtl="0" eaLnBrk="1" latinLnBrk="0" hangingPunct="1"/>
+                      <a:endParaRPr lang="fr-FR" sz="1800" b="1" kern="1200" dirty="0">
+                        <a:solidFill>
+                          <a:schemeClr val="dk1"/>
+                        </a:solidFill>
+                        <a:effectLst/>
+                        <a:latin typeface="+mn-lt"/>
+                        <a:ea typeface="+mn-ea"/>
+                        <a:cs typeface="+mn-cs"/>
+                      </a:endParaRPr>
+                    </a:p>
+                  </a:txBody>
+                  <a:tcPr>
+                    <a:solidFill>
+                      <a:srgbClr val="E9EBF5"/>
+                    </a:solidFill>
+                  </a:tcPr>
+                </a:tc>
+                <a:extLst>
+                  <a:ext uri="{0D108BD9-81ED-4DB2-BD59-A6C34878D82A}">
+                    <a16:rowId xmlns:a16="http://schemas.microsoft.com/office/drawing/2014/main" val="224210264"/>
+                  </a:ext>
+                </a:extLst>
+              </a:tr>
+            </a:tbl>
+          </a:graphicData>
+        </a:graphic>
+      </p:graphicFrame>
+      <p:graphicFrame>
+        <p:nvGraphicFramePr>
+          <p:cNvPr id="7" name="Tableau 6">
+            <a:extLst>
+              <a:ext uri="{FF2B5EF4-FFF2-40B4-BE49-F238E27FC236}">
+                <a16:creationId xmlns:a16="http://schemas.microsoft.com/office/drawing/2014/main" id="{A64BFAA4-1D6B-4D57-8231-10857EC0C056}"/>
+              </a:ext>
+            </a:extLst>
+          </p:cNvPr>
+          <p:cNvGraphicFramePr>
+            <a:graphicFrameLocks noGrp="1"/>
+          </p:cNvGraphicFramePr>
+          <p:nvPr>
+            <p:extLst>
+              <p:ext uri="{D42A27DB-BD31-4B8C-83A1-F6EECF244321}">
+                <p14:modId xmlns:p14="http://schemas.microsoft.com/office/powerpoint/2010/main" val="590708782"/>
+              </p:ext>
+            </p:extLst>
+          </p:nvPr>
+        </p:nvGraphicFramePr>
+        <p:xfrm>
+          <a:off x="186430" y="4441430"/>
+          <a:ext cx="11819140" cy="607170"/>
+        </p:xfrm>
+        <a:graphic>
+          <a:graphicData uri="http://schemas.openxmlformats.org/drawingml/2006/table">
+            <a:tbl>
+              <a:tblPr firstRow="1" bandRow="1">
+                <a:tableStyleId>{5C22544A-7EE6-4342-B048-85BDC9FD1C3A}</a:tableStyleId>
+              </a:tblPr>
+              <a:tblGrid>
+                <a:gridCol w="3266984">
+                  <a:extLst>
+                    <a:ext uri="{9D8B030D-6E8A-4147-A177-3AD203B41FA5}">
+                      <a16:colId xmlns:a16="http://schemas.microsoft.com/office/drawing/2014/main" val="2057142947"/>
+                    </a:ext>
+                  </a:extLst>
+                </a:gridCol>
+                <a:gridCol w="1722268">
+                  <a:extLst>
+                    <a:ext uri="{9D8B030D-6E8A-4147-A177-3AD203B41FA5}">
+                      <a16:colId xmlns:a16="http://schemas.microsoft.com/office/drawing/2014/main" val="1733800063"/>
+                    </a:ext>
+                  </a:extLst>
+                </a:gridCol>
+                <a:gridCol w="1651246">
+                  <a:extLst>
+                    <a:ext uri="{9D8B030D-6E8A-4147-A177-3AD203B41FA5}">
+                      <a16:colId xmlns:a16="http://schemas.microsoft.com/office/drawing/2014/main" val="2620401219"/>
+                    </a:ext>
+                  </a:extLst>
+                </a:gridCol>
+                <a:gridCol w="1047565">
+                  <a:extLst>
+                    <a:ext uri="{9D8B030D-6E8A-4147-A177-3AD203B41FA5}">
+                      <a16:colId xmlns:a16="http://schemas.microsoft.com/office/drawing/2014/main" val="1655830984"/>
+                    </a:ext>
+                  </a:extLst>
+                </a:gridCol>
+                <a:gridCol w="2775863">
+                  <a:extLst>
+                    <a:ext uri="{9D8B030D-6E8A-4147-A177-3AD203B41FA5}">
+                      <a16:colId xmlns:a16="http://schemas.microsoft.com/office/drawing/2014/main" val="3537328702"/>
+                    </a:ext>
+                  </a:extLst>
+                </a:gridCol>
+                <a:gridCol w="1355214">
+                  <a:extLst>
+                    <a:ext uri="{9D8B030D-6E8A-4147-A177-3AD203B41FA5}">
+                      <a16:colId xmlns:a16="http://schemas.microsoft.com/office/drawing/2014/main" val="1111631344"/>
+                    </a:ext>
+                  </a:extLst>
+                </a:gridCol>
+              </a:tblGrid>
+              <a:tr h="607170">
+                <a:tc>
+                  <a:txBody>
+                    <a:bodyPr/>
+                    <a:lstStyle/>
+                    <a:p>
+                      <a:r>
+                        <a:rPr lang="en-US" sz="1800" b="1" kern="1200" dirty="0">
+                          <a:solidFill>
+                            <a:schemeClr val="dk1"/>
+                          </a:solidFill>
+                          <a:effectLst/>
+                          <a:latin typeface="+mn-lt"/>
+                          <a:ea typeface="+mn-ea"/>
+                          <a:cs typeface="+mn-cs"/>
+                        </a:rPr>
+                        <a:t>MTRANS</a:t>
+                      </a:r>
+                      <a:r>
+                        <a:rPr lang="en-US" sz="1800" kern="1200" dirty="0">
+                          <a:solidFill>
+                            <a:schemeClr val="dk1"/>
+                          </a:solidFill>
+                          <a:effectLst/>
+                          <a:latin typeface="+mn-lt"/>
+                          <a:ea typeface="+mn-ea"/>
+                          <a:cs typeface="+mn-cs"/>
+                        </a:rPr>
+                        <a:t> (Transportation used)</a:t>
+                      </a:r>
+                      <a:endParaRPr lang="fr-FR" dirty="0"/>
+                    </a:p>
+                  </a:txBody>
+                  <a:tcPr>
+                    <a:solidFill>
+                      <a:srgbClr val="E9EBF5"/>
+                    </a:solidFill>
+                  </a:tcPr>
+                </a:tc>
+                <a:tc>
+                  <a:txBody>
+                    <a:bodyPr/>
+                    <a:lstStyle/>
+                    <a:p>
+                      <a:pPr algn="ctr"/>
+                      <a:r>
+                        <a:rPr lang="en-US" sz="1800" kern="1200" dirty="0">
+                          <a:solidFill>
+                            <a:schemeClr val="dk1"/>
+                          </a:solidFill>
+                          <a:effectLst/>
+                          <a:latin typeface="+mn-lt"/>
+                          <a:ea typeface="+mn-ea"/>
+                          <a:cs typeface="+mn-cs"/>
+                        </a:rPr>
+                        <a:t>Automobile = 0</a:t>
+                      </a:r>
+                      <a:endParaRPr lang="fr-FR" dirty="0"/>
+                    </a:p>
+                  </a:txBody>
+                  <a:tcPr>
+                    <a:solidFill>
+                      <a:srgbClr val="E9EBF5"/>
+                    </a:solidFill>
+                  </a:tcPr>
+                </a:tc>
+                <a:tc>
+                  <a:txBody>
+                    <a:bodyPr/>
+                    <a:lstStyle/>
+                    <a:p>
+                      <a:pPr algn="ctr"/>
+                      <a:r>
+                        <a:rPr lang="en-US" sz="1800" kern="1200" dirty="0">
+                          <a:solidFill>
+                            <a:schemeClr val="dk1"/>
+                          </a:solidFill>
+                          <a:effectLst/>
+                          <a:latin typeface="+mn-lt"/>
+                          <a:ea typeface="+mn-ea"/>
+                          <a:cs typeface="+mn-cs"/>
+                        </a:rPr>
+                        <a:t>Motorbike = 1</a:t>
+                      </a:r>
+                      <a:endParaRPr lang="fr-FR" dirty="0"/>
+                    </a:p>
+                  </a:txBody>
+                  <a:tcPr>
+                    <a:solidFill>
+                      <a:srgbClr val="E9EBF5"/>
+                    </a:solidFill>
+                  </a:tcPr>
+                </a:tc>
+                <a:tc>
+                  <a:txBody>
+                    <a:bodyPr/>
+                    <a:lstStyle/>
+                    <a:p>
+                      <a:pPr algn="ctr"/>
+                      <a:r>
+                        <a:rPr lang="en-US" sz="1800" kern="1200" dirty="0">
+                          <a:solidFill>
+                            <a:schemeClr val="dk1"/>
+                          </a:solidFill>
+                          <a:effectLst/>
+                          <a:latin typeface="+mn-lt"/>
+                          <a:ea typeface="+mn-ea"/>
+                          <a:cs typeface="+mn-cs"/>
+                        </a:rPr>
+                        <a:t>Bike = 2</a:t>
+                      </a:r>
+                      <a:endParaRPr lang="fr-FR" dirty="0"/>
+                    </a:p>
+                  </a:txBody>
+                  <a:tcPr>
+                    <a:solidFill>
+                      <a:srgbClr val="E9EBF5"/>
+                    </a:solidFill>
+                  </a:tcPr>
+                </a:tc>
+                <a:tc>
+                  <a:txBody>
+                    <a:bodyPr/>
+                    <a:lstStyle/>
+                    <a:p>
+                      <a:pPr algn="ctr"/>
+                      <a:r>
+                        <a:rPr lang="en-US" sz="1800" kern="1200" dirty="0">
+                          <a:solidFill>
+                            <a:schemeClr val="dk1"/>
+                          </a:solidFill>
+                          <a:effectLst/>
+                          <a:latin typeface="+mn-lt"/>
+                          <a:ea typeface="+mn-ea"/>
+                          <a:cs typeface="+mn-cs"/>
+                        </a:rPr>
+                        <a:t>Public Transportation = 3</a:t>
+                      </a:r>
+                      <a:endParaRPr lang="fr-FR" dirty="0"/>
+                    </a:p>
+                  </a:txBody>
+                  <a:tcPr>
+                    <a:solidFill>
+                      <a:srgbClr val="E9EBF5"/>
+                    </a:solidFill>
+                  </a:tcPr>
+                </a:tc>
+                <a:tc>
+                  <a:txBody>
+                    <a:bodyPr/>
+                    <a:lstStyle/>
+                    <a:p>
+                      <a:pPr algn="ctr"/>
+                      <a:r>
+                        <a:rPr lang="en-US" sz="1800" kern="1200" dirty="0">
+                          <a:solidFill>
+                            <a:schemeClr val="dk1"/>
+                          </a:solidFill>
+                          <a:effectLst/>
+                          <a:latin typeface="+mn-lt"/>
+                          <a:ea typeface="+mn-ea"/>
+                          <a:cs typeface="+mn-cs"/>
+                        </a:rPr>
+                        <a:t>Walking = 4</a:t>
+                      </a:r>
+                      <a:endParaRPr lang="fr-FR" dirty="0"/>
+                    </a:p>
+                  </a:txBody>
+                  <a:tcPr>
+                    <a:solidFill>
+                      <a:srgbClr val="E9EBF5"/>
+                    </a:solidFill>
+                  </a:tcPr>
+                </a:tc>
+                <a:extLst>
+                  <a:ext uri="{0D108BD9-81ED-4DB2-BD59-A6C34878D82A}">
+                    <a16:rowId xmlns:a16="http://schemas.microsoft.com/office/drawing/2014/main" val="581523632"/>
+                  </a:ext>
+                </a:extLst>
+              </a:tr>
+            </a:tbl>
+          </a:graphicData>
+        </a:graphic>
+      </p:graphicFrame>
+      <p:graphicFrame>
+        <p:nvGraphicFramePr>
+          <p:cNvPr id="8" name="Tableau 7">
+            <a:extLst>
+              <a:ext uri="{FF2B5EF4-FFF2-40B4-BE49-F238E27FC236}">
+                <a16:creationId xmlns:a16="http://schemas.microsoft.com/office/drawing/2014/main" id="{98578D0D-B296-40C4-9281-C21935637A96}"/>
+              </a:ext>
+            </a:extLst>
+          </p:cNvPr>
+          <p:cNvGraphicFramePr>
+            <a:graphicFrameLocks noGrp="1"/>
+          </p:cNvGraphicFramePr>
+          <p:nvPr>
+            <p:extLst>
+              <p:ext uri="{D42A27DB-BD31-4B8C-83A1-F6EECF244321}">
+                <p14:modId xmlns:p14="http://schemas.microsoft.com/office/powerpoint/2010/main" val="2899766445"/>
+              </p:ext>
+            </p:extLst>
+          </p:nvPr>
+        </p:nvGraphicFramePr>
+        <p:xfrm>
+          <a:off x="186430" y="5190543"/>
+          <a:ext cx="11819141" cy="1463040"/>
+        </p:xfrm>
+        <a:graphic>
+          <a:graphicData uri="http://schemas.openxmlformats.org/drawingml/2006/table">
+            <a:tbl>
+              <a:tblPr firstRow="1" bandRow="1">
+                <a:tableStyleId>{5C22544A-7EE6-4342-B048-85BDC9FD1C3A}</a:tableStyleId>
+              </a:tblPr>
+              <a:tblGrid>
+                <a:gridCol w="1944211">
+                  <a:extLst>
+                    <a:ext uri="{9D8B030D-6E8A-4147-A177-3AD203B41FA5}">
+                      <a16:colId xmlns:a16="http://schemas.microsoft.com/office/drawing/2014/main" val="3685183705"/>
+                    </a:ext>
+                  </a:extLst>
+                </a:gridCol>
+                <a:gridCol w="1305017">
+                  <a:extLst>
+                    <a:ext uri="{9D8B030D-6E8A-4147-A177-3AD203B41FA5}">
+                      <a16:colId xmlns:a16="http://schemas.microsoft.com/office/drawing/2014/main" val="982552543"/>
+                    </a:ext>
+                  </a:extLst>
+                </a:gridCol>
+                <a:gridCol w="1606859">
+                  <a:extLst>
+                    <a:ext uri="{9D8B030D-6E8A-4147-A177-3AD203B41FA5}">
+                      <a16:colId xmlns:a16="http://schemas.microsoft.com/office/drawing/2014/main" val="2919782079"/>
+                    </a:ext>
+                  </a:extLst>
+                </a:gridCol>
+                <a:gridCol w="1562469">
+                  <a:extLst>
+                    <a:ext uri="{9D8B030D-6E8A-4147-A177-3AD203B41FA5}">
+                      <a16:colId xmlns:a16="http://schemas.microsoft.com/office/drawing/2014/main" val="765399280"/>
+                    </a:ext>
+                  </a:extLst>
+                </a:gridCol>
+                <a:gridCol w="1518082">
+                  <a:extLst>
+                    <a:ext uri="{9D8B030D-6E8A-4147-A177-3AD203B41FA5}">
+                      <a16:colId xmlns:a16="http://schemas.microsoft.com/office/drawing/2014/main" val="939324222"/>
+                    </a:ext>
+                  </a:extLst>
+                </a:gridCol>
+                <a:gridCol w="1287262">
+                  <a:extLst>
+                    <a:ext uri="{9D8B030D-6E8A-4147-A177-3AD203B41FA5}">
+                      <a16:colId xmlns:a16="http://schemas.microsoft.com/office/drawing/2014/main" val="3278995759"/>
+                    </a:ext>
+                  </a:extLst>
+                </a:gridCol>
+                <a:gridCol w="1322773">
+                  <a:extLst>
+                    <a:ext uri="{9D8B030D-6E8A-4147-A177-3AD203B41FA5}">
+                      <a16:colId xmlns:a16="http://schemas.microsoft.com/office/drawing/2014/main" val="1522041907"/>
+                    </a:ext>
+                  </a:extLst>
+                </a:gridCol>
+                <a:gridCol w="1272468">
+                  <a:extLst>
+                    <a:ext uri="{9D8B030D-6E8A-4147-A177-3AD203B41FA5}">
+                      <a16:colId xmlns:a16="http://schemas.microsoft.com/office/drawing/2014/main" val="1553249112"/>
+                    </a:ext>
+                  </a:extLst>
+                </a:gridCol>
+              </a:tblGrid>
+              <a:tr h="607170">
+                <a:tc>
+                  <a:txBody>
+                    <a:bodyPr/>
+                    <a:lstStyle/>
+                    <a:p>
+                      <a:pPr marL="0" marR="0" lvl="0" indent="0" algn="just" defTabSz="914400" rtl="0" eaLnBrk="1" fontAlgn="auto" latinLnBrk="0" hangingPunct="1">
+                        <a:lnSpc>
+                          <a:spcPct val="100000"/>
+                        </a:lnSpc>
+                        <a:spcBef>
+                          <a:spcPts val="0"/>
+                        </a:spcBef>
+                        <a:spcAft>
+                          <a:spcPts val="0"/>
+                        </a:spcAft>
+                        <a:buClrTx/>
+                        <a:buSzTx/>
+                        <a:buFontTx/>
+                        <a:buNone/>
+                        <a:tabLst/>
+                        <a:defRPr/>
+                      </a:pPr>
+                      <a:r>
+                        <a:rPr lang="en-US" sz="1800" b="1" kern="1200" dirty="0" err="1">
+                          <a:solidFill>
+                            <a:schemeClr val="dk1"/>
+                          </a:solidFill>
+                          <a:effectLst/>
+                          <a:latin typeface="+mn-lt"/>
+                          <a:ea typeface="+mn-ea"/>
+                          <a:cs typeface="+mn-cs"/>
+                        </a:rPr>
+                        <a:t>NObeyesdad</a:t>
+                      </a:r>
+                      <a:r>
+                        <a:rPr lang="en-US" sz="1800" kern="1200" dirty="0">
+                          <a:solidFill>
+                            <a:schemeClr val="dk1"/>
+                          </a:solidFill>
+                          <a:effectLst/>
+                          <a:latin typeface="+mn-lt"/>
+                          <a:ea typeface="+mn-ea"/>
+                          <a:cs typeface="+mn-cs"/>
+                        </a:rPr>
+                        <a:t> (target variable)</a:t>
+                      </a:r>
+                      <a:endParaRPr lang="fr-FR" dirty="0"/>
+                    </a:p>
+                  </a:txBody>
+                  <a:tcPr>
+                    <a:solidFill>
+                      <a:srgbClr val="E9EBF5"/>
+                    </a:solidFill>
+                  </a:tcPr>
+                </a:tc>
+                <a:tc>
+                  <a:txBody>
+                    <a:bodyPr/>
+                    <a:lstStyle/>
+                    <a:p>
+                      <a:pPr marL="0" marR="0" lvl="0" indent="0" algn="ctr" defTabSz="914400" rtl="0" eaLnBrk="1" fontAlgn="auto" latinLnBrk="0" hangingPunct="1">
+                        <a:lnSpc>
+                          <a:spcPct val="100000"/>
+                        </a:lnSpc>
+                        <a:spcBef>
+                          <a:spcPts val="0"/>
+                        </a:spcBef>
+                        <a:spcAft>
+                          <a:spcPts val="0"/>
+                        </a:spcAft>
+                        <a:buClrTx/>
+                        <a:buSzTx/>
+                        <a:buFontTx/>
+                        <a:buNone/>
+                        <a:tabLst/>
+                        <a:defRPr/>
+                      </a:pPr>
+                      <a:endParaRPr lang="en-US" sz="1800" kern="1200" dirty="0">
+                        <a:solidFill>
+                          <a:schemeClr val="dk1"/>
+                        </a:solidFill>
+                        <a:effectLst/>
+                        <a:latin typeface="+mn-lt"/>
+                        <a:ea typeface="+mn-ea"/>
+                        <a:cs typeface="+mn-cs"/>
+                      </a:endParaRPr>
+                    </a:p>
+                    <a:p>
+                      <a:pPr marL="0" marR="0" lvl="0" indent="0" algn="ctr" defTabSz="914400" rtl="0" eaLnBrk="1" fontAlgn="auto" latinLnBrk="0" hangingPunct="1">
+                        <a:lnSpc>
+                          <a:spcPct val="100000"/>
+                        </a:lnSpc>
+                        <a:spcBef>
+                          <a:spcPts val="0"/>
+                        </a:spcBef>
+                        <a:spcAft>
+                          <a:spcPts val="0"/>
+                        </a:spcAft>
+                        <a:buClrTx/>
+                        <a:buSzTx/>
+                        <a:buFontTx/>
+                        <a:buNone/>
+                        <a:tabLst/>
+                        <a:defRPr/>
+                      </a:pPr>
+                      <a:r>
+                        <a:rPr lang="en-US" sz="1800" kern="1200" dirty="0">
+                          <a:solidFill>
+                            <a:schemeClr val="dk1"/>
+                          </a:solidFill>
+                          <a:effectLst/>
+                          <a:latin typeface="+mn-lt"/>
+                          <a:ea typeface="+mn-ea"/>
+                          <a:cs typeface="+mn-cs"/>
+                        </a:rPr>
+                        <a:t>Insufficient Weight = 0</a:t>
+                      </a:r>
+                    </a:p>
+                    <a:p>
+                      <a:pPr marL="0" marR="0" lvl="0" indent="0" algn="ctr" defTabSz="914400" rtl="0" eaLnBrk="1" fontAlgn="auto" latinLnBrk="0" hangingPunct="1">
+                        <a:lnSpc>
+                          <a:spcPct val="100000"/>
+                        </a:lnSpc>
+                        <a:spcBef>
+                          <a:spcPts val="0"/>
+                        </a:spcBef>
+                        <a:spcAft>
+                          <a:spcPts val="0"/>
+                        </a:spcAft>
+                        <a:buClrTx/>
+                        <a:buSzTx/>
+                        <a:buFontTx/>
+                        <a:buNone/>
+                        <a:tabLst/>
+                        <a:defRPr/>
+                      </a:pPr>
+                      <a:endParaRPr lang="en-US" sz="1800" kern="1200" dirty="0">
+                        <a:solidFill>
+                          <a:schemeClr val="dk1"/>
+                        </a:solidFill>
+                        <a:effectLst/>
+                        <a:latin typeface="+mn-lt"/>
+                        <a:ea typeface="+mn-ea"/>
+                        <a:cs typeface="+mn-cs"/>
+                      </a:endParaRPr>
+                    </a:p>
+                    <a:p>
+                      <a:pPr algn="ctr"/>
+                      <a:endParaRPr lang="fr-FR" dirty="0"/>
+                    </a:p>
+                  </a:txBody>
+                  <a:tcPr>
+                    <a:solidFill>
+                      <a:srgbClr val="E9EBF5"/>
+                    </a:solidFill>
+                  </a:tcPr>
+                </a:tc>
+                <a:tc>
+                  <a:txBody>
+                    <a:bodyPr/>
+                    <a:lstStyle/>
+                    <a:p>
+                      <a:pPr marL="0" marR="0" lvl="0" indent="0" algn="ctr" defTabSz="914400" rtl="0" eaLnBrk="1" fontAlgn="auto" latinLnBrk="0" hangingPunct="1">
+                        <a:lnSpc>
+                          <a:spcPct val="100000"/>
+                        </a:lnSpc>
+                        <a:spcBef>
+                          <a:spcPts val="0"/>
+                        </a:spcBef>
+                        <a:spcAft>
+                          <a:spcPts val="0"/>
+                        </a:spcAft>
+                        <a:buClrTx/>
+                        <a:buSzTx/>
+                        <a:buFontTx/>
+                        <a:buNone/>
+                        <a:tabLst/>
+                        <a:defRPr/>
+                      </a:pPr>
+                      <a:endParaRPr lang="en-US" sz="1800" kern="1200" dirty="0">
+                        <a:solidFill>
+                          <a:schemeClr val="dk1"/>
+                        </a:solidFill>
+                        <a:effectLst/>
+                        <a:latin typeface="+mn-lt"/>
+                        <a:ea typeface="+mn-ea"/>
+                        <a:cs typeface="+mn-cs"/>
+                      </a:endParaRPr>
+                    </a:p>
+                    <a:p>
+                      <a:pPr marL="0" marR="0" lvl="0" indent="0" algn="ctr" defTabSz="914400" rtl="0" eaLnBrk="1" fontAlgn="auto" latinLnBrk="0" hangingPunct="1">
+                        <a:lnSpc>
+                          <a:spcPct val="100000"/>
+                        </a:lnSpc>
+                        <a:spcBef>
+                          <a:spcPts val="0"/>
+                        </a:spcBef>
+                        <a:spcAft>
+                          <a:spcPts val="0"/>
+                        </a:spcAft>
+                        <a:buClrTx/>
+                        <a:buSzTx/>
+                        <a:buFontTx/>
+                        <a:buNone/>
+                        <a:tabLst/>
+                        <a:defRPr/>
+                      </a:pPr>
+                      <a:r>
+                        <a:rPr lang="en-US" sz="1800" kern="1200" dirty="0">
+                          <a:solidFill>
+                            <a:schemeClr val="dk1"/>
+                          </a:solidFill>
+                          <a:effectLst/>
+                          <a:latin typeface="+mn-lt"/>
+                          <a:ea typeface="+mn-ea"/>
+                          <a:cs typeface="+mn-cs"/>
+                        </a:rPr>
+                        <a:t>Normal </a:t>
+                      </a:r>
+                    </a:p>
+                    <a:p>
+                      <a:pPr marL="0" marR="0" lvl="0" indent="0" algn="ctr" defTabSz="914400" rtl="0" eaLnBrk="1" fontAlgn="auto" latinLnBrk="0" hangingPunct="1">
+                        <a:lnSpc>
+                          <a:spcPct val="100000"/>
+                        </a:lnSpc>
+                        <a:spcBef>
+                          <a:spcPts val="0"/>
+                        </a:spcBef>
+                        <a:spcAft>
+                          <a:spcPts val="0"/>
+                        </a:spcAft>
+                        <a:buClrTx/>
+                        <a:buSzTx/>
+                        <a:buFontTx/>
+                        <a:buNone/>
+                        <a:tabLst/>
+                        <a:defRPr/>
+                      </a:pPr>
+                      <a:r>
+                        <a:rPr lang="en-US" sz="1800" kern="1200" dirty="0">
+                          <a:solidFill>
+                            <a:schemeClr val="dk1"/>
+                          </a:solidFill>
+                          <a:effectLst/>
+                          <a:latin typeface="+mn-lt"/>
+                          <a:ea typeface="+mn-ea"/>
+                          <a:cs typeface="+mn-cs"/>
+                        </a:rPr>
+                        <a:t>Weight = 1</a:t>
+                      </a:r>
+                      <a:endParaRPr lang="fr-FR" sz="1800" kern="1200" dirty="0">
+                        <a:solidFill>
+                          <a:schemeClr val="dk1"/>
+                        </a:solidFill>
+                        <a:effectLst/>
+                        <a:latin typeface="+mn-lt"/>
+                        <a:ea typeface="+mn-ea"/>
+                        <a:cs typeface="+mn-cs"/>
+                      </a:endParaRPr>
+                    </a:p>
+                    <a:p>
+                      <a:pPr algn="ctr"/>
+                      <a:endParaRPr lang="fr-FR" dirty="0"/>
+                    </a:p>
+                  </a:txBody>
+                  <a:tcPr>
+                    <a:solidFill>
+                      <a:srgbClr val="E9EBF5"/>
+                    </a:solidFill>
+                  </a:tcPr>
+                </a:tc>
+                <a:tc>
+                  <a:txBody>
+                    <a:bodyPr/>
+                    <a:lstStyle/>
+                    <a:p>
+                      <a:pPr algn="ctr"/>
+                      <a:endParaRPr lang="en-US" sz="1800" kern="1200" dirty="0">
+                        <a:solidFill>
+                          <a:schemeClr val="dk1"/>
+                        </a:solidFill>
+                        <a:effectLst/>
+                        <a:latin typeface="+mn-lt"/>
+                        <a:ea typeface="+mn-ea"/>
+                        <a:cs typeface="+mn-cs"/>
+                      </a:endParaRPr>
+                    </a:p>
+                    <a:p>
+                      <a:pPr algn="ctr"/>
+                      <a:r>
+                        <a:rPr lang="en-US" sz="1800" kern="1200" dirty="0">
+                          <a:solidFill>
+                            <a:schemeClr val="dk1"/>
+                          </a:solidFill>
+                          <a:effectLst/>
+                          <a:latin typeface="+mn-lt"/>
+                          <a:ea typeface="+mn-ea"/>
+                          <a:cs typeface="+mn-cs"/>
+                        </a:rPr>
+                        <a:t>Overweight level I = 2</a:t>
+                      </a:r>
+                    </a:p>
+                    <a:p>
+                      <a:pPr algn="ctr"/>
+                      <a:endParaRPr lang="en-US" sz="1800" kern="1200" dirty="0">
+                        <a:solidFill>
+                          <a:schemeClr val="dk1"/>
+                        </a:solidFill>
+                        <a:effectLst/>
+                        <a:latin typeface="+mn-lt"/>
+                        <a:ea typeface="+mn-ea"/>
+                        <a:cs typeface="+mn-cs"/>
+                      </a:endParaRPr>
+                    </a:p>
+                  </a:txBody>
+                  <a:tcPr>
+                    <a:solidFill>
+                      <a:srgbClr val="E9EBF5"/>
+                    </a:solidFill>
+                  </a:tcPr>
+                </a:tc>
+                <a:tc>
+                  <a:txBody>
+                    <a:bodyPr/>
+                    <a:lstStyle/>
+                    <a:p>
+                      <a:pPr marL="0" marR="0" lvl="0" indent="0" algn="ctr" defTabSz="914400" rtl="0" eaLnBrk="1" fontAlgn="auto" latinLnBrk="0" hangingPunct="1">
+                        <a:lnSpc>
+                          <a:spcPct val="100000"/>
+                        </a:lnSpc>
+                        <a:spcBef>
+                          <a:spcPts val="0"/>
+                        </a:spcBef>
+                        <a:spcAft>
+                          <a:spcPts val="0"/>
+                        </a:spcAft>
+                        <a:buClrTx/>
+                        <a:buSzTx/>
+                        <a:buFontTx/>
+                        <a:buNone/>
+                        <a:tabLst/>
+                        <a:defRPr/>
+                      </a:pPr>
+                      <a:endParaRPr lang="en-US" sz="1800" kern="1200" dirty="0">
+                        <a:solidFill>
+                          <a:schemeClr val="dk1"/>
+                        </a:solidFill>
+                        <a:effectLst/>
+                        <a:latin typeface="+mn-lt"/>
+                        <a:ea typeface="+mn-ea"/>
+                        <a:cs typeface="+mn-cs"/>
+                      </a:endParaRPr>
+                    </a:p>
+                    <a:p>
+                      <a:pPr marL="0" marR="0" lvl="0" indent="0" algn="ctr" defTabSz="914400" rtl="0" eaLnBrk="1" fontAlgn="auto" latinLnBrk="0" hangingPunct="1">
+                        <a:lnSpc>
+                          <a:spcPct val="100000"/>
+                        </a:lnSpc>
+                        <a:spcBef>
+                          <a:spcPts val="0"/>
+                        </a:spcBef>
+                        <a:spcAft>
+                          <a:spcPts val="0"/>
+                        </a:spcAft>
+                        <a:buClrTx/>
+                        <a:buSzTx/>
+                        <a:buFontTx/>
+                        <a:buNone/>
+                        <a:tabLst/>
+                        <a:defRPr/>
+                      </a:pPr>
+                      <a:r>
+                        <a:rPr lang="en-US" sz="1800" kern="1200" dirty="0">
+                          <a:solidFill>
+                            <a:schemeClr val="dk1"/>
+                          </a:solidFill>
+                          <a:effectLst/>
+                          <a:latin typeface="+mn-lt"/>
+                          <a:ea typeface="+mn-ea"/>
+                          <a:cs typeface="+mn-cs"/>
+                        </a:rPr>
+                        <a:t>Overweight level II = 3 </a:t>
+                      </a:r>
+                      <a:endParaRPr lang="fr-FR" dirty="0"/>
+                    </a:p>
+                    <a:p>
+                      <a:pPr algn="ctr"/>
+                      <a:endParaRPr lang="en-US" sz="1800" kern="1200" dirty="0">
+                        <a:solidFill>
+                          <a:schemeClr val="dk1"/>
+                        </a:solidFill>
+                        <a:effectLst/>
+                        <a:latin typeface="+mn-lt"/>
+                        <a:ea typeface="+mn-ea"/>
+                        <a:cs typeface="+mn-cs"/>
+                      </a:endParaRPr>
+                    </a:p>
+                  </a:txBody>
+                  <a:tcPr>
+                    <a:solidFill>
+                      <a:srgbClr val="E9EBF5"/>
+                    </a:solidFill>
+                  </a:tcPr>
+                </a:tc>
+                <a:tc>
+                  <a:txBody>
+                    <a:bodyPr/>
+                    <a:lstStyle/>
+                    <a:p>
+                      <a:pPr algn="ctr"/>
+                      <a:endParaRPr lang="en-US" sz="1800" kern="1200" dirty="0">
+                        <a:solidFill>
+                          <a:schemeClr val="dk1"/>
+                        </a:solidFill>
+                        <a:effectLst/>
+                        <a:latin typeface="+mn-lt"/>
+                        <a:ea typeface="+mn-ea"/>
+                        <a:cs typeface="+mn-cs"/>
+                      </a:endParaRPr>
+                    </a:p>
+                    <a:p>
+                      <a:pPr algn="ctr"/>
+                      <a:r>
+                        <a:rPr lang="en-US" sz="1800" kern="1200" dirty="0">
+                          <a:solidFill>
+                            <a:schemeClr val="dk1"/>
+                          </a:solidFill>
+                          <a:effectLst/>
+                          <a:latin typeface="+mn-lt"/>
+                          <a:ea typeface="+mn-ea"/>
+                          <a:cs typeface="+mn-cs"/>
+                        </a:rPr>
+                        <a:t>Obesity Type I = 4</a:t>
+                      </a:r>
+                    </a:p>
+                  </a:txBody>
+                  <a:tcPr>
+                    <a:solidFill>
+                      <a:srgbClr val="E9EBF5"/>
+                    </a:solidFill>
+                  </a:tcPr>
+                </a:tc>
+                <a:tc>
+                  <a:txBody>
+                    <a:bodyPr/>
+                    <a:lstStyle/>
+                    <a:p>
+                      <a:pPr algn="ctr"/>
+                      <a:endParaRPr lang="en-US" sz="1800" kern="1200" dirty="0">
+                        <a:solidFill>
+                          <a:schemeClr val="dk1"/>
+                        </a:solidFill>
+                        <a:effectLst/>
+                        <a:latin typeface="+mn-lt"/>
+                        <a:ea typeface="+mn-ea"/>
+                        <a:cs typeface="+mn-cs"/>
+                      </a:endParaRPr>
+                    </a:p>
+                    <a:p>
+                      <a:pPr algn="ctr"/>
+                      <a:r>
+                        <a:rPr lang="en-US" sz="1800" kern="1200" dirty="0">
+                          <a:solidFill>
+                            <a:schemeClr val="dk1"/>
+                          </a:solidFill>
+                          <a:effectLst/>
+                          <a:latin typeface="+mn-lt"/>
+                          <a:ea typeface="+mn-ea"/>
+                          <a:cs typeface="+mn-cs"/>
+                        </a:rPr>
+                        <a:t>Obesity type II = 5 </a:t>
+                      </a:r>
+                    </a:p>
+                    <a:p>
+                      <a:pPr algn="ctr"/>
+                      <a:endParaRPr lang="en-US" sz="1800" kern="1200" dirty="0">
+                        <a:solidFill>
+                          <a:schemeClr val="dk1"/>
+                        </a:solidFill>
+                        <a:effectLst/>
+                        <a:latin typeface="+mn-lt"/>
+                        <a:ea typeface="+mn-ea"/>
+                        <a:cs typeface="+mn-cs"/>
+                      </a:endParaRPr>
+                    </a:p>
+                    <a:p>
+                      <a:pPr algn="ctr"/>
+                      <a:endParaRPr lang="en-US" sz="1800" kern="1200" dirty="0">
+                        <a:solidFill>
+                          <a:schemeClr val="dk1"/>
+                        </a:solidFill>
+                        <a:effectLst/>
+                        <a:latin typeface="+mn-lt"/>
+                        <a:ea typeface="+mn-ea"/>
+                        <a:cs typeface="+mn-cs"/>
+                      </a:endParaRPr>
+                    </a:p>
+                  </a:txBody>
+                  <a:tcPr>
+                    <a:solidFill>
+                      <a:srgbClr val="E9EBF5"/>
+                    </a:solidFill>
+                  </a:tcPr>
+                </a:tc>
+                <a:tc>
+                  <a:txBody>
+                    <a:bodyPr/>
+                    <a:lstStyle/>
+                    <a:p>
+                      <a:pPr marL="0" marR="0" lvl="0" indent="0" algn="ctr" defTabSz="914400" rtl="0" eaLnBrk="1" fontAlgn="auto" latinLnBrk="0" hangingPunct="1">
+                        <a:lnSpc>
+                          <a:spcPct val="100000"/>
+                        </a:lnSpc>
+                        <a:spcBef>
+                          <a:spcPts val="0"/>
+                        </a:spcBef>
+                        <a:spcAft>
+                          <a:spcPts val="0"/>
+                        </a:spcAft>
+                        <a:buClrTx/>
+                        <a:buSzTx/>
+                        <a:buFontTx/>
+                        <a:buNone/>
+                        <a:tabLst/>
+                        <a:defRPr/>
+                      </a:pPr>
+                      <a:endParaRPr lang="en-US" sz="1800" kern="1200" dirty="0">
+                        <a:solidFill>
+                          <a:schemeClr val="dk1"/>
+                        </a:solidFill>
+                        <a:effectLst/>
+                        <a:latin typeface="+mn-lt"/>
+                        <a:ea typeface="+mn-ea"/>
+                        <a:cs typeface="+mn-cs"/>
+                      </a:endParaRPr>
+                    </a:p>
+                    <a:p>
+                      <a:pPr marL="0" marR="0" lvl="0" indent="0" algn="ctr" defTabSz="914400" rtl="0" eaLnBrk="1" fontAlgn="auto" latinLnBrk="0" hangingPunct="1">
+                        <a:lnSpc>
+                          <a:spcPct val="100000"/>
+                        </a:lnSpc>
+                        <a:spcBef>
+                          <a:spcPts val="0"/>
+                        </a:spcBef>
+                        <a:spcAft>
+                          <a:spcPts val="0"/>
+                        </a:spcAft>
+                        <a:buClrTx/>
+                        <a:buSzTx/>
+                        <a:buFontTx/>
+                        <a:buNone/>
+                        <a:tabLst/>
+                        <a:defRPr/>
+                      </a:pPr>
+                      <a:r>
+                        <a:rPr lang="en-US" sz="1800" kern="1200" dirty="0">
+                          <a:solidFill>
+                            <a:schemeClr val="dk1"/>
+                          </a:solidFill>
+                          <a:effectLst/>
+                          <a:latin typeface="+mn-lt"/>
+                          <a:ea typeface="+mn-ea"/>
+                          <a:cs typeface="+mn-cs"/>
+                        </a:rPr>
+                        <a:t>Obesity Type III = 6.</a:t>
+                      </a:r>
+                      <a:endParaRPr lang="fr-FR" dirty="0"/>
+                    </a:p>
+                    <a:p>
+                      <a:pPr algn="ctr"/>
+                      <a:endParaRPr lang="en-US" sz="1800" kern="1200" dirty="0">
+                        <a:solidFill>
+                          <a:schemeClr val="dk1"/>
+                        </a:solidFill>
+                        <a:effectLst/>
+                        <a:latin typeface="+mn-lt"/>
+                        <a:ea typeface="+mn-ea"/>
+                        <a:cs typeface="+mn-cs"/>
+                      </a:endParaRPr>
+                    </a:p>
+                  </a:txBody>
+                  <a:tcPr>
+                    <a:solidFill>
+                      <a:srgbClr val="E9EBF5"/>
+                    </a:solidFill>
+                  </a:tcPr>
+                </a:tc>
+                <a:extLst>
+                  <a:ext uri="{0D108BD9-81ED-4DB2-BD59-A6C34878D82A}">
+                    <a16:rowId xmlns:a16="http://schemas.microsoft.com/office/drawing/2014/main" val="2834363343"/>
+                  </a:ext>
+                </a:extLst>
+              </a:tr>
+            </a:tbl>
+          </a:graphicData>
+        </a:graphic>
+      </p:graphicFrame>
+      <p:graphicFrame>
+        <p:nvGraphicFramePr>
+          <p:cNvPr id="9" name="Tableau 8">
+            <a:extLst>
+              <a:ext uri="{FF2B5EF4-FFF2-40B4-BE49-F238E27FC236}">
+                <a16:creationId xmlns:a16="http://schemas.microsoft.com/office/drawing/2014/main" id="{0B3FD43E-5ACD-460A-BA78-77165795EE97}"/>
+              </a:ext>
+            </a:extLst>
+          </p:cNvPr>
+          <p:cNvGraphicFramePr>
+            <a:graphicFrameLocks noGrp="1"/>
+          </p:cNvGraphicFramePr>
+          <p:nvPr>
+            <p:extLst>
+              <p:ext uri="{D42A27DB-BD31-4B8C-83A1-F6EECF244321}">
+                <p14:modId xmlns:p14="http://schemas.microsoft.com/office/powerpoint/2010/main" val="933287634"/>
+              </p:ext>
+            </p:extLst>
+          </p:nvPr>
+        </p:nvGraphicFramePr>
+        <p:xfrm>
+          <a:off x="186430" y="2328744"/>
+          <a:ext cx="11819140" cy="1188720"/>
+        </p:xfrm>
+        <a:graphic>
+          <a:graphicData uri="http://schemas.openxmlformats.org/drawingml/2006/table">
+            <a:tbl>
+              <a:tblPr firstRow="1" bandRow="1">
+                <a:tableStyleId>{5C22544A-7EE6-4342-B048-85BDC9FD1C3A}</a:tableStyleId>
+              </a:tblPr>
+              <a:tblGrid>
+                <a:gridCol w="5113539">
+                  <a:extLst>
+                    <a:ext uri="{9D8B030D-6E8A-4147-A177-3AD203B41FA5}">
+                      <a16:colId xmlns:a16="http://schemas.microsoft.com/office/drawing/2014/main" val="3244798084"/>
+                    </a:ext>
+                  </a:extLst>
+                </a:gridCol>
+                <a:gridCol w="2399931">
+                  <a:extLst>
+                    <a:ext uri="{9D8B030D-6E8A-4147-A177-3AD203B41FA5}">
+                      <a16:colId xmlns:a16="http://schemas.microsoft.com/office/drawing/2014/main" val="2344013428"/>
+                    </a:ext>
+                  </a:extLst>
+                </a:gridCol>
+                <a:gridCol w="4305670">
+                  <a:extLst>
+                    <a:ext uri="{9D8B030D-6E8A-4147-A177-3AD203B41FA5}">
+                      <a16:colId xmlns:a16="http://schemas.microsoft.com/office/drawing/2014/main" val="1273126127"/>
+                    </a:ext>
+                  </a:extLst>
+                </a:gridCol>
+              </a:tblGrid>
+              <a:tr h="1188720">
+                <a:tc>
+                  <a:txBody>
+                    <a:bodyPr/>
+                    <a:lstStyle/>
+                    <a:p>
+                      <a:r>
+                        <a:rPr lang="en-US" sz="1800" b="1" kern="1200" dirty="0" err="1">
+                          <a:solidFill>
+                            <a:schemeClr val="dk1"/>
+                          </a:solidFill>
+                          <a:effectLst/>
+                          <a:latin typeface="+mn-lt"/>
+                          <a:ea typeface="+mn-ea"/>
+                          <a:cs typeface="+mn-cs"/>
+                        </a:rPr>
+                        <a:t>Family_history_with_overweight</a:t>
+                      </a:r>
+                      <a:endParaRPr lang="en-US" sz="1800" b="1" kern="1200" dirty="0">
+                        <a:solidFill>
+                          <a:schemeClr val="dk1"/>
+                        </a:solidFill>
+                        <a:effectLst/>
+                        <a:latin typeface="+mn-lt"/>
+                        <a:ea typeface="+mn-ea"/>
+                        <a:cs typeface="+mn-cs"/>
+                      </a:endParaRPr>
+                    </a:p>
+                    <a:p>
+                      <a:r>
+                        <a:rPr lang="en-US" sz="1800" b="1" kern="1200" dirty="0">
+                          <a:solidFill>
+                            <a:schemeClr val="dk1"/>
+                          </a:solidFill>
+                          <a:effectLst/>
+                          <a:latin typeface="+mn-lt"/>
+                          <a:ea typeface="+mn-ea"/>
+                          <a:cs typeface="+mn-cs"/>
+                        </a:rPr>
+                        <a:t>FAVC</a:t>
+                      </a:r>
+                      <a:r>
+                        <a:rPr lang="en-US" sz="1800" kern="1200" dirty="0">
+                          <a:solidFill>
+                            <a:schemeClr val="dk1"/>
+                          </a:solidFill>
+                          <a:effectLst/>
+                          <a:latin typeface="+mn-lt"/>
+                          <a:ea typeface="+mn-ea"/>
+                          <a:cs typeface="+mn-cs"/>
+                        </a:rPr>
+                        <a:t> (Frequent consumption of high caloric food)</a:t>
+                      </a:r>
+                    </a:p>
+                    <a:p>
+                      <a:r>
+                        <a:rPr lang="en-US" sz="1800" b="1" kern="1200" dirty="0">
+                          <a:solidFill>
+                            <a:schemeClr val="dk1"/>
+                          </a:solidFill>
+                          <a:effectLst/>
+                          <a:latin typeface="+mn-lt"/>
+                          <a:ea typeface="+mn-ea"/>
+                          <a:cs typeface="+mn-cs"/>
+                        </a:rPr>
+                        <a:t>SCC </a:t>
+                      </a:r>
+                      <a:r>
+                        <a:rPr lang="en-US" sz="1800" kern="1200" dirty="0">
+                          <a:solidFill>
+                            <a:schemeClr val="dk1"/>
+                          </a:solidFill>
+                          <a:effectLst/>
+                          <a:latin typeface="+mn-lt"/>
+                          <a:ea typeface="+mn-ea"/>
+                          <a:cs typeface="+mn-cs"/>
+                        </a:rPr>
+                        <a:t>(Calorie’s consumption monitoring)</a:t>
+                      </a:r>
+                    </a:p>
+                    <a:p>
+                      <a:r>
+                        <a:rPr lang="en-US" sz="1800" b="1" kern="1200" dirty="0">
+                          <a:solidFill>
+                            <a:schemeClr val="dk1"/>
+                          </a:solidFill>
+                          <a:effectLst/>
+                          <a:latin typeface="+mn-lt"/>
+                          <a:ea typeface="+mn-ea"/>
+                          <a:cs typeface="+mn-cs"/>
+                        </a:rPr>
+                        <a:t>SMOKE</a:t>
+                      </a:r>
+                      <a:endParaRPr lang="en-US" sz="1800" kern="1200" dirty="0">
+                        <a:solidFill>
+                          <a:schemeClr val="dk1"/>
+                        </a:solidFill>
+                        <a:effectLst/>
+                        <a:latin typeface="+mn-lt"/>
+                        <a:ea typeface="+mn-ea"/>
+                        <a:cs typeface="+mn-cs"/>
+                      </a:endParaRPr>
+                    </a:p>
+                  </a:txBody>
+                  <a:tcPr>
+                    <a:solidFill>
+                      <a:srgbClr val="E9EBF5"/>
+                    </a:solidFill>
+                  </a:tcPr>
+                </a:tc>
+                <a:tc>
+                  <a:txBody>
+                    <a:bodyPr/>
+                    <a:lstStyle/>
+                    <a:p>
+                      <a:pPr marL="0" marR="0" lvl="0" indent="0" algn="ctr" defTabSz="914400" rtl="0" eaLnBrk="1" fontAlgn="auto" latinLnBrk="0" hangingPunct="1">
+                        <a:lnSpc>
+                          <a:spcPct val="100000"/>
+                        </a:lnSpc>
+                        <a:spcBef>
+                          <a:spcPts val="0"/>
+                        </a:spcBef>
+                        <a:spcAft>
+                          <a:spcPts val="0"/>
+                        </a:spcAft>
+                        <a:buClrTx/>
+                        <a:buSzTx/>
+                        <a:buFontTx/>
+                        <a:buNone/>
+                        <a:tabLst/>
+                        <a:defRPr/>
+                      </a:pPr>
+                      <a:endParaRPr lang="en-US" sz="1800" kern="1200" dirty="0">
+                        <a:solidFill>
+                          <a:schemeClr val="dk1"/>
+                        </a:solidFill>
+                        <a:effectLst/>
+                        <a:latin typeface="+mn-lt"/>
+                        <a:ea typeface="+mn-ea"/>
+                        <a:cs typeface="+mn-cs"/>
+                      </a:endParaRPr>
+                    </a:p>
+                    <a:p>
+                      <a:pPr marL="0" marR="0" lvl="0" indent="0" algn="ctr" defTabSz="914400" rtl="0" eaLnBrk="1" fontAlgn="auto" latinLnBrk="0" hangingPunct="1">
+                        <a:lnSpc>
+                          <a:spcPct val="100000"/>
+                        </a:lnSpc>
+                        <a:spcBef>
+                          <a:spcPts val="0"/>
+                        </a:spcBef>
+                        <a:spcAft>
+                          <a:spcPts val="0"/>
+                        </a:spcAft>
+                        <a:buClrTx/>
+                        <a:buSzTx/>
+                        <a:buFontTx/>
+                        <a:buNone/>
+                        <a:tabLst/>
+                        <a:defRPr/>
+                      </a:pPr>
+                      <a:r>
+                        <a:rPr lang="en-US" sz="1800" kern="1200" dirty="0">
+                          <a:solidFill>
+                            <a:schemeClr val="dk1"/>
+                          </a:solidFill>
+                          <a:effectLst/>
+                          <a:latin typeface="+mn-lt"/>
+                          <a:ea typeface="+mn-ea"/>
+                          <a:cs typeface="+mn-cs"/>
+                        </a:rPr>
+                        <a:t>no = 0</a:t>
+                      </a:r>
+                    </a:p>
+                    <a:p>
+                      <a:pPr algn="ctr"/>
+                      <a:endParaRPr lang="fr-FR" dirty="0"/>
+                    </a:p>
+                  </a:txBody>
+                  <a:tcPr>
+                    <a:solidFill>
+                      <a:srgbClr val="E9EBF5"/>
+                    </a:solidFill>
+                  </a:tcPr>
+                </a:tc>
+                <a:tc>
+                  <a:txBody>
+                    <a:bodyPr/>
+                    <a:lstStyle/>
+                    <a:p>
+                      <a:pPr algn="ctr"/>
+                      <a:endParaRPr lang="en-US" sz="1800" kern="1200" dirty="0">
+                        <a:solidFill>
+                          <a:schemeClr val="dk1"/>
+                        </a:solidFill>
+                        <a:effectLst/>
+                        <a:latin typeface="+mn-lt"/>
+                        <a:ea typeface="+mn-ea"/>
+                        <a:cs typeface="+mn-cs"/>
+                      </a:endParaRPr>
+                    </a:p>
+                    <a:p>
+                      <a:pPr algn="ctr"/>
+                      <a:r>
+                        <a:rPr lang="en-US" sz="1800" kern="1200" dirty="0">
+                          <a:solidFill>
+                            <a:schemeClr val="dk1"/>
+                          </a:solidFill>
+                          <a:effectLst/>
+                          <a:latin typeface="+mn-lt"/>
+                          <a:ea typeface="+mn-ea"/>
+                          <a:cs typeface="+mn-cs"/>
+                        </a:rPr>
+                        <a:t>yes = 1</a:t>
+                      </a:r>
+                      <a:endParaRPr lang="fr-FR" dirty="0"/>
+                    </a:p>
+                  </a:txBody>
+                  <a:tcPr>
+                    <a:solidFill>
+                      <a:srgbClr val="E9EBF5"/>
+                    </a:solidFill>
+                  </a:tcPr>
+                </a:tc>
+                <a:extLst>
+                  <a:ext uri="{0D108BD9-81ED-4DB2-BD59-A6C34878D82A}">
+                    <a16:rowId xmlns:a16="http://schemas.microsoft.com/office/drawing/2014/main" val="2011884488"/>
+                  </a:ext>
+                </a:extLst>
+              </a:tr>
+            </a:tbl>
+          </a:graphicData>
+        </a:graphic>
+      </p:graphicFrame>
+      <p:sp>
+        <p:nvSpPr>
+          <p:cNvPr id="12" name="Titre 1">
+            <a:extLst>
+              <a:ext uri="{FF2B5EF4-FFF2-40B4-BE49-F238E27FC236}">
+                <a16:creationId xmlns:a16="http://schemas.microsoft.com/office/drawing/2014/main" id="{8C989D11-E8C9-42EB-8136-8FFE50278FC7}"/>
+              </a:ext>
+            </a:extLst>
+          </p:cNvPr>
+          <p:cNvSpPr txBox="1">
+            <a:spLocks/>
           </p:cNvSpPr>
-          <p:nvPr>
-            <p:ph type="title"/>
-          </p:nvPr>
-        </p:nvSpPr>
-        <p:spPr/>
-        <p:txBody>
-          <a:bodyPr/>
-          <a:lstStyle/>
-          <a:p>
-            <a:r>
-              <a:rPr lang="fr-FR" dirty="0"/>
-              <a:t>IV- </a:t>
-            </a:r>
-            <a:r>
-              <a:rPr lang="fr-FR" dirty="0" err="1"/>
-              <a:t>Prediction</a:t>
-            </a:r>
-            <a:r>
-              <a:rPr lang="fr-FR" dirty="0"/>
-              <a:t> </a:t>
-            </a:r>
-            <a:r>
-              <a:rPr lang="fr-FR" sz="3200" i="1" dirty="0"/>
-              <a:t>(</a:t>
-            </a:r>
-            <a:r>
-              <a:rPr lang="fr-FR" sz="3200" i="1" dirty="0" err="1"/>
-              <a:t>Correlation</a:t>
-            </a:r>
-            <a:r>
-              <a:rPr lang="fr-FR" sz="3200" i="1" dirty="0"/>
-              <a:t> matrix) </a:t>
-            </a:r>
-            <a:endParaRPr lang="en-US" i="1" dirty="0"/>
-          </a:p>
-        </p:txBody>
-      </p:sp>
-      <p:pic>
-        <p:nvPicPr>
-          <p:cNvPr id="5" name="Image 4">
-            <a:extLst>
-              <a:ext uri="{FF2B5EF4-FFF2-40B4-BE49-F238E27FC236}">
-                <a16:creationId xmlns:a16="http://schemas.microsoft.com/office/drawing/2014/main" id="{A3BE7893-5C69-4B50-80A2-D4FD826E5654}"/>
-              </a:ext>
-            </a:extLst>
-          </p:cNvPr>
-          <p:cNvPicPr>
-            <a:picLocks noChangeAspect="1"/>
-          </p:cNvPicPr>
           <p:nvPr/>
-        </p:nvPicPr>
-        <p:blipFill>
-          <a:blip r:embed="rId2"/>
-          <a:stretch>
-            <a:fillRect/>
-          </a:stretch>
-        </p:blipFill>
+        </p:nvSpPr>
         <p:spPr>
           <a:xfrm>
-            <a:off x="838200" y="2891017"/>
-            <a:ext cx="7343775" cy="2390775"/>
+            <a:off x="838200" y="269428"/>
+            <a:ext cx="10515600" cy="1325563"/>
           </a:xfrm>
           <a:prstGeom prst="rect">
             <a:avLst/>
           </a:prstGeom>
         </p:spPr>
-      </p:pic>
-      <p:pic>
-        <p:nvPicPr>
-          <p:cNvPr id="7" name="Image 6">
-            <a:extLst>
-              <a:ext uri="{FF2B5EF4-FFF2-40B4-BE49-F238E27FC236}">
-                <a16:creationId xmlns:a16="http://schemas.microsoft.com/office/drawing/2014/main" id="{F07BB210-4DEF-4CAB-A03F-714B86A93AA0}"/>
-              </a:ext>
-            </a:extLst>
-          </p:cNvPr>
-          <p:cNvPicPr>
-            <a:picLocks noChangeAspect="1"/>
-          </p:cNvPicPr>
-          <p:nvPr/>
-        </p:nvPicPr>
-        <p:blipFill>
-          <a:blip r:embed="rId3"/>
-          <a:stretch>
-            <a:fillRect/>
-          </a:stretch>
-        </p:blipFill>
-        <p:spPr>
-          <a:xfrm>
-            <a:off x="10015680" y="365125"/>
-            <a:ext cx="628964" cy="4725267"/>
-          </a:xfrm>
-          <a:prstGeom prst="rect">
-            <a:avLst/>
-          </a:prstGeom>
-          <a:scene3d>
-            <a:camera prst="orthographicFront">
-              <a:rot lat="300000" lon="0" rev="0"/>
-            </a:camera>
-            <a:lightRig rig="threePt" dir="t"/>
-          </a:scene3d>
-        </p:spPr>
-      </p:pic>
-      <p:sp>
-        <p:nvSpPr>
-          <p:cNvPr id="17" name="ZoneTexte 16">
-            <a:extLst>
-              <a:ext uri="{FF2B5EF4-FFF2-40B4-BE49-F238E27FC236}">
-                <a16:creationId xmlns:a16="http://schemas.microsoft.com/office/drawing/2014/main" id="{DC465AD2-EE40-4B47-93CE-47288324BF07}"/>
-              </a:ext>
-            </a:extLst>
-          </p:cNvPr>
-          <p:cNvSpPr txBox="1"/>
-          <p:nvPr/>
-        </p:nvSpPr>
-        <p:spPr>
-          <a:xfrm>
-            <a:off x="838200" y="1690688"/>
-            <a:ext cx="4961298" cy="1200329"/>
-          </a:xfrm>
-          <a:prstGeom prst="rect">
-            <a:avLst/>
-          </a:prstGeom>
-          <a:noFill/>
-        </p:spPr>
-        <p:txBody>
-          <a:bodyPr wrap="square" rtlCol="0">
-            <a:spAutoFit/>
+        <p:txBody>
+          <a:bodyPr vert="horz" lIns="91440" tIns="45720" rIns="91440" bIns="45720" rtlCol="0" anchor="ctr">
+            <a:normAutofit/>
           </a:bodyPr>
-          <a:lstStyle/>
-          <a:p>
-            <a:pPr algn="just"/>
-            <a:r>
-              <a:rPr lang="en-US" i="1" dirty="0"/>
-              <a:t>After encoding the variables, we did a correlation matrix to see with parameter are the most correlated to the type of Obesity.</a:t>
-            </a:r>
-          </a:p>
-          <a:p>
-            <a:endParaRPr lang="en-US" dirty="0"/>
-          </a:p>
-        </p:txBody>
-      </p:sp>
-      <p:sp>
-        <p:nvSpPr>
-          <p:cNvPr id="19" name="ZoneTexte 18">
-            <a:extLst>
-              <a:ext uri="{FF2B5EF4-FFF2-40B4-BE49-F238E27FC236}">
-                <a16:creationId xmlns:a16="http://schemas.microsoft.com/office/drawing/2014/main" id="{15366453-A4B2-46C1-A19A-9D0988B88C55}"/>
-              </a:ext>
-            </a:extLst>
-          </p:cNvPr>
-          <p:cNvSpPr txBox="1"/>
-          <p:nvPr/>
-        </p:nvSpPr>
-        <p:spPr>
-          <a:xfrm>
-            <a:off x="838200" y="5416908"/>
-            <a:ext cx="10515600" cy="1477328"/>
-          </a:xfrm>
-          <a:prstGeom prst="rect">
-            <a:avLst/>
-          </a:prstGeom>
-          <a:noFill/>
-        </p:spPr>
-        <p:txBody>
-          <a:bodyPr wrap="square" rtlCol="0">
-            <a:spAutoFit/>
-          </a:bodyPr>
-          <a:lstStyle/>
-          <a:p>
-            <a:pPr algn="just"/>
-            <a:r>
-              <a:rPr lang="en-US" i="1" dirty="0"/>
-              <a:t>We can see that the most correlated variable is, </a:t>
+          <a:lstStyle>
+            <a:lvl1pPr algn="l" defTabSz="914400" rtl="0" eaLnBrk="1" latinLnBrk="0" hangingPunct="1">
+              <a:lnSpc>
+                <a:spcPct val="90000"/>
+              </a:lnSpc>
+              <a:spcBef>
+                <a:spcPct val="0"/>
+              </a:spcBef>
+              <a:buNone/>
+              <a:defRPr sz="4400" kern="1200">
+                <a:solidFill>
+                  <a:schemeClr val="tx1"/>
+                </a:solidFill>
+                <a:latin typeface="+mj-lt"/>
+                <a:ea typeface="+mj-ea"/>
+                <a:cs typeface="+mj-cs"/>
+              </a:defRPr>
+            </a:lvl1pPr>
+          </a:lstStyle>
+          <a:p>
+            <a:r>
+              <a:rPr lang="fr-FR" dirty="0"/>
+              <a:t>IV- </a:t>
             </a:r>
             <a:r>
               <a:rPr lang="fr-FR" dirty="0" err="1"/>
-              <a:t>unsurprisingly</a:t>
-            </a:r>
-            <a:r>
-              <a:rPr lang="en-US" i="1" dirty="0"/>
-              <a:t>, the Weight. But we can also see that the family history with overweight is highly correlated to the type of obesity. </a:t>
-            </a:r>
-          </a:p>
-          <a:p>
-            <a:pPr algn="just"/>
-            <a:r>
-              <a:rPr lang="en-US" i="1" dirty="0"/>
-              <a:t>The Age, Frequency of consumption of vegetables (FCVC) and if the person has a high consumption of high caloric food (FAVC) are also highly correlated parameters.</a:t>
-            </a:r>
-            <a:endParaRPr lang="fr-FR" i="1" dirty="0"/>
-          </a:p>
-          <a:p>
-            <a:pPr algn="just"/>
-            <a:endParaRPr lang="en-US" dirty="0"/>
+              <a:t>Prediction</a:t>
+            </a:r>
+            <a:r>
+              <a:rPr lang="fr-FR" dirty="0"/>
+              <a:t> </a:t>
+            </a:r>
+            <a:r>
+              <a:rPr lang="fr-FR" i="1" dirty="0"/>
+              <a:t>(Encodage manuel) </a:t>
+            </a:r>
+            <a:endParaRPr lang="fr-FR" dirty="0"/>
           </a:p>
         </p:txBody>
       </p:sp>
     </p:spTree>
     <p:extLst>
       <p:ext uri="{BB962C8B-B14F-4D97-AF65-F5344CB8AC3E}">
-        <p14:creationId xmlns:p14="http://schemas.microsoft.com/office/powerpoint/2010/main" val="1901760053"/>
+        <p14:creationId xmlns:p14="http://schemas.microsoft.com/office/powerpoint/2010/main" val="4246709634"/>
       </p:ext>
     </p:extLst>
   </p:cSld>
@@ -4347,7 +5958,7 @@
           <p:cNvPr id="2" name="Titre 1">
             <a:extLst>
               <a:ext uri="{FF2B5EF4-FFF2-40B4-BE49-F238E27FC236}">
-                <a16:creationId xmlns:a16="http://schemas.microsoft.com/office/drawing/2014/main" id="{4701E657-CCF1-4BA5-95E6-2BD9B0F9943E}"/>
+                <a16:creationId xmlns:a16="http://schemas.microsoft.com/office/drawing/2014/main" id="{BBA226AB-E5AF-4755-8BF1-C230E7297151}"/>
               </a:ext>
             </a:extLst>
           </p:cNvPr>
@@ -4385,22 +5996,18 @@
             </a:r>
             <a:r>
               <a:rPr lang="fr-FR" sz="3200" i="1" dirty="0"/>
-              <a:t> matrix)</a:t>
-            </a:r>
-            <a:r>
-              <a:rPr lang="fr-FR" sz="3200" dirty="0"/>
-              <a:t> </a:t>
-            </a:r>
-            <a:endParaRPr lang="fr-FR" dirty="0"/>
+              <a:t> matrix) </a:t>
+            </a:r>
+            <a:endParaRPr lang="en-US" i="1" dirty="0"/>
           </a:p>
         </p:txBody>
       </p:sp>
       <p:pic>
         <p:nvPicPr>
-          <p:cNvPr id="6" name="Image 5">
-            <a:extLst>
-              <a:ext uri="{FF2B5EF4-FFF2-40B4-BE49-F238E27FC236}">
-                <a16:creationId xmlns:a16="http://schemas.microsoft.com/office/drawing/2014/main" id="{6DFEDEE9-EEA3-407F-B4B9-642794FE2047}"/>
+          <p:cNvPr id="5" name="Image 4">
+            <a:extLst>
+              <a:ext uri="{FF2B5EF4-FFF2-40B4-BE49-F238E27FC236}">
+                <a16:creationId xmlns:a16="http://schemas.microsoft.com/office/drawing/2014/main" id="{A3BE7893-5C69-4B50-80A2-D4FD826E5654}"/>
               </a:ext>
             </a:extLst>
           </p:cNvPr>
@@ -4417,7 +6024,251 @@
         </p:blipFill>
         <p:spPr>
           <a:xfrm>
-            <a:off x="9958687" y="365125"/>
+            <a:off x="838200" y="2891017"/>
+            <a:ext cx="7343775" cy="2390775"/>
+          </a:xfrm>
+          <a:prstGeom prst="rect">
+            <a:avLst/>
+          </a:prstGeom>
+        </p:spPr>
+      </p:pic>
+      <p:pic>
+        <p:nvPicPr>
+          <p:cNvPr id="7" name="Image 6">
+            <a:extLst>
+              <a:ext uri="{FF2B5EF4-FFF2-40B4-BE49-F238E27FC236}">
+                <a16:creationId xmlns:a16="http://schemas.microsoft.com/office/drawing/2014/main" id="{F07BB210-4DEF-4CAB-A03F-714B86A93AA0}"/>
+              </a:ext>
+            </a:extLst>
+          </p:cNvPr>
+          <p:cNvPicPr>
+            <a:picLocks noChangeAspect="1"/>
+          </p:cNvPicPr>
+          <p:nvPr/>
+        </p:nvPicPr>
+        <p:blipFill>
+          <a:blip r:embed="rId3"/>
+          <a:stretch>
+            <a:fillRect/>
+          </a:stretch>
+        </p:blipFill>
+        <p:spPr>
+          <a:xfrm>
+            <a:off x="9455329" y="365125"/>
+            <a:ext cx="628964" cy="4725267"/>
+          </a:xfrm>
+          <a:prstGeom prst="rect">
+            <a:avLst/>
+          </a:prstGeom>
+          <a:scene3d>
+            <a:camera prst="orthographicFront">
+              <a:rot lat="300000" lon="0" rev="0"/>
+            </a:camera>
+            <a:lightRig rig="threePt" dir="t"/>
+          </a:scene3d>
+        </p:spPr>
+      </p:pic>
+      <p:sp>
+        <p:nvSpPr>
+          <p:cNvPr id="17" name="ZoneTexte 16">
+            <a:extLst>
+              <a:ext uri="{FF2B5EF4-FFF2-40B4-BE49-F238E27FC236}">
+                <a16:creationId xmlns:a16="http://schemas.microsoft.com/office/drawing/2014/main" id="{DC465AD2-EE40-4B47-93CE-47288324BF07}"/>
+              </a:ext>
+            </a:extLst>
+          </p:cNvPr>
+          <p:cNvSpPr txBox="1"/>
+          <p:nvPr/>
+        </p:nvSpPr>
+        <p:spPr>
+          <a:xfrm>
+            <a:off x="838200" y="1690688"/>
+            <a:ext cx="4961298" cy="1200329"/>
+          </a:xfrm>
+          <a:prstGeom prst="rect">
+            <a:avLst/>
+          </a:prstGeom>
+          <a:noFill/>
+        </p:spPr>
+        <p:txBody>
+          <a:bodyPr wrap="square" rtlCol="0">
+            <a:spAutoFit/>
+          </a:bodyPr>
+          <a:lstStyle/>
+          <a:p>
+            <a:pPr algn="just"/>
+            <a:r>
+              <a:rPr lang="en-US" i="1" dirty="0"/>
+              <a:t>After encoding the variables, we did a correlation matrix to see with parameter are the most correlated to the type of Obesity.</a:t>
+            </a:r>
+          </a:p>
+          <a:p>
+            <a:endParaRPr lang="en-US" dirty="0"/>
+          </a:p>
+        </p:txBody>
+      </p:sp>
+      <p:sp>
+        <p:nvSpPr>
+          <p:cNvPr id="19" name="ZoneTexte 18">
+            <a:extLst>
+              <a:ext uri="{FF2B5EF4-FFF2-40B4-BE49-F238E27FC236}">
+                <a16:creationId xmlns:a16="http://schemas.microsoft.com/office/drawing/2014/main" id="{15366453-A4B2-46C1-A19A-9D0988B88C55}"/>
+              </a:ext>
+            </a:extLst>
+          </p:cNvPr>
+          <p:cNvSpPr txBox="1"/>
+          <p:nvPr/>
+        </p:nvSpPr>
+        <p:spPr>
+          <a:xfrm>
+            <a:off x="838200" y="5416908"/>
+            <a:ext cx="10515600" cy="1477328"/>
+          </a:xfrm>
+          <a:prstGeom prst="rect">
+            <a:avLst/>
+          </a:prstGeom>
+          <a:noFill/>
+        </p:spPr>
+        <p:txBody>
+          <a:bodyPr wrap="square" rtlCol="0">
+            <a:spAutoFit/>
+          </a:bodyPr>
+          <a:lstStyle/>
+          <a:p>
+            <a:pPr algn="just"/>
+            <a:r>
+              <a:rPr lang="en-US" i="1" dirty="0"/>
+              <a:t>We can see that the most correlated variable is, </a:t>
+            </a:r>
+            <a:r>
+              <a:rPr lang="fr-FR" dirty="0" err="1"/>
+              <a:t>unsurprisingly</a:t>
+            </a:r>
+            <a:r>
+              <a:rPr lang="en-US" i="1" dirty="0"/>
+              <a:t>, the Weight. But we can also see that the family history with overweight is highly correlated to the type of obesity. </a:t>
+            </a:r>
+          </a:p>
+          <a:p>
+            <a:pPr algn="just"/>
+            <a:r>
+              <a:rPr lang="en-US" i="1" dirty="0"/>
+              <a:t>The Age, Frequency of consumption of vegetables (FCVC) and if the person has a high consumption of high caloric food (FAVC) are also highly correlated parameters.</a:t>
+            </a:r>
+            <a:endParaRPr lang="fr-FR" i="1" dirty="0"/>
+          </a:p>
+          <a:p>
+            <a:pPr algn="just"/>
+            <a:endParaRPr lang="en-US" dirty="0"/>
+          </a:p>
+        </p:txBody>
+      </p:sp>
+    </p:spTree>
+    <p:extLst>
+      <p:ext uri="{BB962C8B-B14F-4D97-AF65-F5344CB8AC3E}">
+        <p14:creationId xmlns:p14="http://schemas.microsoft.com/office/powerpoint/2010/main" val="1901760053"/>
+      </p:ext>
+    </p:extLst>
+  </p:cSld>
+  <p:clrMapOvr>
+    <a:masterClrMapping/>
+  </p:clrMapOvr>
+</p:sld>
+</file>
+
+<file path=ppt/slides/slide15.xml><?xml version="1.0" encoding="utf-8"?>
+<p:sld xmlns:a="http://schemas.openxmlformats.org/drawingml/2006/main" xmlns:r="http://schemas.openxmlformats.org/officeDocument/2006/relationships" xmlns:p="http://schemas.openxmlformats.org/presentationml/2006/main">
+  <p:cSld>
+    <p:spTree>
+      <p:nvGrpSpPr>
+        <p:cNvPr id="1" name=""/>
+        <p:cNvGrpSpPr/>
+        <p:nvPr/>
+      </p:nvGrpSpPr>
+      <p:grpSpPr>
+        <a:xfrm>
+          <a:off x="0" y="0"/>
+          <a:ext cx="0" cy="0"/>
+          <a:chOff x="0" y="0"/>
+          <a:chExt cx="0" cy="0"/>
+        </a:xfrm>
+      </p:grpSpPr>
+      <p:sp>
+        <p:nvSpPr>
+          <p:cNvPr id="2" name="Titre 1">
+            <a:extLst>
+              <a:ext uri="{FF2B5EF4-FFF2-40B4-BE49-F238E27FC236}">
+                <a16:creationId xmlns:a16="http://schemas.microsoft.com/office/drawing/2014/main" id="{4701E657-CCF1-4BA5-95E6-2BD9B0F9943E}"/>
+              </a:ext>
+            </a:extLst>
+          </p:cNvPr>
+          <p:cNvSpPr>
+            <a:spLocks noGrp="1"/>
+          </p:cNvSpPr>
+          <p:nvPr>
+            <p:ph type="title"/>
+          </p:nvPr>
+        </p:nvSpPr>
+        <p:spPr/>
+        <p:txBody>
+          <a:bodyPr/>
+          <a:lstStyle/>
+          <a:p>
+            <a:r>
+              <a:rPr lang="fr-FR" dirty="0"/>
+              <a:t>IV- </a:t>
+            </a:r>
+            <a:r>
+              <a:rPr lang="fr-FR" dirty="0" err="1"/>
+              <a:t>Prediction</a:t>
+            </a:r>
+            <a:r>
+              <a:rPr lang="fr-FR" dirty="0"/>
+              <a:t> </a:t>
+            </a:r>
+            <a:r>
+              <a:rPr lang="fr-FR" sz="3200" i="1" dirty="0"/>
+              <a:t>(</a:t>
+            </a:r>
+            <a:r>
+              <a:rPr lang="fr-FR" sz="3200" i="1" dirty="0" err="1"/>
+              <a:t>Correlation</a:t>
+            </a:r>
+            <a:r>
+              <a:rPr lang="fr-FR" sz="3200" i="1" dirty="0"/>
+              <a:t> matrix)</a:t>
+            </a:r>
+            <a:r>
+              <a:rPr lang="fr-FR" sz="3200" dirty="0"/>
+              <a:t> </a:t>
+            </a:r>
+            <a:endParaRPr lang="fr-FR" dirty="0"/>
+          </a:p>
+        </p:txBody>
+      </p:sp>
+      <p:pic>
+        <p:nvPicPr>
+          <p:cNvPr id="6" name="Image 5">
+            <a:extLst>
+              <a:ext uri="{FF2B5EF4-FFF2-40B4-BE49-F238E27FC236}">
+                <a16:creationId xmlns:a16="http://schemas.microsoft.com/office/drawing/2014/main" id="{6DFEDEE9-EEA3-407F-B4B9-642794FE2047}"/>
+              </a:ext>
+            </a:extLst>
+          </p:cNvPr>
+          <p:cNvPicPr>
+            <a:picLocks noChangeAspect="1"/>
+          </p:cNvPicPr>
+          <p:nvPr/>
+        </p:nvPicPr>
+        <p:blipFill>
+          <a:blip r:embed="rId2"/>
+          <a:stretch>
+            <a:fillRect/>
+          </a:stretch>
+        </p:blipFill>
+        <p:spPr>
+          <a:xfrm>
+            <a:off x="9402654" y="365125"/>
             <a:ext cx="628964" cy="4725267"/>
           </a:xfrm>
           <a:prstGeom prst="rect">
@@ -4587,7 +6438,7 @@
 </p:sld>
 </file>
 
-<file path=ppt/slides/slide15.xml><?xml version="1.0" encoding="utf-8"?>
+<file path=ppt/slides/slide16.xml><?xml version="1.0" encoding="utf-8"?>
 <p:sld xmlns:a="http://schemas.openxmlformats.org/drawingml/2006/main" xmlns:r="http://schemas.openxmlformats.org/officeDocument/2006/relationships" xmlns:p="http://schemas.openxmlformats.org/presentationml/2006/main">
   <p:cSld>
     <p:spTree>

--- a/Presentation_Python.pptx
+++ b/Presentation_Python.pptx
@@ -18,9 +18,10 @@
     <p:sldId id="266" r:id="rId12"/>
     <p:sldId id="269" r:id="rId13"/>
     <p:sldId id="272" r:id="rId14"/>
-    <p:sldId id="267" r:id="rId15"/>
-    <p:sldId id="270" r:id="rId16"/>
-    <p:sldId id="268" r:id="rId17"/>
+    <p:sldId id="273" r:id="rId15"/>
+    <p:sldId id="267" r:id="rId16"/>
+    <p:sldId id="270" r:id="rId17"/>
+    <p:sldId id="268" r:id="rId18"/>
   </p:sldIdLst>
   <p:sldSz cx="12192000" cy="6858000"/>
   <p:notesSz cx="6858000" cy="9144000"/>
@@ -274,7 +275,7 @@
           <a:p>
             <a:fld id="{768181B6-C6C2-4A3E-A280-A6B2E0DF0E8B}" type="datetimeFigureOut">
               <a:rPr lang="fr-FR" smtClean="0"/>
-              <a:t>09/12/2021</a:t>
+              <a:t>11/12/2021</a:t>
             </a:fld>
             <a:endParaRPr lang="fr-FR"/>
           </a:p>
@@ -472,7 +473,7 @@
           <a:p>
             <a:fld id="{768181B6-C6C2-4A3E-A280-A6B2E0DF0E8B}" type="datetimeFigureOut">
               <a:rPr lang="fr-FR" smtClean="0"/>
-              <a:t>09/12/2021</a:t>
+              <a:t>11/12/2021</a:t>
             </a:fld>
             <a:endParaRPr lang="fr-FR"/>
           </a:p>
@@ -680,7 +681,7 @@
           <a:p>
             <a:fld id="{768181B6-C6C2-4A3E-A280-A6B2E0DF0E8B}" type="datetimeFigureOut">
               <a:rPr lang="fr-FR" smtClean="0"/>
-              <a:t>09/12/2021</a:t>
+              <a:t>11/12/2021</a:t>
             </a:fld>
             <a:endParaRPr lang="fr-FR"/>
           </a:p>
@@ -878,7 +879,7 @@
           <a:p>
             <a:fld id="{768181B6-C6C2-4A3E-A280-A6B2E0DF0E8B}" type="datetimeFigureOut">
               <a:rPr lang="fr-FR" smtClean="0"/>
-              <a:t>09/12/2021</a:t>
+              <a:t>11/12/2021</a:t>
             </a:fld>
             <a:endParaRPr lang="fr-FR"/>
           </a:p>
@@ -1153,7 +1154,7 @@
           <a:p>
             <a:fld id="{768181B6-C6C2-4A3E-A280-A6B2E0DF0E8B}" type="datetimeFigureOut">
               <a:rPr lang="fr-FR" smtClean="0"/>
-              <a:t>09/12/2021</a:t>
+              <a:t>11/12/2021</a:t>
             </a:fld>
             <a:endParaRPr lang="fr-FR"/>
           </a:p>
@@ -1418,7 +1419,7 @@
           <a:p>
             <a:fld id="{768181B6-C6C2-4A3E-A280-A6B2E0DF0E8B}" type="datetimeFigureOut">
               <a:rPr lang="fr-FR" smtClean="0"/>
-              <a:t>09/12/2021</a:t>
+              <a:t>11/12/2021</a:t>
             </a:fld>
             <a:endParaRPr lang="fr-FR"/>
           </a:p>
@@ -1830,7 +1831,7 @@
           <a:p>
             <a:fld id="{768181B6-C6C2-4A3E-A280-A6B2E0DF0E8B}" type="datetimeFigureOut">
               <a:rPr lang="fr-FR" smtClean="0"/>
-              <a:t>09/12/2021</a:t>
+              <a:t>11/12/2021</a:t>
             </a:fld>
             <a:endParaRPr lang="fr-FR"/>
           </a:p>
@@ -1971,7 +1972,7 @@
           <a:p>
             <a:fld id="{768181B6-C6C2-4A3E-A280-A6B2E0DF0E8B}" type="datetimeFigureOut">
               <a:rPr lang="fr-FR" smtClean="0"/>
-              <a:t>09/12/2021</a:t>
+              <a:t>11/12/2021</a:t>
             </a:fld>
             <a:endParaRPr lang="fr-FR"/>
           </a:p>
@@ -2084,7 +2085,7 @@
           <a:p>
             <a:fld id="{768181B6-C6C2-4A3E-A280-A6B2E0DF0E8B}" type="datetimeFigureOut">
               <a:rPr lang="fr-FR" smtClean="0"/>
-              <a:t>09/12/2021</a:t>
+              <a:t>11/12/2021</a:t>
             </a:fld>
             <a:endParaRPr lang="fr-FR"/>
           </a:p>
@@ -2395,7 +2396,7 @@
           <a:p>
             <a:fld id="{768181B6-C6C2-4A3E-A280-A6B2E0DF0E8B}" type="datetimeFigureOut">
               <a:rPr lang="fr-FR" smtClean="0"/>
-              <a:t>09/12/2021</a:t>
+              <a:t>11/12/2021</a:t>
             </a:fld>
             <a:endParaRPr lang="fr-FR"/>
           </a:p>
@@ -2683,7 +2684,7 @@
           <a:p>
             <a:fld id="{768181B6-C6C2-4A3E-A280-A6B2E0DF0E8B}" type="datetimeFigureOut">
               <a:rPr lang="fr-FR" smtClean="0"/>
-              <a:t>09/12/2021</a:t>
+              <a:t>11/12/2021</a:t>
             </a:fld>
             <a:endParaRPr lang="fr-FR"/>
           </a:p>
@@ -2924,7 +2925,7 @@
           <a:p>
             <a:fld id="{768181B6-C6C2-4A3E-A280-A6B2E0DF0E8B}" type="datetimeFigureOut">
               <a:rPr lang="fr-FR" smtClean="0"/>
-              <a:t>09/12/2021</a:t>
+              <a:t>11/12/2021</a:t>
             </a:fld>
             <a:endParaRPr lang="fr-FR"/>
           </a:p>
@@ -5916,10 +5917,17 @@
               <a:t> </a:t>
             </a:r>
             <a:r>
-              <a:rPr lang="fr-FR" i="1" dirty="0"/>
-              <a:t>(Encodage manuel) </a:t>
-            </a:r>
-            <a:endParaRPr lang="fr-FR" dirty="0"/>
+              <a:rPr lang="fr-FR" sz="3200" i="1" dirty="0"/>
+              <a:t>(manuel </a:t>
+            </a:r>
+            <a:r>
+              <a:rPr lang="fr-FR" sz="3200" i="1" dirty="0" err="1"/>
+              <a:t>encoding</a:t>
+            </a:r>
+            <a:r>
+              <a:rPr lang="fr-FR" sz="3200" i="1" dirty="0"/>
+              <a:t>) </a:t>
+            </a:r>
           </a:p>
         </p:txBody>
       </p:sp>
@@ -5955,6 +5963,269 @@
       </p:grpSpPr>
       <p:sp>
         <p:nvSpPr>
+          <p:cNvPr id="4" name="Titre 1">
+            <a:extLst>
+              <a:ext uri="{FF2B5EF4-FFF2-40B4-BE49-F238E27FC236}">
+                <a16:creationId xmlns:a16="http://schemas.microsoft.com/office/drawing/2014/main" id="{BE32CA40-F686-42D2-A34B-D1A2A39EBE49}"/>
+              </a:ext>
+            </a:extLst>
+          </p:cNvPr>
+          <p:cNvSpPr txBox="1">
+            <a:spLocks/>
+          </p:cNvSpPr>
+          <p:nvPr/>
+        </p:nvSpPr>
+        <p:spPr>
+          <a:xfrm>
+            <a:off x="990600" y="517525"/>
+            <a:ext cx="10515600" cy="1325563"/>
+          </a:xfrm>
+          <a:prstGeom prst="rect">
+            <a:avLst/>
+          </a:prstGeom>
+        </p:spPr>
+        <p:txBody>
+          <a:bodyPr vert="horz" lIns="91440" tIns="45720" rIns="91440" bIns="45720" rtlCol="0" anchor="ctr">
+            <a:normAutofit/>
+          </a:bodyPr>
+          <a:lstStyle>
+            <a:lvl1pPr algn="l" defTabSz="914400" rtl="0" eaLnBrk="1" latinLnBrk="0" hangingPunct="1">
+              <a:lnSpc>
+                <a:spcPct val="90000"/>
+              </a:lnSpc>
+              <a:spcBef>
+                <a:spcPct val="0"/>
+              </a:spcBef>
+              <a:buNone/>
+              <a:defRPr sz="4400" kern="1200">
+                <a:solidFill>
+                  <a:schemeClr val="tx1"/>
+                </a:solidFill>
+                <a:latin typeface="+mj-lt"/>
+                <a:ea typeface="+mj-ea"/>
+                <a:cs typeface="+mj-cs"/>
+              </a:defRPr>
+            </a:lvl1pPr>
+          </a:lstStyle>
+          <a:p>
+            <a:r>
+              <a:rPr lang="fr-FR" dirty="0"/>
+              <a:t>IV- </a:t>
+            </a:r>
+            <a:r>
+              <a:rPr lang="fr-FR" dirty="0" err="1"/>
+              <a:t>Prediction</a:t>
+            </a:r>
+            <a:r>
+              <a:rPr lang="fr-FR" dirty="0"/>
+              <a:t> </a:t>
+            </a:r>
+            <a:r>
+              <a:rPr lang="fr-FR" sz="3200" i="1" dirty="0"/>
+              <a:t>(</a:t>
+            </a:r>
+            <a:r>
+              <a:rPr lang="fr-FR" sz="3200" i="1" dirty="0" err="1"/>
+              <a:t>encoding</a:t>
+            </a:r>
+            <a:r>
+              <a:rPr lang="fr-FR" sz="3200" i="1" dirty="0"/>
+              <a:t>) </a:t>
+            </a:r>
+            <a:endParaRPr lang="en-US" i="1" dirty="0"/>
+          </a:p>
+        </p:txBody>
+      </p:sp>
+      <p:sp>
+        <p:nvSpPr>
+          <p:cNvPr id="5" name="ZoneTexte 4">
+            <a:extLst>
+              <a:ext uri="{FF2B5EF4-FFF2-40B4-BE49-F238E27FC236}">
+                <a16:creationId xmlns:a16="http://schemas.microsoft.com/office/drawing/2014/main" id="{E3A0926D-8381-4572-B0AE-B782D8213AC5}"/>
+              </a:ext>
+            </a:extLst>
+          </p:cNvPr>
+          <p:cNvSpPr txBox="1"/>
+          <p:nvPr/>
+        </p:nvSpPr>
+        <p:spPr>
+          <a:xfrm>
+            <a:off x="838199" y="1690688"/>
+            <a:ext cx="8749683" cy="2308324"/>
+          </a:xfrm>
+          <a:prstGeom prst="rect">
+            <a:avLst/>
+          </a:prstGeom>
+          <a:noFill/>
+        </p:spPr>
+        <p:txBody>
+          <a:bodyPr wrap="square" rtlCol="0">
+            <a:spAutoFit/>
+          </a:bodyPr>
+          <a:lstStyle/>
+          <a:p>
+            <a:pPr algn="just"/>
+            <a:r>
+              <a:rPr lang="en-US" b="1" i="1" dirty="0"/>
+              <a:t>Encoding by labels</a:t>
+            </a:r>
+          </a:p>
+          <a:p>
+            <a:pPr algn="just"/>
+            <a:endParaRPr lang="en-US" i="1" dirty="0"/>
+          </a:p>
+          <a:p>
+            <a:pPr algn="just"/>
+            <a:r>
+              <a:rPr lang="en-US" i="1" dirty="0"/>
+              <a:t>We simply transform the type of the column to ‘category’, this assigns each variable of the column to a category. Example for the gender column: the categories ‘Male’ and ’Female’ are generated. </a:t>
+            </a:r>
+          </a:p>
+          <a:p>
+            <a:pPr algn="just"/>
+            <a:r>
+              <a:rPr lang="en-US" i="1" dirty="0"/>
+              <a:t>Once this is done, we just have to ad the code part ‘.</a:t>
+            </a:r>
+            <a:r>
+              <a:rPr lang="en-US" i="1" dirty="0" err="1"/>
+              <a:t>cat.codes</a:t>
+            </a:r>
+            <a:r>
+              <a:rPr lang="en-US" i="1" dirty="0"/>
+              <a:t>’ which transforms the qualitative categories into  numerical categories.</a:t>
+            </a:r>
+          </a:p>
+          <a:p>
+            <a:endParaRPr lang="en-US" dirty="0"/>
+          </a:p>
+        </p:txBody>
+      </p:sp>
+      <p:sp>
+        <p:nvSpPr>
+          <p:cNvPr id="6" name="ZoneTexte 5">
+            <a:extLst>
+              <a:ext uri="{FF2B5EF4-FFF2-40B4-BE49-F238E27FC236}">
+                <a16:creationId xmlns:a16="http://schemas.microsoft.com/office/drawing/2014/main" id="{D1A59A53-4A64-43EB-A806-A91406B5E60E}"/>
+              </a:ext>
+            </a:extLst>
+          </p:cNvPr>
+          <p:cNvSpPr txBox="1"/>
+          <p:nvPr/>
+        </p:nvSpPr>
+        <p:spPr>
+          <a:xfrm>
+            <a:off x="838200" y="4520982"/>
+            <a:ext cx="8749682" cy="1477328"/>
+          </a:xfrm>
+          <a:prstGeom prst="rect">
+            <a:avLst/>
+          </a:prstGeom>
+          <a:noFill/>
+        </p:spPr>
+        <p:txBody>
+          <a:bodyPr wrap="square" rtlCol="0">
+            <a:spAutoFit/>
+          </a:bodyPr>
+          <a:lstStyle/>
+          <a:p>
+            <a:pPr algn="just"/>
+            <a:r>
+              <a:rPr lang="en-US" b="1" i="1" dirty="0"/>
+              <a:t>Ordinal encoding</a:t>
+            </a:r>
+          </a:p>
+          <a:p>
+            <a:pPr algn="just"/>
+            <a:endParaRPr lang="en-US" i="1" dirty="0"/>
+          </a:p>
+          <a:p>
+            <a:pPr algn="just"/>
+            <a:r>
+              <a:rPr lang="en-US" i="1" dirty="0"/>
+              <a:t>This type of encoding enables us to transform the qualitative data into numeric data in only one line of code. Indeed, we create a model </a:t>
+            </a:r>
+            <a:r>
+              <a:rPr lang="en-US" i="1" dirty="0" err="1"/>
+              <a:t>OrdinalEncoder</a:t>
+            </a:r>
+            <a:r>
+              <a:rPr lang="en-US" i="1" dirty="0"/>
+              <a:t>() than is directly applied to the columns of the </a:t>
+            </a:r>
+            <a:r>
+              <a:rPr lang="en-US" i="1" dirty="0" err="1"/>
+              <a:t>dataframe</a:t>
+            </a:r>
+            <a:r>
+              <a:rPr lang="en-US" i="1" dirty="0"/>
+              <a:t> we chose.</a:t>
+            </a:r>
+          </a:p>
+        </p:txBody>
+      </p:sp>
+      <p:pic>
+        <p:nvPicPr>
+          <p:cNvPr id="8" name="Image 7">
+            <a:extLst>
+              <a:ext uri="{FF2B5EF4-FFF2-40B4-BE49-F238E27FC236}">
+                <a16:creationId xmlns:a16="http://schemas.microsoft.com/office/drawing/2014/main" id="{549DFC36-E5E6-4993-8703-A2DDB31E2107}"/>
+              </a:ext>
+            </a:extLst>
+          </p:cNvPr>
+          <p:cNvPicPr>
+            <a:picLocks noChangeAspect="1"/>
+          </p:cNvPicPr>
+          <p:nvPr/>
+        </p:nvPicPr>
+        <p:blipFill>
+          <a:blip r:embed="rId2"/>
+          <a:stretch>
+            <a:fillRect/>
+          </a:stretch>
+        </p:blipFill>
+        <p:spPr>
+          <a:xfrm>
+            <a:off x="2604119" y="3838294"/>
+            <a:ext cx="6060488" cy="307330"/>
+          </a:xfrm>
+          <a:prstGeom prst="rect">
+            <a:avLst/>
+          </a:prstGeom>
+        </p:spPr>
+      </p:pic>
+    </p:spTree>
+    <p:extLst>
+      <p:ext uri="{BB962C8B-B14F-4D97-AF65-F5344CB8AC3E}">
+        <p14:creationId xmlns:p14="http://schemas.microsoft.com/office/powerpoint/2010/main" val="1512804849"/>
+      </p:ext>
+    </p:extLst>
+  </p:cSld>
+  <p:clrMapOvr>
+    <a:masterClrMapping/>
+  </p:clrMapOvr>
+</p:sld>
+</file>
+
+<file path=ppt/slides/slide15.xml><?xml version="1.0" encoding="utf-8"?>
+<p:sld xmlns:a="http://schemas.openxmlformats.org/drawingml/2006/main" xmlns:r="http://schemas.openxmlformats.org/officeDocument/2006/relationships" xmlns:p="http://schemas.openxmlformats.org/presentationml/2006/main">
+  <p:cSld>
+    <p:spTree>
+      <p:nvGrpSpPr>
+        <p:cNvPr id="1" name=""/>
+        <p:cNvGrpSpPr/>
+        <p:nvPr/>
+      </p:nvGrpSpPr>
+      <p:grpSpPr>
+        <a:xfrm>
+          <a:off x="0" y="0"/>
+          <a:ext cx="0" cy="0"/>
+          <a:chOff x="0" y="0"/>
+          <a:chExt cx="0" cy="0"/>
+        </a:xfrm>
+      </p:grpSpPr>
+      <p:sp>
+        <p:nvSpPr>
           <p:cNvPr id="2" name="Titre 1">
             <a:extLst>
               <a:ext uri="{FF2B5EF4-FFF2-40B4-BE49-F238E27FC236}">
@@ -6176,7 +6447,7 @@
 </p:sld>
 </file>
 
-<file path=ppt/slides/slide15.xml><?xml version="1.0" encoding="utf-8"?>
+<file path=ppt/slides/slide16.xml><?xml version="1.0" encoding="utf-8"?>
 <p:sld xmlns:a="http://schemas.openxmlformats.org/drawingml/2006/main" xmlns:r="http://schemas.openxmlformats.org/officeDocument/2006/relationships" xmlns:p="http://schemas.openxmlformats.org/presentationml/2006/main">
   <p:cSld>
     <p:spTree>
@@ -6438,7 +6709,7 @@
 </p:sld>
 </file>
 
-<file path=ppt/slides/slide16.xml><?xml version="1.0" encoding="utf-8"?>
+<file path=ppt/slides/slide17.xml><?xml version="1.0" encoding="utf-8"?>
 <p:sld xmlns:a="http://schemas.openxmlformats.org/drawingml/2006/main" xmlns:r="http://schemas.openxmlformats.org/officeDocument/2006/relationships" xmlns:p="http://schemas.openxmlformats.org/presentationml/2006/main">
   <p:cSld>
     <p:spTree>

--- a/Presentation_Python.pptx
+++ b/Presentation_Python.pptx
@@ -21,7 +21,8 @@
     <p:sldId id="273" r:id="rId15"/>
     <p:sldId id="267" r:id="rId16"/>
     <p:sldId id="270" r:id="rId17"/>
-    <p:sldId id="268" r:id="rId18"/>
+    <p:sldId id="274" r:id="rId18"/>
+    <p:sldId id="268" r:id="rId19"/>
   </p:sldIdLst>
   <p:sldSz cx="12192000" cy="6858000"/>
   <p:notesSz cx="6858000" cy="9144000"/>
@@ -5977,7 +5978,7 @@
         </p:nvSpPr>
         <p:spPr>
           <a:xfrm>
-            <a:off x="990600" y="517525"/>
+            <a:off x="990600" y="289242"/>
             <a:ext cx="10515600" cy="1325563"/>
           </a:xfrm>
           <a:prstGeom prst="rect">
@@ -6050,7 +6051,7 @@
         </p:nvSpPr>
         <p:spPr>
           <a:xfrm>
-            <a:off x="838199" y="1690688"/>
+            <a:off x="838200" y="1399038"/>
             <a:ext cx="8749683" cy="2308324"/>
           </a:xfrm>
           <a:prstGeom prst="rect">
@@ -6115,7 +6116,7 @@
         </p:nvSpPr>
         <p:spPr>
           <a:xfrm>
-            <a:off x="838200" y="4520982"/>
+            <a:off x="838200" y="4428648"/>
             <a:ext cx="8749682" cy="1477328"/>
           </a:xfrm>
           <a:prstGeom prst="rect">
@@ -6186,7 +6187,7 @@
         </p:blipFill>
         <p:spPr>
           <a:xfrm>
-            <a:off x="2604119" y="3838294"/>
+            <a:off x="2604118" y="3845347"/>
             <a:ext cx="6060488" cy="307330"/>
           </a:xfrm>
           <a:prstGeom prst="rect">
@@ -6644,7 +6645,15 @@
             <a:pPr algn="just"/>
             <a:r>
               <a:rPr lang="en-US" i="1" dirty="0"/>
-              <a:t>Since Weight is the most correlated variable to Obesity, we decided to study the correlation of this parameter with all the others</a:t>
+              <a:t>Since </a:t>
+            </a:r>
+            <a:r>
+              <a:rPr lang="en-US" b="1" i="1" dirty="0"/>
+              <a:t>Weight</a:t>
+            </a:r>
+            <a:r>
+              <a:rPr lang="en-US" i="1" dirty="0"/>
+              <a:t> is the most correlated variable to Obesity, we decided to study the correlation of this parameter with all the others</a:t>
             </a:r>
           </a:p>
           <a:p>
@@ -6710,6 +6719,107 @@
 </file>
 
 <file path=ppt/slides/slide17.xml><?xml version="1.0" encoding="utf-8"?>
+<p:sld xmlns:a="http://schemas.openxmlformats.org/drawingml/2006/main" xmlns:r="http://schemas.openxmlformats.org/officeDocument/2006/relationships" xmlns:p="http://schemas.openxmlformats.org/presentationml/2006/main">
+  <p:cSld>
+    <p:spTree>
+      <p:nvGrpSpPr>
+        <p:cNvPr id="1" name=""/>
+        <p:cNvGrpSpPr/>
+        <p:nvPr/>
+      </p:nvGrpSpPr>
+      <p:grpSpPr>
+        <a:xfrm>
+          <a:off x="0" y="0"/>
+          <a:ext cx="0" cy="0"/>
+          <a:chOff x="0" y="0"/>
+          <a:chExt cx="0" cy="0"/>
+        </a:xfrm>
+      </p:grpSpPr>
+      <p:sp>
+        <p:nvSpPr>
+          <p:cNvPr id="3" name="Espace réservé du contenu 2">
+            <a:extLst>
+              <a:ext uri="{FF2B5EF4-FFF2-40B4-BE49-F238E27FC236}">
+                <a16:creationId xmlns:a16="http://schemas.microsoft.com/office/drawing/2014/main" id="{BC1EA06B-4E6B-4F03-9072-4C92AC472DE0}"/>
+              </a:ext>
+            </a:extLst>
+          </p:cNvPr>
+          <p:cNvSpPr>
+            <a:spLocks noGrp="1"/>
+          </p:cNvSpPr>
+          <p:nvPr>
+            <p:ph idx="1"/>
+          </p:nvPr>
+        </p:nvSpPr>
+        <p:spPr/>
+        <p:txBody>
+          <a:bodyPr/>
+          <a:lstStyle/>
+          <a:p>
+            <a:endParaRPr lang="fr-FR" dirty="0"/>
+          </a:p>
+        </p:txBody>
+      </p:sp>
+      <p:sp>
+        <p:nvSpPr>
+          <p:cNvPr id="4" name="Titre 1">
+            <a:extLst>
+              <a:ext uri="{FF2B5EF4-FFF2-40B4-BE49-F238E27FC236}">
+                <a16:creationId xmlns:a16="http://schemas.microsoft.com/office/drawing/2014/main" id="{EC58400A-0ED1-4210-93F1-5C9D77D02D8F}"/>
+              </a:ext>
+            </a:extLst>
+          </p:cNvPr>
+          <p:cNvSpPr>
+            <a:spLocks noGrp="1"/>
+          </p:cNvSpPr>
+          <p:nvPr>
+            <p:ph type="title"/>
+          </p:nvPr>
+        </p:nvSpPr>
+        <p:spPr>
+          <a:xfrm>
+            <a:off x="838200" y="365125"/>
+            <a:ext cx="10515600" cy="1325563"/>
+          </a:xfrm>
+        </p:spPr>
+        <p:txBody>
+          <a:bodyPr/>
+          <a:lstStyle/>
+          <a:p>
+            <a:r>
+              <a:rPr lang="fr-FR" dirty="0"/>
+              <a:t>IV- </a:t>
+            </a:r>
+            <a:r>
+              <a:rPr lang="fr-FR" dirty="0" err="1"/>
+              <a:t>Prediction</a:t>
+            </a:r>
+            <a:r>
+              <a:rPr lang="fr-FR" dirty="0"/>
+              <a:t> </a:t>
+            </a:r>
+            <a:r>
+              <a:rPr lang="fr-FR" sz="3200" dirty="0"/>
+              <a:t> </a:t>
+            </a:r>
+            <a:endParaRPr lang="fr-FR" dirty="0"/>
+          </a:p>
+        </p:txBody>
+      </p:sp>
+    </p:spTree>
+    <p:extLst>
+      <p:ext uri="{BB962C8B-B14F-4D97-AF65-F5344CB8AC3E}">
+        <p14:creationId xmlns:p14="http://schemas.microsoft.com/office/powerpoint/2010/main" val="1783057347"/>
+      </p:ext>
+    </p:extLst>
+  </p:cSld>
+  <p:clrMapOvr>
+    <a:masterClrMapping/>
+  </p:clrMapOvr>
+</p:sld>
+</file>
+
+<file path=ppt/slides/slide18.xml><?xml version="1.0" encoding="utf-8"?>
 <p:sld xmlns:a="http://schemas.openxmlformats.org/drawingml/2006/main" xmlns:r="http://schemas.openxmlformats.org/officeDocument/2006/relationships" xmlns:p="http://schemas.openxmlformats.org/presentationml/2006/main">
   <p:cSld>
     <p:spTree>

--- a/Presentation_Python.pptx
+++ b/Presentation_Python.pptx
@@ -6737,31 +6737,6 @@
       </p:grpSpPr>
       <p:sp>
         <p:nvSpPr>
-          <p:cNvPr id="3" name="Espace réservé du contenu 2">
-            <a:extLst>
-              <a:ext uri="{FF2B5EF4-FFF2-40B4-BE49-F238E27FC236}">
-                <a16:creationId xmlns:a16="http://schemas.microsoft.com/office/drawing/2014/main" id="{BC1EA06B-4E6B-4F03-9072-4C92AC472DE0}"/>
-              </a:ext>
-            </a:extLst>
-          </p:cNvPr>
-          <p:cNvSpPr>
-            <a:spLocks noGrp="1"/>
-          </p:cNvSpPr>
-          <p:nvPr>
-            <p:ph idx="1"/>
-          </p:nvPr>
-        </p:nvSpPr>
-        <p:spPr/>
-        <p:txBody>
-          <a:bodyPr/>
-          <a:lstStyle/>
-          <a:p>
-            <a:endParaRPr lang="fr-FR" dirty="0"/>
-          </a:p>
-        </p:txBody>
-      </p:sp>
-      <p:sp>
-        <p:nvSpPr>
           <p:cNvPr id="4" name="Titre 1">
             <a:extLst>
               <a:ext uri="{FF2B5EF4-FFF2-40B4-BE49-F238E27FC236}">
@@ -6806,6 +6781,86 @@
           </a:p>
         </p:txBody>
       </p:sp>
+      <p:sp>
+        <p:nvSpPr>
+          <p:cNvPr id="5" name="ZoneTexte 4">
+            <a:extLst>
+              <a:ext uri="{FF2B5EF4-FFF2-40B4-BE49-F238E27FC236}">
+                <a16:creationId xmlns:a16="http://schemas.microsoft.com/office/drawing/2014/main" id="{D9832442-FF05-4347-B7E5-904CB4AC2C1B}"/>
+              </a:ext>
+            </a:extLst>
+          </p:cNvPr>
+          <p:cNvSpPr txBox="1"/>
+          <p:nvPr/>
+        </p:nvSpPr>
+        <p:spPr>
+          <a:xfrm>
+            <a:off x="838200" y="1690688"/>
+            <a:ext cx="10445318" cy="1477328"/>
+          </a:xfrm>
+          <a:prstGeom prst="rect">
+            <a:avLst/>
+          </a:prstGeom>
+          <a:noFill/>
+        </p:spPr>
+        <p:txBody>
+          <a:bodyPr wrap="square" rtlCol="0">
+            <a:spAutoFit/>
+          </a:bodyPr>
+          <a:lstStyle/>
+          <a:p>
+            <a:pPr algn="just"/>
+            <a:r>
+              <a:rPr lang="en-US" i="1" dirty="0"/>
+              <a:t>Looking at the correlation matrix, we decided to drop the variables with a correlation with our target variable under 0,15. This would enable us to use only very correlated variables and be more precise in our prediction.</a:t>
+            </a:r>
+          </a:p>
+          <a:p>
+            <a:pPr algn="just"/>
+            <a:endParaRPr lang="en-US" i="1" dirty="0"/>
+          </a:p>
+          <a:p>
+            <a:pPr algn="just"/>
+            <a:r>
+              <a:rPr lang="en-US" i="1" dirty="0"/>
+              <a:t>Those are the column we dropped :</a:t>
+            </a:r>
+          </a:p>
+          <a:p>
+            <a:endParaRPr lang="en-US" dirty="0"/>
+          </a:p>
+        </p:txBody>
+      </p:sp>
+      <p:pic>
+        <p:nvPicPr>
+          <p:cNvPr id="6" name="Image 5">
+            <a:extLst>
+              <a:ext uri="{FF2B5EF4-FFF2-40B4-BE49-F238E27FC236}">
+                <a16:creationId xmlns:a16="http://schemas.microsoft.com/office/drawing/2014/main" id="{CDDF68F3-FF09-4B25-A069-01452D6BB861}"/>
+              </a:ext>
+            </a:extLst>
+          </p:cNvPr>
+          <p:cNvPicPr>
+            <a:picLocks noChangeAspect="1"/>
+          </p:cNvPicPr>
+          <p:nvPr/>
+        </p:nvPicPr>
+        <p:blipFill>
+          <a:blip r:embed="rId2"/>
+          <a:stretch>
+            <a:fillRect/>
+          </a:stretch>
+        </p:blipFill>
+        <p:spPr>
+          <a:xfrm>
+            <a:off x="1390124" y="3208918"/>
+            <a:ext cx="9411752" cy="440164"/>
+          </a:xfrm>
+          <a:prstGeom prst="rect">
+            <a:avLst/>
+          </a:prstGeom>
+        </p:spPr>
+      </p:pic>
     </p:spTree>
     <p:extLst>
       <p:ext uri="{BB962C8B-B14F-4D97-AF65-F5344CB8AC3E}">

--- a/Presentation_Python.pptx
+++ b/Presentation_Python.pptx
@@ -19,10 +19,15 @@
     <p:sldId id="269" r:id="rId13"/>
     <p:sldId id="272" r:id="rId14"/>
     <p:sldId id="273" r:id="rId15"/>
-    <p:sldId id="267" r:id="rId16"/>
-    <p:sldId id="270" r:id="rId17"/>
-    <p:sldId id="274" r:id="rId18"/>
-    <p:sldId id="268" r:id="rId19"/>
+    <p:sldId id="275" r:id="rId16"/>
+    <p:sldId id="276" r:id="rId17"/>
+    <p:sldId id="277" r:id="rId18"/>
+    <p:sldId id="278" r:id="rId19"/>
+    <p:sldId id="267" r:id="rId20"/>
+    <p:sldId id="270" r:id="rId21"/>
+    <p:sldId id="274" r:id="rId22"/>
+    <p:sldId id="279" r:id="rId23"/>
+    <p:sldId id="268" r:id="rId24"/>
   </p:sldIdLst>
   <p:sldSz cx="12192000" cy="6858000"/>
   <p:notesSz cx="6858000" cy="9144000"/>
@@ -6230,7 +6235,7 @@
           <p:cNvPr id="2" name="Titre 1">
             <a:extLst>
               <a:ext uri="{FF2B5EF4-FFF2-40B4-BE49-F238E27FC236}">
-                <a16:creationId xmlns:a16="http://schemas.microsoft.com/office/drawing/2014/main" id="{BBA226AB-E5AF-4755-8BF1-C230E7297151}"/>
+                <a16:creationId xmlns:a16="http://schemas.microsoft.com/office/drawing/2014/main" id="{38D6BBD4-C1DB-44F2-A7CB-B82FA61ABD07}"/>
               </a:ext>
             </a:extLst>
           </p:cNvPr>
@@ -6248,15 +6253,964 @@
           <a:p>
             <a:r>
               <a:rPr lang="fr-FR" dirty="0"/>
-              <a:t>IV- </a:t>
-            </a:r>
-            <a:r>
-              <a:rPr lang="fr-FR" dirty="0" err="1"/>
-              <a:t>Prediction</a:t>
-            </a:r>
+              <a:t>V- Classification </a:t>
+            </a:r>
+            <a:r>
+              <a:rPr lang="fr-FR" sz="3200" i="1" dirty="0"/>
+              <a:t>(test set and train set) </a:t>
+            </a:r>
+          </a:p>
+        </p:txBody>
+      </p:sp>
+      <p:sp>
+        <p:nvSpPr>
+          <p:cNvPr id="7" name="ZoneTexte 6">
+            <a:extLst>
+              <a:ext uri="{FF2B5EF4-FFF2-40B4-BE49-F238E27FC236}">
+                <a16:creationId xmlns:a16="http://schemas.microsoft.com/office/drawing/2014/main" id="{8EB39F71-B5E1-49FD-B76C-FEE8205379BD}"/>
+              </a:ext>
+            </a:extLst>
+          </p:cNvPr>
+          <p:cNvSpPr txBox="1"/>
+          <p:nvPr/>
+        </p:nvSpPr>
+        <p:spPr>
+          <a:xfrm>
+            <a:off x="838200" y="1597001"/>
+            <a:ext cx="8749683" cy="646331"/>
+          </a:xfrm>
+          <a:prstGeom prst="rect">
+            <a:avLst/>
+          </a:prstGeom>
+          <a:noFill/>
+        </p:spPr>
+        <p:txBody>
+          <a:bodyPr wrap="square" rtlCol="0">
+            <a:spAutoFit/>
+          </a:bodyPr>
+          <a:lstStyle/>
+          <a:p>
+            <a:pPr algn="just"/>
+            <a:r>
+              <a:rPr lang="en-US" b="1" i="1" dirty="0"/>
+              <a:t>Splitting the data into a training set and a test set : </a:t>
+            </a:r>
+            <a:endParaRPr lang="en-US" i="1" dirty="0"/>
+          </a:p>
+          <a:p>
+            <a:endParaRPr lang="en-US" dirty="0"/>
+          </a:p>
+        </p:txBody>
+      </p:sp>
+      <p:pic>
+        <p:nvPicPr>
+          <p:cNvPr id="9" name="Image 8">
+            <a:extLst>
+              <a:ext uri="{FF2B5EF4-FFF2-40B4-BE49-F238E27FC236}">
+                <a16:creationId xmlns:a16="http://schemas.microsoft.com/office/drawing/2014/main" id="{834227F1-31FA-47FA-8F93-CA6C74DBCA1F}"/>
+              </a:ext>
+            </a:extLst>
+          </p:cNvPr>
+          <p:cNvPicPr>
+            <a:picLocks noChangeAspect="1"/>
+          </p:cNvPicPr>
+          <p:nvPr/>
+        </p:nvPicPr>
+        <p:blipFill>
+          <a:blip r:embed="rId2"/>
+          <a:stretch>
+            <a:fillRect/>
+          </a:stretch>
+        </p:blipFill>
+        <p:spPr>
+          <a:xfrm>
+            <a:off x="3095725" y="2118228"/>
+            <a:ext cx="8256818" cy="250207"/>
+          </a:xfrm>
+          <a:prstGeom prst="rect">
+            <a:avLst/>
+          </a:prstGeom>
+        </p:spPr>
+      </p:pic>
+      <p:pic>
+        <p:nvPicPr>
+          <p:cNvPr id="11" name="Image 10">
+            <a:extLst>
+              <a:ext uri="{FF2B5EF4-FFF2-40B4-BE49-F238E27FC236}">
+                <a16:creationId xmlns:a16="http://schemas.microsoft.com/office/drawing/2014/main" id="{E593CB9F-B77A-47F4-B394-55642BDB387E}"/>
+              </a:ext>
+            </a:extLst>
+          </p:cNvPr>
+          <p:cNvPicPr>
+            <a:picLocks noChangeAspect="1"/>
+          </p:cNvPicPr>
+          <p:nvPr/>
+        </p:nvPicPr>
+        <p:blipFill>
+          <a:blip r:embed="rId3"/>
+          <a:stretch>
+            <a:fillRect/>
+          </a:stretch>
+        </p:blipFill>
+        <p:spPr>
+          <a:xfrm>
+            <a:off x="4484609" y="2742511"/>
+            <a:ext cx="3088260" cy="295057"/>
+          </a:xfrm>
+          <a:prstGeom prst="rect">
+            <a:avLst/>
+          </a:prstGeom>
+        </p:spPr>
+      </p:pic>
+      <p:sp>
+        <p:nvSpPr>
+          <p:cNvPr id="12" name="ZoneTexte 11">
+            <a:extLst>
+              <a:ext uri="{FF2B5EF4-FFF2-40B4-BE49-F238E27FC236}">
+                <a16:creationId xmlns:a16="http://schemas.microsoft.com/office/drawing/2014/main" id="{827A5233-1F5A-4375-99EA-849319A68A9F}"/>
+              </a:ext>
+            </a:extLst>
+          </p:cNvPr>
+          <p:cNvSpPr txBox="1"/>
+          <p:nvPr/>
+        </p:nvSpPr>
+        <p:spPr>
+          <a:xfrm>
+            <a:off x="838200" y="2664873"/>
+            <a:ext cx="3780933" cy="646331"/>
+          </a:xfrm>
+          <a:prstGeom prst="rect">
+            <a:avLst/>
+          </a:prstGeom>
+          <a:noFill/>
+        </p:spPr>
+        <p:txBody>
+          <a:bodyPr wrap="square" rtlCol="0">
+            <a:spAutoFit/>
+          </a:bodyPr>
+          <a:lstStyle/>
+          <a:p>
+            <a:pPr algn="just"/>
+            <a:r>
+              <a:rPr lang="en-US" b="1" i="1" dirty="0"/>
+              <a:t>The shapes of the train and test set : </a:t>
+            </a:r>
+            <a:endParaRPr lang="en-US" i="1" dirty="0"/>
+          </a:p>
+          <a:p>
+            <a:endParaRPr lang="en-US" dirty="0"/>
+          </a:p>
+        </p:txBody>
+      </p:sp>
+      <p:sp>
+        <p:nvSpPr>
+          <p:cNvPr id="13" name="ZoneTexte 12">
+            <a:extLst>
+              <a:ext uri="{FF2B5EF4-FFF2-40B4-BE49-F238E27FC236}">
+                <a16:creationId xmlns:a16="http://schemas.microsoft.com/office/drawing/2014/main" id="{40F4D091-DEE3-4097-99E1-85A6424A392F}"/>
+              </a:ext>
+            </a:extLst>
+          </p:cNvPr>
+          <p:cNvSpPr txBox="1"/>
+          <p:nvPr/>
+        </p:nvSpPr>
+        <p:spPr>
+          <a:xfrm>
+            <a:off x="838200" y="3174102"/>
+            <a:ext cx="6734669" cy="646331"/>
+          </a:xfrm>
+          <a:prstGeom prst="rect">
+            <a:avLst/>
+          </a:prstGeom>
+          <a:noFill/>
+        </p:spPr>
+        <p:txBody>
+          <a:bodyPr wrap="square" rtlCol="0">
+            <a:spAutoFit/>
+          </a:bodyPr>
+          <a:lstStyle/>
+          <a:p>
+            <a:pPr algn="just"/>
+            <a:r>
+              <a:rPr lang="en-US" i="1" dirty="0"/>
+              <a:t>Once the data split, we scale the data, to get a more precise result</a:t>
+            </a:r>
+          </a:p>
+          <a:p>
+            <a:endParaRPr lang="en-US" dirty="0"/>
+          </a:p>
+        </p:txBody>
+      </p:sp>
+    </p:spTree>
+    <p:extLst>
+      <p:ext uri="{BB962C8B-B14F-4D97-AF65-F5344CB8AC3E}">
+        <p14:creationId xmlns:p14="http://schemas.microsoft.com/office/powerpoint/2010/main" val="2651182091"/>
+      </p:ext>
+    </p:extLst>
+  </p:cSld>
+  <p:clrMapOvr>
+    <a:masterClrMapping/>
+  </p:clrMapOvr>
+</p:sld>
+</file>
+
+<file path=ppt/slides/slide16.xml><?xml version="1.0" encoding="utf-8"?>
+<p:sld xmlns:a="http://schemas.openxmlformats.org/drawingml/2006/main" xmlns:r="http://schemas.openxmlformats.org/officeDocument/2006/relationships" xmlns:p="http://schemas.openxmlformats.org/presentationml/2006/main">
+  <p:cSld>
+    <p:spTree>
+      <p:nvGrpSpPr>
+        <p:cNvPr id="1" name=""/>
+        <p:cNvGrpSpPr/>
+        <p:nvPr/>
+      </p:nvGrpSpPr>
+      <p:grpSpPr>
+        <a:xfrm>
+          <a:off x="0" y="0"/>
+          <a:ext cx="0" cy="0"/>
+          <a:chOff x="0" y="0"/>
+          <a:chExt cx="0" cy="0"/>
+        </a:xfrm>
+      </p:grpSpPr>
+      <p:sp>
+        <p:nvSpPr>
+          <p:cNvPr id="4" name="Titre 1">
+            <a:extLst>
+              <a:ext uri="{FF2B5EF4-FFF2-40B4-BE49-F238E27FC236}">
+                <a16:creationId xmlns:a16="http://schemas.microsoft.com/office/drawing/2014/main" id="{346382A5-FA00-4BA6-A46F-329E2A1283E0}"/>
+              </a:ext>
+            </a:extLst>
+          </p:cNvPr>
+          <p:cNvSpPr>
+            <a:spLocks noGrp="1"/>
+          </p:cNvSpPr>
+          <p:nvPr>
+            <p:ph type="title"/>
+          </p:nvPr>
+        </p:nvSpPr>
+        <p:spPr>
+          <a:xfrm>
+            <a:off x="838200" y="365125"/>
+            <a:ext cx="10515600" cy="1325563"/>
+          </a:xfrm>
+        </p:spPr>
+        <p:txBody>
+          <a:bodyPr/>
+          <a:lstStyle/>
+          <a:p>
             <a:r>
               <a:rPr lang="fr-FR" dirty="0"/>
+              <a:t>V- Classification </a:t>
+            </a:r>
+            <a:r>
+              <a:rPr lang="fr-FR" sz="3200" i="1" dirty="0"/>
+              <a:t>(</a:t>
+            </a:r>
+            <a:r>
+              <a:rPr lang="fr-FR" sz="3200" i="1" dirty="0" err="1"/>
+              <a:t>Creation</a:t>
+            </a:r>
+            <a:r>
+              <a:rPr lang="fr-FR" sz="3200" i="1" dirty="0"/>
+              <a:t> of the </a:t>
+            </a:r>
+            <a:r>
+              <a:rPr lang="fr-FR" sz="3200" i="1" dirty="0" err="1"/>
+              <a:t>models</a:t>
+            </a:r>
+            <a:r>
+              <a:rPr lang="fr-FR" sz="3200" i="1" dirty="0"/>
+              <a:t>)</a:t>
+            </a:r>
+          </a:p>
+        </p:txBody>
+      </p:sp>
+      <p:sp>
+        <p:nvSpPr>
+          <p:cNvPr id="5" name="ZoneTexte 4">
+            <a:extLst>
+              <a:ext uri="{FF2B5EF4-FFF2-40B4-BE49-F238E27FC236}">
+                <a16:creationId xmlns:a16="http://schemas.microsoft.com/office/drawing/2014/main" id="{50A455BD-A61B-42F7-BA51-D3A57135EA1E}"/>
+              </a:ext>
+            </a:extLst>
+          </p:cNvPr>
+          <p:cNvSpPr txBox="1"/>
+          <p:nvPr/>
+        </p:nvSpPr>
+        <p:spPr>
+          <a:xfrm>
+            <a:off x="762786" y="2429267"/>
+            <a:ext cx="8749683" cy="2308324"/>
+          </a:xfrm>
+          <a:prstGeom prst="rect">
+            <a:avLst/>
+          </a:prstGeom>
+          <a:noFill/>
+        </p:spPr>
+        <p:txBody>
+          <a:bodyPr wrap="square" rtlCol="0">
+            <a:spAutoFit/>
+          </a:bodyPr>
+          <a:lstStyle/>
+          <a:p>
+            <a:pPr algn="just"/>
+            <a:r>
+              <a:rPr lang="en-US" b="1" i="1" dirty="0"/>
+              <a:t>Creation of the Models</a:t>
+            </a:r>
+          </a:p>
+          <a:p>
+            <a:pPr algn="just"/>
+            <a:r>
+              <a:rPr lang="en-US" i="1" dirty="0"/>
+              <a:t>We decided to test different models to see which one was the more precise.</a:t>
+            </a:r>
+          </a:p>
+          <a:p>
+            <a:pPr algn="just"/>
+            <a:endParaRPr lang="en-US" b="1" i="1" dirty="0"/>
+          </a:p>
+          <a:p>
+            <a:pPr algn="just"/>
+            <a:r>
+              <a:rPr lang="en-US" b="1" i="1" dirty="0"/>
+              <a:t>- K-Neighbors Classification Model </a:t>
+            </a:r>
+            <a:endParaRPr lang="en-US" i="1" dirty="0"/>
+          </a:p>
+          <a:p>
+            <a:r>
+              <a:rPr lang="en-US" b="1" i="1" dirty="0"/>
+              <a:t>- SVC (Support Vector Classification Model)</a:t>
+            </a:r>
+          </a:p>
+          <a:p>
+            <a:endParaRPr lang="en-US" b="1" i="1" dirty="0"/>
+          </a:p>
+          <a:p>
+            <a:r>
+              <a:rPr lang="en-US" b="1" i="1" dirty="0"/>
+              <a:t>- </a:t>
+            </a:r>
+            <a:r>
+              <a:rPr lang="en-US" b="1" i="1" dirty="0" err="1"/>
+              <a:t>GridSearch</a:t>
+            </a:r>
+            <a:r>
+              <a:rPr lang="en-US" b="1" i="1" dirty="0"/>
               <a:t> </a:t>
+            </a:r>
+            <a:r>
+              <a:rPr lang="en-US" b="1" i="1" dirty="0" err="1"/>
+              <a:t>Classifcation</a:t>
+            </a:r>
+            <a:r>
+              <a:rPr lang="en-US" b="1" i="1" dirty="0"/>
+              <a:t> on the SVC Model</a:t>
+            </a:r>
+          </a:p>
+          <a:p>
+            <a:r>
+              <a:rPr lang="en-US" i="1" dirty="0"/>
+              <a:t>For this model we chose parameters adapted to our SVC Model and obtained :  </a:t>
+            </a:r>
+          </a:p>
+        </p:txBody>
+      </p:sp>
+      <p:pic>
+        <p:nvPicPr>
+          <p:cNvPr id="7" name="Image 6">
+            <a:extLst>
+              <a:ext uri="{FF2B5EF4-FFF2-40B4-BE49-F238E27FC236}">
+                <a16:creationId xmlns:a16="http://schemas.microsoft.com/office/drawing/2014/main" id="{735C1D02-94E7-4C92-AA01-126E458AA450}"/>
+              </a:ext>
+            </a:extLst>
+          </p:cNvPr>
+          <p:cNvPicPr>
+            <a:picLocks noChangeAspect="1"/>
+          </p:cNvPicPr>
+          <p:nvPr/>
+        </p:nvPicPr>
+        <p:blipFill>
+          <a:blip r:embed="rId2"/>
+          <a:stretch>
+            <a:fillRect/>
+          </a:stretch>
+        </p:blipFill>
+        <p:spPr>
+          <a:xfrm>
+            <a:off x="8287339" y="4428733"/>
+            <a:ext cx="2991047" cy="308858"/>
+          </a:xfrm>
+          <a:prstGeom prst="rect">
+            <a:avLst/>
+          </a:prstGeom>
+        </p:spPr>
+      </p:pic>
+    </p:spTree>
+    <p:extLst>
+      <p:ext uri="{BB962C8B-B14F-4D97-AF65-F5344CB8AC3E}">
+        <p14:creationId xmlns:p14="http://schemas.microsoft.com/office/powerpoint/2010/main" val="3472176513"/>
+      </p:ext>
+    </p:extLst>
+  </p:cSld>
+  <p:clrMapOvr>
+    <a:masterClrMapping/>
+  </p:clrMapOvr>
+</p:sld>
+</file>
+
+<file path=ppt/slides/slide17.xml><?xml version="1.0" encoding="utf-8"?>
+<p:sld xmlns:a="http://schemas.openxmlformats.org/drawingml/2006/main" xmlns:r="http://schemas.openxmlformats.org/officeDocument/2006/relationships" xmlns:p="http://schemas.openxmlformats.org/presentationml/2006/main">
+  <p:cSld>
+    <p:spTree>
+      <p:nvGrpSpPr>
+        <p:cNvPr id="1" name=""/>
+        <p:cNvGrpSpPr/>
+        <p:nvPr/>
+      </p:nvGrpSpPr>
+      <p:grpSpPr>
+        <a:xfrm>
+          <a:off x="0" y="0"/>
+          <a:ext cx="0" cy="0"/>
+          <a:chOff x="0" y="0"/>
+          <a:chExt cx="0" cy="0"/>
+        </a:xfrm>
+      </p:grpSpPr>
+      <p:sp>
+        <p:nvSpPr>
+          <p:cNvPr id="4" name="Titre 1">
+            <a:extLst>
+              <a:ext uri="{FF2B5EF4-FFF2-40B4-BE49-F238E27FC236}">
+                <a16:creationId xmlns:a16="http://schemas.microsoft.com/office/drawing/2014/main" id="{346382A5-FA00-4BA6-A46F-329E2A1283E0}"/>
+              </a:ext>
+            </a:extLst>
+          </p:cNvPr>
+          <p:cNvSpPr>
+            <a:spLocks noGrp="1"/>
+          </p:cNvSpPr>
+          <p:nvPr>
+            <p:ph type="title"/>
+          </p:nvPr>
+        </p:nvSpPr>
+        <p:spPr>
+          <a:xfrm>
+            <a:off x="838200" y="365125"/>
+            <a:ext cx="10515600" cy="1325563"/>
+          </a:xfrm>
+        </p:spPr>
+        <p:txBody>
+          <a:bodyPr/>
+          <a:lstStyle/>
+          <a:p>
+            <a:r>
+              <a:rPr lang="fr-FR" dirty="0"/>
+              <a:t>V- Classification </a:t>
+            </a:r>
+            <a:r>
+              <a:rPr lang="fr-FR" sz="3200" i="1" dirty="0"/>
+              <a:t>(</a:t>
+            </a:r>
+            <a:r>
+              <a:rPr lang="fr-FR" sz="3200" i="1" dirty="0" err="1"/>
+              <a:t>Testing</a:t>
+            </a:r>
+            <a:r>
+              <a:rPr lang="fr-FR" sz="3200" i="1" dirty="0"/>
+              <a:t> of the </a:t>
+            </a:r>
+            <a:r>
+              <a:rPr lang="fr-FR" sz="3200" i="1" dirty="0" err="1"/>
+              <a:t>models</a:t>
+            </a:r>
+            <a:r>
+              <a:rPr lang="fr-FR" sz="3200" i="1" dirty="0"/>
+              <a:t>)</a:t>
+            </a:r>
+          </a:p>
+        </p:txBody>
+      </p:sp>
+      <p:sp>
+        <p:nvSpPr>
+          <p:cNvPr id="6" name="ZoneTexte 5">
+            <a:extLst>
+              <a:ext uri="{FF2B5EF4-FFF2-40B4-BE49-F238E27FC236}">
+                <a16:creationId xmlns:a16="http://schemas.microsoft.com/office/drawing/2014/main" id="{F23D42F8-7E41-44C8-B4EB-153226C15EFB}"/>
+              </a:ext>
+            </a:extLst>
+          </p:cNvPr>
+          <p:cNvSpPr txBox="1"/>
+          <p:nvPr/>
+        </p:nvSpPr>
+        <p:spPr>
+          <a:xfrm>
+            <a:off x="838200" y="1690688"/>
+            <a:ext cx="10515600" cy="3693319"/>
+          </a:xfrm>
+          <a:prstGeom prst="rect">
+            <a:avLst/>
+          </a:prstGeom>
+          <a:noFill/>
+        </p:spPr>
+        <p:txBody>
+          <a:bodyPr wrap="square" rtlCol="0">
+            <a:spAutoFit/>
+          </a:bodyPr>
+          <a:lstStyle/>
+          <a:p>
+            <a:pPr algn="just"/>
+            <a:r>
+              <a:rPr lang="en-US" b="1" i="1" dirty="0"/>
+              <a:t>Testing of the models</a:t>
+            </a:r>
+          </a:p>
+          <a:p>
+            <a:pPr algn="just"/>
+            <a:r>
+              <a:rPr lang="en-US" i="1" dirty="0"/>
+              <a:t>To test the model, we created a list of prediction of our test set that we compered to its already known results. That is how we obtained the accuracy of each model. </a:t>
+            </a:r>
+          </a:p>
+          <a:p>
+            <a:pPr algn="just"/>
+            <a:r>
+              <a:rPr lang="en-US" i="1" dirty="0"/>
+              <a:t>We also created a confusion matrix for each model, to illustrate our results.</a:t>
+            </a:r>
+          </a:p>
+          <a:p>
+            <a:pPr algn="just"/>
+            <a:endParaRPr lang="en-US" b="1" i="1" dirty="0"/>
+          </a:p>
+          <a:p>
+            <a:pPr algn="just"/>
+            <a:r>
+              <a:rPr lang="en-US" b="1" i="1" dirty="0"/>
+              <a:t>Example for the SVC Classification model :</a:t>
+            </a:r>
+          </a:p>
+          <a:p>
+            <a:pPr algn="just"/>
+            <a:endParaRPr lang="en-US" b="1" i="1" dirty="0"/>
+          </a:p>
+          <a:p>
+            <a:pPr algn="just"/>
+            <a:r>
+              <a:rPr lang="en-US" i="1" dirty="0"/>
+              <a:t>Prediction thanks to the function “.predict()”</a:t>
+            </a:r>
+          </a:p>
+          <a:p>
+            <a:pPr algn="just"/>
+            <a:endParaRPr lang="en-US" i="1" dirty="0"/>
+          </a:p>
+          <a:p>
+            <a:pPr algn="just"/>
+            <a:r>
+              <a:rPr lang="en-US" i="1" dirty="0"/>
+              <a:t>Final accuracy of the model : </a:t>
+            </a:r>
+          </a:p>
+          <a:p>
+            <a:pPr algn="just"/>
+            <a:endParaRPr lang="en-US" i="1" dirty="0"/>
+          </a:p>
+          <a:p>
+            <a:pPr algn="just"/>
+            <a:r>
+              <a:rPr lang="en-US" i="1" dirty="0"/>
+              <a:t>Confusion matrix :</a:t>
+            </a:r>
+          </a:p>
+          <a:p>
+            <a:pPr algn="just"/>
+            <a:endParaRPr lang="en-US" i="1" dirty="0"/>
+          </a:p>
+        </p:txBody>
+      </p:sp>
+      <p:pic>
+        <p:nvPicPr>
+          <p:cNvPr id="14" name="Image 13">
+            <a:extLst>
+              <a:ext uri="{FF2B5EF4-FFF2-40B4-BE49-F238E27FC236}">
+                <a16:creationId xmlns:a16="http://schemas.microsoft.com/office/drawing/2014/main" id="{A8A1B23C-B86B-473E-A093-D6BA8ECFDD1A}"/>
+              </a:ext>
+            </a:extLst>
+          </p:cNvPr>
+          <p:cNvPicPr>
+            <a:picLocks noChangeAspect="1"/>
+          </p:cNvPicPr>
+          <p:nvPr/>
+        </p:nvPicPr>
+        <p:blipFill>
+          <a:blip r:embed="rId2"/>
+          <a:stretch>
+            <a:fillRect/>
+          </a:stretch>
+        </p:blipFill>
+        <p:spPr>
+          <a:xfrm>
+            <a:off x="2803296" y="4834870"/>
+            <a:ext cx="2673718" cy="1789666"/>
+          </a:xfrm>
+          <a:prstGeom prst="rect">
+            <a:avLst/>
+          </a:prstGeom>
+        </p:spPr>
+      </p:pic>
+      <p:pic>
+        <p:nvPicPr>
+          <p:cNvPr id="16" name="Image 15">
+            <a:extLst>
+              <a:ext uri="{FF2B5EF4-FFF2-40B4-BE49-F238E27FC236}">
+                <a16:creationId xmlns:a16="http://schemas.microsoft.com/office/drawing/2014/main" id="{AC6506D4-23ED-48F9-82FE-476E8E6F3032}"/>
+              </a:ext>
+            </a:extLst>
+          </p:cNvPr>
+          <p:cNvPicPr>
+            <a:picLocks noChangeAspect="1"/>
+          </p:cNvPicPr>
+          <p:nvPr/>
+        </p:nvPicPr>
+        <p:blipFill>
+          <a:blip r:embed="rId3"/>
+          <a:stretch>
+            <a:fillRect/>
+          </a:stretch>
+        </p:blipFill>
+        <p:spPr>
+          <a:xfrm>
+            <a:off x="3912877" y="4174570"/>
+            <a:ext cx="3128274" cy="361949"/>
+          </a:xfrm>
+          <a:prstGeom prst="rect">
+            <a:avLst/>
+          </a:prstGeom>
+        </p:spPr>
+      </p:pic>
+      <p:pic>
+        <p:nvPicPr>
+          <p:cNvPr id="18" name="Image 17">
+            <a:extLst>
+              <a:ext uri="{FF2B5EF4-FFF2-40B4-BE49-F238E27FC236}">
+                <a16:creationId xmlns:a16="http://schemas.microsoft.com/office/drawing/2014/main" id="{EC7DE786-97DC-4DAD-A99B-317D9C43BBDC}"/>
+              </a:ext>
+            </a:extLst>
+          </p:cNvPr>
+          <p:cNvPicPr>
+            <a:picLocks noChangeAspect="1"/>
+          </p:cNvPicPr>
+          <p:nvPr/>
+        </p:nvPicPr>
+        <p:blipFill>
+          <a:blip r:embed="rId4"/>
+          <a:stretch>
+            <a:fillRect/>
+          </a:stretch>
+        </p:blipFill>
+        <p:spPr>
+          <a:xfrm>
+            <a:off x="5477014" y="3629166"/>
+            <a:ext cx="4245940" cy="361949"/>
+          </a:xfrm>
+          <a:prstGeom prst="rect">
+            <a:avLst/>
+          </a:prstGeom>
+        </p:spPr>
+      </p:pic>
+    </p:spTree>
+    <p:extLst>
+      <p:ext uri="{BB962C8B-B14F-4D97-AF65-F5344CB8AC3E}">
+        <p14:creationId xmlns:p14="http://schemas.microsoft.com/office/powerpoint/2010/main" val="59488387"/>
+      </p:ext>
+    </p:extLst>
+  </p:cSld>
+  <p:clrMapOvr>
+    <a:masterClrMapping/>
+  </p:clrMapOvr>
+</p:sld>
+</file>
+
+<file path=ppt/slides/slide18.xml><?xml version="1.0" encoding="utf-8"?>
+<p:sld xmlns:a="http://schemas.openxmlformats.org/drawingml/2006/main" xmlns:r="http://schemas.openxmlformats.org/officeDocument/2006/relationships" xmlns:p="http://schemas.openxmlformats.org/presentationml/2006/main">
+  <p:cSld>
+    <p:bg>
+      <p:bgPr>
+        <a:solidFill>
+          <a:schemeClr val="bg1"/>
+        </a:solidFill>
+        <a:effectLst/>
+      </p:bgPr>
+    </p:bg>
+    <p:spTree>
+      <p:nvGrpSpPr>
+        <p:cNvPr id="1" name=""/>
+        <p:cNvGrpSpPr/>
+        <p:nvPr/>
+      </p:nvGrpSpPr>
+      <p:grpSpPr>
+        <a:xfrm>
+          <a:off x="0" y="0"/>
+          <a:ext cx="0" cy="0"/>
+          <a:chOff x="0" y="0"/>
+          <a:chExt cx="0" cy="0"/>
+        </a:xfrm>
+      </p:grpSpPr>
+      <p:sp useBgFill="1">
+        <p:nvSpPr>
+          <p:cNvPr id="21" name="Rectangle 10">
+            <a:extLst>
+              <a:ext uri="{FF2B5EF4-FFF2-40B4-BE49-F238E27FC236}">
+                <a16:creationId xmlns:a16="http://schemas.microsoft.com/office/drawing/2014/main" id="{80DF40B2-80F7-4E71-B46C-284163F3654A}"/>
+              </a:ext>
+              <a:ext uri="{C183D7F6-B498-43B3-948B-1728B52AA6E4}">
+                <adec:decorative xmlns:adec="http://schemas.microsoft.com/office/drawing/2017/decorative" val="1"/>
+              </a:ext>
+            </a:extLst>
+          </p:cNvPr>
+          <p:cNvSpPr>
+            <a:spLocks noGrp="1" noRot="1" noChangeAspect="1" noMove="1" noResize="1" noEditPoints="1" noAdjustHandles="1" noChangeArrowheads="1" noChangeShapeType="1" noTextEdit="1"/>
+          </p:cNvSpPr>
+          <p:nvPr>
+            <p:extLst>
+              <p:ext uri="{386F3935-93C4-4BCD-93E2-E3B085C9AB24}">
+                <p16:designElem xmlns:p16="http://schemas.microsoft.com/office/powerpoint/2015/main" val="1"/>
+              </p:ext>
+            </p:extLst>
+          </p:nvPr>
+        </p:nvSpPr>
+        <p:spPr>
+          <a:xfrm>
+            <a:off x="-1" y="0"/>
+            <a:ext cx="12188952" cy="6858000"/>
+          </a:xfrm>
+          <a:prstGeom prst="rect">
+            <a:avLst/>
+          </a:prstGeom>
+          <a:ln>
+            <a:noFill/>
+          </a:ln>
+        </p:spPr>
+        <p:style>
+          <a:lnRef idx="2">
+            <a:schemeClr val="accent1">
+              <a:shade val="50000"/>
+            </a:schemeClr>
+          </a:lnRef>
+          <a:fillRef idx="1">
+            <a:schemeClr val="accent1"/>
+          </a:fillRef>
+          <a:effectRef idx="0">
+            <a:schemeClr val="accent1"/>
+          </a:effectRef>
+          <a:fontRef idx="minor">
+            <a:schemeClr val="lt1"/>
+          </a:fontRef>
+        </p:style>
+        <p:txBody>
+          <a:bodyPr rtlCol="0" anchor="ctr"/>
+          <a:lstStyle/>
+          <a:p>
+            <a:pPr algn="ctr"/>
+            <a:endParaRPr lang="en-US"/>
+          </a:p>
+        </p:txBody>
+      </p:sp>
+      <p:sp>
+        <p:nvSpPr>
+          <p:cNvPr id="4" name="ZoneTexte 3">
+            <a:extLst>
+              <a:ext uri="{FF2B5EF4-FFF2-40B4-BE49-F238E27FC236}">
+                <a16:creationId xmlns:a16="http://schemas.microsoft.com/office/drawing/2014/main" id="{75F74262-129C-43EA-B20C-E49742D45D07}"/>
+              </a:ext>
+            </a:extLst>
+          </p:cNvPr>
+          <p:cNvSpPr txBox="1"/>
+          <p:nvPr/>
+        </p:nvSpPr>
+        <p:spPr>
+          <a:xfrm>
+            <a:off x="838200" y="2672427"/>
+            <a:ext cx="4591639" cy="3143241"/>
+          </a:xfrm>
+          <a:prstGeom prst="rect">
+            <a:avLst/>
+          </a:prstGeom>
+        </p:spPr>
+        <p:txBody>
+          <a:bodyPr vert="horz" lIns="91440" tIns="45720" rIns="91440" bIns="45720" rtlCol="0">
+            <a:normAutofit/>
+          </a:bodyPr>
+          <a:lstStyle/>
+          <a:p>
+            <a:pPr algn="just">
+              <a:lnSpc>
+                <a:spcPct val="90000"/>
+              </a:lnSpc>
+              <a:spcAft>
+                <a:spcPts val="600"/>
+              </a:spcAft>
+            </a:pPr>
+            <a:r>
+              <a:rPr lang="en-US" sz="2000" i="1" dirty="0"/>
+              <a:t>We can look at the correlation matrix of the encoded data to see which columns/variables are the more correlated to our target variable. </a:t>
+            </a:r>
+          </a:p>
+          <a:p>
+            <a:pPr algn="just">
+              <a:lnSpc>
+                <a:spcPct val="90000"/>
+              </a:lnSpc>
+              <a:spcAft>
+                <a:spcPts val="600"/>
+              </a:spcAft>
+            </a:pPr>
+            <a:endParaRPr lang="en-US" sz="2000" i="1" dirty="0"/>
+          </a:p>
+          <a:p>
+            <a:pPr algn="just">
+              <a:lnSpc>
+                <a:spcPct val="90000"/>
+              </a:lnSpc>
+              <a:spcAft>
+                <a:spcPts val="600"/>
+              </a:spcAft>
+            </a:pPr>
+            <a:r>
+              <a:rPr lang="en-US" sz="2000" i="1" dirty="0"/>
+              <a:t>It will allow us to see what variable are really useful for our classification.</a:t>
+            </a:r>
+          </a:p>
+        </p:txBody>
+      </p:sp>
+      <p:pic>
+        <p:nvPicPr>
+          <p:cNvPr id="6" name="Image 5">
+            <a:extLst>
+              <a:ext uri="{FF2B5EF4-FFF2-40B4-BE49-F238E27FC236}">
+                <a16:creationId xmlns:a16="http://schemas.microsoft.com/office/drawing/2014/main" id="{12763ED4-995F-49F7-A686-3C363FF9624E}"/>
+              </a:ext>
+            </a:extLst>
+          </p:cNvPr>
+          <p:cNvPicPr>
+            <a:picLocks noChangeAspect="1"/>
+          </p:cNvPicPr>
+          <p:nvPr/>
+        </p:nvPicPr>
+        <p:blipFill rotWithShape="1">
+          <a:blip r:embed="rId2"/>
+          <a:srcRect r="-1" b="4982"/>
+          <a:stretch/>
+        </p:blipFill>
+        <p:spPr>
+          <a:xfrm>
+            <a:off x="6006096" y="1690688"/>
+            <a:ext cx="5347703" cy="5106721"/>
+          </a:xfrm>
+          <a:prstGeom prst="rect">
+            <a:avLst/>
+          </a:prstGeom>
+          <a:effectLst/>
+        </p:spPr>
+      </p:pic>
+      <p:sp>
+        <p:nvSpPr>
+          <p:cNvPr id="20" name="Titre 1">
+            <a:extLst>
+              <a:ext uri="{FF2B5EF4-FFF2-40B4-BE49-F238E27FC236}">
+                <a16:creationId xmlns:a16="http://schemas.microsoft.com/office/drawing/2014/main" id="{AA9F8DA7-7A68-4829-AC5E-00201EBCD4BD}"/>
+              </a:ext>
+            </a:extLst>
+          </p:cNvPr>
+          <p:cNvSpPr>
+            <a:spLocks noGrp="1"/>
+          </p:cNvSpPr>
+          <p:nvPr>
+            <p:ph type="title"/>
+          </p:nvPr>
+        </p:nvSpPr>
+        <p:spPr>
+          <a:xfrm>
+            <a:off x="838200" y="365125"/>
+            <a:ext cx="10515600" cy="1325563"/>
+          </a:xfrm>
+        </p:spPr>
+        <p:txBody>
+          <a:bodyPr/>
+          <a:lstStyle/>
+          <a:p>
+            <a:r>
+              <a:rPr lang="fr-FR" dirty="0"/>
+              <a:t>V- Classification </a:t>
+            </a:r>
+            <a:r>
+              <a:rPr lang="fr-FR" sz="3200" i="1" dirty="0"/>
+              <a:t>(To go </a:t>
+            </a:r>
+            <a:r>
+              <a:rPr lang="fr-FR" sz="3200" i="1" dirty="0" err="1"/>
+              <a:t>futher</a:t>
+            </a:r>
+            <a:r>
+              <a:rPr lang="fr-FR" sz="3200" i="1" dirty="0"/>
+              <a:t>)</a:t>
+            </a:r>
+          </a:p>
+        </p:txBody>
+      </p:sp>
+    </p:spTree>
+    <p:extLst>
+      <p:ext uri="{BB962C8B-B14F-4D97-AF65-F5344CB8AC3E}">
+        <p14:creationId xmlns:p14="http://schemas.microsoft.com/office/powerpoint/2010/main" val="4168222269"/>
+      </p:ext>
+    </p:extLst>
+  </p:cSld>
+  <p:clrMapOvr>
+    <a:masterClrMapping/>
+  </p:clrMapOvr>
+</p:sld>
+</file>
+
+<file path=ppt/slides/slide19.xml><?xml version="1.0" encoding="utf-8"?>
+<p:sld xmlns:a="http://schemas.openxmlformats.org/drawingml/2006/main" xmlns:r="http://schemas.openxmlformats.org/officeDocument/2006/relationships" xmlns:p="http://schemas.openxmlformats.org/presentationml/2006/main">
+  <p:cSld>
+    <p:spTree>
+      <p:nvGrpSpPr>
+        <p:cNvPr id="1" name=""/>
+        <p:cNvGrpSpPr/>
+        <p:nvPr/>
+      </p:nvGrpSpPr>
+      <p:grpSpPr>
+        <a:xfrm>
+          <a:off x="0" y="0"/>
+          <a:ext cx="0" cy="0"/>
+          <a:chOff x="0" y="0"/>
+          <a:chExt cx="0" cy="0"/>
+        </a:xfrm>
+      </p:grpSpPr>
+      <p:sp>
+        <p:nvSpPr>
+          <p:cNvPr id="2" name="Titre 1">
+            <a:extLst>
+              <a:ext uri="{FF2B5EF4-FFF2-40B4-BE49-F238E27FC236}">
+                <a16:creationId xmlns:a16="http://schemas.microsoft.com/office/drawing/2014/main" id="{BBA226AB-E5AF-4755-8BF1-C230E7297151}"/>
+              </a:ext>
+            </a:extLst>
+          </p:cNvPr>
+          <p:cNvSpPr>
+            <a:spLocks noGrp="1"/>
+          </p:cNvSpPr>
+          <p:nvPr>
+            <p:ph type="title"/>
+          </p:nvPr>
+        </p:nvSpPr>
+        <p:spPr/>
+        <p:txBody>
+          <a:bodyPr/>
+          <a:lstStyle/>
+          <a:p>
+            <a:r>
+              <a:rPr lang="fr-FR" dirty="0"/>
+              <a:t>IV- Classification </a:t>
             </a:r>
             <a:r>
               <a:rPr lang="fr-FR" sz="3200" i="1" dirty="0"/>
@@ -6448,7 +7402,7 @@
 </p:sld>
 </file>
 
-<file path=ppt/slides/slide16.xml><?xml version="1.0" encoding="utf-8"?>
+<file path=ppt/slides/slide2.xml><?xml version="1.0" encoding="utf-8"?>
 <p:sld xmlns:a="http://schemas.openxmlformats.org/drawingml/2006/main" xmlns:r="http://schemas.openxmlformats.org/officeDocument/2006/relationships" xmlns:p="http://schemas.openxmlformats.org/presentationml/2006/main">
   <p:cSld>
     <p:spTree>
@@ -6470,7 +7424,7 @@
           <p:cNvPr id="2" name="Titre 1">
             <a:extLst>
               <a:ext uri="{FF2B5EF4-FFF2-40B4-BE49-F238E27FC236}">
-                <a16:creationId xmlns:a16="http://schemas.microsoft.com/office/drawing/2014/main" id="{4701E657-CCF1-4BA5-95E6-2BD9B0F9943E}"/>
+                <a16:creationId xmlns:a16="http://schemas.microsoft.com/office/drawing/2014/main" id="{AC354BD7-870D-4BEF-A419-B1553F4615B8}"/>
               </a:ext>
             </a:extLst>
           </p:cNvPr>
@@ -6487,6 +7441,125 @@
           <a:lstStyle/>
           <a:p>
             <a:r>
+              <a:rPr lang="fr-FR" dirty="0" err="1"/>
+              <a:t>Summary</a:t>
+            </a:r>
+            <a:endParaRPr lang="fr-FR" dirty="0"/>
+          </a:p>
+        </p:txBody>
+      </p:sp>
+      <p:sp>
+        <p:nvSpPr>
+          <p:cNvPr id="3" name="Espace réservé du contenu 2">
+            <a:extLst>
+              <a:ext uri="{FF2B5EF4-FFF2-40B4-BE49-F238E27FC236}">
+                <a16:creationId xmlns:a16="http://schemas.microsoft.com/office/drawing/2014/main" id="{E36516EC-118E-405C-8EE9-601768AF4214}"/>
+              </a:ext>
+            </a:extLst>
+          </p:cNvPr>
+          <p:cNvSpPr>
+            <a:spLocks noGrp="1"/>
+          </p:cNvSpPr>
+          <p:nvPr>
+            <p:ph idx="1"/>
+          </p:nvPr>
+        </p:nvSpPr>
+        <p:spPr/>
+        <p:txBody>
+          <a:bodyPr>
+            <a:normAutofit/>
+          </a:bodyPr>
+          <a:lstStyle/>
+          <a:p>
+            <a:pPr marL="0" indent="0">
+              <a:buNone/>
+            </a:pPr>
+            <a:r>
+              <a:rPr lang="fr-FR" dirty="0"/>
+              <a:t>I- </a:t>
+            </a:r>
+            <a:r>
+              <a:rPr lang="en-US" dirty="0"/>
+              <a:t>Presentation</a:t>
+            </a:r>
+            <a:r>
+              <a:rPr lang="fr-FR" dirty="0"/>
+              <a:t> of the BDD</a:t>
+            </a:r>
+          </a:p>
+          <a:p>
+            <a:pPr marL="0" indent="0">
+              <a:buNone/>
+            </a:pPr>
+            <a:r>
+              <a:rPr lang="fr-FR" dirty="0"/>
+              <a:t>II- </a:t>
+            </a:r>
+            <a:r>
+              <a:rPr lang="fr-FR" dirty="0" err="1"/>
+              <a:t>Creation</a:t>
+            </a:r>
+            <a:r>
+              <a:rPr lang="fr-FR" dirty="0"/>
+              <a:t> of groups of variables </a:t>
+            </a:r>
+          </a:p>
+          <a:p>
+            <a:pPr marL="0" indent="0">
+              <a:buNone/>
+            </a:pPr>
+            <a:r>
+              <a:rPr lang="fr-FR" dirty="0"/>
+              <a:t>III- </a:t>
+            </a:r>
+            <a:r>
+              <a:rPr lang="en-US" dirty="0"/>
+              <a:t>Analysis</a:t>
+            </a:r>
+            <a:r>
+              <a:rPr lang="fr-FR" dirty="0"/>
+              <a:t> of Data</a:t>
+            </a:r>
+          </a:p>
+          <a:p>
+            <a:pPr marL="457200" lvl="1" indent="0">
+              <a:buNone/>
+            </a:pPr>
+            <a:r>
+              <a:rPr lang="fr-FR" dirty="0"/>
+              <a:t>III.A- Global </a:t>
+            </a:r>
+            <a:r>
+              <a:rPr lang="fr-FR" dirty="0" err="1"/>
+              <a:t>analysis</a:t>
+            </a:r>
+            <a:r>
+              <a:rPr lang="fr-FR" dirty="0"/>
+              <a:t> </a:t>
+            </a:r>
+          </a:p>
+          <a:p>
+            <a:pPr marL="457200" lvl="1" indent="0">
+              <a:buNone/>
+            </a:pPr>
+            <a:r>
+              <a:rPr lang="fr-FR" dirty="0"/>
+              <a:t>III.B- Local </a:t>
+            </a:r>
+            <a:r>
+              <a:rPr lang="fr-FR" dirty="0" err="1"/>
+              <a:t>analysis</a:t>
+            </a:r>
+            <a:r>
+              <a:rPr lang="fr-FR" dirty="0"/>
+              <a:t> </a:t>
+            </a:r>
+          </a:p>
+          <a:p>
+            <a:pPr marL="0" indent="0">
+              <a:buNone/>
+            </a:pPr>
+            <a:r>
               <a:rPr lang="fr-FR" dirty="0"/>
               <a:t>IV- </a:t>
             </a:r>
@@ -6497,6 +7570,104 @@
             <a:r>
               <a:rPr lang="fr-FR" dirty="0"/>
               <a:t> </a:t>
+            </a:r>
+          </a:p>
+          <a:p>
+            <a:pPr marL="0" indent="0">
+              <a:buNone/>
+            </a:pPr>
+            <a:r>
+              <a:rPr lang="fr-FR" dirty="0"/>
+              <a:t>V- Classification </a:t>
+            </a:r>
+          </a:p>
+          <a:p>
+            <a:pPr marL="0" indent="0">
+              <a:buNone/>
+            </a:pPr>
+            <a:r>
+              <a:rPr lang="fr-FR" dirty="0"/>
+              <a:t>VI- Conclusion </a:t>
+            </a:r>
+          </a:p>
+          <a:p>
+            <a:pPr marL="0" indent="0">
+              <a:buNone/>
+            </a:pPr>
+            <a:r>
+              <a:rPr lang="fr-FR" dirty="0"/>
+              <a:t>VII- Bonus : </a:t>
+            </a:r>
+            <a:r>
+              <a:rPr lang="fr-FR" dirty="0" err="1"/>
+              <a:t>study</a:t>
+            </a:r>
+            <a:r>
+              <a:rPr lang="fr-FR" dirty="0"/>
+              <a:t> of </a:t>
+            </a:r>
+            <a:r>
+              <a:rPr lang="fr-FR" dirty="0" err="1"/>
+              <a:t>alcohol</a:t>
+            </a:r>
+            <a:endParaRPr lang="fr-FR" dirty="0"/>
+          </a:p>
+        </p:txBody>
+      </p:sp>
+    </p:spTree>
+    <p:extLst>
+      <p:ext uri="{BB962C8B-B14F-4D97-AF65-F5344CB8AC3E}">
+        <p14:creationId xmlns:p14="http://schemas.microsoft.com/office/powerpoint/2010/main" val="1830439057"/>
+      </p:ext>
+    </p:extLst>
+  </p:cSld>
+  <p:clrMapOvr>
+    <a:masterClrMapping/>
+  </p:clrMapOvr>
+</p:sld>
+</file>
+
+<file path=ppt/slides/slide20.xml><?xml version="1.0" encoding="utf-8"?>
+<p:sld xmlns:a="http://schemas.openxmlformats.org/drawingml/2006/main" xmlns:r="http://schemas.openxmlformats.org/officeDocument/2006/relationships" xmlns:p="http://schemas.openxmlformats.org/presentationml/2006/main">
+  <p:cSld>
+    <p:spTree>
+      <p:nvGrpSpPr>
+        <p:cNvPr id="1" name=""/>
+        <p:cNvGrpSpPr/>
+        <p:nvPr/>
+      </p:nvGrpSpPr>
+      <p:grpSpPr>
+        <a:xfrm>
+          <a:off x="0" y="0"/>
+          <a:ext cx="0" cy="0"/>
+          <a:chOff x="0" y="0"/>
+          <a:chExt cx="0" cy="0"/>
+        </a:xfrm>
+      </p:grpSpPr>
+      <p:sp>
+        <p:nvSpPr>
+          <p:cNvPr id="2" name="Titre 1">
+            <a:extLst>
+              <a:ext uri="{FF2B5EF4-FFF2-40B4-BE49-F238E27FC236}">
+                <a16:creationId xmlns:a16="http://schemas.microsoft.com/office/drawing/2014/main" id="{4701E657-CCF1-4BA5-95E6-2BD9B0F9943E}"/>
+              </a:ext>
+            </a:extLst>
+          </p:cNvPr>
+          <p:cNvSpPr>
+            <a:spLocks noGrp="1"/>
+          </p:cNvSpPr>
+          <p:nvPr>
+            <p:ph type="title"/>
+          </p:nvPr>
+        </p:nvSpPr>
+        <p:spPr/>
+        <p:txBody>
+          <a:bodyPr/>
+          <a:lstStyle/>
+          <a:p>
+            <a:r>
+              <a:rPr lang="fr-FR" dirty="0"/>
+              <a:t>IV- Classification </a:t>
             </a:r>
             <a:r>
               <a:rPr lang="fr-FR" sz="3200" i="1" dirty="0"/>
@@ -6718,7 +7889,7 @@
 </p:sld>
 </file>
 
-<file path=ppt/slides/slide17.xml><?xml version="1.0" encoding="utf-8"?>
+<file path=ppt/slides/slide21.xml><?xml version="1.0" encoding="utf-8"?>
 <p:sld xmlns:a="http://schemas.openxmlformats.org/drawingml/2006/main" xmlns:r="http://schemas.openxmlformats.org/officeDocument/2006/relationships" xmlns:p="http://schemas.openxmlformats.org/presentationml/2006/main">
   <p:cSld>
     <p:spTree>
@@ -6763,21 +7934,20 @@
           <a:p>
             <a:r>
               <a:rPr lang="fr-FR" dirty="0"/>
-              <a:t>IV- </a:t>
-            </a:r>
-            <a:r>
-              <a:rPr lang="fr-FR" dirty="0" err="1"/>
-              <a:t>Prediction</a:t>
-            </a:r>
-            <a:r>
-              <a:rPr lang="fr-FR" dirty="0"/>
-              <a:t> </a:t>
-            </a:r>
-            <a:r>
-              <a:rPr lang="fr-FR" sz="3200" dirty="0"/>
-              <a:t> </a:t>
-            </a:r>
-            <a:endParaRPr lang="fr-FR" dirty="0"/>
+              <a:t>IV- Classification </a:t>
+            </a:r>
+            <a:r>
+              <a:rPr lang="fr-FR" sz="3200" i="1" dirty="0"/>
+              <a:t>(Drop of the </a:t>
+            </a:r>
+            <a:r>
+              <a:rPr lang="fr-FR" sz="3200" i="1" dirty="0" err="1"/>
+              <a:t>unusfull</a:t>
+            </a:r>
+            <a:r>
+              <a:rPr lang="fr-FR" sz="3200" i="1" dirty="0"/>
+              <a:t> data) </a:t>
+            </a:r>
           </a:p>
         </p:txBody>
       </p:sp>
@@ -6823,7 +7993,7 @@
             <a:pPr algn="just"/>
             <a:r>
               <a:rPr lang="en-US" i="1" dirty="0"/>
-              <a:t>Those are the column we dropped :</a:t>
+              <a:t>Those are the columns we dropped :</a:t>
             </a:r>
           </a:p>
           <a:p>
@@ -6861,6 +8031,45 @@
           </a:prstGeom>
         </p:spPr>
       </p:pic>
+      <p:sp>
+        <p:nvSpPr>
+          <p:cNvPr id="7" name="ZoneTexte 6">
+            <a:extLst>
+              <a:ext uri="{FF2B5EF4-FFF2-40B4-BE49-F238E27FC236}">
+                <a16:creationId xmlns:a16="http://schemas.microsoft.com/office/drawing/2014/main" id="{3C3DCBFA-F693-4355-8A01-F947E1C70D8F}"/>
+              </a:ext>
+            </a:extLst>
+          </p:cNvPr>
+          <p:cNvSpPr txBox="1"/>
+          <p:nvPr/>
+        </p:nvSpPr>
+        <p:spPr>
+          <a:xfrm>
+            <a:off x="838200" y="4170413"/>
+            <a:ext cx="10445318" cy="646331"/>
+          </a:xfrm>
+          <a:prstGeom prst="rect">
+            <a:avLst/>
+          </a:prstGeom>
+          <a:noFill/>
+        </p:spPr>
+        <p:txBody>
+          <a:bodyPr wrap="square" rtlCol="0">
+            <a:spAutoFit/>
+          </a:bodyPr>
+          <a:lstStyle/>
+          <a:p>
+            <a:pPr algn="just"/>
+            <a:r>
+              <a:rPr lang="en-US" i="1" dirty="0"/>
+              <a:t>Once we drop the columns from the training set we   </a:t>
+            </a:r>
+          </a:p>
+          <a:p>
+            <a:endParaRPr lang="en-US" dirty="0"/>
+          </a:p>
+        </p:txBody>
+      </p:sp>
     </p:spTree>
     <p:extLst>
       <p:ext uri="{BB962C8B-B14F-4D97-AF65-F5344CB8AC3E}">
@@ -6874,7 +8083,7 @@
 </p:sld>
 </file>
 
-<file path=ppt/slides/slide18.xml><?xml version="1.0" encoding="utf-8"?>
+<file path=ppt/slides/slide22.xml><?xml version="1.0" encoding="utf-8"?>
 <p:sld xmlns:a="http://schemas.openxmlformats.org/drawingml/2006/main" xmlns:r="http://schemas.openxmlformats.org/officeDocument/2006/relationships" xmlns:p="http://schemas.openxmlformats.org/presentationml/2006/main">
   <p:cSld>
     <p:spTree>
@@ -6893,10 +8102,10 @@
       </p:grpSpPr>
       <p:sp>
         <p:nvSpPr>
-          <p:cNvPr id="2" name="Titre 1">
-            <a:extLst>
-              <a:ext uri="{FF2B5EF4-FFF2-40B4-BE49-F238E27FC236}">
-                <a16:creationId xmlns:a16="http://schemas.microsoft.com/office/drawing/2014/main" id="{BBA226AB-E5AF-4755-8BF1-C230E7297151}"/>
+          <p:cNvPr id="4" name="Titre 1">
+            <a:extLst>
+              <a:ext uri="{FF2B5EF4-FFF2-40B4-BE49-F238E27FC236}">
+                <a16:creationId xmlns:a16="http://schemas.microsoft.com/office/drawing/2014/main" id="{346382A5-FA00-4BA6-A46F-329E2A1283E0}"/>
               </a:ext>
             </a:extLst>
           </p:cNvPr>
@@ -6907,50 +8116,450 @@
             <p:ph type="title"/>
           </p:nvPr>
         </p:nvSpPr>
-        <p:spPr/>
+        <p:spPr>
+          <a:xfrm>
+            <a:off x="838200" y="365125"/>
+            <a:ext cx="10515600" cy="1325563"/>
+          </a:xfrm>
+        </p:spPr>
         <p:txBody>
           <a:bodyPr/>
           <a:lstStyle/>
           <a:p>
-            <a:pPr marL="0" indent="0">
-              <a:buNone/>
-            </a:pPr>
             <a:r>
               <a:rPr lang="fr-FR" dirty="0"/>
               <a:t>V- Classification </a:t>
             </a:r>
-          </a:p>
-        </p:txBody>
-      </p:sp>
-      <p:sp>
-        <p:nvSpPr>
-          <p:cNvPr id="3" name="Espace réservé du contenu 2">
-            <a:extLst>
-              <a:ext uri="{FF2B5EF4-FFF2-40B4-BE49-F238E27FC236}">
-                <a16:creationId xmlns:a16="http://schemas.microsoft.com/office/drawing/2014/main" id="{AF8F68AA-939C-4E4E-BDC9-4E786D130691}"/>
-              </a:ext>
-            </a:extLst>
-          </p:cNvPr>
-          <p:cNvSpPr>
-            <a:spLocks noGrp="1"/>
-          </p:cNvSpPr>
-          <p:nvPr>
-            <p:ph idx="1"/>
-          </p:nvPr>
-        </p:nvSpPr>
-        <p:spPr/>
-        <p:txBody>
-          <a:bodyPr/>
+            <a:r>
+              <a:rPr lang="fr-FR" sz="3200" i="1" dirty="0"/>
+              <a:t>(</a:t>
+            </a:r>
+            <a:r>
+              <a:rPr lang="fr-FR" sz="3200" i="1" dirty="0" err="1"/>
+              <a:t>Testing</a:t>
+            </a:r>
+            <a:r>
+              <a:rPr lang="fr-FR" sz="3200" i="1" dirty="0"/>
+              <a:t> of the </a:t>
+            </a:r>
+            <a:r>
+              <a:rPr lang="fr-FR" sz="3200" i="1" dirty="0" err="1"/>
+              <a:t>reduced</a:t>
+            </a:r>
+            <a:r>
+              <a:rPr lang="fr-FR" sz="3200" i="1" dirty="0"/>
+              <a:t> </a:t>
+            </a:r>
+            <a:r>
+              <a:rPr lang="fr-FR" sz="3200" i="1" dirty="0" err="1"/>
+              <a:t>models</a:t>
+            </a:r>
+            <a:r>
+              <a:rPr lang="fr-FR" sz="3200" i="1" dirty="0"/>
+              <a:t>)</a:t>
+            </a:r>
+          </a:p>
+        </p:txBody>
+      </p:sp>
+      <p:sp>
+        <p:nvSpPr>
+          <p:cNvPr id="6" name="ZoneTexte 5">
+            <a:extLst>
+              <a:ext uri="{FF2B5EF4-FFF2-40B4-BE49-F238E27FC236}">
+                <a16:creationId xmlns:a16="http://schemas.microsoft.com/office/drawing/2014/main" id="{F23D42F8-7E41-44C8-B4EB-153226C15EFB}"/>
+              </a:ext>
+            </a:extLst>
+          </p:cNvPr>
+          <p:cNvSpPr txBox="1"/>
+          <p:nvPr/>
+        </p:nvSpPr>
+        <p:spPr>
+          <a:xfrm>
+            <a:off x="838200" y="1989039"/>
+            <a:ext cx="10515600" cy="2308324"/>
+          </a:xfrm>
+          <a:prstGeom prst="rect">
+            <a:avLst/>
+          </a:prstGeom>
+          <a:noFill/>
+        </p:spPr>
+        <p:txBody>
+          <a:bodyPr wrap="square" rtlCol="0">
+            <a:spAutoFit/>
+          </a:bodyPr>
           <a:lstStyle/>
           <a:p>
-            <a:endParaRPr lang="en-US" dirty="0"/>
-          </a:p>
-        </p:txBody>
-      </p:sp>
+            <a:pPr marL="0" marR="0" lvl="0" indent="0" algn="just" defTabSz="914400" rtl="0" eaLnBrk="1" fontAlgn="auto" latinLnBrk="0" hangingPunct="1">
+              <a:lnSpc>
+                <a:spcPct val="100000"/>
+              </a:lnSpc>
+              <a:spcBef>
+                <a:spcPts val="0"/>
+              </a:spcBef>
+              <a:spcAft>
+                <a:spcPts val="0"/>
+              </a:spcAft>
+              <a:buClrTx/>
+              <a:buSzTx/>
+              <a:buFontTx/>
+              <a:buNone/>
+              <a:tabLst/>
+              <a:defRPr/>
+            </a:pPr>
+            <a:r>
+              <a:rPr kumimoji="0" lang="en-US" sz="1800" b="1" i="1" u="none" strike="noStrike" kern="1200" cap="none" spc="0" normalizeH="0" baseline="0" noProof="0" dirty="0">
+                <a:ln>
+                  <a:noFill/>
+                </a:ln>
+                <a:solidFill>
+                  <a:prstClr val="black"/>
+                </a:solidFill>
+                <a:effectLst/>
+                <a:uLnTx/>
+                <a:uFillTx/>
+                <a:latin typeface="Calibri" panose="020F0502020204030204"/>
+                <a:ea typeface="+mn-ea"/>
+                <a:cs typeface="+mn-cs"/>
+              </a:rPr>
+              <a:t>Example for the SVC Classification model :</a:t>
+            </a:r>
+          </a:p>
+          <a:p>
+            <a:pPr marL="0" marR="0" lvl="0" indent="0" algn="just" defTabSz="914400" rtl="0" eaLnBrk="1" fontAlgn="auto" latinLnBrk="0" hangingPunct="1">
+              <a:lnSpc>
+                <a:spcPct val="100000"/>
+              </a:lnSpc>
+              <a:spcBef>
+                <a:spcPts val="0"/>
+              </a:spcBef>
+              <a:spcAft>
+                <a:spcPts val="0"/>
+              </a:spcAft>
+              <a:buClrTx/>
+              <a:buSzTx/>
+              <a:buFontTx/>
+              <a:buNone/>
+              <a:tabLst/>
+              <a:defRPr/>
+            </a:pPr>
+            <a:endParaRPr kumimoji="0" lang="en-US" sz="1800" b="1" i="1" u="none" strike="noStrike" kern="1200" cap="none" spc="0" normalizeH="0" baseline="0" noProof="0" dirty="0">
+              <a:ln>
+                <a:noFill/>
+              </a:ln>
+              <a:solidFill>
+                <a:prstClr val="black"/>
+              </a:solidFill>
+              <a:effectLst/>
+              <a:uLnTx/>
+              <a:uFillTx/>
+              <a:latin typeface="Calibri" panose="020F0502020204030204"/>
+              <a:ea typeface="+mn-ea"/>
+              <a:cs typeface="+mn-cs"/>
+            </a:endParaRPr>
+          </a:p>
+          <a:p>
+            <a:pPr marL="0" marR="0" lvl="0" indent="0" algn="just" defTabSz="914400" rtl="0" eaLnBrk="1" fontAlgn="auto" latinLnBrk="0" hangingPunct="1">
+              <a:lnSpc>
+                <a:spcPct val="100000"/>
+              </a:lnSpc>
+              <a:spcBef>
+                <a:spcPts val="0"/>
+              </a:spcBef>
+              <a:spcAft>
+                <a:spcPts val="0"/>
+              </a:spcAft>
+              <a:buClrTx/>
+              <a:buSzTx/>
+              <a:buFontTx/>
+              <a:buNone/>
+              <a:tabLst/>
+              <a:defRPr/>
+            </a:pPr>
+            <a:r>
+              <a:rPr kumimoji="0" lang="en-US" sz="1800" b="0" i="1" u="none" strike="noStrike" kern="1200" cap="none" spc="0" normalizeH="0" baseline="0" noProof="0" dirty="0">
+                <a:ln>
+                  <a:noFill/>
+                </a:ln>
+                <a:solidFill>
+                  <a:prstClr val="black"/>
+                </a:solidFill>
+                <a:effectLst/>
+                <a:uLnTx/>
+                <a:uFillTx/>
+                <a:latin typeface="Calibri" panose="020F0502020204030204"/>
+                <a:ea typeface="+mn-ea"/>
+                <a:cs typeface="+mn-cs"/>
+              </a:rPr>
+              <a:t>Prediction thanks to the function “.predict()”</a:t>
+            </a:r>
+          </a:p>
+          <a:p>
+            <a:pPr marL="0" marR="0" lvl="0" indent="0" algn="just" defTabSz="914400" rtl="0" eaLnBrk="1" fontAlgn="auto" latinLnBrk="0" hangingPunct="1">
+              <a:lnSpc>
+                <a:spcPct val="100000"/>
+              </a:lnSpc>
+              <a:spcBef>
+                <a:spcPts val="0"/>
+              </a:spcBef>
+              <a:spcAft>
+                <a:spcPts val="0"/>
+              </a:spcAft>
+              <a:buClrTx/>
+              <a:buSzTx/>
+              <a:buFontTx/>
+              <a:buNone/>
+              <a:tabLst/>
+              <a:defRPr/>
+            </a:pPr>
+            <a:endParaRPr kumimoji="0" lang="en-US" sz="1800" b="0" i="1" u="none" strike="noStrike" kern="1200" cap="none" spc="0" normalizeH="0" baseline="0" noProof="0" dirty="0">
+              <a:ln>
+                <a:noFill/>
+              </a:ln>
+              <a:solidFill>
+                <a:prstClr val="black"/>
+              </a:solidFill>
+              <a:effectLst/>
+              <a:uLnTx/>
+              <a:uFillTx/>
+              <a:latin typeface="Calibri" panose="020F0502020204030204"/>
+              <a:ea typeface="+mn-ea"/>
+              <a:cs typeface="+mn-cs"/>
+            </a:endParaRPr>
+          </a:p>
+          <a:p>
+            <a:pPr marL="0" marR="0" lvl="0" indent="0" algn="just" defTabSz="914400" rtl="0" eaLnBrk="1" fontAlgn="auto" latinLnBrk="0" hangingPunct="1">
+              <a:lnSpc>
+                <a:spcPct val="100000"/>
+              </a:lnSpc>
+              <a:spcBef>
+                <a:spcPts val="0"/>
+              </a:spcBef>
+              <a:spcAft>
+                <a:spcPts val="0"/>
+              </a:spcAft>
+              <a:buClrTx/>
+              <a:buSzTx/>
+              <a:buFontTx/>
+              <a:buNone/>
+              <a:tabLst/>
+              <a:defRPr/>
+            </a:pPr>
+            <a:r>
+              <a:rPr kumimoji="0" lang="en-US" sz="1800" b="0" i="1" u="none" strike="noStrike" kern="1200" cap="none" spc="0" normalizeH="0" baseline="0" noProof="0" dirty="0">
+                <a:ln>
+                  <a:noFill/>
+                </a:ln>
+                <a:solidFill>
+                  <a:prstClr val="black"/>
+                </a:solidFill>
+                <a:effectLst/>
+                <a:uLnTx/>
+                <a:uFillTx/>
+                <a:latin typeface="Calibri" panose="020F0502020204030204"/>
+                <a:ea typeface="+mn-ea"/>
+                <a:cs typeface="+mn-cs"/>
+              </a:rPr>
+              <a:t>Final accuracy of the model : </a:t>
+            </a:r>
+          </a:p>
+          <a:p>
+            <a:pPr marL="0" marR="0" lvl="0" indent="0" algn="just" defTabSz="914400" rtl="0" eaLnBrk="1" fontAlgn="auto" latinLnBrk="0" hangingPunct="1">
+              <a:lnSpc>
+                <a:spcPct val="100000"/>
+              </a:lnSpc>
+              <a:spcBef>
+                <a:spcPts val="0"/>
+              </a:spcBef>
+              <a:spcAft>
+                <a:spcPts val="0"/>
+              </a:spcAft>
+              <a:buClrTx/>
+              <a:buSzTx/>
+              <a:buFontTx/>
+              <a:buNone/>
+              <a:tabLst/>
+              <a:defRPr/>
+            </a:pPr>
+            <a:endParaRPr kumimoji="0" lang="en-US" sz="1800" b="0" i="1" u="none" strike="noStrike" kern="1200" cap="none" spc="0" normalizeH="0" baseline="0" noProof="0" dirty="0">
+              <a:ln>
+                <a:noFill/>
+              </a:ln>
+              <a:solidFill>
+                <a:prstClr val="black"/>
+              </a:solidFill>
+              <a:effectLst/>
+              <a:uLnTx/>
+              <a:uFillTx/>
+              <a:latin typeface="Calibri" panose="020F0502020204030204"/>
+              <a:ea typeface="+mn-ea"/>
+              <a:cs typeface="+mn-cs"/>
+            </a:endParaRPr>
+          </a:p>
+          <a:p>
+            <a:pPr marL="0" marR="0" lvl="0" indent="0" algn="just" defTabSz="914400" rtl="0" eaLnBrk="1" fontAlgn="auto" latinLnBrk="0" hangingPunct="1">
+              <a:lnSpc>
+                <a:spcPct val="100000"/>
+              </a:lnSpc>
+              <a:spcBef>
+                <a:spcPts val="0"/>
+              </a:spcBef>
+              <a:spcAft>
+                <a:spcPts val="0"/>
+              </a:spcAft>
+              <a:buClrTx/>
+              <a:buSzTx/>
+              <a:buFontTx/>
+              <a:buNone/>
+              <a:tabLst/>
+              <a:defRPr/>
+            </a:pPr>
+            <a:r>
+              <a:rPr kumimoji="0" lang="en-US" sz="1800" b="0" i="1" u="none" strike="noStrike" kern="1200" cap="none" spc="0" normalizeH="0" baseline="0" noProof="0" dirty="0">
+                <a:ln>
+                  <a:noFill/>
+                </a:ln>
+                <a:solidFill>
+                  <a:prstClr val="black"/>
+                </a:solidFill>
+                <a:effectLst/>
+                <a:uLnTx/>
+                <a:uFillTx/>
+                <a:latin typeface="Calibri" panose="020F0502020204030204"/>
+                <a:ea typeface="+mn-ea"/>
+                <a:cs typeface="+mn-cs"/>
+              </a:rPr>
+              <a:t>Confusion matrix :</a:t>
+            </a:r>
+          </a:p>
+          <a:p>
+            <a:pPr marL="0" marR="0" lvl="0" indent="0" algn="just" defTabSz="914400" rtl="0" eaLnBrk="1" fontAlgn="auto" latinLnBrk="0" hangingPunct="1">
+              <a:lnSpc>
+                <a:spcPct val="100000"/>
+              </a:lnSpc>
+              <a:spcBef>
+                <a:spcPts val="0"/>
+              </a:spcBef>
+              <a:spcAft>
+                <a:spcPts val="0"/>
+              </a:spcAft>
+              <a:buClrTx/>
+              <a:buSzTx/>
+              <a:buFontTx/>
+              <a:buNone/>
+              <a:tabLst/>
+              <a:defRPr/>
+            </a:pPr>
+            <a:endParaRPr kumimoji="0" lang="en-US" sz="1800" b="0" i="1" u="none" strike="noStrike" kern="1200" cap="none" spc="0" normalizeH="0" baseline="0" noProof="0" dirty="0">
+              <a:ln>
+                <a:noFill/>
+              </a:ln>
+              <a:solidFill>
+                <a:prstClr val="black"/>
+              </a:solidFill>
+              <a:effectLst/>
+              <a:uLnTx/>
+              <a:uFillTx/>
+              <a:latin typeface="Calibri" panose="020F0502020204030204"/>
+              <a:ea typeface="+mn-ea"/>
+              <a:cs typeface="+mn-cs"/>
+            </a:endParaRPr>
+          </a:p>
+        </p:txBody>
+      </p:sp>
+      <p:pic>
+        <p:nvPicPr>
+          <p:cNvPr id="3" name="Image 2">
+            <a:extLst>
+              <a:ext uri="{FF2B5EF4-FFF2-40B4-BE49-F238E27FC236}">
+                <a16:creationId xmlns:a16="http://schemas.microsoft.com/office/drawing/2014/main" id="{D4F41B54-9941-489E-A6EF-9B7E5E7B3E45}"/>
+              </a:ext>
+            </a:extLst>
+          </p:cNvPr>
+          <p:cNvPicPr>
+            <a:picLocks noChangeAspect="1"/>
+          </p:cNvPicPr>
+          <p:nvPr/>
+        </p:nvPicPr>
+        <p:blipFill>
+          <a:blip r:embed="rId2"/>
+          <a:stretch>
+            <a:fillRect/>
+          </a:stretch>
+        </p:blipFill>
+        <p:spPr>
+          <a:xfrm>
+            <a:off x="838200" y="4132026"/>
+            <a:ext cx="2952473" cy="1948393"/>
+          </a:xfrm>
+          <a:prstGeom prst="rect">
+            <a:avLst/>
+          </a:prstGeom>
+        </p:spPr>
+      </p:pic>
+      <p:pic>
+        <p:nvPicPr>
+          <p:cNvPr id="7" name="Image 6">
+            <a:extLst>
+              <a:ext uri="{FF2B5EF4-FFF2-40B4-BE49-F238E27FC236}">
+                <a16:creationId xmlns:a16="http://schemas.microsoft.com/office/drawing/2014/main" id="{A194488C-29A0-4F5C-A227-EAECBC22729D}"/>
+              </a:ext>
+            </a:extLst>
+          </p:cNvPr>
+          <p:cNvPicPr>
+            <a:picLocks noChangeAspect="1"/>
+          </p:cNvPicPr>
+          <p:nvPr/>
+        </p:nvPicPr>
+        <p:blipFill>
+          <a:blip r:embed="rId3"/>
+          <a:stretch>
+            <a:fillRect/>
+          </a:stretch>
+        </p:blipFill>
+        <p:spPr>
+          <a:xfrm>
+            <a:off x="5525093" y="2565024"/>
+            <a:ext cx="5828707" cy="310151"/>
+          </a:xfrm>
+          <a:prstGeom prst="rect">
+            <a:avLst/>
+          </a:prstGeom>
+        </p:spPr>
+      </p:pic>
+      <p:pic>
+        <p:nvPicPr>
+          <p:cNvPr id="9" name="Image 8">
+            <a:extLst>
+              <a:ext uri="{FF2B5EF4-FFF2-40B4-BE49-F238E27FC236}">
+                <a16:creationId xmlns:a16="http://schemas.microsoft.com/office/drawing/2014/main" id="{4C67245E-D1AC-43D3-9922-12F69303EE8F}"/>
+              </a:ext>
+            </a:extLst>
+          </p:cNvPr>
+          <p:cNvPicPr>
+            <a:picLocks noChangeAspect="1"/>
+          </p:cNvPicPr>
+          <p:nvPr/>
+        </p:nvPicPr>
+        <p:blipFill>
+          <a:blip r:embed="rId4"/>
+          <a:stretch>
+            <a:fillRect/>
+          </a:stretch>
+        </p:blipFill>
+        <p:spPr>
+          <a:xfrm>
+            <a:off x="3913221" y="3118849"/>
+            <a:ext cx="2745411" cy="310151"/>
+          </a:xfrm>
+          <a:prstGeom prst="rect">
+            <a:avLst/>
+          </a:prstGeom>
+        </p:spPr>
+      </p:pic>
     </p:spTree>
     <p:extLst>
       <p:ext uri="{BB962C8B-B14F-4D97-AF65-F5344CB8AC3E}">
-        <p14:creationId xmlns:p14="http://schemas.microsoft.com/office/powerpoint/2010/main" val="935968752"/>
+        <p14:creationId xmlns:p14="http://schemas.microsoft.com/office/powerpoint/2010/main" val="2587743880"/>
       </p:ext>
     </p:extLst>
   </p:cSld>
@@ -6960,7 +8569,7 @@
 </p:sld>
 </file>
 
-<file path=ppt/slides/slide2.xml><?xml version="1.0" encoding="utf-8"?>
+<file path=ppt/slides/slide23.xml><?xml version="1.0" encoding="utf-8"?>
 <p:sld xmlns:a="http://schemas.openxmlformats.org/drawingml/2006/main" xmlns:r="http://schemas.openxmlformats.org/officeDocument/2006/relationships" xmlns:p="http://schemas.openxmlformats.org/presentationml/2006/main">
   <p:cSld>
     <p:spTree>
@@ -6982,7 +8591,7 @@
           <p:cNvPr id="2" name="Titre 1">
             <a:extLst>
               <a:ext uri="{FF2B5EF4-FFF2-40B4-BE49-F238E27FC236}">
-                <a16:creationId xmlns:a16="http://schemas.microsoft.com/office/drawing/2014/main" id="{AC354BD7-870D-4BEF-A419-B1553F4615B8}"/>
+                <a16:creationId xmlns:a16="http://schemas.microsoft.com/office/drawing/2014/main" id="{BBA226AB-E5AF-4755-8BF1-C230E7297151}"/>
               </a:ext>
             </a:extLst>
           </p:cNvPr>
@@ -6998,184 +8607,32 @@
           <a:bodyPr/>
           <a:lstStyle/>
           <a:p>
-            <a:r>
-              <a:rPr lang="fr-FR" dirty="0" err="1"/>
-              <a:t>Summary</a:t>
-            </a:r>
-            <a:endParaRPr lang="fr-FR" dirty="0"/>
-          </a:p>
-        </p:txBody>
-      </p:sp>
-      <p:sp>
-        <p:nvSpPr>
-          <p:cNvPr id="3" name="Espace réservé du contenu 2">
-            <a:extLst>
-              <a:ext uri="{FF2B5EF4-FFF2-40B4-BE49-F238E27FC236}">
-                <a16:creationId xmlns:a16="http://schemas.microsoft.com/office/drawing/2014/main" id="{E36516EC-118E-405C-8EE9-601768AF4214}"/>
-              </a:ext>
-            </a:extLst>
-          </p:cNvPr>
-          <p:cNvSpPr>
-            <a:spLocks noGrp="1"/>
-          </p:cNvSpPr>
-          <p:nvPr>
-            <p:ph idx="1"/>
-          </p:nvPr>
-        </p:nvSpPr>
-        <p:spPr/>
-        <p:txBody>
-          <a:bodyPr>
-            <a:normAutofit/>
-          </a:bodyPr>
-          <a:lstStyle/>
-          <a:p>
             <a:pPr marL="0" indent="0">
               <a:buNone/>
             </a:pPr>
             <a:r>
               <a:rPr lang="fr-FR" dirty="0"/>
-              <a:t>I- </a:t>
-            </a:r>
-            <a:r>
-              <a:rPr lang="en-US" dirty="0"/>
-              <a:t>Presentation</a:t>
-            </a:r>
-            <a:r>
-              <a:rPr lang="fr-FR" dirty="0"/>
-              <a:t> of the BDD</a:t>
-            </a:r>
-          </a:p>
-          <a:p>
-            <a:pPr marL="0" indent="0">
-              <a:buNone/>
-            </a:pPr>
-            <a:r>
-              <a:rPr lang="fr-FR" dirty="0"/>
-              <a:t>II- </a:t>
-            </a:r>
-            <a:r>
-              <a:rPr lang="fr-FR" dirty="0" err="1"/>
-              <a:t>Creation</a:t>
-            </a:r>
-            <a:r>
-              <a:rPr lang="fr-FR" dirty="0"/>
-              <a:t> of groups of variables </a:t>
-            </a:r>
-          </a:p>
-          <a:p>
-            <a:pPr marL="0" indent="0">
-              <a:buNone/>
-            </a:pPr>
-            <a:r>
-              <a:rPr lang="fr-FR" dirty="0"/>
-              <a:t>III- </a:t>
-            </a:r>
-            <a:r>
-              <a:rPr lang="en-US" dirty="0"/>
-              <a:t>Analysis</a:t>
-            </a:r>
-            <a:r>
-              <a:rPr lang="fr-FR" dirty="0"/>
-              <a:t> of Data</a:t>
-            </a:r>
-          </a:p>
-          <a:p>
-            <a:pPr marL="457200" lvl="1" indent="0">
-              <a:buNone/>
-            </a:pPr>
-            <a:r>
-              <a:rPr lang="fr-FR" dirty="0"/>
-              <a:t>III.A- Global </a:t>
-            </a:r>
-            <a:r>
-              <a:rPr lang="fr-FR" dirty="0" err="1"/>
-              <a:t>analysis</a:t>
-            </a:r>
-            <a:r>
-              <a:rPr lang="fr-FR" dirty="0"/>
-              <a:t> </a:t>
-            </a:r>
-          </a:p>
-          <a:p>
-            <a:pPr marL="457200" lvl="1" indent="0">
-              <a:buNone/>
-            </a:pPr>
-            <a:r>
-              <a:rPr lang="fr-FR" dirty="0"/>
-              <a:t>III.B- Local </a:t>
-            </a:r>
-            <a:r>
-              <a:rPr lang="fr-FR" dirty="0" err="1"/>
-              <a:t>analysis</a:t>
-            </a:r>
-            <a:r>
-              <a:rPr lang="fr-FR" dirty="0"/>
-              <a:t> </a:t>
-            </a:r>
-          </a:p>
-          <a:p>
-            <a:pPr marL="0" indent="0">
-              <a:buNone/>
-            </a:pPr>
-            <a:r>
-              <a:rPr lang="fr-FR" dirty="0"/>
-              <a:t>IV- </a:t>
-            </a:r>
-            <a:r>
-              <a:rPr lang="fr-FR" dirty="0" err="1"/>
-              <a:t>Prediction</a:t>
-            </a:r>
-            <a:r>
-              <a:rPr lang="fr-FR" dirty="0"/>
-              <a:t> </a:t>
-            </a:r>
-          </a:p>
-          <a:p>
-            <a:pPr marL="0" indent="0">
-              <a:buNone/>
-            </a:pPr>
-            <a:r>
-              <a:rPr lang="fr-FR" dirty="0"/>
               <a:t>V- Classification </a:t>
             </a:r>
-          </a:p>
-          <a:p>
-            <a:pPr marL="0" indent="0">
-              <a:buNone/>
-            </a:pPr>
-            <a:r>
-              <a:rPr lang="fr-FR" dirty="0"/>
-              <a:t>VI- Conclusion </a:t>
-            </a:r>
-          </a:p>
-          <a:p>
-            <a:pPr marL="0" indent="0">
-              <a:buNone/>
-            </a:pPr>
-            <a:r>
-              <a:rPr lang="fr-FR" dirty="0"/>
-              <a:t>VII- Bonus : </a:t>
-            </a:r>
-            <a:r>
-              <a:rPr lang="fr-FR" dirty="0" err="1"/>
-              <a:t>study</a:t>
-            </a:r>
-            <a:r>
-              <a:rPr lang="fr-FR" dirty="0"/>
-              <a:t> of </a:t>
-            </a:r>
-            <a:r>
-              <a:rPr lang="fr-FR" dirty="0" err="1"/>
-              <a:t>alcohol</a:t>
-            </a:r>
-            <a:endParaRPr lang="fr-FR" dirty="0"/>
+            <a:r>
+              <a:rPr lang="fr-FR" sz="3200" i="1" dirty="0"/>
+              <a:t>(</a:t>
+            </a:r>
+            <a:r>
+              <a:rPr lang="fr-FR" sz="3200" i="1" dirty="0" err="1"/>
+              <a:t>Results</a:t>
+            </a:r>
+            <a:r>
+              <a:rPr lang="fr-FR" sz="3200" i="1" dirty="0"/>
+              <a:t>) </a:t>
+            </a:r>
           </a:p>
         </p:txBody>
       </p:sp>
     </p:spTree>
     <p:extLst>
       <p:ext uri="{BB962C8B-B14F-4D97-AF65-F5344CB8AC3E}">
-        <p14:creationId xmlns:p14="http://schemas.microsoft.com/office/powerpoint/2010/main" val="1830439057"/>
+        <p14:creationId xmlns:p14="http://schemas.microsoft.com/office/powerpoint/2010/main" val="935968752"/>
       </p:ext>
     </p:extLst>
   </p:cSld>

--- a/Presentation_Python.pptx
+++ b/Presentation_Python.pptx
@@ -281,7 +281,7 @@
           <a:p>
             <a:fld id="{768181B6-C6C2-4A3E-A280-A6B2E0DF0E8B}" type="datetimeFigureOut">
               <a:rPr lang="fr-FR" smtClean="0"/>
-              <a:t>11/12/2021</a:t>
+              <a:t>13/12/2021</a:t>
             </a:fld>
             <a:endParaRPr lang="fr-FR"/>
           </a:p>
@@ -479,7 +479,7 @@
           <a:p>
             <a:fld id="{768181B6-C6C2-4A3E-A280-A6B2E0DF0E8B}" type="datetimeFigureOut">
               <a:rPr lang="fr-FR" smtClean="0"/>
-              <a:t>11/12/2021</a:t>
+              <a:t>13/12/2021</a:t>
             </a:fld>
             <a:endParaRPr lang="fr-FR"/>
           </a:p>
@@ -687,7 +687,7 @@
           <a:p>
             <a:fld id="{768181B6-C6C2-4A3E-A280-A6B2E0DF0E8B}" type="datetimeFigureOut">
               <a:rPr lang="fr-FR" smtClean="0"/>
-              <a:t>11/12/2021</a:t>
+              <a:t>13/12/2021</a:t>
             </a:fld>
             <a:endParaRPr lang="fr-FR"/>
           </a:p>
@@ -885,7 +885,7 @@
           <a:p>
             <a:fld id="{768181B6-C6C2-4A3E-A280-A6B2E0DF0E8B}" type="datetimeFigureOut">
               <a:rPr lang="fr-FR" smtClean="0"/>
-              <a:t>11/12/2021</a:t>
+              <a:t>13/12/2021</a:t>
             </a:fld>
             <a:endParaRPr lang="fr-FR"/>
           </a:p>
@@ -1160,7 +1160,7 @@
           <a:p>
             <a:fld id="{768181B6-C6C2-4A3E-A280-A6B2E0DF0E8B}" type="datetimeFigureOut">
               <a:rPr lang="fr-FR" smtClean="0"/>
-              <a:t>11/12/2021</a:t>
+              <a:t>13/12/2021</a:t>
             </a:fld>
             <a:endParaRPr lang="fr-FR"/>
           </a:p>
@@ -1425,7 +1425,7 @@
           <a:p>
             <a:fld id="{768181B6-C6C2-4A3E-A280-A6B2E0DF0E8B}" type="datetimeFigureOut">
               <a:rPr lang="fr-FR" smtClean="0"/>
-              <a:t>11/12/2021</a:t>
+              <a:t>13/12/2021</a:t>
             </a:fld>
             <a:endParaRPr lang="fr-FR"/>
           </a:p>
@@ -1837,7 +1837,7 @@
           <a:p>
             <a:fld id="{768181B6-C6C2-4A3E-A280-A6B2E0DF0E8B}" type="datetimeFigureOut">
               <a:rPr lang="fr-FR" smtClean="0"/>
-              <a:t>11/12/2021</a:t>
+              <a:t>13/12/2021</a:t>
             </a:fld>
             <a:endParaRPr lang="fr-FR"/>
           </a:p>
@@ -1978,7 +1978,7 @@
           <a:p>
             <a:fld id="{768181B6-C6C2-4A3E-A280-A6B2E0DF0E8B}" type="datetimeFigureOut">
               <a:rPr lang="fr-FR" smtClean="0"/>
-              <a:t>11/12/2021</a:t>
+              <a:t>13/12/2021</a:t>
             </a:fld>
             <a:endParaRPr lang="fr-FR"/>
           </a:p>
@@ -2091,7 +2091,7 @@
           <a:p>
             <a:fld id="{768181B6-C6C2-4A3E-A280-A6B2E0DF0E8B}" type="datetimeFigureOut">
               <a:rPr lang="fr-FR" smtClean="0"/>
-              <a:t>11/12/2021</a:t>
+              <a:t>13/12/2021</a:t>
             </a:fld>
             <a:endParaRPr lang="fr-FR"/>
           </a:p>
@@ -2402,7 +2402,7 @@
           <a:p>
             <a:fld id="{768181B6-C6C2-4A3E-A280-A6B2E0DF0E8B}" type="datetimeFigureOut">
               <a:rPr lang="fr-FR" smtClean="0"/>
-              <a:t>11/12/2021</a:t>
+              <a:t>13/12/2021</a:t>
             </a:fld>
             <a:endParaRPr lang="fr-FR"/>
           </a:p>
@@ -2690,7 +2690,7 @@
           <a:p>
             <a:fld id="{768181B6-C6C2-4A3E-A280-A6B2E0DF0E8B}" type="datetimeFigureOut">
               <a:rPr lang="fr-FR" smtClean="0"/>
-              <a:t>11/12/2021</a:t>
+              <a:t>13/12/2021</a:t>
             </a:fld>
             <a:endParaRPr lang="fr-FR"/>
           </a:p>
@@ -2931,7 +2931,7 @@
           <a:p>
             <a:fld id="{768181B6-C6C2-4A3E-A280-A6B2E0DF0E8B}" type="datetimeFigureOut">
               <a:rPr lang="fr-FR" smtClean="0"/>
-              <a:t>11/12/2021</a:t>
+              <a:t>13/12/2021</a:t>
             </a:fld>
             <a:endParaRPr lang="fr-FR"/>
           </a:p>
@@ -9735,7 +9735,7 @@
           <a:p>
             <a:r>
               <a:rPr lang="en-US" dirty="0"/>
-              <a:t>CAEC {</a:t>
+              <a:t>CALC {</a:t>
             </a:r>
             <a:r>
               <a:rPr lang="en-US" dirty="0" err="1"/>

--- a/Presentation_Python.pptx
+++ b/Presentation_Python.pptx
@@ -17,17 +17,23 @@
     <p:sldId id="265" r:id="rId11"/>
     <p:sldId id="266" r:id="rId12"/>
     <p:sldId id="269" r:id="rId13"/>
-    <p:sldId id="272" r:id="rId14"/>
-    <p:sldId id="273" r:id="rId15"/>
-    <p:sldId id="275" r:id="rId16"/>
-    <p:sldId id="276" r:id="rId17"/>
-    <p:sldId id="277" r:id="rId18"/>
-    <p:sldId id="278" r:id="rId19"/>
-    <p:sldId id="267" r:id="rId20"/>
-    <p:sldId id="270" r:id="rId21"/>
-    <p:sldId id="274" r:id="rId22"/>
-    <p:sldId id="279" r:id="rId23"/>
-    <p:sldId id="268" r:id="rId24"/>
+    <p:sldId id="280" r:id="rId14"/>
+    <p:sldId id="281" r:id="rId15"/>
+    <p:sldId id="272" r:id="rId16"/>
+    <p:sldId id="273" r:id="rId17"/>
+    <p:sldId id="275" r:id="rId18"/>
+    <p:sldId id="276" r:id="rId19"/>
+    <p:sldId id="282" r:id="rId20"/>
+    <p:sldId id="283" r:id="rId21"/>
+    <p:sldId id="277" r:id="rId22"/>
+    <p:sldId id="278" r:id="rId23"/>
+    <p:sldId id="267" r:id="rId24"/>
+    <p:sldId id="270" r:id="rId25"/>
+    <p:sldId id="274" r:id="rId26"/>
+    <p:sldId id="279" r:id="rId27"/>
+    <p:sldId id="268" r:id="rId28"/>
+    <p:sldId id="284" r:id="rId29"/>
+    <p:sldId id="285" r:id="rId30"/>
   </p:sldIdLst>
   <p:sldSz cx="12192000" cy="6858000"/>
   <p:notesSz cx="6858000" cy="9144000"/>
@@ -3369,6 +3375,18 @@
           <a:bodyPr/>
           <a:lstStyle/>
           <a:p>
+            <a:r>
+              <a:rPr lang="fr-FR" dirty="0" err="1"/>
+              <a:t>Prediction</a:t>
+            </a:r>
+            <a:r>
+              <a:rPr lang="fr-FR" dirty="0"/>
+              <a:t> of </a:t>
+            </a:r>
+            <a:r>
+              <a:rPr lang="fr-FR" dirty="0" err="1"/>
+              <a:t>Obesity</a:t>
+            </a:r>
             <a:endParaRPr lang="fr-FR" dirty="0"/>
           </a:p>
         </p:txBody>
@@ -3394,7 +3412,69 @@
           <a:bodyPr/>
           <a:lstStyle/>
           <a:p>
-            <a:endParaRPr lang="fr-FR"/>
+            <a:r>
+              <a:rPr lang="es-ES" b="0" i="0" dirty="0" err="1">
+                <a:solidFill>
+                  <a:srgbClr val="000000"/>
+                </a:solidFill>
+                <a:effectLst/>
+                <a:latin typeface="-apple-system"/>
+              </a:rPr>
+              <a:t>by</a:t>
+            </a:r>
+            <a:r>
+              <a:rPr lang="es-ES" b="0" i="0" dirty="0">
+                <a:solidFill>
+                  <a:srgbClr val="000000"/>
+                </a:solidFill>
+                <a:effectLst/>
+                <a:latin typeface="-apple-system"/>
+              </a:rPr>
+              <a:t> </a:t>
+            </a:r>
+            <a:r>
+              <a:rPr lang="es-ES" b="0" i="0" dirty="0" err="1">
+                <a:solidFill>
+                  <a:srgbClr val="000000"/>
+                </a:solidFill>
+                <a:effectLst/>
+                <a:latin typeface="-apple-system"/>
+              </a:rPr>
+              <a:t>your</a:t>
+            </a:r>
+            <a:r>
+              <a:rPr lang="es-ES" b="0" i="0" dirty="0">
+                <a:solidFill>
+                  <a:srgbClr val="000000"/>
+                </a:solidFill>
+                <a:effectLst/>
+                <a:latin typeface="-apple-system"/>
+              </a:rPr>
+              <a:t> </a:t>
+            </a:r>
+            <a:r>
+              <a:rPr lang="es-ES" b="0" i="0" dirty="0" err="1">
+                <a:solidFill>
+                  <a:srgbClr val="000000"/>
+                </a:solidFill>
+                <a:effectLst/>
+                <a:latin typeface="-apple-system"/>
+              </a:rPr>
+              <a:t>devoted</a:t>
+            </a:r>
+            <a:endParaRPr lang="fr-FR" dirty="0"/>
+          </a:p>
+          <a:p>
+            <a:r>
+              <a:rPr lang="fr-FR" dirty="0"/>
+              <a:t>Leonard Desportes </a:t>
+            </a:r>
+          </a:p>
+          <a:p>
+            <a:r>
+              <a:rPr lang="fr-FR" dirty="0"/>
+              <a:t>Romain Girodet</a:t>
+            </a:r>
           </a:p>
         </p:txBody>
       </p:sp>
@@ -4020,30 +4100,34 @@
         </p:nvSpPr>
         <p:spPr>
           <a:xfrm>
-            <a:off x="693345" y="1535915"/>
-            <a:ext cx="10515600" cy="473955"/>
+            <a:off x="693345" y="1535914"/>
+            <a:ext cx="10515600" cy="4050073"/>
           </a:xfrm>
         </p:spPr>
         <p:txBody>
           <a:bodyPr>
-            <a:normAutofit fontScale="62500" lnSpcReduction="20000"/>
+            <a:noAutofit/>
           </a:bodyPr>
           <a:lstStyle/>
           <a:p>
-            <a:r>
-              <a:rPr lang="en-US" dirty="0"/>
-              <a:t>The </a:t>
-            </a:r>
-            <a:r>
-              <a:rPr lang="en-US" dirty="0" err="1"/>
-              <a:t>visualisation</a:t>
-            </a:r>
-            <a:r>
-              <a:rPr lang="en-US" dirty="0"/>
-              <a:t> you will see there is for the type of obesity </a:t>
-            </a:r>
-            <a:r>
-              <a:rPr lang="en-US" sz="2800" dirty="0" err="1">
+            <a:pPr marL="0" indent="0">
+              <a:buNone/>
+            </a:pPr>
+            <a:r>
+              <a:rPr lang="en-US" sz="2400" dirty="0"/>
+              <a:t>TRY IT YOURSELF !</a:t>
+            </a:r>
+          </a:p>
+          <a:p>
+            <a:pPr marL="0" indent="0">
+              <a:buNone/>
+            </a:pPr>
+            <a:r>
+              <a:rPr lang="en-US" sz="2400" dirty="0"/>
+              <a:t>If you go to the Notebook section </a:t>
+            </a:r>
+            <a:r>
+              <a:rPr lang="en-US" sz="2400" dirty="0">
                 <a:solidFill>
                   <a:srgbClr val="AEAAAA"/>
                 </a:solidFill>
@@ -4051,32 +4135,317 @@
                 <a:ea typeface="Calibri" panose="020F0502020204030204" pitchFamily="34" charset="0"/>
                 <a:cs typeface="Arial" panose="020B0604020202020204" pitchFamily="34" charset="0"/>
               </a:rPr>
-              <a:t>Nobeyesdad</a:t>
-            </a:r>
-            <a:r>
-              <a:rPr lang="en-US" sz="2800" dirty="0">
+              <a:t>“</a:t>
+            </a:r>
+            <a:r>
+              <a:rPr lang="en-US" sz="2400" b="1" dirty="0">
+                <a:solidFill>
+                  <a:srgbClr val="6796E6"/>
+                </a:solidFill>
+                <a:effectLst/>
+                <a:latin typeface="Consolas" panose="020B0609020204030204" pitchFamily="49" charset="0"/>
+              </a:rPr>
+              <a:t>Local Data-visualization: studies  of the different obesity type groups </a:t>
+            </a:r>
+          </a:p>
+          <a:p>
+            <a:pPr marL="0" indent="0">
+              <a:buNone/>
+            </a:pPr>
+            <a:endParaRPr lang="en-US" sz="2400" b="1" dirty="0">
+              <a:solidFill>
+                <a:srgbClr val="6796E6"/>
+              </a:solidFill>
+              <a:effectLst/>
+              <a:latin typeface="Consolas" panose="020B0609020204030204" pitchFamily="49" charset="0"/>
+            </a:endParaRPr>
+          </a:p>
+          <a:p>
+            <a:pPr marL="0" indent="0">
+              <a:buNone/>
+            </a:pPr>
+            <a:r>
+              <a:rPr lang="en-US" sz="2400" dirty="0"/>
+              <a:t>You will be able to Try Two Functions :</a:t>
+            </a:r>
+          </a:p>
+          <a:p>
+            <a:pPr marL="0" indent="0">
+              <a:buNone/>
+            </a:pPr>
+            <a:r>
+              <a:rPr lang="en-US" sz="1600" dirty="0">
+                <a:solidFill>
+                  <a:srgbClr val="569CD6"/>
+                </a:solidFill>
+                <a:latin typeface="Consolas" panose="020B0609020204030204" pitchFamily="49" charset="0"/>
+              </a:rPr>
+              <a:t>def</a:t>
+            </a:r>
+            <a:r>
+              <a:rPr lang="en-US" sz="1600" b="0" dirty="0">
+                <a:solidFill>
+                  <a:srgbClr val="DCDCAA"/>
+                </a:solidFill>
+                <a:effectLst/>
+                <a:latin typeface="Consolas" panose="020B0609020204030204" pitchFamily="49" charset="0"/>
+              </a:rPr>
+              <a:t> </a:t>
+            </a:r>
+            <a:r>
+              <a:rPr lang="en-US" sz="1600" b="0" dirty="0" err="1">
+                <a:solidFill>
+                  <a:srgbClr val="DCDCAA"/>
+                </a:solidFill>
+                <a:effectLst/>
+                <a:latin typeface="Consolas" panose="020B0609020204030204" pitchFamily="49" charset="0"/>
+              </a:rPr>
+              <a:t>visualization_ID_Variable</a:t>
+            </a:r>
+            <a:r>
+              <a:rPr lang="en-US" sz="1600" b="0" dirty="0">
+                <a:effectLst/>
+                <a:latin typeface="Consolas" panose="020B0609020204030204" pitchFamily="49" charset="0"/>
+              </a:rPr>
+              <a:t>(</a:t>
+            </a:r>
+            <a:r>
+              <a:rPr lang="en-US" sz="1600" b="0" dirty="0" err="1">
+                <a:solidFill>
+                  <a:srgbClr val="9CDCFE"/>
+                </a:solidFill>
+                <a:effectLst/>
+                <a:latin typeface="Consolas" panose="020B0609020204030204" pitchFamily="49" charset="0"/>
+              </a:rPr>
+              <a:t>obesity_variable</a:t>
+            </a:r>
+            <a:r>
+              <a:rPr lang="en-US" sz="1600" b="0" dirty="0" err="1">
+                <a:effectLst/>
+                <a:latin typeface="Consolas" panose="020B0609020204030204" pitchFamily="49" charset="0"/>
+              </a:rPr>
+              <a:t>,</a:t>
+            </a:r>
+            <a:r>
+              <a:rPr lang="en-US" sz="1600" b="0" dirty="0" err="1">
+                <a:solidFill>
+                  <a:srgbClr val="9CDCFE"/>
+                </a:solidFill>
+                <a:effectLst/>
+                <a:latin typeface="Consolas" panose="020B0609020204030204" pitchFamily="49" charset="0"/>
+              </a:rPr>
+              <a:t>df</a:t>
+            </a:r>
+            <a:r>
+              <a:rPr lang="en-US" sz="1600" b="0" dirty="0">
+                <a:effectLst/>
+                <a:latin typeface="Consolas" panose="020B0609020204030204" pitchFamily="49" charset="0"/>
+              </a:rPr>
+              <a:t>):</a:t>
+            </a:r>
+          </a:p>
+          <a:p>
+            <a:pPr marL="0" indent="0">
+              <a:buNone/>
+            </a:pPr>
+            <a:r>
+              <a:rPr lang="en-US" sz="1600" b="0" dirty="0">
+                <a:solidFill>
+                  <a:srgbClr val="569CD6"/>
+                </a:solidFill>
+                <a:effectLst/>
+                <a:latin typeface="Consolas" panose="020B0609020204030204" pitchFamily="49" charset="0"/>
+              </a:rPr>
+              <a:t>def</a:t>
+            </a:r>
+            <a:r>
+              <a:rPr lang="en-US" sz="1600" b="0" dirty="0">
+                <a:solidFill>
+                  <a:srgbClr val="FFFFFF"/>
+                </a:solidFill>
+                <a:effectLst/>
+                <a:latin typeface="Consolas" panose="020B0609020204030204" pitchFamily="49" charset="0"/>
+              </a:rPr>
+              <a:t> </a:t>
+            </a:r>
+            <a:r>
+              <a:rPr lang="en-US" sz="1600" b="0" dirty="0" err="1">
+                <a:solidFill>
+                  <a:srgbClr val="DCDCAA"/>
+                </a:solidFill>
+                <a:effectLst/>
+                <a:latin typeface="Consolas" panose="020B0609020204030204" pitchFamily="49" charset="0"/>
+              </a:rPr>
+              <a:t>visualization_ID_Variable_Table</a:t>
+            </a:r>
+            <a:r>
+              <a:rPr lang="en-US" sz="1600" b="0" dirty="0">
+                <a:effectLst/>
+                <a:latin typeface="Consolas" panose="020B0609020204030204" pitchFamily="49" charset="0"/>
+              </a:rPr>
+              <a:t>(</a:t>
+            </a:r>
+            <a:r>
+              <a:rPr lang="en-US" sz="1600" b="0" dirty="0" err="1">
+                <a:solidFill>
+                  <a:srgbClr val="9CDCFE"/>
+                </a:solidFill>
+                <a:effectLst/>
+                <a:latin typeface="Consolas" panose="020B0609020204030204" pitchFamily="49" charset="0"/>
+              </a:rPr>
+              <a:t>obesity_variable</a:t>
+            </a:r>
+            <a:r>
+              <a:rPr lang="en-US" sz="1600" b="0" dirty="0" err="1">
+                <a:effectLst/>
+                <a:latin typeface="Consolas" panose="020B0609020204030204" pitchFamily="49" charset="0"/>
+              </a:rPr>
+              <a:t>,</a:t>
+            </a:r>
+            <a:r>
+              <a:rPr lang="en-US" sz="1600" b="0" dirty="0" err="1">
+                <a:solidFill>
+                  <a:srgbClr val="9CDCFE"/>
+                </a:solidFill>
+                <a:effectLst/>
+                <a:latin typeface="Consolas" panose="020B0609020204030204" pitchFamily="49" charset="0"/>
+              </a:rPr>
+              <a:t>df</a:t>
+            </a:r>
+            <a:r>
+              <a:rPr lang="en-US" sz="1600" b="0" dirty="0">
+                <a:effectLst/>
+                <a:latin typeface="Consolas" panose="020B0609020204030204" pitchFamily="49" charset="0"/>
+              </a:rPr>
+              <a:t>):</a:t>
+            </a:r>
+          </a:p>
+          <a:p>
+            <a:pPr marL="0" indent="0">
+              <a:buNone/>
+            </a:pPr>
+            <a:endParaRPr lang="en-US" sz="1600" b="0" dirty="0">
+              <a:effectLst/>
+              <a:latin typeface="Consolas" panose="020B0609020204030204" pitchFamily="49" charset="0"/>
+            </a:endParaRPr>
+          </a:p>
+          <a:p>
+            <a:pPr marL="0" indent="0">
+              <a:buNone/>
+            </a:pPr>
+            <a:r>
+              <a:rPr lang="en-US" sz="1600" dirty="0">
+                <a:latin typeface="Consolas" panose="020B0609020204030204" pitchFamily="49" charset="0"/>
+              </a:rPr>
+              <a:t>These functions will allow you to visualize and understand the following variable:</a:t>
+            </a:r>
+          </a:p>
+          <a:p>
+            <a:pPr marL="0" indent="0">
+              <a:buNone/>
+            </a:pPr>
+            <a:r>
+              <a:rPr lang="en-US" sz="1600" dirty="0">
+                <a:solidFill>
+                  <a:srgbClr val="AEAAAA"/>
+                </a:solidFill>
                 <a:latin typeface="Calibri" panose="020F0502020204030204" pitchFamily="34" charset="0"/>
                 <a:ea typeface="Calibri" panose="020F0502020204030204" pitchFamily="34" charset="0"/>
                 <a:cs typeface="Arial" panose="020B0604020202020204" pitchFamily="34" charset="0"/>
               </a:rPr>
-              <a:t>=“</a:t>
-            </a:r>
-            <a:r>
-              <a:rPr lang="en-US" b="0" dirty="0" err="1">
-                <a:effectLst/>
-                <a:latin typeface="Consolas" panose="020B0609020204030204" pitchFamily="49" charset="0"/>
-              </a:rPr>
-              <a:t>Insufficient_Weight</a:t>
-            </a:r>
-            <a:r>
-              <a:rPr lang="en-US" sz="2800" dirty="0">
+              <a:t>“ Gender, Age, Height, Weight, </a:t>
+            </a:r>
+            <a:r>
+              <a:rPr lang="en-US" sz="1600" dirty="0" err="1">
+                <a:solidFill>
+                  <a:srgbClr val="AEAAAA"/>
+                </a:solidFill>
                 <a:latin typeface="Calibri" panose="020F0502020204030204" pitchFamily="34" charset="0"/>
                 <a:ea typeface="Calibri" panose="020F0502020204030204" pitchFamily="34" charset="0"/>
                 <a:cs typeface="Arial" panose="020B0604020202020204" pitchFamily="34" charset="0"/>
               </a:rPr>
-              <a:t>”</a:t>
-            </a:r>
-            <a:endParaRPr lang="en-US" dirty="0"/>
+              <a:t>Family_history_with_overweight</a:t>
+            </a:r>
+            <a:r>
+              <a:rPr lang="en-US" sz="1600" dirty="0">
+                <a:solidFill>
+                  <a:srgbClr val="AEAAAA"/>
+                </a:solidFill>
+                <a:latin typeface="Calibri" panose="020F0502020204030204" pitchFamily="34" charset="0"/>
+                <a:ea typeface="Calibri" panose="020F0502020204030204" pitchFamily="34" charset="0"/>
+                <a:cs typeface="Arial" panose="020B0604020202020204" pitchFamily="34" charset="0"/>
+              </a:rPr>
+              <a:t>, </a:t>
+            </a:r>
+            <a:r>
+              <a:rPr lang="en-US" sz="1600" dirty="0" err="1">
+                <a:solidFill>
+                  <a:srgbClr val="AEAAAA"/>
+                </a:solidFill>
+                <a:latin typeface="Calibri" panose="020F0502020204030204" pitchFamily="34" charset="0"/>
+                <a:ea typeface="Calibri" panose="020F0502020204030204" pitchFamily="34" charset="0"/>
+                <a:cs typeface="Arial" panose="020B0604020202020204" pitchFamily="34" charset="0"/>
+              </a:rPr>
+              <a:t>Nobeyesdad</a:t>
+            </a:r>
+            <a:endParaRPr lang="en-US" sz="1600" dirty="0">
+              <a:solidFill>
+                <a:srgbClr val="AEAAAA"/>
+              </a:solidFill>
+              <a:latin typeface="Calibri" panose="020F0502020204030204" pitchFamily="34" charset="0"/>
+              <a:ea typeface="Calibri" panose="020F0502020204030204" pitchFamily="34" charset="0"/>
+              <a:cs typeface="Arial" panose="020B0604020202020204" pitchFamily="34" charset="0"/>
+            </a:endParaRPr>
+          </a:p>
+          <a:p>
+            <a:pPr marL="0" indent="0">
+              <a:buNone/>
+            </a:pPr>
+            <a:endParaRPr lang="en-US" sz="1400" dirty="0">
+              <a:solidFill>
+                <a:srgbClr val="AEAAAA"/>
+              </a:solidFill>
+              <a:latin typeface="Calibri" panose="020F0502020204030204" pitchFamily="34" charset="0"/>
+              <a:cs typeface="Arial" panose="020B0604020202020204" pitchFamily="34" charset="0"/>
+            </a:endParaRPr>
+          </a:p>
+          <a:p>
+            <a:pPr marL="0" indent="0">
+              <a:buNone/>
+            </a:pPr>
+            <a:endParaRPr lang="en-US" sz="1400" dirty="0"/>
+          </a:p>
+          <a:p>
+            <a:pPr marL="0" indent="0">
+              <a:buNone/>
+            </a:pPr>
+            <a:r>
+              <a:rPr lang="en-US" sz="1400" dirty="0">
+                <a:latin typeface="Consolas" panose="020B0609020204030204" pitchFamily="49" charset="0"/>
+              </a:rPr>
+              <a:t> </a:t>
+            </a:r>
+          </a:p>
+          <a:p>
+            <a:pPr marL="0" indent="0">
+              <a:buNone/>
+            </a:pPr>
+            <a:endParaRPr lang="en-US" sz="1400" b="0" dirty="0">
+              <a:effectLst/>
+              <a:latin typeface="Consolas" panose="020B0609020204030204" pitchFamily="49" charset="0"/>
+            </a:endParaRPr>
+          </a:p>
+          <a:p>
+            <a:pPr marL="0" indent="0">
+              <a:buNone/>
+            </a:pPr>
+            <a:endParaRPr lang="en-US" sz="2000" b="0" dirty="0">
+              <a:solidFill>
+                <a:srgbClr val="FFFFFF"/>
+              </a:solidFill>
+              <a:effectLst/>
+              <a:latin typeface="Consolas" panose="020B0609020204030204" pitchFamily="49" charset="0"/>
+            </a:endParaRPr>
           </a:p>
         </p:txBody>
       </p:sp>
@@ -4094,6 +4463,565 @@
 </file>
 
 <file path=ppt/slides/slide13.xml><?xml version="1.0" encoding="utf-8"?>
+<p:sld xmlns:a="http://schemas.openxmlformats.org/drawingml/2006/main" xmlns:r="http://schemas.openxmlformats.org/officeDocument/2006/relationships" xmlns:p="http://schemas.openxmlformats.org/presentationml/2006/main">
+  <p:cSld>
+    <p:spTree>
+      <p:nvGrpSpPr>
+        <p:cNvPr id="1" name=""/>
+        <p:cNvGrpSpPr/>
+        <p:nvPr/>
+      </p:nvGrpSpPr>
+      <p:grpSpPr>
+        <a:xfrm>
+          <a:off x="0" y="0"/>
+          <a:ext cx="0" cy="0"/>
+          <a:chOff x="0" y="0"/>
+          <a:chExt cx="0" cy="0"/>
+        </a:xfrm>
+      </p:grpSpPr>
+      <p:sp>
+        <p:nvSpPr>
+          <p:cNvPr id="2" name="Titre 1">
+            <a:extLst>
+              <a:ext uri="{FF2B5EF4-FFF2-40B4-BE49-F238E27FC236}">
+                <a16:creationId xmlns:a16="http://schemas.microsoft.com/office/drawing/2014/main" id="{4B079C5E-6E3B-4A30-8ED3-6BBEAD8CBE52}"/>
+              </a:ext>
+            </a:extLst>
+          </p:cNvPr>
+          <p:cNvSpPr>
+            <a:spLocks noGrp="1"/>
+          </p:cNvSpPr>
+          <p:nvPr>
+            <p:ph type="title"/>
+          </p:nvPr>
+        </p:nvSpPr>
+        <p:spPr/>
+        <p:txBody>
+          <a:bodyPr/>
+          <a:lstStyle/>
+          <a:p>
+            <a:r>
+              <a:rPr lang="fr-FR" sz="4400" dirty="0"/>
+              <a:t>III- </a:t>
+            </a:r>
+            <a:r>
+              <a:rPr lang="en-US" sz="4400" dirty="0"/>
+              <a:t>Analysis</a:t>
+            </a:r>
+            <a:r>
+              <a:rPr lang="fr-FR" sz="4400" dirty="0"/>
+              <a:t> of Data, local </a:t>
+            </a:r>
+            <a:r>
+              <a:rPr lang="fr-FR" sz="4400" dirty="0" err="1"/>
+              <a:t>analysis</a:t>
+            </a:r>
+            <a:r>
+              <a:rPr lang="fr-FR" sz="4400" dirty="0"/>
+              <a:t> </a:t>
+            </a:r>
+            <a:endParaRPr lang="en-US" dirty="0"/>
+          </a:p>
+        </p:txBody>
+      </p:sp>
+      <p:sp>
+        <p:nvSpPr>
+          <p:cNvPr id="3" name="Espace réservé du contenu 2">
+            <a:extLst>
+              <a:ext uri="{FF2B5EF4-FFF2-40B4-BE49-F238E27FC236}">
+                <a16:creationId xmlns:a16="http://schemas.microsoft.com/office/drawing/2014/main" id="{BC70B81E-3C6C-4A6E-8515-2A15759953D1}"/>
+              </a:ext>
+            </a:extLst>
+          </p:cNvPr>
+          <p:cNvSpPr>
+            <a:spLocks noGrp="1"/>
+          </p:cNvSpPr>
+          <p:nvPr>
+            <p:ph idx="1"/>
+          </p:nvPr>
+        </p:nvSpPr>
+        <p:spPr>
+          <a:xfrm>
+            <a:off x="693345" y="1385181"/>
+            <a:ext cx="10515600" cy="615636"/>
+          </a:xfrm>
+        </p:spPr>
+        <p:txBody>
+          <a:bodyPr>
+            <a:noAutofit/>
+          </a:bodyPr>
+          <a:lstStyle/>
+          <a:p>
+            <a:pPr marL="0" indent="0">
+              <a:buNone/>
+            </a:pPr>
+            <a:r>
+              <a:rPr lang="en-US" sz="1600" dirty="0">
+                <a:solidFill>
+                  <a:srgbClr val="569CD6"/>
+                </a:solidFill>
+                <a:latin typeface="Consolas" panose="020B0609020204030204" pitchFamily="49" charset="0"/>
+              </a:rPr>
+              <a:t>def</a:t>
+            </a:r>
+            <a:r>
+              <a:rPr lang="en-US" sz="1600" b="0" dirty="0">
+                <a:solidFill>
+                  <a:srgbClr val="DCDCAA"/>
+                </a:solidFill>
+                <a:effectLst/>
+                <a:latin typeface="Consolas" panose="020B0609020204030204" pitchFamily="49" charset="0"/>
+              </a:rPr>
+              <a:t> </a:t>
+            </a:r>
+            <a:r>
+              <a:rPr lang="en-US" sz="1600" b="0" dirty="0" err="1">
+                <a:solidFill>
+                  <a:srgbClr val="DCDCAA"/>
+                </a:solidFill>
+                <a:effectLst/>
+                <a:latin typeface="Consolas" panose="020B0609020204030204" pitchFamily="49" charset="0"/>
+              </a:rPr>
+              <a:t>visualization_ID_Variable</a:t>
+            </a:r>
+            <a:r>
+              <a:rPr lang="en-US" sz="1600" b="0" dirty="0">
+                <a:effectLst/>
+                <a:latin typeface="Consolas" panose="020B0609020204030204" pitchFamily="49" charset="0"/>
+              </a:rPr>
+              <a:t>(</a:t>
+            </a:r>
+            <a:r>
+              <a:rPr lang="en-US" sz="1600" b="0" dirty="0" err="1">
+                <a:solidFill>
+                  <a:srgbClr val="9CDCFE"/>
+                </a:solidFill>
+                <a:effectLst/>
+                <a:latin typeface="Consolas" panose="020B0609020204030204" pitchFamily="49" charset="0"/>
+              </a:rPr>
+              <a:t>obesity_variable</a:t>
+            </a:r>
+            <a:r>
+              <a:rPr lang="en-US" sz="1600" b="0" dirty="0" err="1">
+                <a:effectLst/>
+                <a:latin typeface="Consolas" panose="020B0609020204030204" pitchFamily="49" charset="0"/>
+              </a:rPr>
+              <a:t>,</a:t>
+            </a:r>
+            <a:r>
+              <a:rPr lang="en-US" sz="1600" b="0" dirty="0" err="1">
+                <a:solidFill>
+                  <a:srgbClr val="9CDCFE"/>
+                </a:solidFill>
+                <a:effectLst/>
+                <a:latin typeface="Consolas" panose="020B0609020204030204" pitchFamily="49" charset="0"/>
+              </a:rPr>
+              <a:t>df</a:t>
+            </a:r>
+            <a:r>
+              <a:rPr lang="en-US" sz="1600" b="0" dirty="0">
+                <a:effectLst/>
+                <a:latin typeface="Consolas" panose="020B0609020204030204" pitchFamily="49" charset="0"/>
+              </a:rPr>
+              <a:t>):</a:t>
+            </a:r>
+          </a:p>
+          <a:p>
+            <a:pPr marL="0" indent="0">
+              <a:buNone/>
+            </a:pPr>
+            <a:r>
+              <a:rPr lang="en-US" sz="1100" dirty="0"/>
+              <a:t>The </a:t>
+            </a:r>
+            <a:r>
+              <a:rPr lang="en-US" sz="1100" dirty="0" err="1"/>
+              <a:t>visualisation</a:t>
+            </a:r>
+            <a:r>
+              <a:rPr lang="en-US" sz="1100" dirty="0"/>
+              <a:t> you will see there is for the type of obesity </a:t>
+            </a:r>
+            <a:r>
+              <a:rPr lang="en-US" sz="1100" dirty="0" err="1">
+                <a:solidFill>
+                  <a:srgbClr val="AEAAAA"/>
+                </a:solidFill>
+                <a:latin typeface="Calibri" panose="020F0502020204030204" pitchFamily="34" charset="0"/>
+                <a:ea typeface="Calibri" panose="020F0502020204030204" pitchFamily="34" charset="0"/>
+                <a:cs typeface="Arial" panose="020B0604020202020204" pitchFamily="34" charset="0"/>
+              </a:rPr>
+              <a:t>Nobeyesdad</a:t>
+            </a:r>
+            <a:r>
+              <a:rPr lang="en-US" sz="1100" dirty="0">
+                <a:latin typeface="Calibri" panose="020F0502020204030204" pitchFamily="34" charset="0"/>
+                <a:ea typeface="Calibri" panose="020F0502020204030204" pitchFamily="34" charset="0"/>
+                <a:cs typeface="Arial" panose="020B0604020202020204" pitchFamily="34" charset="0"/>
+              </a:rPr>
+              <a:t>=“</a:t>
+            </a:r>
+            <a:r>
+              <a:rPr lang="es-ES" sz="900" b="0" dirty="0" err="1">
+                <a:solidFill>
+                  <a:srgbClr val="CE9178"/>
+                </a:solidFill>
+                <a:effectLst/>
+                <a:latin typeface="Consolas" panose="020B0609020204030204" pitchFamily="49" charset="0"/>
+              </a:rPr>
+              <a:t>Obesity_Type_I</a:t>
+            </a:r>
+            <a:r>
+              <a:rPr lang="en-US" sz="1100" dirty="0">
+                <a:latin typeface="Calibri" panose="020F0502020204030204" pitchFamily="34" charset="0"/>
+                <a:ea typeface="Calibri" panose="020F0502020204030204" pitchFamily="34" charset="0"/>
+                <a:cs typeface="Arial" panose="020B0604020202020204" pitchFamily="34" charset="0"/>
+              </a:rPr>
+              <a:t>”</a:t>
+            </a:r>
+          </a:p>
+          <a:p>
+            <a:pPr marL="0" indent="0">
+              <a:buNone/>
+            </a:pPr>
+            <a:endParaRPr lang="en-US" sz="2000" b="0" dirty="0">
+              <a:solidFill>
+                <a:srgbClr val="FFFFFF"/>
+              </a:solidFill>
+              <a:effectLst/>
+              <a:latin typeface="Consolas" panose="020B0609020204030204" pitchFamily="49" charset="0"/>
+            </a:endParaRPr>
+          </a:p>
+        </p:txBody>
+      </p:sp>
+      <p:pic>
+        <p:nvPicPr>
+          <p:cNvPr id="6" name="Image 5">
+            <a:extLst>
+              <a:ext uri="{FF2B5EF4-FFF2-40B4-BE49-F238E27FC236}">
+                <a16:creationId xmlns:a16="http://schemas.microsoft.com/office/drawing/2014/main" id="{FF3BAAA8-E4A8-4C07-82DF-2D062694580C}"/>
+              </a:ext>
+            </a:extLst>
+          </p:cNvPr>
+          <p:cNvPicPr>
+            <a:picLocks noChangeAspect="1"/>
+          </p:cNvPicPr>
+          <p:nvPr/>
+        </p:nvPicPr>
+        <p:blipFill>
+          <a:blip r:embed="rId2"/>
+          <a:stretch>
+            <a:fillRect/>
+          </a:stretch>
+        </p:blipFill>
+        <p:spPr>
+          <a:xfrm>
+            <a:off x="1241567" y="2000817"/>
+            <a:ext cx="9708866" cy="4857183"/>
+          </a:xfrm>
+          <a:prstGeom prst="rect">
+            <a:avLst/>
+          </a:prstGeom>
+        </p:spPr>
+      </p:pic>
+    </p:spTree>
+    <p:extLst>
+      <p:ext uri="{BB962C8B-B14F-4D97-AF65-F5344CB8AC3E}">
+        <p14:creationId xmlns:p14="http://schemas.microsoft.com/office/powerpoint/2010/main" val="156634668"/>
+      </p:ext>
+    </p:extLst>
+  </p:cSld>
+  <p:clrMapOvr>
+    <a:masterClrMapping/>
+  </p:clrMapOvr>
+</p:sld>
+</file>
+
+<file path=ppt/slides/slide14.xml><?xml version="1.0" encoding="utf-8"?>
+<p:sld xmlns:a="http://schemas.openxmlformats.org/drawingml/2006/main" xmlns:r="http://schemas.openxmlformats.org/officeDocument/2006/relationships" xmlns:p="http://schemas.openxmlformats.org/presentationml/2006/main">
+  <p:cSld>
+    <p:spTree>
+      <p:nvGrpSpPr>
+        <p:cNvPr id="1" name=""/>
+        <p:cNvGrpSpPr/>
+        <p:nvPr/>
+      </p:nvGrpSpPr>
+      <p:grpSpPr>
+        <a:xfrm>
+          <a:off x="0" y="0"/>
+          <a:ext cx="0" cy="0"/>
+          <a:chOff x="0" y="0"/>
+          <a:chExt cx="0" cy="0"/>
+        </a:xfrm>
+      </p:grpSpPr>
+      <p:sp>
+        <p:nvSpPr>
+          <p:cNvPr id="2" name="Titre 1">
+            <a:extLst>
+              <a:ext uri="{FF2B5EF4-FFF2-40B4-BE49-F238E27FC236}">
+                <a16:creationId xmlns:a16="http://schemas.microsoft.com/office/drawing/2014/main" id="{4B079C5E-6E3B-4A30-8ED3-6BBEAD8CBE52}"/>
+              </a:ext>
+            </a:extLst>
+          </p:cNvPr>
+          <p:cNvSpPr>
+            <a:spLocks noGrp="1"/>
+          </p:cNvSpPr>
+          <p:nvPr>
+            <p:ph type="title"/>
+          </p:nvPr>
+        </p:nvSpPr>
+        <p:spPr/>
+        <p:txBody>
+          <a:bodyPr/>
+          <a:lstStyle/>
+          <a:p>
+            <a:r>
+              <a:rPr lang="fr-FR" sz="4400" dirty="0"/>
+              <a:t>III- </a:t>
+            </a:r>
+            <a:r>
+              <a:rPr lang="en-US" sz="4400" dirty="0"/>
+              <a:t>Analysis</a:t>
+            </a:r>
+            <a:r>
+              <a:rPr lang="fr-FR" sz="4400" dirty="0"/>
+              <a:t> of Data, local </a:t>
+            </a:r>
+            <a:r>
+              <a:rPr lang="fr-FR" sz="4400" dirty="0" err="1"/>
+              <a:t>analysis</a:t>
+            </a:r>
+            <a:r>
+              <a:rPr lang="fr-FR" sz="4400" dirty="0"/>
+              <a:t> </a:t>
+            </a:r>
+            <a:endParaRPr lang="en-US" dirty="0"/>
+          </a:p>
+        </p:txBody>
+      </p:sp>
+      <p:sp>
+        <p:nvSpPr>
+          <p:cNvPr id="3" name="Espace réservé du contenu 2">
+            <a:extLst>
+              <a:ext uri="{FF2B5EF4-FFF2-40B4-BE49-F238E27FC236}">
+                <a16:creationId xmlns:a16="http://schemas.microsoft.com/office/drawing/2014/main" id="{BC70B81E-3C6C-4A6E-8515-2A15759953D1}"/>
+              </a:ext>
+            </a:extLst>
+          </p:cNvPr>
+          <p:cNvSpPr>
+            <a:spLocks noGrp="1"/>
+          </p:cNvSpPr>
+          <p:nvPr>
+            <p:ph idx="1"/>
+          </p:nvPr>
+        </p:nvSpPr>
+        <p:spPr>
+          <a:xfrm>
+            <a:off x="432586" y="1523687"/>
+            <a:ext cx="4619248" cy="3654895"/>
+          </a:xfrm>
+        </p:spPr>
+        <p:txBody>
+          <a:bodyPr>
+            <a:noAutofit/>
+          </a:bodyPr>
+          <a:lstStyle/>
+          <a:p>
+            <a:pPr marL="0" indent="0">
+              <a:buNone/>
+            </a:pPr>
+            <a:r>
+              <a:rPr lang="en-US" sz="2000" b="0" dirty="0">
+                <a:solidFill>
+                  <a:srgbClr val="569CD6"/>
+                </a:solidFill>
+                <a:effectLst/>
+                <a:latin typeface="Consolas" panose="020B0609020204030204" pitchFamily="49" charset="0"/>
+              </a:rPr>
+              <a:t>def</a:t>
+            </a:r>
+            <a:r>
+              <a:rPr lang="en-US" sz="2000" b="0" dirty="0">
+                <a:solidFill>
+                  <a:srgbClr val="FFFFFF"/>
+                </a:solidFill>
+                <a:effectLst/>
+                <a:latin typeface="Consolas" panose="020B0609020204030204" pitchFamily="49" charset="0"/>
+              </a:rPr>
+              <a:t> </a:t>
+            </a:r>
+            <a:r>
+              <a:rPr lang="en-US" sz="2000" b="0" dirty="0" err="1">
+                <a:solidFill>
+                  <a:srgbClr val="DCDCAA"/>
+                </a:solidFill>
+                <a:effectLst/>
+                <a:latin typeface="Consolas" panose="020B0609020204030204" pitchFamily="49" charset="0"/>
+              </a:rPr>
+              <a:t>visualization_ID_Variable_Table</a:t>
+            </a:r>
+            <a:r>
+              <a:rPr lang="en-US" sz="2000" b="0" dirty="0">
+                <a:effectLst/>
+                <a:latin typeface="Consolas" panose="020B0609020204030204" pitchFamily="49" charset="0"/>
+              </a:rPr>
+              <a:t>(</a:t>
+            </a:r>
+            <a:r>
+              <a:rPr lang="en-US" sz="2000" b="0" dirty="0" err="1">
+                <a:solidFill>
+                  <a:srgbClr val="9CDCFE"/>
+                </a:solidFill>
+                <a:effectLst/>
+                <a:latin typeface="Consolas" panose="020B0609020204030204" pitchFamily="49" charset="0"/>
+              </a:rPr>
+              <a:t>obesity_variable</a:t>
+            </a:r>
+            <a:r>
+              <a:rPr lang="en-US" sz="2000" b="0" dirty="0" err="1">
+                <a:effectLst/>
+                <a:latin typeface="Consolas" panose="020B0609020204030204" pitchFamily="49" charset="0"/>
+              </a:rPr>
+              <a:t>,</a:t>
+            </a:r>
+            <a:r>
+              <a:rPr lang="en-US" sz="2000" b="0" dirty="0" err="1">
+                <a:solidFill>
+                  <a:srgbClr val="9CDCFE"/>
+                </a:solidFill>
+                <a:effectLst/>
+                <a:latin typeface="Consolas" panose="020B0609020204030204" pitchFamily="49" charset="0"/>
+              </a:rPr>
+              <a:t>df</a:t>
+            </a:r>
+            <a:r>
+              <a:rPr lang="en-US" sz="2000" b="0" dirty="0">
+                <a:effectLst/>
+                <a:latin typeface="Consolas" panose="020B0609020204030204" pitchFamily="49" charset="0"/>
+              </a:rPr>
+              <a:t>):</a:t>
+            </a:r>
+            <a:endParaRPr lang="en-US" sz="1400" b="0" dirty="0">
+              <a:effectLst/>
+              <a:latin typeface="Consolas" panose="020B0609020204030204" pitchFamily="49" charset="0"/>
+            </a:endParaRPr>
+          </a:p>
+          <a:p>
+            <a:pPr marL="0" indent="0">
+              <a:buNone/>
+            </a:pPr>
+            <a:r>
+              <a:rPr lang="en-US" sz="1400" dirty="0"/>
+              <a:t>The </a:t>
+            </a:r>
+            <a:r>
+              <a:rPr lang="en-US" sz="1400" dirty="0" err="1"/>
+              <a:t>visualisation</a:t>
+            </a:r>
+            <a:r>
+              <a:rPr lang="en-US" sz="1400" dirty="0"/>
+              <a:t> </a:t>
+            </a:r>
+            <a:r>
+              <a:rPr lang="en-US" sz="1600" dirty="0"/>
+              <a:t>you will see there is for the type of obesity </a:t>
+            </a:r>
+            <a:r>
+              <a:rPr lang="en-US" sz="1600" dirty="0" err="1">
+                <a:solidFill>
+                  <a:srgbClr val="AEAAAA"/>
+                </a:solidFill>
+                <a:latin typeface="Calibri" panose="020F0502020204030204" pitchFamily="34" charset="0"/>
+                <a:ea typeface="Calibri" panose="020F0502020204030204" pitchFamily="34" charset="0"/>
+                <a:cs typeface="Arial" panose="020B0604020202020204" pitchFamily="34" charset="0"/>
+              </a:rPr>
+              <a:t>Nobeyesdad</a:t>
+            </a:r>
+            <a:r>
+              <a:rPr lang="en-US" sz="1600" dirty="0">
+                <a:latin typeface="Calibri" panose="020F0502020204030204" pitchFamily="34" charset="0"/>
+                <a:ea typeface="Calibri" panose="020F0502020204030204" pitchFamily="34" charset="0"/>
+                <a:cs typeface="Arial" panose="020B0604020202020204" pitchFamily="34" charset="0"/>
+              </a:rPr>
+              <a:t>=“</a:t>
+            </a:r>
+            <a:r>
+              <a:rPr lang="es-ES" sz="1100" b="0" dirty="0" err="1">
+                <a:solidFill>
+                  <a:srgbClr val="CE9178"/>
+                </a:solidFill>
+                <a:effectLst/>
+                <a:latin typeface="Consolas" panose="020B0609020204030204" pitchFamily="49" charset="0"/>
+              </a:rPr>
+              <a:t>Obesity_Type_I</a:t>
+            </a:r>
+            <a:r>
+              <a:rPr lang="en-US" sz="1600" dirty="0">
+                <a:latin typeface="Calibri" panose="020F0502020204030204" pitchFamily="34" charset="0"/>
+                <a:ea typeface="Calibri" panose="020F0502020204030204" pitchFamily="34" charset="0"/>
+                <a:cs typeface="Arial" panose="020B0604020202020204" pitchFamily="34" charset="0"/>
+              </a:rPr>
+              <a:t>”</a:t>
+            </a:r>
+          </a:p>
+          <a:p>
+            <a:pPr marL="0" indent="0">
+              <a:buNone/>
+            </a:pPr>
+            <a:endParaRPr lang="en-US" sz="2000" b="0" dirty="0">
+              <a:solidFill>
+                <a:srgbClr val="FFFFFF"/>
+              </a:solidFill>
+              <a:effectLst/>
+              <a:latin typeface="Consolas" panose="020B0609020204030204" pitchFamily="49" charset="0"/>
+            </a:endParaRPr>
+          </a:p>
+        </p:txBody>
+      </p:sp>
+      <p:pic>
+        <p:nvPicPr>
+          <p:cNvPr id="7" name="Image 6">
+            <a:extLst>
+              <a:ext uri="{FF2B5EF4-FFF2-40B4-BE49-F238E27FC236}">
+                <a16:creationId xmlns:a16="http://schemas.microsoft.com/office/drawing/2014/main" id="{8B8CA20A-B092-4138-BAE3-EBA5327A57AF}"/>
+              </a:ext>
+            </a:extLst>
+          </p:cNvPr>
+          <p:cNvPicPr>
+            <a:picLocks noChangeAspect="1"/>
+          </p:cNvPicPr>
+          <p:nvPr/>
+        </p:nvPicPr>
+        <p:blipFill>
+          <a:blip r:embed="rId2"/>
+          <a:stretch>
+            <a:fillRect/>
+          </a:stretch>
+        </p:blipFill>
+        <p:spPr>
+          <a:xfrm>
+            <a:off x="5441133" y="1513659"/>
+            <a:ext cx="6750867" cy="5391172"/>
+          </a:xfrm>
+          <a:prstGeom prst="rect">
+            <a:avLst/>
+          </a:prstGeom>
+        </p:spPr>
+      </p:pic>
+    </p:spTree>
+    <p:extLst>
+      <p:ext uri="{BB962C8B-B14F-4D97-AF65-F5344CB8AC3E}">
+        <p14:creationId xmlns:p14="http://schemas.microsoft.com/office/powerpoint/2010/main" val="84729869"/>
+      </p:ext>
+    </p:extLst>
+  </p:cSld>
+  <p:clrMapOvr>
+    <a:masterClrMapping/>
+  </p:clrMapOvr>
+</p:sld>
+</file>
+
+<file path=ppt/slides/slide15.xml><?xml version="1.0" encoding="utf-8"?>
 <p:sld xmlns:a="http://schemas.openxmlformats.org/drawingml/2006/main" xmlns:r="http://schemas.openxmlformats.org/officeDocument/2006/relationships" xmlns:p="http://schemas.openxmlformats.org/presentationml/2006/main">
   <p:cSld>
     <p:spTree>
@@ -5950,7 +6878,7 @@
 </p:sld>
 </file>
 
-<file path=ppt/slides/slide14.xml><?xml version="1.0" encoding="utf-8"?>
+<file path=ppt/slides/slide16.xml><?xml version="1.0" encoding="utf-8"?>
 <p:sld xmlns:a="http://schemas.openxmlformats.org/drawingml/2006/main" xmlns:r="http://schemas.openxmlformats.org/officeDocument/2006/relationships" xmlns:p="http://schemas.openxmlformats.org/presentationml/2006/main">
   <p:cSld>
     <p:spTree>
@@ -6213,7 +7141,7 @@
 </p:sld>
 </file>
 
-<file path=ppt/slides/slide15.xml><?xml version="1.0" encoding="utf-8"?>
+<file path=ppt/slides/slide17.xml><?xml version="1.0" encoding="utf-8"?>
 <p:sld xmlns:a="http://schemas.openxmlformats.org/drawingml/2006/main" xmlns:r="http://schemas.openxmlformats.org/officeDocument/2006/relationships" xmlns:p="http://schemas.openxmlformats.org/presentationml/2006/main">
   <p:cSld>
     <p:spTree>
@@ -6454,7 +7382,7 @@
 </p:sld>
 </file>
 
-<file path=ppt/slides/slide16.xml><?xml version="1.0" encoding="utf-8"?>
+<file path=ppt/slides/slide18.xml><?xml version="1.0" encoding="utf-8"?>
 <p:sld xmlns:a="http://schemas.openxmlformats.org/drawingml/2006/main" xmlns:r="http://schemas.openxmlformats.org/officeDocument/2006/relationships" xmlns:p="http://schemas.openxmlformats.org/presentationml/2006/main">
   <p:cSld>
     <p:spTree>
@@ -6659,7 +7587,716 @@
 </p:sld>
 </file>
 
-<file path=ppt/slides/slide17.xml><?xml version="1.0" encoding="utf-8"?>
+<file path=ppt/slides/slide19.xml><?xml version="1.0" encoding="utf-8"?>
+<p:sld xmlns:a="http://schemas.openxmlformats.org/drawingml/2006/main" xmlns:r="http://schemas.openxmlformats.org/officeDocument/2006/relationships" xmlns:p="http://schemas.openxmlformats.org/presentationml/2006/main">
+  <p:cSld>
+    <p:spTree>
+      <p:nvGrpSpPr>
+        <p:cNvPr id="1" name=""/>
+        <p:cNvGrpSpPr/>
+        <p:nvPr/>
+      </p:nvGrpSpPr>
+      <p:grpSpPr>
+        <a:xfrm>
+          <a:off x="0" y="0"/>
+          <a:ext cx="0" cy="0"/>
+          <a:chOff x="0" y="0"/>
+          <a:chExt cx="0" cy="0"/>
+        </a:xfrm>
+      </p:grpSpPr>
+      <p:sp>
+        <p:nvSpPr>
+          <p:cNvPr id="2" name="Titre 1">
+            <a:extLst>
+              <a:ext uri="{FF2B5EF4-FFF2-40B4-BE49-F238E27FC236}">
+                <a16:creationId xmlns:a16="http://schemas.microsoft.com/office/drawing/2014/main" id="{059214AB-9CCA-4538-83A4-8E69920574DF}"/>
+              </a:ext>
+            </a:extLst>
+          </p:cNvPr>
+          <p:cNvSpPr>
+            <a:spLocks noGrp="1"/>
+          </p:cNvSpPr>
+          <p:nvPr>
+            <p:ph type="title"/>
+          </p:nvPr>
+        </p:nvSpPr>
+        <p:spPr/>
+        <p:txBody>
+          <a:bodyPr/>
+          <a:lstStyle/>
+          <a:p>
+            <a:r>
+              <a:rPr lang="fr-FR" dirty="0"/>
+              <a:t>V- Classification </a:t>
+            </a:r>
+            <a:r>
+              <a:rPr lang="fr-FR" sz="4400" i="1" dirty="0"/>
+              <a:t>(</a:t>
+            </a:r>
+            <a:r>
+              <a:rPr lang="fr-FR" sz="4400" i="1" dirty="0" err="1"/>
+              <a:t>Creation</a:t>
+            </a:r>
+            <a:r>
+              <a:rPr lang="fr-FR" sz="4400" i="1" dirty="0"/>
+              <a:t> of the </a:t>
+            </a:r>
+            <a:r>
+              <a:rPr lang="fr-FR" sz="4400" i="1" dirty="0" err="1"/>
+              <a:t>models</a:t>
+            </a:r>
+            <a:r>
+              <a:rPr lang="fr-FR" sz="4400" i="1" dirty="0"/>
+              <a:t>)</a:t>
+            </a:r>
+            <a:endParaRPr lang="en-US" dirty="0"/>
+          </a:p>
+        </p:txBody>
+      </p:sp>
+      <p:sp>
+        <p:nvSpPr>
+          <p:cNvPr id="3" name="Espace réservé du contenu 2">
+            <a:extLst>
+              <a:ext uri="{FF2B5EF4-FFF2-40B4-BE49-F238E27FC236}">
+                <a16:creationId xmlns:a16="http://schemas.microsoft.com/office/drawing/2014/main" id="{EA6797C5-B43C-44AC-9F16-1AB248B0E03C}"/>
+              </a:ext>
+            </a:extLst>
+          </p:cNvPr>
+          <p:cNvSpPr>
+            <a:spLocks noGrp="1"/>
+          </p:cNvSpPr>
+          <p:nvPr>
+            <p:ph idx="1"/>
+          </p:nvPr>
+        </p:nvSpPr>
+        <p:spPr/>
+        <p:txBody>
+          <a:bodyPr/>
+          <a:lstStyle/>
+          <a:p>
+            <a:pPr marL="0" indent="0">
+              <a:buNone/>
+            </a:pPr>
+            <a:r>
+              <a:rPr lang="en-US" b="1" dirty="0">
+                <a:solidFill>
+                  <a:srgbClr val="6796E6"/>
+                </a:solidFill>
+                <a:latin typeface="Consolas" panose="020B0609020204030204" pitchFamily="49" charset="0"/>
+              </a:rPr>
+              <a:t>1- </a:t>
+            </a:r>
+            <a:r>
+              <a:rPr lang="es-ES" b="1" dirty="0">
+                <a:solidFill>
+                  <a:srgbClr val="6796E6"/>
+                </a:solidFill>
+                <a:effectLst/>
+                <a:latin typeface="Consolas" panose="020B0609020204030204" pitchFamily="49" charset="0"/>
+              </a:rPr>
+              <a:t>BAGGING </a:t>
+            </a:r>
+            <a:r>
+              <a:rPr lang="es-ES" b="1" dirty="0" err="1">
+                <a:solidFill>
+                  <a:srgbClr val="6796E6"/>
+                </a:solidFill>
+                <a:effectLst/>
+                <a:latin typeface="Consolas" panose="020B0609020204030204" pitchFamily="49" charset="0"/>
+              </a:rPr>
+              <a:t>Classifiers</a:t>
+            </a:r>
+            <a:endParaRPr lang="es-ES" b="0" dirty="0">
+              <a:solidFill>
+                <a:srgbClr val="FFFFFF"/>
+              </a:solidFill>
+              <a:effectLst/>
+              <a:latin typeface="Consolas" panose="020B0609020204030204" pitchFamily="49" charset="0"/>
+            </a:endParaRPr>
+          </a:p>
+          <a:p>
+            <a:pPr marL="457200" lvl="1" indent="0">
+              <a:buNone/>
+            </a:pPr>
+            <a:r>
+              <a:rPr lang="en-US" dirty="0"/>
+              <a:t>Bagging, </a:t>
+            </a:r>
+            <a:r>
+              <a:rPr lang="en-US" dirty="0" err="1"/>
+              <a:t>RandomForest</a:t>
+            </a:r>
+            <a:endParaRPr lang="en-US" dirty="0"/>
+          </a:p>
+          <a:p>
+            <a:pPr marL="0" indent="0">
+              <a:buNone/>
+            </a:pPr>
+            <a:r>
+              <a:rPr lang="es-ES" b="1" dirty="0">
+                <a:solidFill>
+                  <a:srgbClr val="6796E6"/>
+                </a:solidFill>
+                <a:effectLst/>
+                <a:latin typeface="Consolas" panose="020B0609020204030204" pitchFamily="49" charset="0"/>
+              </a:rPr>
+              <a:t>2-BOOSTING </a:t>
+            </a:r>
+            <a:r>
+              <a:rPr lang="es-ES" b="1" dirty="0" err="1">
+                <a:solidFill>
+                  <a:srgbClr val="6796E6"/>
+                </a:solidFill>
+                <a:effectLst/>
+                <a:latin typeface="Consolas" panose="020B0609020204030204" pitchFamily="49" charset="0"/>
+              </a:rPr>
+              <a:t>Classifiers</a:t>
+            </a:r>
+            <a:endParaRPr lang="es-ES" b="0" dirty="0">
+              <a:solidFill>
+                <a:srgbClr val="FFFFFF"/>
+              </a:solidFill>
+              <a:effectLst/>
+              <a:latin typeface="Consolas" panose="020B0609020204030204" pitchFamily="49" charset="0"/>
+            </a:endParaRPr>
+          </a:p>
+          <a:p>
+            <a:pPr marL="457200" lvl="1" indent="0">
+              <a:buNone/>
+            </a:pPr>
+            <a:r>
+              <a:rPr lang="es-ES" dirty="0" err="1"/>
+              <a:t>AdaBoost</a:t>
+            </a:r>
+            <a:r>
+              <a:rPr lang="es-ES" dirty="0"/>
+              <a:t>, </a:t>
+            </a:r>
+            <a:r>
+              <a:rPr lang="es-ES" dirty="0" err="1"/>
+              <a:t>GradientBoosting</a:t>
+            </a:r>
+            <a:r>
+              <a:rPr lang="es-ES" dirty="0"/>
+              <a:t>, </a:t>
+            </a:r>
+            <a:r>
+              <a:rPr lang="es-ES" dirty="0" err="1"/>
+              <a:t>HistGradientBoosting</a:t>
+            </a:r>
+            <a:endParaRPr lang="es-ES" dirty="0"/>
+          </a:p>
+          <a:p>
+            <a:pPr marL="0" indent="0">
+              <a:buNone/>
+            </a:pPr>
+            <a:r>
+              <a:rPr lang="es-ES" b="1" dirty="0">
+                <a:solidFill>
+                  <a:srgbClr val="6796E6"/>
+                </a:solidFill>
+                <a:latin typeface="Consolas" panose="020B0609020204030204" pitchFamily="49" charset="0"/>
+              </a:rPr>
+              <a:t>3-Voting </a:t>
+            </a:r>
+            <a:r>
+              <a:rPr lang="es-ES" b="1" dirty="0" err="1">
+                <a:solidFill>
+                  <a:srgbClr val="6796E6"/>
+                </a:solidFill>
+                <a:latin typeface="Consolas" panose="020B0609020204030204" pitchFamily="49" charset="0"/>
+              </a:rPr>
+              <a:t>Classifiiers</a:t>
+            </a:r>
+            <a:r>
+              <a:rPr lang="es-ES" b="1" dirty="0">
+                <a:solidFill>
+                  <a:srgbClr val="6796E6"/>
+                </a:solidFill>
+                <a:latin typeface="Consolas" panose="020B0609020204030204" pitchFamily="49" charset="0"/>
+              </a:rPr>
+              <a:t> </a:t>
+            </a:r>
+          </a:p>
+          <a:p>
+            <a:pPr marL="457200" lvl="1" indent="0">
+              <a:buNone/>
+            </a:pPr>
+            <a:r>
+              <a:rPr lang="es-ES" dirty="0" err="1"/>
+              <a:t>HardVoting</a:t>
+            </a:r>
+            <a:r>
+              <a:rPr lang="es-ES" dirty="0"/>
+              <a:t>, </a:t>
+            </a:r>
+            <a:r>
+              <a:rPr lang="es-ES" dirty="0" err="1"/>
+              <a:t>SoftVoting</a:t>
+            </a:r>
+            <a:endParaRPr lang="es-ES" dirty="0"/>
+          </a:p>
+          <a:p>
+            <a:pPr marL="0" indent="0">
+              <a:buNone/>
+            </a:pPr>
+            <a:endParaRPr lang="en-US" dirty="0"/>
+          </a:p>
+        </p:txBody>
+      </p:sp>
+    </p:spTree>
+    <p:extLst>
+      <p:ext uri="{BB962C8B-B14F-4D97-AF65-F5344CB8AC3E}">
+        <p14:creationId xmlns:p14="http://schemas.microsoft.com/office/powerpoint/2010/main" val="3751215864"/>
+      </p:ext>
+    </p:extLst>
+  </p:cSld>
+  <p:clrMapOvr>
+    <a:masterClrMapping/>
+  </p:clrMapOvr>
+</p:sld>
+</file>
+
+<file path=ppt/slides/slide2.xml><?xml version="1.0" encoding="utf-8"?>
+<p:sld xmlns:a="http://schemas.openxmlformats.org/drawingml/2006/main" xmlns:r="http://schemas.openxmlformats.org/officeDocument/2006/relationships" xmlns:p="http://schemas.openxmlformats.org/presentationml/2006/main">
+  <p:cSld>
+    <p:spTree>
+      <p:nvGrpSpPr>
+        <p:cNvPr id="1" name=""/>
+        <p:cNvGrpSpPr/>
+        <p:nvPr/>
+      </p:nvGrpSpPr>
+      <p:grpSpPr>
+        <a:xfrm>
+          <a:off x="0" y="0"/>
+          <a:ext cx="0" cy="0"/>
+          <a:chOff x="0" y="0"/>
+          <a:chExt cx="0" cy="0"/>
+        </a:xfrm>
+      </p:grpSpPr>
+      <p:sp>
+        <p:nvSpPr>
+          <p:cNvPr id="2" name="Titre 1">
+            <a:extLst>
+              <a:ext uri="{FF2B5EF4-FFF2-40B4-BE49-F238E27FC236}">
+                <a16:creationId xmlns:a16="http://schemas.microsoft.com/office/drawing/2014/main" id="{AC354BD7-870D-4BEF-A419-B1553F4615B8}"/>
+              </a:ext>
+            </a:extLst>
+          </p:cNvPr>
+          <p:cNvSpPr>
+            <a:spLocks noGrp="1"/>
+          </p:cNvSpPr>
+          <p:nvPr>
+            <p:ph type="title"/>
+          </p:nvPr>
+        </p:nvSpPr>
+        <p:spPr/>
+        <p:txBody>
+          <a:bodyPr/>
+          <a:lstStyle/>
+          <a:p>
+            <a:r>
+              <a:rPr lang="fr-FR" dirty="0" err="1"/>
+              <a:t>Summary</a:t>
+            </a:r>
+            <a:endParaRPr lang="fr-FR" dirty="0"/>
+          </a:p>
+        </p:txBody>
+      </p:sp>
+      <p:sp>
+        <p:nvSpPr>
+          <p:cNvPr id="3" name="Espace réservé du contenu 2">
+            <a:extLst>
+              <a:ext uri="{FF2B5EF4-FFF2-40B4-BE49-F238E27FC236}">
+                <a16:creationId xmlns:a16="http://schemas.microsoft.com/office/drawing/2014/main" id="{E36516EC-118E-405C-8EE9-601768AF4214}"/>
+              </a:ext>
+            </a:extLst>
+          </p:cNvPr>
+          <p:cNvSpPr>
+            <a:spLocks noGrp="1"/>
+          </p:cNvSpPr>
+          <p:nvPr>
+            <p:ph idx="1"/>
+          </p:nvPr>
+        </p:nvSpPr>
+        <p:spPr/>
+        <p:txBody>
+          <a:bodyPr>
+            <a:normAutofit/>
+          </a:bodyPr>
+          <a:lstStyle/>
+          <a:p>
+            <a:pPr marL="0" indent="0">
+              <a:buNone/>
+            </a:pPr>
+            <a:r>
+              <a:rPr lang="fr-FR" dirty="0"/>
+              <a:t>I- </a:t>
+            </a:r>
+            <a:r>
+              <a:rPr lang="en-US" dirty="0"/>
+              <a:t>Presentation</a:t>
+            </a:r>
+            <a:r>
+              <a:rPr lang="fr-FR" dirty="0"/>
+              <a:t> of the BDD</a:t>
+            </a:r>
+          </a:p>
+          <a:p>
+            <a:pPr marL="0" indent="0">
+              <a:buNone/>
+            </a:pPr>
+            <a:r>
+              <a:rPr lang="fr-FR" dirty="0"/>
+              <a:t>II- </a:t>
+            </a:r>
+            <a:r>
+              <a:rPr lang="fr-FR" dirty="0" err="1"/>
+              <a:t>Creation</a:t>
+            </a:r>
+            <a:r>
+              <a:rPr lang="fr-FR" dirty="0"/>
+              <a:t> of groups of variables </a:t>
+            </a:r>
+          </a:p>
+          <a:p>
+            <a:pPr marL="0" indent="0">
+              <a:buNone/>
+            </a:pPr>
+            <a:r>
+              <a:rPr lang="fr-FR" dirty="0"/>
+              <a:t>III- </a:t>
+            </a:r>
+            <a:r>
+              <a:rPr lang="en-US" dirty="0"/>
+              <a:t>Analysis</a:t>
+            </a:r>
+            <a:r>
+              <a:rPr lang="fr-FR" dirty="0"/>
+              <a:t> of Data</a:t>
+            </a:r>
+          </a:p>
+          <a:p>
+            <a:pPr marL="457200" lvl="1" indent="0">
+              <a:buNone/>
+            </a:pPr>
+            <a:r>
+              <a:rPr lang="fr-FR" dirty="0"/>
+              <a:t>III.A- Global </a:t>
+            </a:r>
+            <a:r>
+              <a:rPr lang="fr-FR" dirty="0" err="1"/>
+              <a:t>analysis</a:t>
+            </a:r>
+            <a:r>
+              <a:rPr lang="fr-FR" dirty="0"/>
+              <a:t> </a:t>
+            </a:r>
+          </a:p>
+          <a:p>
+            <a:pPr marL="457200" lvl="1" indent="0">
+              <a:buNone/>
+            </a:pPr>
+            <a:r>
+              <a:rPr lang="fr-FR" dirty="0"/>
+              <a:t>III.B- Local </a:t>
+            </a:r>
+            <a:r>
+              <a:rPr lang="fr-FR" dirty="0" err="1"/>
+              <a:t>analysis</a:t>
+            </a:r>
+            <a:r>
+              <a:rPr lang="fr-FR" dirty="0"/>
+              <a:t> </a:t>
+            </a:r>
+          </a:p>
+          <a:p>
+            <a:pPr marL="0" indent="0">
+              <a:buNone/>
+            </a:pPr>
+            <a:r>
+              <a:rPr lang="fr-FR" dirty="0"/>
+              <a:t>IV- </a:t>
+            </a:r>
+            <a:r>
+              <a:rPr lang="fr-FR" dirty="0" err="1"/>
+              <a:t>Prediction</a:t>
+            </a:r>
+            <a:r>
+              <a:rPr lang="fr-FR" dirty="0"/>
+              <a:t> </a:t>
+            </a:r>
+          </a:p>
+          <a:p>
+            <a:pPr marL="0" indent="0">
+              <a:buNone/>
+            </a:pPr>
+            <a:r>
+              <a:rPr lang="fr-FR" dirty="0"/>
+              <a:t>V- Classification </a:t>
+            </a:r>
+          </a:p>
+          <a:p>
+            <a:pPr marL="0" indent="0">
+              <a:buNone/>
+            </a:pPr>
+            <a:r>
+              <a:rPr lang="fr-FR" dirty="0"/>
+              <a:t>VI- Conclusion </a:t>
+            </a:r>
+          </a:p>
+          <a:p>
+            <a:pPr marL="0" indent="0">
+              <a:buNone/>
+            </a:pPr>
+            <a:r>
+              <a:rPr lang="fr-FR" dirty="0"/>
+              <a:t>VII- If </a:t>
+            </a:r>
+            <a:r>
+              <a:rPr lang="fr-FR" dirty="0" err="1"/>
+              <a:t>we</a:t>
+            </a:r>
+            <a:r>
+              <a:rPr lang="fr-FR" dirty="0"/>
+              <a:t> </a:t>
+            </a:r>
+            <a:r>
+              <a:rPr lang="fr-FR" dirty="0" err="1"/>
+              <a:t>had</a:t>
+            </a:r>
+            <a:r>
+              <a:rPr lang="fr-FR" dirty="0"/>
+              <a:t> to start the Project </a:t>
+            </a:r>
+            <a:r>
+              <a:rPr lang="fr-FR" dirty="0" err="1"/>
+              <a:t>again</a:t>
+            </a:r>
+            <a:r>
+              <a:rPr lang="fr-FR" dirty="0"/>
+              <a:t> !</a:t>
+            </a:r>
+          </a:p>
+        </p:txBody>
+      </p:sp>
+    </p:spTree>
+    <p:extLst>
+      <p:ext uri="{BB962C8B-B14F-4D97-AF65-F5344CB8AC3E}">
+        <p14:creationId xmlns:p14="http://schemas.microsoft.com/office/powerpoint/2010/main" val="1830439057"/>
+      </p:ext>
+    </p:extLst>
+  </p:cSld>
+  <p:clrMapOvr>
+    <a:masterClrMapping/>
+  </p:clrMapOvr>
+</p:sld>
+</file>
+
+<file path=ppt/slides/slide20.xml><?xml version="1.0" encoding="utf-8"?>
+<p:sld xmlns:a="http://schemas.openxmlformats.org/drawingml/2006/main" xmlns:r="http://schemas.openxmlformats.org/officeDocument/2006/relationships" xmlns:p="http://schemas.openxmlformats.org/presentationml/2006/main">
+  <p:cSld>
+    <p:spTree>
+      <p:nvGrpSpPr>
+        <p:cNvPr id="1" name=""/>
+        <p:cNvGrpSpPr/>
+        <p:nvPr/>
+      </p:nvGrpSpPr>
+      <p:grpSpPr>
+        <a:xfrm>
+          <a:off x="0" y="0"/>
+          <a:ext cx="0" cy="0"/>
+          <a:chOff x="0" y="0"/>
+          <a:chExt cx="0" cy="0"/>
+        </a:xfrm>
+      </p:grpSpPr>
+      <p:sp>
+        <p:nvSpPr>
+          <p:cNvPr id="2" name="Titre 1">
+            <a:extLst>
+              <a:ext uri="{FF2B5EF4-FFF2-40B4-BE49-F238E27FC236}">
+                <a16:creationId xmlns:a16="http://schemas.microsoft.com/office/drawing/2014/main" id="{059214AB-9CCA-4538-83A4-8E69920574DF}"/>
+              </a:ext>
+            </a:extLst>
+          </p:cNvPr>
+          <p:cNvSpPr>
+            <a:spLocks noGrp="1"/>
+          </p:cNvSpPr>
+          <p:nvPr>
+            <p:ph type="title"/>
+          </p:nvPr>
+        </p:nvSpPr>
+        <p:spPr/>
+        <p:txBody>
+          <a:bodyPr/>
+          <a:lstStyle/>
+          <a:p>
+            <a:r>
+              <a:rPr lang="fr-FR" dirty="0"/>
+              <a:t>V- Classification </a:t>
+            </a:r>
+            <a:r>
+              <a:rPr lang="fr-FR" sz="4400" i="1" dirty="0"/>
+              <a:t>(</a:t>
+            </a:r>
+            <a:r>
+              <a:rPr lang="fr-FR" sz="4400" i="1" dirty="0" err="1"/>
+              <a:t>Creation</a:t>
+            </a:r>
+            <a:r>
+              <a:rPr lang="fr-FR" sz="4400" i="1" dirty="0"/>
+              <a:t> of the </a:t>
+            </a:r>
+            <a:r>
+              <a:rPr lang="fr-FR" sz="4400" i="1" dirty="0" err="1"/>
+              <a:t>models</a:t>
+            </a:r>
+            <a:r>
+              <a:rPr lang="fr-FR" sz="4400" i="1" dirty="0"/>
+              <a:t>)</a:t>
+            </a:r>
+            <a:endParaRPr lang="en-US" dirty="0"/>
+          </a:p>
+        </p:txBody>
+      </p:sp>
+      <p:pic>
+        <p:nvPicPr>
+          <p:cNvPr id="5" name="Espace réservé du contenu 4">
+            <a:extLst>
+              <a:ext uri="{FF2B5EF4-FFF2-40B4-BE49-F238E27FC236}">
+                <a16:creationId xmlns:a16="http://schemas.microsoft.com/office/drawing/2014/main" id="{4EF61C10-343F-43D3-BDFA-EE9F198FDFE9}"/>
+              </a:ext>
+            </a:extLst>
+          </p:cNvPr>
+          <p:cNvPicPr>
+            <a:picLocks noGrp="1" noChangeAspect="1"/>
+          </p:cNvPicPr>
+          <p:nvPr>
+            <p:ph idx="1"/>
+          </p:nvPr>
+        </p:nvPicPr>
+        <p:blipFill>
+          <a:blip r:embed="rId2"/>
+          <a:stretch>
+            <a:fillRect/>
+          </a:stretch>
+        </p:blipFill>
+        <p:spPr>
+          <a:xfrm>
+            <a:off x="838200" y="1690688"/>
+            <a:ext cx="4371975" cy="885825"/>
+          </a:xfrm>
+        </p:spPr>
+      </p:pic>
+      <p:pic>
+        <p:nvPicPr>
+          <p:cNvPr id="7" name="Image 6">
+            <a:extLst>
+              <a:ext uri="{FF2B5EF4-FFF2-40B4-BE49-F238E27FC236}">
+                <a16:creationId xmlns:a16="http://schemas.microsoft.com/office/drawing/2014/main" id="{362F965A-3D8E-4BEF-A313-57743C3E8EBA}"/>
+              </a:ext>
+            </a:extLst>
+          </p:cNvPr>
+          <p:cNvPicPr>
+            <a:picLocks noChangeAspect="1"/>
+          </p:cNvPicPr>
+          <p:nvPr/>
+        </p:nvPicPr>
+        <p:blipFill>
+          <a:blip r:embed="rId3"/>
+          <a:stretch>
+            <a:fillRect/>
+          </a:stretch>
+        </p:blipFill>
+        <p:spPr>
+          <a:xfrm>
+            <a:off x="838200" y="2576513"/>
+            <a:ext cx="4371975" cy="1428750"/>
+          </a:xfrm>
+          <a:prstGeom prst="rect">
+            <a:avLst/>
+          </a:prstGeom>
+        </p:spPr>
+      </p:pic>
+      <p:sp>
+        <p:nvSpPr>
+          <p:cNvPr id="8" name="ZoneTexte 7">
+            <a:extLst>
+              <a:ext uri="{FF2B5EF4-FFF2-40B4-BE49-F238E27FC236}">
+                <a16:creationId xmlns:a16="http://schemas.microsoft.com/office/drawing/2014/main" id="{1E5E8506-A60D-4A38-99CB-B98709A9D2FB}"/>
+              </a:ext>
+            </a:extLst>
+          </p:cNvPr>
+          <p:cNvSpPr txBox="1"/>
+          <p:nvPr/>
+        </p:nvSpPr>
+        <p:spPr>
+          <a:xfrm>
+            <a:off x="570367" y="4309450"/>
+            <a:ext cx="9632887" cy="646331"/>
+          </a:xfrm>
+          <a:prstGeom prst="rect">
+            <a:avLst/>
+          </a:prstGeom>
+          <a:noFill/>
+        </p:spPr>
+        <p:txBody>
+          <a:bodyPr wrap="square" rtlCol="0">
+            <a:spAutoFit/>
+          </a:bodyPr>
+          <a:lstStyle/>
+          <a:p>
+            <a:r>
+              <a:rPr lang="en-US" dirty="0"/>
+              <a:t>Using VotingClassifier we selected only the classifier with a score above 0,50 (We deleted the AdaBoostClassifier). We tried both Hard and soft VotingClassifier. </a:t>
+            </a:r>
+          </a:p>
+        </p:txBody>
+      </p:sp>
+      <p:pic>
+        <p:nvPicPr>
+          <p:cNvPr id="10" name="Image 9">
+            <a:extLst>
+              <a:ext uri="{FF2B5EF4-FFF2-40B4-BE49-F238E27FC236}">
+                <a16:creationId xmlns:a16="http://schemas.microsoft.com/office/drawing/2014/main" id="{A4A19D8E-877A-4714-81DC-EB14021CE44F}"/>
+              </a:ext>
+            </a:extLst>
+          </p:cNvPr>
+          <p:cNvPicPr>
+            <a:picLocks noChangeAspect="1"/>
+          </p:cNvPicPr>
+          <p:nvPr/>
+        </p:nvPicPr>
+        <p:blipFill>
+          <a:blip r:embed="rId4"/>
+          <a:stretch>
+            <a:fillRect/>
+          </a:stretch>
+        </p:blipFill>
+        <p:spPr>
+          <a:xfrm>
+            <a:off x="935429" y="5052635"/>
+            <a:ext cx="4596237" cy="1102566"/>
+          </a:xfrm>
+          <a:prstGeom prst="rect">
+            <a:avLst/>
+          </a:prstGeom>
+        </p:spPr>
+      </p:pic>
+    </p:spTree>
+    <p:extLst>
+      <p:ext uri="{BB962C8B-B14F-4D97-AF65-F5344CB8AC3E}">
+        <p14:creationId xmlns:p14="http://schemas.microsoft.com/office/powerpoint/2010/main" val="2029551732"/>
+      </p:ext>
+    </p:extLst>
+  </p:cSld>
+  <p:clrMapOvr>
+    <a:masterClrMapping/>
+  </p:clrMapOvr>
+</p:sld>
+</file>
+
+<file path=ppt/slides/slide21.xml><?xml version="1.0" encoding="utf-8"?>
 <p:sld xmlns:a="http://schemas.openxmlformats.org/drawingml/2006/main" xmlns:r="http://schemas.openxmlformats.org/officeDocument/2006/relationships" xmlns:p="http://schemas.openxmlformats.org/presentationml/2006/main">
   <p:cSld>
     <p:spTree>
@@ -6930,7 +8567,7 @@
 </p:sld>
 </file>
 
-<file path=ppt/slides/slide18.xml><?xml version="1.0" encoding="utf-8"?>
+<file path=ppt/slides/slide22.xml><?xml version="1.0" encoding="utf-8"?>
 <p:sld xmlns:a="http://schemas.openxmlformats.org/drawingml/2006/main" xmlns:r="http://schemas.openxmlformats.org/officeDocument/2006/relationships" xmlns:p="http://schemas.openxmlformats.org/presentationml/2006/main">
   <p:cSld>
     <p:bg>
@@ -7170,7 +8807,7 @@
 </p:sld>
 </file>
 
-<file path=ppt/slides/slide19.xml><?xml version="1.0" encoding="utf-8"?>
+<file path=ppt/slides/slide23.xml><?xml version="1.0" encoding="utf-8"?>
 <p:sld xmlns:a="http://schemas.openxmlformats.org/drawingml/2006/main" xmlns:r="http://schemas.openxmlformats.org/officeDocument/2006/relationships" xmlns:p="http://schemas.openxmlformats.org/presentationml/2006/main">
   <p:cSld>
     <p:spTree>
@@ -7402,232 +9039,7 @@
 </p:sld>
 </file>
 
-<file path=ppt/slides/slide2.xml><?xml version="1.0" encoding="utf-8"?>
-<p:sld xmlns:a="http://schemas.openxmlformats.org/drawingml/2006/main" xmlns:r="http://schemas.openxmlformats.org/officeDocument/2006/relationships" xmlns:p="http://schemas.openxmlformats.org/presentationml/2006/main">
-  <p:cSld>
-    <p:spTree>
-      <p:nvGrpSpPr>
-        <p:cNvPr id="1" name=""/>
-        <p:cNvGrpSpPr/>
-        <p:nvPr/>
-      </p:nvGrpSpPr>
-      <p:grpSpPr>
-        <a:xfrm>
-          <a:off x="0" y="0"/>
-          <a:ext cx="0" cy="0"/>
-          <a:chOff x="0" y="0"/>
-          <a:chExt cx="0" cy="0"/>
-        </a:xfrm>
-      </p:grpSpPr>
-      <p:sp>
-        <p:nvSpPr>
-          <p:cNvPr id="2" name="Titre 1">
-            <a:extLst>
-              <a:ext uri="{FF2B5EF4-FFF2-40B4-BE49-F238E27FC236}">
-                <a16:creationId xmlns:a16="http://schemas.microsoft.com/office/drawing/2014/main" id="{AC354BD7-870D-4BEF-A419-B1553F4615B8}"/>
-              </a:ext>
-            </a:extLst>
-          </p:cNvPr>
-          <p:cNvSpPr>
-            <a:spLocks noGrp="1"/>
-          </p:cNvSpPr>
-          <p:nvPr>
-            <p:ph type="title"/>
-          </p:nvPr>
-        </p:nvSpPr>
-        <p:spPr/>
-        <p:txBody>
-          <a:bodyPr/>
-          <a:lstStyle/>
-          <a:p>
-            <a:r>
-              <a:rPr lang="fr-FR" dirty="0" err="1"/>
-              <a:t>Summary</a:t>
-            </a:r>
-            <a:endParaRPr lang="fr-FR" dirty="0"/>
-          </a:p>
-        </p:txBody>
-      </p:sp>
-      <p:sp>
-        <p:nvSpPr>
-          <p:cNvPr id="3" name="Espace réservé du contenu 2">
-            <a:extLst>
-              <a:ext uri="{FF2B5EF4-FFF2-40B4-BE49-F238E27FC236}">
-                <a16:creationId xmlns:a16="http://schemas.microsoft.com/office/drawing/2014/main" id="{E36516EC-118E-405C-8EE9-601768AF4214}"/>
-              </a:ext>
-            </a:extLst>
-          </p:cNvPr>
-          <p:cNvSpPr>
-            <a:spLocks noGrp="1"/>
-          </p:cNvSpPr>
-          <p:nvPr>
-            <p:ph idx="1"/>
-          </p:nvPr>
-        </p:nvSpPr>
-        <p:spPr/>
-        <p:txBody>
-          <a:bodyPr>
-            <a:normAutofit/>
-          </a:bodyPr>
-          <a:lstStyle/>
-          <a:p>
-            <a:pPr marL="0" indent="0">
-              <a:buNone/>
-            </a:pPr>
-            <a:r>
-              <a:rPr lang="fr-FR" dirty="0"/>
-              <a:t>I- </a:t>
-            </a:r>
-            <a:r>
-              <a:rPr lang="en-US" dirty="0"/>
-              <a:t>Presentation</a:t>
-            </a:r>
-            <a:r>
-              <a:rPr lang="fr-FR" dirty="0"/>
-              <a:t> of the BDD</a:t>
-            </a:r>
-          </a:p>
-          <a:p>
-            <a:pPr marL="0" indent="0">
-              <a:buNone/>
-            </a:pPr>
-            <a:r>
-              <a:rPr lang="fr-FR" dirty="0"/>
-              <a:t>II- </a:t>
-            </a:r>
-            <a:r>
-              <a:rPr lang="fr-FR" dirty="0" err="1"/>
-              <a:t>Creation</a:t>
-            </a:r>
-            <a:r>
-              <a:rPr lang="fr-FR" dirty="0"/>
-              <a:t> of groups of variables </a:t>
-            </a:r>
-          </a:p>
-          <a:p>
-            <a:pPr marL="0" indent="0">
-              <a:buNone/>
-            </a:pPr>
-            <a:r>
-              <a:rPr lang="fr-FR" dirty="0"/>
-              <a:t>III- </a:t>
-            </a:r>
-            <a:r>
-              <a:rPr lang="en-US" dirty="0"/>
-              <a:t>Analysis</a:t>
-            </a:r>
-            <a:r>
-              <a:rPr lang="fr-FR" dirty="0"/>
-              <a:t> of Data</a:t>
-            </a:r>
-          </a:p>
-          <a:p>
-            <a:pPr marL="457200" lvl="1" indent="0">
-              <a:buNone/>
-            </a:pPr>
-            <a:r>
-              <a:rPr lang="fr-FR" dirty="0"/>
-              <a:t>III.A- Global </a:t>
-            </a:r>
-            <a:r>
-              <a:rPr lang="fr-FR" dirty="0" err="1"/>
-              <a:t>analysis</a:t>
-            </a:r>
-            <a:r>
-              <a:rPr lang="fr-FR" dirty="0"/>
-              <a:t> </a:t>
-            </a:r>
-          </a:p>
-          <a:p>
-            <a:pPr marL="457200" lvl="1" indent="0">
-              <a:buNone/>
-            </a:pPr>
-            <a:r>
-              <a:rPr lang="fr-FR" dirty="0"/>
-              <a:t>III.B- Local </a:t>
-            </a:r>
-            <a:r>
-              <a:rPr lang="fr-FR" dirty="0" err="1"/>
-              <a:t>analysis</a:t>
-            </a:r>
-            <a:r>
-              <a:rPr lang="fr-FR" dirty="0"/>
-              <a:t> </a:t>
-            </a:r>
-          </a:p>
-          <a:p>
-            <a:pPr marL="0" indent="0">
-              <a:buNone/>
-            </a:pPr>
-            <a:r>
-              <a:rPr lang="fr-FR" dirty="0"/>
-              <a:t>IV- </a:t>
-            </a:r>
-            <a:r>
-              <a:rPr lang="fr-FR" dirty="0" err="1"/>
-              <a:t>Prediction</a:t>
-            </a:r>
-            <a:r>
-              <a:rPr lang="fr-FR" dirty="0"/>
-              <a:t> </a:t>
-            </a:r>
-          </a:p>
-          <a:p>
-            <a:pPr marL="0" indent="0">
-              <a:buNone/>
-            </a:pPr>
-            <a:r>
-              <a:rPr lang="fr-FR" dirty="0"/>
-              <a:t>V- Classification </a:t>
-            </a:r>
-          </a:p>
-          <a:p>
-            <a:pPr marL="0" indent="0">
-              <a:buNone/>
-            </a:pPr>
-            <a:r>
-              <a:rPr lang="fr-FR" dirty="0"/>
-              <a:t>VI- Conclusion </a:t>
-            </a:r>
-          </a:p>
-          <a:p>
-            <a:pPr marL="0" indent="0">
-              <a:buNone/>
-            </a:pPr>
-            <a:r>
-              <a:rPr lang="fr-FR" dirty="0"/>
-              <a:t>VII- Bonus : </a:t>
-            </a:r>
-            <a:r>
-              <a:rPr lang="fr-FR" dirty="0" err="1"/>
-              <a:t>study</a:t>
-            </a:r>
-            <a:r>
-              <a:rPr lang="fr-FR" dirty="0"/>
-              <a:t> of </a:t>
-            </a:r>
-            <a:r>
-              <a:rPr lang="fr-FR" dirty="0" err="1"/>
-              <a:t>alcohol</a:t>
-            </a:r>
-            <a:endParaRPr lang="fr-FR" dirty="0"/>
-          </a:p>
-        </p:txBody>
-      </p:sp>
-    </p:spTree>
-    <p:extLst>
-      <p:ext uri="{BB962C8B-B14F-4D97-AF65-F5344CB8AC3E}">
-        <p14:creationId xmlns:p14="http://schemas.microsoft.com/office/powerpoint/2010/main" val="1830439057"/>
-      </p:ext>
-    </p:extLst>
-  </p:cSld>
-  <p:clrMapOvr>
-    <a:masterClrMapping/>
-  </p:clrMapOvr>
-</p:sld>
-</file>
-
-<file path=ppt/slides/slide20.xml><?xml version="1.0" encoding="utf-8"?>
+<file path=ppt/slides/slide24.xml><?xml version="1.0" encoding="utf-8"?>
 <p:sld xmlns:a="http://schemas.openxmlformats.org/drawingml/2006/main" xmlns:r="http://schemas.openxmlformats.org/officeDocument/2006/relationships" xmlns:p="http://schemas.openxmlformats.org/presentationml/2006/main">
   <p:cSld>
     <p:spTree>
@@ -7889,7 +9301,7 @@
 </p:sld>
 </file>
 
-<file path=ppt/slides/slide21.xml><?xml version="1.0" encoding="utf-8"?>
+<file path=ppt/slides/slide25.xml><?xml version="1.0" encoding="utf-8"?>
 <p:sld xmlns:a="http://schemas.openxmlformats.org/drawingml/2006/main" xmlns:r="http://schemas.openxmlformats.org/officeDocument/2006/relationships" xmlns:p="http://schemas.openxmlformats.org/presentationml/2006/main">
   <p:cSld>
     <p:spTree>
@@ -8083,7 +9495,7 @@
 </p:sld>
 </file>
 
-<file path=ppt/slides/slide22.xml><?xml version="1.0" encoding="utf-8"?>
+<file path=ppt/slides/slide26.xml><?xml version="1.0" encoding="utf-8"?>
 <p:sld xmlns:a="http://schemas.openxmlformats.org/drawingml/2006/main" xmlns:r="http://schemas.openxmlformats.org/officeDocument/2006/relationships" xmlns:p="http://schemas.openxmlformats.org/presentationml/2006/main">
   <p:cSld>
     <p:spTree>
@@ -8569,7 +9981,7 @@
 </p:sld>
 </file>
 
-<file path=ppt/slides/slide23.xml><?xml version="1.0" encoding="utf-8"?>
+<file path=ppt/slides/slide27.xml><?xml version="1.0" encoding="utf-8"?>
 <p:sld xmlns:a="http://schemas.openxmlformats.org/drawingml/2006/main" xmlns:r="http://schemas.openxmlformats.org/officeDocument/2006/relationships" xmlns:p="http://schemas.openxmlformats.org/presentationml/2006/main">
   <p:cSld>
     <p:spTree>
@@ -8633,6 +10045,418 @@
     <p:extLst>
       <p:ext uri="{BB962C8B-B14F-4D97-AF65-F5344CB8AC3E}">
         <p14:creationId xmlns:p14="http://schemas.microsoft.com/office/powerpoint/2010/main" val="935968752"/>
+      </p:ext>
+    </p:extLst>
+  </p:cSld>
+  <p:clrMapOvr>
+    <a:masterClrMapping/>
+  </p:clrMapOvr>
+</p:sld>
+</file>
+
+<file path=ppt/slides/slide28.xml><?xml version="1.0" encoding="utf-8"?>
+<p:sld xmlns:a="http://schemas.openxmlformats.org/drawingml/2006/main" xmlns:r="http://schemas.openxmlformats.org/officeDocument/2006/relationships" xmlns:p="http://schemas.openxmlformats.org/presentationml/2006/main">
+  <p:cSld>
+    <p:spTree>
+      <p:nvGrpSpPr>
+        <p:cNvPr id="1" name=""/>
+        <p:cNvGrpSpPr/>
+        <p:nvPr/>
+      </p:nvGrpSpPr>
+      <p:grpSpPr>
+        <a:xfrm>
+          <a:off x="0" y="0"/>
+          <a:ext cx="0" cy="0"/>
+          <a:chOff x="0" y="0"/>
+          <a:chExt cx="0" cy="0"/>
+        </a:xfrm>
+      </p:grpSpPr>
+      <p:sp>
+        <p:nvSpPr>
+          <p:cNvPr id="2" name="Titre 1">
+            <a:extLst>
+              <a:ext uri="{FF2B5EF4-FFF2-40B4-BE49-F238E27FC236}">
+                <a16:creationId xmlns:a16="http://schemas.microsoft.com/office/drawing/2014/main" id="{BBA226AB-E5AF-4755-8BF1-C230E7297151}"/>
+              </a:ext>
+            </a:extLst>
+          </p:cNvPr>
+          <p:cNvSpPr>
+            <a:spLocks noGrp="1"/>
+          </p:cNvSpPr>
+          <p:nvPr>
+            <p:ph type="title"/>
+          </p:nvPr>
+        </p:nvSpPr>
+        <p:spPr/>
+        <p:txBody>
+          <a:bodyPr/>
+          <a:lstStyle/>
+          <a:p>
+            <a:pPr marL="0" indent="0">
+              <a:buNone/>
+            </a:pPr>
+            <a:r>
+              <a:rPr lang="fr-FR" dirty="0"/>
+              <a:t>VI- Conclusion</a:t>
+            </a:r>
+            <a:endParaRPr lang="fr-FR" sz="3200" i="1" dirty="0"/>
+          </a:p>
+        </p:txBody>
+      </p:sp>
+      <p:sp>
+        <p:nvSpPr>
+          <p:cNvPr id="3" name="ZoneTexte 2">
+            <a:extLst>
+              <a:ext uri="{FF2B5EF4-FFF2-40B4-BE49-F238E27FC236}">
+                <a16:creationId xmlns:a16="http://schemas.microsoft.com/office/drawing/2014/main" id="{076E610F-C23C-4CB2-BA8A-71754ACB9D93}"/>
+              </a:ext>
+            </a:extLst>
+          </p:cNvPr>
+          <p:cNvSpPr txBox="1"/>
+          <p:nvPr/>
+        </p:nvSpPr>
+        <p:spPr>
+          <a:xfrm>
+            <a:off x="950614" y="2082297"/>
+            <a:ext cx="10909426" cy="2585323"/>
+          </a:xfrm>
+          <a:prstGeom prst="rect">
+            <a:avLst/>
+          </a:prstGeom>
+          <a:noFill/>
+        </p:spPr>
+        <p:txBody>
+          <a:bodyPr wrap="square" rtlCol="0">
+            <a:spAutoFit/>
+          </a:bodyPr>
+          <a:lstStyle/>
+          <a:p>
+            <a:r>
+              <a:rPr lang="en-US" b="1" dirty="0"/>
+              <a:t>Our objective: </a:t>
+            </a:r>
+            <a:r>
+              <a:rPr lang="en-US" dirty="0"/>
+              <a:t>get a Classifier  with at least an </a:t>
+            </a:r>
+            <a:r>
+              <a:rPr lang="en-US" b="1" dirty="0"/>
+              <a:t>accuracy of 90%. </a:t>
+            </a:r>
+          </a:p>
+          <a:p>
+            <a:endParaRPr lang="en-US" b="1" dirty="0"/>
+          </a:p>
+          <a:p>
+            <a:r>
+              <a:rPr lang="en-US" b="1" dirty="0"/>
+              <a:t>Our result: </a:t>
+            </a:r>
+            <a:r>
+              <a:rPr lang="en-US" dirty="0"/>
+              <a:t>Classifier with an </a:t>
+            </a:r>
+            <a:r>
+              <a:rPr lang="en-US" b="1" dirty="0"/>
+              <a:t>accuracy of 97%. </a:t>
+            </a:r>
+          </a:p>
+          <a:p>
+            <a:endParaRPr lang="en-US" dirty="0"/>
+          </a:p>
+          <a:p>
+            <a:r>
+              <a:rPr lang="en-US" dirty="0"/>
+              <a:t>We obtain our a </a:t>
+            </a:r>
+            <a:r>
+              <a:rPr lang="en-US" dirty="0" err="1"/>
+              <a:t>SoftVotingClassifier</a:t>
+            </a:r>
+            <a:r>
+              <a:rPr lang="en-US" dirty="0"/>
+              <a:t> </a:t>
+            </a:r>
+          </a:p>
+          <a:p>
+            <a:pPr marL="742950" lvl="1" indent="-285750">
+              <a:buFont typeface="Arial" panose="020B0604020202020204" pitchFamily="34" charset="0"/>
+              <a:buChar char="•"/>
+            </a:pPr>
+            <a:r>
+              <a:rPr lang="en-US" dirty="0"/>
+              <a:t>using the </a:t>
+            </a:r>
+            <a:r>
+              <a:rPr lang="en-US" dirty="0" err="1"/>
+              <a:t>the</a:t>
+            </a:r>
+            <a:r>
+              <a:rPr lang="en-US" dirty="0"/>
+              <a:t> following classifier : </a:t>
+            </a:r>
+            <a:r>
+              <a:rPr lang="en-US" dirty="0" err="1"/>
+              <a:t>Bagging,RandomForest</a:t>
+            </a:r>
+            <a:r>
+              <a:rPr lang="en-US" dirty="0"/>
+              <a:t>,</a:t>
+            </a:r>
+            <a:r>
+              <a:rPr lang="es-ES" dirty="0" err="1"/>
+              <a:t>GradientBoosting,HistGradientBoosting</a:t>
+            </a:r>
+            <a:r>
+              <a:rPr lang="es-ES" dirty="0"/>
+              <a:t>,</a:t>
+            </a:r>
+            <a:r>
+              <a:rPr lang="en-US" dirty="0"/>
+              <a:t> K-</a:t>
+            </a:r>
+            <a:r>
+              <a:rPr lang="en-US" dirty="0" err="1"/>
+              <a:t>Neighbors,SVC</a:t>
+            </a:r>
+            <a:r>
+              <a:rPr lang="en-US" dirty="0"/>
+              <a:t>. </a:t>
+            </a:r>
+            <a:endParaRPr lang="es-ES" dirty="0"/>
+          </a:p>
+          <a:p>
+            <a:pPr marL="285750" indent="-285750">
+              <a:buFont typeface="Arial" panose="020B0604020202020204" pitchFamily="34" charset="0"/>
+              <a:buChar char="•"/>
+            </a:pPr>
+            <a:endParaRPr lang="en-US" dirty="0"/>
+          </a:p>
+          <a:p>
+            <a:pPr marL="742950" lvl="1" indent="-285750">
+              <a:buFont typeface="Arial" panose="020B0604020202020204" pitchFamily="34" charset="0"/>
+              <a:buChar char="•"/>
+            </a:pPr>
+            <a:r>
+              <a:rPr lang="en-US" dirty="0"/>
+              <a:t>Using all of our features. </a:t>
+            </a:r>
+          </a:p>
+        </p:txBody>
+      </p:sp>
+    </p:spTree>
+    <p:extLst>
+      <p:ext uri="{BB962C8B-B14F-4D97-AF65-F5344CB8AC3E}">
+        <p14:creationId xmlns:p14="http://schemas.microsoft.com/office/powerpoint/2010/main" val="3578082188"/>
+      </p:ext>
+    </p:extLst>
+  </p:cSld>
+  <p:clrMapOvr>
+    <a:masterClrMapping/>
+  </p:clrMapOvr>
+</p:sld>
+</file>
+
+<file path=ppt/slides/slide29.xml><?xml version="1.0" encoding="utf-8"?>
+<p:sld xmlns:a="http://schemas.openxmlformats.org/drawingml/2006/main" xmlns:r="http://schemas.openxmlformats.org/officeDocument/2006/relationships" xmlns:p="http://schemas.openxmlformats.org/presentationml/2006/main">
+  <p:cSld>
+    <p:spTree>
+      <p:nvGrpSpPr>
+        <p:cNvPr id="1" name=""/>
+        <p:cNvGrpSpPr/>
+        <p:nvPr/>
+      </p:nvGrpSpPr>
+      <p:grpSpPr>
+        <a:xfrm>
+          <a:off x="0" y="0"/>
+          <a:ext cx="0" cy="0"/>
+          <a:chOff x="0" y="0"/>
+          <a:chExt cx="0" cy="0"/>
+        </a:xfrm>
+      </p:grpSpPr>
+      <p:sp>
+        <p:nvSpPr>
+          <p:cNvPr id="2" name="Titre 1">
+            <a:extLst>
+              <a:ext uri="{FF2B5EF4-FFF2-40B4-BE49-F238E27FC236}">
+                <a16:creationId xmlns:a16="http://schemas.microsoft.com/office/drawing/2014/main" id="{38A94006-4AFD-4F2A-8379-1EDCCD0C248E}"/>
+              </a:ext>
+            </a:extLst>
+          </p:cNvPr>
+          <p:cNvSpPr>
+            <a:spLocks noGrp="1"/>
+          </p:cNvSpPr>
+          <p:nvPr>
+            <p:ph type="title"/>
+          </p:nvPr>
+        </p:nvSpPr>
+        <p:spPr/>
+        <p:txBody>
+          <a:bodyPr/>
+          <a:lstStyle/>
+          <a:p>
+            <a:r>
+              <a:rPr lang="fr-FR" dirty="0"/>
+              <a:t>VII- If </a:t>
+            </a:r>
+            <a:r>
+              <a:rPr lang="fr-FR" dirty="0" err="1"/>
+              <a:t>we</a:t>
+            </a:r>
+            <a:r>
+              <a:rPr lang="fr-FR" dirty="0"/>
+              <a:t> </a:t>
+            </a:r>
+            <a:r>
+              <a:rPr lang="fr-FR" dirty="0" err="1"/>
+              <a:t>had</a:t>
+            </a:r>
+            <a:r>
+              <a:rPr lang="fr-FR" dirty="0"/>
+              <a:t> to start the Project </a:t>
+            </a:r>
+            <a:r>
+              <a:rPr lang="fr-FR" dirty="0" err="1"/>
+              <a:t>again</a:t>
+            </a:r>
+            <a:r>
+              <a:rPr lang="fr-FR" dirty="0"/>
+              <a:t> ! </a:t>
+            </a:r>
+            <a:endParaRPr lang="en-US" dirty="0"/>
+          </a:p>
+        </p:txBody>
+      </p:sp>
+      <p:sp>
+        <p:nvSpPr>
+          <p:cNvPr id="3" name="Espace réservé du contenu 2">
+            <a:extLst>
+              <a:ext uri="{FF2B5EF4-FFF2-40B4-BE49-F238E27FC236}">
+                <a16:creationId xmlns:a16="http://schemas.microsoft.com/office/drawing/2014/main" id="{0BACE578-F713-4A52-B02F-4A6029D7EC30}"/>
+              </a:ext>
+            </a:extLst>
+          </p:cNvPr>
+          <p:cNvSpPr>
+            <a:spLocks noGrp="1"/>
+          </p:cNvSpPr>
+          <p:nvPr>
+            <p:ph idx="1"/>
+          </p:nvPr>
+        </p:nvSpPr>
+        <p:spPr/>
+        <p:txBody>
+          <a:bodyPr>
+            <a:normAutofit fontScale="92500" lnSpcReduction="20000"/>
+          </a:bodyPr>
+          <a:lstStyle/>
+          <a:p>
+            <a:pPr marL="0" indent="0">
+              <a:buNone/>
+            </a:pPr>
+            <a:r>
+              <a:rPr lang="en-US" b="1" dirty="0"/>
+              <a:t>What we did Well ? </a:t>
+            </a:r>
+          </a:p>
+          <a:p>
+            <a:pPr marL="0" indent="0">
+              <a:buNone/>
+            </a:pPr>
+            <a:r>
+              <a:rPr lang="en-US" dirty="0"/>
+              <a:t>Clean of data </a:t>
+            </a:r>
+          </a:p>
+          <a:p>
+            <a:pPr marL="0" indent="0">
+              <a:buNone/>
+            </a:pPr>
+            <a:r>
+              <a:rPr lang="en-US" dirty="0"/>
+              <a:t>Flask. </a:t>
+            </a:r>
+          </a:p>
+          <a:p>
+            <a:pPr marL="0" indent="0">
+              <a:buNone/>
+            </a:pPr>
+            <a:endParaRPr lang="en-US" dirty="0"/>
+          </a:p>
+          <a:p>
+            <a:pPr marL="0" indent="0">
+              <a:buNone/>
+            </a:pPr>
+            <a:endParaRPr lang="en-US" dirty="0"/>
+          </a:p>
+          <a:p>
+            <a:pPr marL="0" indent="0">
+              <a:buNone/>
+            </a:pPr>
+            <a:r>
+              <a:rPr lang="en-US" b="1" dirty="0"/>
+              <a:t>How to proceeded to find a model with a good accuracy ?</a:t>
+            </a:r>
+          </a:p>
+          <a:p>
+            <a:pPr marL="0" indent="0">
+              <a:buNone/>
+            </a:pPr>
+            <a:r>
+              <a:rPr lang="en-US" dirty="0"/>
+              <a:t>For a list of features:  </a:t>
+            </a:r>
+          </a:p>
+          <a:p>
+            <a:pPr marL="457200" lvl="1" indent="0">
+              <a:buNone/>
+            </a:pPr>
+            <a:r>
+              <a:rPr lang="en-US" dirty="0"/>
+              <a:t>Select a list of classifier. </a:t>
+            </a:r>
+          </a:p>
+          <a:p>
+            <a:pPr marL="457200" lvl="1" indent="0">
+              <a:buNone/>
+            </a:pPr>
+            <a:r>
+              <a:rPr lang="en-US" dirty="0"/>
+              <a:t>For each classifier :</a:t>
+            </a:r>
+          </a:p>
+          <a:p>
+            <a:pPr marL="914400" lvl="2" indent="0">
+              <a:buNone/>
+            </a:pPr>
+            <a:r>
+              <a:rPr lang="en-US" dirty="0"/>
+              <a:t>applied a grid Search to find the best parameters and create new optimize classifier.</a:t>
+            </a:r>
+          </a:p>
+          <a:p>
+            <a:pPr marL="914400" lvl="2" indent="0">
+              <a:buNone/>
+            </a:pPr>
+            <a:r>
+              <a:rPr lang="en-US" dirty="0"/>
+              <a:t>Keep only optimize classifier having an accuracy above 50%.   </a:t>
+            </a:r>
+          </a:p>
+          <a:p>
+            <a:pPr marL="457200" lvl="1" indent="0">
+              <a:buNone/>
+            </a:pPr>
+            <a:r>
+              <a:rPr lang="en-US" dirty="0"/>
+              <a:t>Proceed to a Voting Classifier. </a:t>
+            </a:r>
+          </a:p>
+        </p:txBody>
+      </p:sp>
+    </p:spTree>
+    <p:extLst>
+      <p:ext uri="{BB962C8B-B14F-4D97-AF65-F5344CB8AC3E}">
+        <p14:creationId xmlns:p14="http://schemas.microsoft.com/office/powerpoint/2010/main" val="3844907166"/>
       </p:ext>
     </p:extLst>
   </p:cSld>

--- a/Presentation_Python.pptx
+++ b/Presentation_Python.pptx
@@ -24,16 +24,17 @@
     <p:sldId id="275" r:id="rId18"/>
     <p:sldId id="276" r:id="rId19"/>
     <p:sldId id="282" r:id="rId20"/>
-    <p:sldId id="283" r:id="rId21"/>
-    <p:sldId id="277" r:id="rId22"/>
+    <p:sldId id="277" r:id="rId21"/>
+    <p:sldId id="283" r:id="rId22"/>
     <p:sldId id="278" r:id="rId23"/>
     <p:sldId id="267" r:id="rId24"/>
     <p:sldId id="270" r:id="rId25"/>
     <p:sldId id="274" r:id="rId26"/>
     <p:sldId id="279" r:id="rId27"/>
     <p:sldId id="268" r:id="rId28"/>
-    <p:sldId id="284" r:id="rId29"/>
-    <p:sldId id="285" r:id="rId30"/>
+    <p:sldId id="286" r:id="rId29"/>
+    <p:sldId id="284" r:id="rId30"/>
+    <p:sldId id="285" r:id="rId31"/>
   </p:sldIdLst>
   <p:sldSz cx="12192000" cy="6858000"/>
   <p:notesSz cx="6858000" cy="9144000"/>
@@ -287,7 +288,7 @@
           <a:p>
             <a:fld id="{768181B6-C6C2-4A3E-A280-A6B2E0DF0E8B}" type="datetimeFigureOut">
               <a:rPr lang="fr-FR" smtClean="0"/>
-              <a:t>13/12/2021</a:t>
+              <a:t>15/12/2021</a:t>
             </a:fld>
             <a:endParaRPr lang="fr-FR"/>
           </a:p>
@@ -485,7 +486,7 @@
           <a:p>
             <a:fld id="{768181B6-C6C2-4A3E-A280-A6B2E0DF0E8B}" type="datetimeFigureOut">
               <a:rPr lang="fr-FR" smtClean="0"/>
-              <a:t>13/12/2021</a:t>
+              <a:t>15/12/2021</a:t>
             </a:fld>
             <a:endParaRPr lang="fr-FR"/>
           </a:p>
@@ -693,7 +694,7 @@
           <a:p>
             <a:fld id="{768181B6-C6C2-4A3E-A280-A6B2E0DF0E8B}" type="datetimeFigureOut">
               <a:rPr lang="fr-FR" smtClean="0"/>
-              <a:t>13/12/2021</a:t>
+              <a:t>15/12/2021</a:t>
             </a:fld>
             <a:endParaRPr lang="fr-FR"/>
           </a:p>
@@ -891,7 +892,7 @@
           <a:p>
             <a:fld id="{768181B6-C6C2-4A3E-A280-A6B2E0DF0E8B}" type="datetimeFigureOut">
               <a:rPr lang="fr-FR" smtClean="0"/>
-              <a:t>13/12/2021</a:t>
+              <a:t>15/12/2021</a:t>
             </a:fld>
             <a:endParaRPr lang="fr-FR"/>
           </a:p>
@@ -1166,7 +1167,7 @@
           <a:p>
             <a:fld id="{768181B6-C6C2-4A3E-A280-A6B2E0DF0E8B}" type="datetimeFigureOut">
               <a:rPr lang="fr-FR" smtClean="0"/>
-              <a:t>13/12/2021</a:t>
+              <a:t>15/12/2021</a:t>
             </a:fld>
             <a:endParaRPr lang="fr-FR"/>
           </a:p>
@@ -1431,7 +1432,7 @@
           <a:p>
             <a:fld id="{768181B6-C6C2-4A3E-A280-A6B2E0DF0E8B}" type="datetimeFigureOut">
               <a:rPr lang="fr-FR" smtClean="0"/>
-              <a:t>13/12/2021</a:t>
+              <a:t>15/12/2021</a:t>
             </a:fld>
             <a:endParaRPr lang="fr-FR"/>
           </a:p>
@@ -1843,7 +1844,7 @@
           <a:p>
             <a:fld id="{768181B6-C6C2-4A3E-A280-A6B2E0DF0E8B}" type="datetimeFigureOut">
               <a:rPr lang="fr-FR" smtClean="0"/>
-              <a:t>13/12/2021</a:t>
+              <a:t>15/12/2021</a:t>
             </a:fld>
             <a:endParaRPr lang="fr-FR"/>
           </a:p>
@@ -1984,7 +1985,7 @@
           <a:p>
             <a:fld id="{768181B6-C6C2-4A3E-A280-A6B2E0DF0E8B}" type="datetimeFigureOut">
               <a:rPr lang="fr-FR" smtClean="0"/>
-              <a:t>13/12/2021</a:t>
+              <a:t>15/12/2021</a:t>
             </a:fld>
             <a:endParaRPr lang="fr-FR"/>
           </a:p>
@@ -2097,7 +2098,7 @@
           <a:p>
             <a:fld id="{768181B6-C6C2-4A3E-A280-A6B2E0DF0E8B}" type="datetimeFigureOut">
               <a:rPr lang="fr-FR" smtClean="0"/>
-              <a:t>13/12/2021</a:t>
+              <a:t>15/12/2021</a:t>
             </a:fld>
             <a:endParaRPr lang="fr-FR"/>
           </a:p>
@@ -2408,7 +2409,7 @@
           <a:p>
             <a:fld id="{768181B6-C6C2-4A3E-A280-A6B2E0DF0E8B}" type="datetimeFigureOut">
               <a:rPr lang="fr-FR" smtClean="0"/>
-              <a:t>13/12/2021</a:t>
+              <a:t>15/12/2021</a:t>
             </a:fld>
             <a:endParaRPr lang="fr-FR"/>
           </a:p>
@@ -2696,7 +2697,7 @@
           <a:p>
             <a:fld id="{768181B6-C6C2-4A3E-A280-A6B2E0DF0E8B}" type="datetimeFigureOut">
               <a:rPr lang="fr-FR" smtClean="0"/>
-              <a:t>13/12/2021</a:t>
+              <a:t>15/12/2021</a:t>
             </a:fld>
             <a:endParaRPr lang="fr-FR"/>
           </a:p>
@@ -2937,7 +2938,7 @@
           <a:p>
             <a:fld id="{768181B6-C6C2-4A3E-A280-A6B2E0DF0E8B}" type="datetimeFigureOut">
               <a:rPr lang="fr-FR" smtClean="0"/>
-              <a:t>13/12/2021</a:t>
+              <a:t>15/12/2021</a:t>
             </a:fld>
             <a:endParaRPr lang="fr-FR"/>
           </a:p>
@@ -3619,8 +3620,8 @@
         </p:nvSpPr>
         <p:spPr>
           <a:xfrm>
-            <a:off x="669957" y="2021230"/>
-            <a:ext cx="4961298" cy="1754326"/>
+            <a:off x="516047" y="2329046"/>
+            <a:ext cx="5069940" cy="2031325"/>
           </a:xfrm>
           <a:prstGeom prst="rect">
             <a:avLst/>
@@ -3645,6 +3646,9 @@
               <a:rPr lang="en-US" dirty="0"/>
               <a:t>}</a:t>
             </a:r>
+          </a:p>
+          <a:p>
+            <a:endParaRPr lang="en-US" dirty="0"/>
           </a:p>
           <a:p>
             <a:r>
@@ -4127,15 +4131,13 @@
               <a:t>If you go to the Notebook section </a:t>
             </a:r>
             <a:r>
-              <a:rPr lang="en-US" sz="2400" dirty="0">
-                <a:solidFill>
-                  <a:srgbClr val="AEAAAA"/>
-                </a:solidFill>
-                <a:latin typeface="Calibri" panose="020F0502020204030204" pitchFamily="34" charset="0"/>
-                <a:ea typeface="Calibri" panose="020F0502020204030204" pitchFamily="34" charset="0"/>
-                <a:cs typeface="Arial" panose="020B0604020202020204" pitchFamily="34" charset="0"/>
-              </a:rPr>
-              <a:t>“</a:t>
+              <a:rPr lang="en-US" sz="2400" b="1" dirty="0">
+                <a:solidFill>
+                  <a:srgbClr val="6796E6"/>
+                </a:solidFill>
+                <a:latin typeface="Consolas" panose="020B0609020204030204" pitchFamily="49" charset="0"/>
+              </a:rPr>
+              <a:t>“L</a:t>
             </a:r>
             <a:r>
               <a:rPr lang="en-US" sz="2400" b="1" dirty="0">
@@ -4145,7 +4147,7 @@
                 <a:effectLst/>
                 <a:latin typeface="Consolas" panose="020B0609020204030204" pitchFamily="49" charset="0"/>
               </a:rPr>
-              <a:t>Local Data-visualization: studies  of the different obesity type groups </a:t>
+              <a:t>ocal Data-visualization: studies  of the different obesity type groups” </a:t>
             </a:r>
           </a:p>
           <a:p>
@@ -4388,14 +4390,17 @@
               </a:rPr>
               <a:t>Nobeyesdad</a:t>
             </a:r>
-            <a:endParaRPr lang="en-US" sz="1600" dirty="0">
-              <a:solidFill>
-                <a:srgbClr val="AEAAAA"/>
-              </a:solidFill>
-              <a:latin typeface="Calibri" panose="020F0502020204030204" pitchFamily="34" charset="0"/>
-              <a:ea typeface="Calibri" panose="020F0502020204030204" pitchFamily="34" charset="0"/>
-              <a:cs typeface="Arial" panose="020B0604020202020204" pitchFamily="34" charset="0"/>
-            </a:endParaRPr>
+            <a:r>
+              <a:rPr lang="en-US" sz="1600" dirty="0">
+                <a:solidFill>
+                  <a:srgbClr val="AEAAAA"/>
+                </a:solidFill>
+                <a:latin typeface="Calibri" panose="020F0502020204030204" pitchFamily="34" charset="0"/>
+                <a:ea typeface="Calibri" panose="020F0502020204030204" pitchFamily="34" charset="0"/>
+                <a:cs typeface="Arial" panose="020B0604020202020204" pitchFamily="34" charset="0"/>
+              </a:rPr>
+              <a:t>”</a:t>
+            </a:r>
           </a:p>
           <a:p>
             <a:pPr marL="0" indent="0">
@@ -6840,15 +6845,7 @@
           <a:p>
             <a:r>
               <a:rPr lang="fr-FR" dirty="0"/>
-              <a:t>IV- </a:t>
-            </a:r>
-            <a:r>
-              <a:rPr lang="fr-FR" dirty="0" err="1"/>
-              <a:t>Prediction</a:t>
-            </a:r>
-            <a:r>
-              <a:rPr lang="fr-FR" dirty="0"/>
-              <a:t> </a:t>
+              <a:t>IV- Modeling </a:t>
             </a:r>
             <a:r>
               <a:rPr lang="fr-FR" sz="3200" i="1" dirty="0"/>
@@ -6944,15 +6941,7 @@
           <a:p>
             <a:r>
               <a:rPr lang="fr-FR" dirty="0"/>
-              <a:t>IV- </a:t>
-            </a:r>
-            <a:r>
-              <a:rPr lang="fr-FR" dirty="0" err="1"/>
-              <a:t>Prediction</a:t>
-            </a:r>
-            <a:r>
-              <a:rPr lang="fr-FR" dirty="0"/>
-              <a:t> </a:t>
+              <a:t>IV- Modeling </a:t>
             </a:r>
             <a:r>
               <a:rPr lang="fr-FR" sz="3200" i="1" dirty="0"/>
@@ -7181,7 +7170,7 @@
           <a:p>
             <a:r>
               <a:rPr lang="fr-FR" dirty="0"/>
-              <a:t>V- Classification </a:t>
+              <a:t>IV- Modeling </a:t>
             </a:r>
             <a:r>
               <a:rPr lang="fr-FR" sz="3200" i="1" dirty="0"/>
@@ -7192,10 +7181,10 @@
       </p:sp>
       <p:sp>
         <p:nvSpPr>
-          <p:cNvPr id="7" name="ZoneTexte 6">
-            <a:extLst>
-              <a:ext uri="{FF2B5EF4-FFF2-40B4-BE49-F238E27FC236}">
-                <a16:creationId xmlns:a16="http://schemas.microsoft.com/office/drawing/2014/main" id="{8EB39F71-B5E1-49FD-B76C-FEE8205379BD}"/>
+          <p:cNvPr id="17" name="ZoneTexte 16">
+            <a:extLst>
+              <a:ext uri="{FF2B5EF4-FFF2-40B4-BE49-F238E27FC236}">
+                <a16:creationId xmlns:a16="http://schemas.microsoft.com/office/drawing/2014/main" id="{A2819270-19C4-4809-8669-3BA55E806BAB}"/>
               </a:ext>
             </a:extLst>
           </p:cNvPr>
@@ -7204,7 +7193,7 @@
         </p:nvSpPr>
         <p:spPr>
           <a:xfrm>
-            <a:off x="838200" y="1597001"/>
+            <a:off x="838200" y="2448027"/>
             <a:ext cx="8749683" cy="646331"/>
           </a:xfrm>
           <a:prstGeom prst="rect">
@@ -7232,10 +7221,10 @@
       </p:sp>
       <p:pic>
         <p:nvPicPr>
-          <p:cNvPr id="9" name="Image 8">
-            <a:extLst>
-              <a:ext uri="{FF2B5EF4-FFF2-40B4-BE49-F238E27FC236}">
-                <a16:creationId xmlns:a16="http://schemas.microsoft.com/office/drawing/2014/main" id="{834227F1-31FA-47FA-8F93-CA6C74DBCA1F}"/>
+          <p:cNvPr id="18" name="Image 17">
+            <a:extLst>
+              <a:ext uri="{FF2B5EF4-FFF2-40B4-BE49-F238E27FC236}">
+                <a16:creationId xmlns:a16="http://schemas.microsoft.com/office/drawing/2014/main" id="{C5585D27-9CB4-4C98-B51F-FBF4F3688E51}"/>
               </a:ext>
             </a:extLst>
           </p:cNvPr>
@@ -7252,7 +7241,7 @@
         </p:blipFill>
         <p:spPr>
           <a:xfrm>
-            <a:off x="3095725" y="2118228"/>
+            <a:off x="3095725" y="2969254"/>
             <a:ext cx="8256818" cy="250207"/>
           </a:xfrm>
           <a:prstGeom prst="rect">
@@ -7262,10 +7251,10 @@
       </p:pic>
       <p:pic>
         <p:nvPicPr>
-          <p:cNvPr id="11" name="Image 10">
-            <a:extLst>
-              <a:ext uri="{FF2B5EF4-FFF2-40B4-BE49-F238E27FC236}">
-                <a16:creationId xmlns:a16="http://schemas.microsoft.com/office/drawing/2014/main" id="{E593CB9F-B77A-47F4-B394-55642BDB387E}"/>
+          <p:cNvPr id="19" name="Image 18">
+            <a:extLst>
+              <a:ext uri="{FF2B5EF4-FFF2-40B4-BE49-F238E27FC236}">
+                <a16:creationId xmlns:a16="http://schemas.microsoft.com/office/drawing/2014/main" id="{71794D9A-BC07-4558-B13B-C6DB91FECD73}"/>
               </a:ext>
             </a:extLst>
           </p:cNvPr>
@@ -7282,7 +7271,7 @@
         </p:blipFill>
         <p:spPr>
           <a:xfrm>
-            <a:off x="4484609" y="2742511"/>
+            <a:off x="4484609" y="3593537"/>
             <a:ext cx="3088260" cy="295057"/>
           </a:xfrm>
           <a:prstGeom prst="rect">
@@ -7292,10 +7281,10 @@
       </p:pic>
       <p:sp>
         <p:nvSpPr>
-          <p:cNvPr id="12" name="ZoneTexte 11">
-            <a:extLst>
-              <a:ext uri="{FF2B5EF4-FFF2-40B4-BE49-F238E27FC236}">
-                <a16:creationId xmlns:a16="http://schemas.microsoft.com/office/drawing/2014/main" id="{827A5233-1F5A-4375-99EA-849319A68A9F}"/>
+          <p:cNvPr id="20" name="ZoneTexte 19">
+            <a:extLst>
+              <a:ext uri="{FF2B5EF4-FFF2-40B4-BE49-F238E27FC236}">
+                <a16:creationId xmlns:a16="http://schemas.microsoft.com/office/drawing/2014/main" id="{289867B4-9F96-4A9A-A8C3-AB90DC2AFFB3}"/>
               </a:ext>
             </a:extLst>
           </p:cNvPr>
@@ -7304,7 +7293,7 @@
         </p:nvSpPr>
         <p:spPr>
           <a:xfrm>
-            <a:off x="838200" y="2664873"/>
+            <a:off x="838200" y="3515899"/>
             <a:ext cx="3780933" cy="646331"/>
           </a:xfrm>
           <a:prstGeom prst="rect">
@@ -7332,10 +7321,10 @@
       </p:sp>
       <p:sp>
         <p:nvSpPr>
-          <p:cNvPr id="13" name="ZoneTexte 12">
-            <a:extLst>
-              <a:ext uri="{FF2B5EF4-FFF2-40B4-BE49-F238E27FC236}">
-                <a16:creationId xmlns:a16="http://schemas.microsoft.com/office/drawing/2014/main" id="{40F4D091-DEE3-4097-99E1-85A6424A392F}"/>
+          <p:cNvPr id="21" name="ZoneTexte 20">
+            <a:extLst>
+              <a:ext uri="{FF2B5EF4-FFF2-40B4-BE49-F238E27FC236}">
+                <a16:creationId xmlns:a16="http://schemas.microsoft.com/office/drawing/2014/main" id="{8BDD8CDB-2995-44F3-8C25-4A959F5F0858}"/>
               </a:ext>
             </a:extLst>
           </p:cNvPr>
@@ -7344,7 +7333,7 @@
         </p:nvSpPr>
         <p:spPr>
           <a:xfrm>
-            <a:off x="838200" y="3174102"/>
+            <a:off x="838200" y="4025128"/>
             <a:ext cx="6734669" cy="646331"/>
           </a:xfrm>
           <a:prstGeom prst="rect">
@@ -7427,7 +7416,7 @@
           <a:p>
             <a:r>
               <a:rPr lang="fr-FR" dirty="0"/>
-              <a:t>V- Classification </a:t>
+              <a:t>IV- Modeling </a:t>
             </a:r>
             <a:r>
               <a:rPr lang="fr-FR" sz="3200" i="1" dirty="0"/>
@@ -7448,98 +7437,6 @@
             <a:r>
               <a:rPr lang="fr-FR" sz="3200" i="1" dirty="0"/>
               <a:t>)</a:t>
-            </a:r>
-          </a:p>
-        </p:txBody>
-      </p:sp>
-      <p:sp>
-        <p:nvSpPr>
-          <p:cNvPr id="5" name="ZoneTexte 4">
-            <a:extLst>
-              <a:ext uri="{FF2B5EF4-FFF2-40B4-BE49-F238E27FC236}">
-                <a16:creationId xmlns:a16="http://schemas.microsoft.com/office/drawing/2014/main" id="{50A455BD-A61B-42F7-BA51-D3A57135EA1E}"/>
-              </a:ext>
-            </a:extLst>
-          </p:cNvPr>
-          <p:cNvSpPr txBox="1"/>
-          <p:nvPr/>
-        </p:nvSpPr>
-        <p:spPr>
-          <a:xfrm>
-            <a:off x="762786" y="2429267"/>
-            <a:ext cx="8749683" cy="2308324"/>
-          </a:xfrm>
-          <a:prstGeom prst="rect">
-            <a:avLst/>
-          </a:prstGeom>
-          <a:noFill/>
-        </p:spPr>
-        <p:txBody>
-          <a:bodyPr wrap="square" rtlCol="0">
-            <a:spAutoFit/>
-          </a:bodyPr>
-          <a:lstStyle/>
-          <a:p>
-            <a:pPr algn="just"/>
-            <a:r>
-              <a:rPr lang="en-US" b="1" i="1" dirty="0"/>
-              <a:t>Creation of the Models</a:t>
-            </a:r>
-          </a:p>
-          <a:p>
-            <a:pPr algn="just"/>
-            <a:r>
-              <a:rPr lang="en-US" i="1" dirty="0"/>
-              <a:t>We decided to test different models to see which one was the more precise.</a:t>
-            </a:r>
-          </a:p>
-          <a:p>
-            <a:pPr algn="just"/>
-            <a:endParaRPr lang="en-US" b="1" i="1" dirty="0"/>
-          </a:p>
-          <a:p>
-            <a:pPr algn="just"/>
-            <a:r>
-              <a:rPr lang="en-US" b="1" i="1" dirty="0"/>
-              <a:t>- K-Neighbors Classification Model </a:t>
-            </a:r>
-            <a:endParaRPr lang="en-US" i="1" dirty="0"/>
-          </a:p>
-          <a:p>
-            <a:r>
-              <a:rPr lang="en-US" b="1" i="1" dirty="0"/>
-              <a:t>- SVC (Support Vector Classification Model)</a:t>
-            </a:r>
-          </a:p>
-          <a:p>
-            <a:endParaRPr lang="en-US" b="1" i="1" dirty="0"/>
-          </a:p>
-          <a:p>
-            <a:r>
-              <a:rPr lang="en-US" b="1" i="1" dirty="0"/>
-              <a:t>- </a:t>
-            </a:r>
-            <a:r>
-              <a:rPr lang="en-US" b="1" i="1" dirty="0" err="1"/>
-              <a:t>GridSearch</a:t>
-            </a:r>
-            <a:r>
-              <a:rPr lang="en-US" b="1" i="1" dirty="0"/>
-              <a:t> </a:t>
-            </a:r>
-            <a:r>
-              <a:rPr lang="en-US" b="1" i="1" dirty="0" err="1"/>
-              <a:t>Classifcation</a:t>
-            </a:r>
-            <a:r>
-              <a:rPr lang="en-US" b="1" i="1" dirty="0"/>
-              <a:t> on the SVC Model</a:t>
-            </a:r>
-          </a:p>
-          <a:p>
-            <a:r>
-              <a:rPr lang="en-US" i="1" dirty="0"/>
-              <a:t>For this model we chose parameters adapted to our SVC Model and obtained :  </a:t>
             </a:r>
           </a:p>
         </p:txBody>
@@ -7566,7 +7463,7 @@
         </p:blipFill>
         <p:spPr>
           <a:xfrm>
-            <a:off x="8287339" y="4428733"/>
+            <a:off x="3330913" y="5650903"/>
             <a:ext cx="2991047" cy="308858"/>
           </a:xfrm>
           <a:prstGeom prst="rect">
@@ -7574,6 +7471,270 @@
           </a:prstGeom>
         </p:spPr>
       </p:pic>
+      <p:sp>
+        <p:nvSpPr>
+          <p:cNvPr id="6" name="Espace réservé du contenu 2">
+            <a:extLst>
+              <a:ext uri="{FF2B5EF4-FFF2-40B4-BE49-F238E27FC236}">
+                <a16:creationId xmlns:a16="http://schemas.microsoft.com/office/drawing/2014/main" id="{B6A21E92-1022-4D6C-BF44-2FF5BB70D9B7}"/>
+              </a:ext>
+            </a:extLst>
+          </p:cNvPr>
+          <p:cNvSpPr>
+            <a:spLocks noGrp="1"/>
+          </p:cNvSpPr>
+          <p:nvPr>
+            <p:ph idx="1"/>
+          </p:nvPr>
+        </p:nvSpPr>
+        <p:spPr>
+          <a:xfrm>
+            <a:off x="838200" y="1563940"/>
+            <a:ext cx="11112374" cy="4483775"/>
+          </a:xfrm>
+        </p:spPr>
+        <p:txBody>
+          <a:bodyPr>
+            <a:normAutofit fontScale="92500" lnSpcReduction="20000"/>
+          </a:bodyPr>
+          <a:lstStyle/>
+          <a:p>
+            <a:pPr marL="0" indent="0" algn="just">
+              <a:buNone/>
+            </a:pPr>
+            <a:r>
+              <a:rPr lang="en-US" sz="2600" b="1" i="1" dirty="0"/>
+              <a:t>Creation of the Models</a:t>
+            </a:r>
+          </a:p>
+          <a:p>
+            <a:pPr marL="0" indent="0" algn="just">
+              <a:buNone/>
+            </a:pPr>
+            <a:r>
+              <a:rPr lang="en-US" sz="2600" i="1" dirty="0"/>
+              <a:t>We decided to test different models to see which one was the more precise.</a:t>
+            </a:r>
+          </a:p>
+          <a:p>
+            <a:pPr marL="0" indent="0" algn="just">
+              <a:buNone/>
+            </a:pPr>
+            <a:endParaRPr lang="es-ES" sz="2400" dirty="0"/>
+          </a:p>
+          <a:p>
+            <a:pPr marL="0" indent="0">
+              <a:lnSpc>
+                <a:spcPct val="90000"/>
+              </a:lnSpc>
+              <a:spcBef>
+                <a:spcPts val="1000"/>
+              </a:spcBef>
+              <a:buNone/>
+            </a:pPr>
+            <a:r>
+              <a:rPr lang="es-ES" sz="2800" b="1" dirty="0">
+                <a:solidFill>
+                  <a:srgbClr val="6796E6"/>
+                </a:solidFill>
+                <a:latin typeface="Consolas" panose="020B0609020204030204" pitchFamily="49" charset="0"/>
+              </a:rPr>
+              <a:t>1- </a:t>
+            </a:r>
+            <a:r>
+              <a:rPr lang="es-ES" sz="2800" b="1" dirty="0" err="1">
+                <a:solidFill>
+                  <a:srgbClr val="6796E6"/>
+                </a:solidFill>
+                <a:latin typeface="Consolas" panose="020B0609020204030204" pitchFamily="49" charset="0"/>
+              </a:rPr>
+              <a:t>Neighbors</a:t>
+            </a:r>
+            <a:r>
+              <a:rPr lang="es-ES" sz="2800" b="1" dirty="0">
+                <a:solidFill>
+                  <a:srgbClr val="6796E6"/>
+                </a:solidFill>
+                <a:latin typeface="Consolas" panose="020B0609020204030204" pitchFamily="49" charset="0"/>
+              </a:rPr>
+              <a:t> </a:t>
+            </a:r>
+            <a:r>
+              <a:rPr lang="es-ES" sz="2800" b="1" dirty="0" err="1">
+                <a:solidFill>
+                  <a:srgbClr val="6796E6"/>
+                </a:solidFill>
+                <a:latin typeface="Consolas" panose="020B0609020204030204" pitchFamily="49" charset="0"/>
+              </a:rPr>
+              <a:t>Classifiers</a:t>
+            </a:r>
+            <a:endParaRPr lang="es-ES" sz="2800" b="1" dirty="0">
+              <a:solidFill>
+                <a:srgbClr val="6796E6"/>
+              </a:solidFill>
+              <a:latin typeface="Consolas" panose="020B0609020204030204" pitchFamily="49" charset="0"/>
+            </a:endParaRPr>
+          </a:p>
+          <a:p>
+            <a:pPr marL="457200" lvl="1" indent="0">
+              <a:buNone/>
+            </a:pPr>
+            <a:r>
+              <a:rPr lang="en-US" sz="2600" dirty="0"/>
+              <a:t>K-Neighbors</a:t>
+            </a:r>
+          </a:p>
+          <a:p>
+            <a:pPr marL="457200" lvl="1" indent="0">
+              <a:buNone/>
+            </a:pPr>
+            <a:endParaRPr lang="en-US" dirty="0"/>
+          </a:p>
+          <a:p>
+            <a:pPr marL="0" indent="0">
+              <a:lnSpc>
+                <a:spcPct val="90000"/>
+              </a:lnSpc>
+              <a:spcBef>
+                <a:spcPts val="1000"/>
+              </a:spcBef>
+              <a:buNone/>
+            </a:pPr>
+            <a:r>
+              <a:rPr lang="es-ES" sz="2800" b="1" dirty="0">
+                <a:solidFill>
+                  <a:srgbClr val="6796E6"/>
+                </a:solidFill>
+                <a:latin typeface="Consolas" panose="020B0609020204030204" pitchFamily="49" charset="0"/>
+              </a:rPr>
+              <a:t>2- SVM </a:t>
+            </a:r>
+            <a:r>
+              <a:rPr lang="es-ES" sz="2800" b="1" dirty="0" err="1">
+                <a:solidFill>
+                  <a:srgbClr val="6796E6"/>
+                </a:solidFill>
+                <a:latin typeface="Consolas" panose="020B0609020204030204" pitchFamily="49" charset="0"/>
+              </a:rPr>
+              <a:t>Classifiers</a:t>
+            </a:r>
+            <a:endParaRPr lang="en-US" b="1" i="1" dirty="0"/>
+          </a:p>
+          <a:p>
+            <a:pPr marL="0" indent="0">
+              <a:buNone/>
+            </a:pPr>
+            <a:r>
+              <a:rPr lang="en-US" sz="2400" dirty="0"/>
+              <a:t>     </a:t>
+            </a:r>
+            <a:r>
+              <a:rPr lang="en-US" sz="2600" dirty="0"/>
+              <a:t>  SVC (Support Vector Classification)</a:t>
+            </a:r>
+            <a:endParaRPr lang="en-US" sz="2600" b="1" i="1" dirty="0"/>
+          </a:p>
+          <a:p>
+            <a:pPr marL="457200" lvl="1" indent="0">
+              <a:buNone/>
+            </a:pPr>
+            <a:endParaRPr lang="es-ES" dirty="0"/>
+          </a:p>
+          <a:p>
+            <a:pPr marL="0" indent="0">
+              <a:buNone/>
+            </a:pPr>
+            <a:r>
+              <a:rPr lang="es-ES" b="1" dirty="0">
+                <a:solidFill>
+                  <a:srgbClr val="6796E6"/>
+                </a:solidFill>
+                <a:latin typeface="Consolas" panose="020B0609020204030204" pitchFamily="49" charset="0"/>
+              </a:rPr>
+              <a:t>3- </a:t>
+            </a:r>
+            <a:r>
+              <a:rPr lang="es-ES" b="1" dirty="0" err="1">
+                <a:solidFill>
+                  <a:srgbClr val="6796E6"/>
+                </a:solidFill>
+                <a:latin typeface="Consolas" panose="020B0609020204030204" pitchFamily="49" charset="0"/>
+              </a:rPr>
+              <a:t>Grid-search</a:t>
+            </a:r>
+            <a:r>
+              <a:rPr lang="es-ES" b="1" dirty="0">
+                <a:solidFill>
+                  <a:srgbClr val="6796E6"/>
+                </a:solidFill>
+                <a:latin typeface="Consolas" panose="020B0609020204030204" pitchFamily="49" charset="0"/>
+              </a:rPr>
+              <a:t> </a:t>
+            </a:r>
+            <a:r>
+              <a:rPr lang="es-ES" b="1" dirty="0" err="1">
+                <a:solidFill>
+                  <a:srgbClr val="6796E6"/>
+                </a:solidFill>
+                <a:latin typeface="Consolas" panose="020B0609020204030204" pitchFamily="49" charset="0"/>
+              </a:rPr>
+              <a:t>on</a:t>
+            </a:r>
+            <a:r>
+              <a:rPr lang="es-ES" b="1" dirty="0">
+                <a:solidFill>
+                  <a:srgbClr val="6796E6"/>
+                </a:solidFill>
+                <a:latin typeface="Consolas" panose="020B0609020204030204" pitchFamily="49" charset="0"/>
+              </a:rPr>
+              <a:t> SVC </a:t>
+            </a:r>
+            <a:r>
+              <a:rPr lang="es-ES" b="1" dirty="0" err="1">
+                <a:solidFill>
+                  <a:srgbClr val="6796E6"/>
+                </a:solidFill>
+                <a:latin typeface="Consolas" panose="020B0609020204030204" pitchFamily="49" charset="0"/>
+              </a:rPr>
+              <a:t>model</a:t>
+            </a:r>
+            <a:endParaRPr lang="es-ES" b="1" dirty="0">
+              <a:solidFill>
+                <a:srgbClr val="6796E6"/>
+              </a:solidFill>
+              <a:latin typeface="Consolas" panose="020B0609020204030204" pitchFamily="49" charset="0"/>
+            </a:endParaRPr>
+          </a:p>
+          <a:p>
+            <a:pPr marL="0" indent="0">
+              <a:buNone/>
+            </a:pPr>
+            <a:r>
+              <a:rPr lang="en-US" i="1" dirty="0"/>
+              <a:t>       </a:t>
+            </a:r>
+            <a:r>
+              <a:rPr lang="en-US" sz="2600" i="1" dirty="0"/>
+              <a:t>For this model we chose parameters adapted to our SVC Mode</a:t>
+            </a:r>
+          </a:p>
+          <a:p>
+            <a:pPr marL="0" indent="0">
+              <a:buNone/>
+            </a:pPr>
+            <a:r>
+              <a:rPr lang="en-US" sz="2600" i="1" dirty="0"/>
+              <a:t>       and obtained :  </a:t>
+            </a:r>
+          </a:p>
+          <a:p>
+            <a:pPr marL="0" indent="0">
+              <a:buNone/>
+            </a:pPr>
+            <a:endParaRPr lang="en-US" dirty="0"/>
+          </a:p>
+        </p:txBody>
+      </p:sp>
     </p:spTree>
     <p:extLst>
       <p:ext uri="{BB962C8B-B14F-4D97-AF65-F5344CB8AC3E}">
@@ -7627,7 +7788,7 @@
           <a:p>
             <a:r>
               <a:rPr lang="fr-FR" dirty="0"/>
-              <a:t>V- Classification </a:t>
+              <a:t>IV- Modeling</a:t>
             </a:r>
             <a:r>
               <a:rPr lang="fr-FR" sz="4400" i="1" dirty="0"/>
@@ -7684,17 +7845,27 @@
                 </a:solidFill>
                 <a:latin typeface="Consolas" panose="020B0609020204030204" pitchFamily="49" charset="0"/>
               </a:rPr>
-              <a:t>1- </a:t>
-            </a:r>
-            <a:r>
-              <a:rPr lang="es-ES" b="1" dirty="0">
+              <a:t>4- </a:t>
+            </a:r>
+            <a:r>
+              <a:rPr lang="es-ES" b="1" dirty="0" err="1">
                 <a:solidFill>
                   <a:srgbClr val="6796E6"/>
                 </a:solidFill>
                 <a:effectLst/>
                 <a:latin typeface="Consolas" panose="020B0609020204030204" pitchFamily="49" charset="0"/>
               </a:rPr>
-              <a:t>BAGGING </a:t>
+              <a:t>Bagging</a:t>
+            </a:r>
+            <a:r>
+              <a:rPr lang="es-ES" b="1" dirty="0">
+                <a:solidFill>
+                  <a:srgbClr val="6796E6"/>
+                </a:solidFill>
+                <a:effectLst/>
+                <a:latin typeface="Consolas" panose="020B0609020204030204" pitchFamily="49" charset="0"/>
+              </a:rPr>
+              <a:t> </a:t>
             </a:r>
             <a:r>
               <a:rPr lang="es-ES" b="1" dirty="0" err="1">
@@ -7729,6 +7900,12 @@
             <a:endParaRPr lang="en-US" dirty="0"/>
           </a:p>
           <a:p>
+            <a:pPr marL="457200" lvl="1" indent="0">
+              <a:buNone/>
+            </a:pPr>
+            <a:endParaRPr lang="en-US" dirty="0"/>
+          </a:p>
+          <a:p>
             <a:pPr marL="0" indent="0">
               <a:buNone/>
             </a:pPr>
@@ -7740,7 +7917,7 @@
                 <a:effectLst/>
                 <a:latin typeface="Consolas" panose="020B0609020204030204" pitchFamily="49" charset="0"/>
               </a:rPr>
-              <a:t>2-BOOSTING </a:t>
+              <a:t>5-Boosting </a:t>
             </a:r>
             <a:r>
               <a:rPr lang="es-ES" b="1" dirty="0" err="1">
@@ -7787,6 +7964,12 @@
             <a:endParaRPr lang="es-ES" dirty="0"/>
           </a:p>
           <a:p>
+            <a:pPr marL="457200" lvl="1" indent="0">
+              <a:buNone/>
+            </a:pPr>
+            <a:endParaRPr lang="es-ES" dirty="0"/>
+          </a:p>
+          <a:p>
             <a:pPr marL="0" indent="0">
               <a:buNone/>
             </a:pPr>
@@ -7797,7 +7980,7 @@
                 </a:solidFill>
                 <a:latin typeface="Consolas" panose="020B0609020204030204" pitchFamily="49" charset="0"/>
               </a:rPr>
-              <a:t>3-Voting </a:t>
+              <a:t>6-Voting </a:t>
             </a:r>
             <a:r>
               <a:rPr lang="es-ES" b="1" dirty="0" err="1">
@@ -8016,46 +8199,28 @@
             </a:pPr>
             <a:r>
               <a:rPr lang="fr-FR" dirty="0"/>
-              <a:t>IV- </a:t>
+              <a:t>IV- Modeling</a:t>
+            </a:r>
+          </a:p>
+          <a:p>
+            <a:pPr marL="0" indent="0">
+              <a:buNone/>
+            </a:pPr>
+            <a:r>
+              <a:rPr lang="fr-FR" dirty="0"/>
+              <a:t>V- Modeling </a:t>
             </a:r>
             <a:r>
               <a:rPr lang="fr-FR" dirty="0" err="1"/>
-              <a:t>Prediction</a:t>
+              <a:t>with</a:t>
             </a:r>
             <a:r>
               <a:rPr lang="fr-FR" dirty="0"/>
               <a:t> </a:t>
             </a:r>
-          </a:p>
-          <a:p>
-            <a:pPr marL="0" indent="0">
-              <a:buNone/>
-            </a:pPr>
-            <a:r>
-              <a:rPr lang="fr-FR" dirty="0"/>
-              <a:t>V- Classification </a:t>
-            </a:r>
-          </a:p>
-          <a:p>
-            <a:pPr marL="0" indent="0">
-              <a:buNone/>
-            </a:pPr>
-            <a:r>
-              <a:rPr lang="fr-FR" dirty="0"/>
-              <a:t>VI- Conclusion </a:t>
-            </a:r>
-          </a:p>
-          <a:p>
-            <a:pPr marL="0" indent="0">
-              <a:buNone/>
-            </a:pPr>
-            <a:r>
-              <a:rPr lang="fr-FR" dirty="0"/>
-              <a:t>VII- If </a:t>
-            </a:r>
             <a:r>
               <a:rPr lang="fr-FR" dirty="0" err="1"/>
-              <a:t>we</a:t>
+              <a:t>reduced</a:t>
             </a:r>
             <a:r>
               <a:rPr lang="fr-FR" dirty="0"/>
@@ -8063,19 +8228,34 @@
             </a:r>
             <a:r>
               <a:rPr lang="fr-FR" dirty="0" err="1"/>
-              <a:t>had</a:t>
-            </a:r>
+              <a:t>features</a:t>
+            </a:r>
+            <a:endParaRPr lang="fr-FR" dirty="0"/>
+          </a:p>
+          <a:p>
+            <a:pPr marL="0" indent="0">
+              <a:buNone/>
+            </a:pPr>
             <a:r>
               <a:rPr lang="fr-FR" dirty="0"/>
-              <a:t> to start the Project </a:t>
+              <a:t>VI- How to use </a:t>
             </a:r>
             <a:r>
               <a:rPr lang="fr-FR" dirty="0" err="1"/>
-              <a:t>again</a:t>
+              <a:t>our</a:t>
             </a:r>
             <a:r>
               <a:rPr lang="fr-FR" dirty="0"/>
-              <a:t> !</a:t>
+              <a:t> FLASK application ?</a:t>
+            </a:r>
+          </a:p>
+          <a:p>
+            <a:pPr marL="0" indent="0">
+              <a:buNone/>
+            </a:pPr>
+            <a:r>
+              <a:rPr lang="fr-FR" dirty="0"/>
+              <a:t>VII- Conclusion </a:t>
             </a:r>
           </a:p>
         </p:txBody>
@@ -8112,10 +8292,10 @@
       </p:grpSpPr>
       <p:sp>
         <p:nvSpPr>
-          <p:cNvPr id="2" name="Titre 1">
-            <a:extLst>
-              <a:ext uri="{FF2B5EF4-FFF2-40B4-BE49-F238E27FC236}">
-                <a16:creationId xmlns:a16="http://schemas.microsoft.com/office/drawing/2014/main" id="{059214AB-9CCA-4538-83A4-8E69920574DF}"/>
+          <p:cNvPr id="4" name="Titre 1">
+            <a:extLst>
+              <a:ext uri="{FF2B5EF4-FFF2-40B4-BE49-F238E27FC236}">
+                <a16:creationId xmlns:a16="http://schemas.microsoft.com/office/drawing/2014/main" id="{346382A5-FA00-4BA6-A46F-329E2A1283E0}"/>
               </a:ext>
             </a:extLst>
           </p:cNvPr>
@@ -8126,54 +8306,154 @@
             <p:ph type="title"/>
           </p:nvPr>
         </p:nvSpPr>
-        <p:spPr/>
+        <p:spPr>
+          <a:xfrm>
+            <a:off x="838200" y="365125"/>
+            <a:ext cx="10515600" cy="1325563"/>
+          </a:xfrm>
+        </p:spPr>
         <p:txBody>
           <a:bodyPr/>
           <a:lstStyle/>
           <a:p>
             <a:r>
               <a:rPr lang="fr-FR" dirty="0"/>
-              <a:t>V- Classification </a:t>
-            </a:r>
-            <a:r>
-              <a:rPr lang="fr-FR" sz="4400" i="1" dirty="0"/>
+              <a:t>IV- Modeling </a:t>
+            </a:r>
+            <a:r>
+              <a:rPr lang="fr-FR" sz="3200" i="1" dirty="0"/>
               <a:t>(</a:t>
             </a:r>
             <a:r>
-              <a:rPr lang="fr-FR" sz="4400" i="1" dirty="0" err="1"/>
-              <a:t>Creation</a:t>
-            </a:r>
-            <a:r>
-              <a:rPr lang="fr-FR" sz="4400" i="1" dirty="0"/>
+              <a:rPr lang="fr-FR" sz="3200" i="1" dirty="0" err="1"/>
+              <a:t>Testing</a:t>
+            </a:r>
+            <a:r>
+              <a:rPr lang="fr-FR" sz="3200" i="1" dirty="0"/>
               <a:t> of the </a:t>
             </a:r>
             <a:r>
-              <a:rPr lang="fr-FR" sz="4400" i="1" dirty="0" err="1"/>
+              <a:rPr lang="fr-FR" sz="3200" i="1" dirty="0" err="1"/>
               <a:t>models</a:t>
             </a:r>
             <a:r>
-              <a:rPr lang="fr-FR" sz="4400" i="1" dirty="0"/>
+              <a:rPr lang="fr-FR" sz="3200" i="1" dirty="0"/>
               <a:t>)</a:t>
             </a:r>
-            <a:endParaRPr lang="en-US" dirty="0"/>
+          </a:p>
+        </p:txBody>
+      </p:sp>
+      <p:sp>
+        <p:nvSpPr>
+          <p:cNvPr id="6" name="ZoneTexte 5">
+            <a:extLst>
+              <a:ext uri="{FF2B5EF4-FFF2-40B4-BE49-F238E27FC236}">
+                <a16:creationId xmlns:a16="http://schemas.microsoft.com/office/drawing/2014/main" id="{F23D42F8-7E41-44C8-B4EB-153226C15EFB}"/>
+              </a:ext>
+            </a:extLst>
+          </p:cNvPr>
+          <p:cNvSpPr txBox="1"/>
+          <p:nvPr/>
+        </p:nvSpPr>
+        <p:spPr>
+          <a:xfrm>
+            <a:off x="838200" y="1690688"/>
+            <a:ext cx="10515600" cy="3693319"/>
+          </a:xfrm>
+          <a:prstGeom prst="rect">
+            <a:avLst/>
+          </a:prstGeom>
+          <a:noFill/>
+        </p:spPr>
+        <p:txBody>
+          <a:bodyPr wrap="square" rtlCol="0">
+            <a:spAutoFit/>
+          </a:bodyPr>
+          <a:lstStyle/>
+          <a:p>
+            <a:pPr algn="just"/>
+            <a:r>
+              <a:rPr lang="en-US" b="1" i="1" dirty="0"/>
+              <a:t>Testing of the models</a:t>
+            </a:r>
+          </a:p>
+          <a:p>
+            <a:pPr algn="just"/>
+            <a:r>
+              <a:rPr lang="en-US" i="1" dirty="0"/>
+              <a:t>To test the model, we created a list of prediction of our test set that we compered to its already known results. That is how we obtained the accuracy of each model. </a:t>
+            </a:r>
+          </a:p>
+          <a:p>
+            <a:pPr algn="just"/>
+            <a:r>
+              <a:rPr lang="en-US" i="1" dirty="0"/>
+              <a:t>We also created a confusion matrix for each model, to illustrate our results.</a:t>
+            </a:r>
+          </a:p>
+          <a:p>
+            <a:pPr algn="just"/>
+            <a:endParaRPr lang="en-US" b="1" i="1" dirty="0"/>
+          </a:p>
+          <a:p>
+            <a:pPr algn="just"/>
+            <a:r>
+              <a:rPr lang="en-US" b="1" i="1" dirty="0"/>
+              <a:t>Example for the SVC Classification model :</a:t>
+            </a:r>
+          </a:p>
+          <a:p>
+            <a:pPr algn="just"/>
+            <a:endParaRPr lang="en-US" b="1" i="1" dirty="0"/>
+          </a:p>
+          <a:p>
+            <a:pPr algn="just"/>
+            <a:r>
+              <a:rPr lang="en-US" i="1" dirty="0"/>
+              <a:t>Prediction thanks to the function “.predict()”</a:t>
+            </a:r>
+          </a:p>
+          <a:p>
+            <a:pPr algn="just"/>
+            <a:endParaRPr lang="en-US" i="1" dirty="0"/>
+          </a:p>
+          <a:p>
+            <a:pPr algn="just"/>
+            <a:r>
+              <a:rPr lang="en-US" i="1" dirty="0"/>
+              <a:t>Final accuracy of the model : </a:t>
+            </a:r>
+          </a:p>
+          <a:p>
+            <a:pPr algn="just"/>
+            <a:endParaRPr lang="en-US" i="1" dirty="0"/>
+          </a:p>
+          <a:p>
+            <a:pPr algn="just"/>
+            <a:r>
+              <a:rPr lang="en-US" i="1" dirty="0"/>
+              <a:t>Confusion matrix :</a:t>
+            </a:r>
+          </a:p>
+          <a:p>
+            <a:pPr algn="just"/>
+            <a:endParaRPr lang="en-US" i="1" dirty="0"/>
           </a:p>
         </p:txBody>
       </p:sp>
       <p:pic>
         <p:nvPicPr>
-          <p:cNvPr id="5" name="Espace réservé du contenu 4">
-            <a:extLst>
-              <a:ext uri="{FF2B5EF4-FFF2-40B4-BE49-F238E27FC236}">
-                <a16:creationId xmlns:a16="http://schemas.microsoft.com/office/drawing/2014/main" id="{4EF61C10-343F-43D3-BDFA-EE9F198FDFE9}"/>
+          <p:cNvPr id="14" name="Image 13">
+            <a:extLst>
+              <a:ext uri="{FF2B5EF4-FFF2-40B4-BE49-F238E27FC236}">
+                <a16:creationId xmlns:a16="http://schemas.microsoft.com/office/drawing/2014/main" id="{A8A1B23C-B86B-473E-A093-D6BA8ECFDD1A}"/>
               </a:ext>
             </a:extLst>
           </p:cNvPr>
           <p:cNvPicPr>
-            <a:picLocks noGrp="1" noChangeAspect="1"/>
+            <a:picLocks noChangeAspect="1"/>
           </p:cNvPicPr>
-          <p:nvPr>
-            <p:ph idx="1"/>
-          </p:nvPr>
+          <p:nvPr/>
         </p:nvPicPr>
         <p:blipFill>
           <a:blip r:embed="rId2"/>
@@ -8183,17 +8463,20 @@
         </p:blipFill>
         <p:spPr>
           <a:xfrm>
-            <a:off x="838200" y="1690688"/>
-            <a:ext cx="4371975" cy="885825"/>
+            <a:off x="2803296" y="4834870"/>
+            <a:ext cx="2673718" cy="1789666"/>
           </a:xfrm>
+          <a:prstGeom prst="rect">
+            <a:avLst/>
+          </a:prstGeom>
         </p:spPr>
       </p:pic>
       <p:pic>
         <p:nvPicPr>
-          <p:cNvPr id="7" name="Image 6">
-            <a:extLst>
-              <a:ext uri="{FF2B5EF4-FFF2-40B4-BE49-F238E27FC236}">
-                <a16:creationId xmlns:a16="http://schemas.microsoft.com/office/drawing/2014/main" id="{362F965A-3D8E-4BEF-A313-57743C3E8EBA}"/>
+          <p:cNvPr id="16" name="Image 15">
+            <a:extLst>
+              <a:ext uri="{FF2B5EF4-FFF2-40B4-BE49-F238E27FC236}">
+                <a16:creationId xmlns:a16="http://schemas.microsoft.com/office/drawing/2014/main" id="{AC6506D4-23ED-48F9-82FE-476E8E6F3032}"/>
               </a:ext>
             </a:extLst>
           </p:cNvPr>
@@ -8210,55 +8493,20 @@
         </p:blipFill>
         <p:spPr>
           <a:xfrm>
-            <a:off x="838200" y="2576513"/>
-            <a:ext cx="4371975" cy="1428750"/>
+            <a:off x="3912877" y="4174570"/>
+            <a:ext cx="3128274" cy="361949"/>
           </a:xfrm>
           <a:prstGeom prst="rect">
             <a:avLst/>
           </a:prstGeom>
         </p:spPr>
       </p:pic>
-      <p:sp>
-        <p:nvSpPr>
-          <p:cNvPr id="8" name="ZoneTexte 7">
-            <a:extLst>
-              <a:ext uri="{FF2B5EF4-FFF2-40B4-BE49-F238E27FC236}">
-                <a16:creationId xmlns:a16="http://schemas.microsoft.com/office/drawing/2014/main" id="{1E5E8506-A60D-4A38-99CB-B98709A9D2FB}"/>
-              </a:ext>
-            </a:extLst>
-          </p:cNvPr>
-          <p:cNvSpPr txBox="1"/>
-          <p:nvPr/>
-        </p:nvSpPr>
-        <p:spPr>
-          <a:xfrm>
-            <a:off x="570367" y="4309450"/>
-            <a:ext cx="9632887" cy="646331"/>
-          </a:xfrm>
-          <a:prstGeom prst="rect">
-            <a:avLst/>
-          </a:prstGeom>
-          <a:noFill/>
-        </p:spPr>
-        <p:txBody>
-          <a:bodyPr wrap="square" rtlCol="0">
-            <a:spAutoFit/>
-          </a:bodyPr>
-          <a:lstStyle/>
-          <a:p>
-            <a:r>
-              <a:rPr lang="en-US" dirty="0"/>
-              <a:t>Using VotingClassifier we selected only the classifier with a score above 0,50 (We deleted the AdaBoostClassifier). We tried both Hard and soft VotingClassifier. </a:t>
-            </a:r>
-          </a:p>
-        </p:txBody>
-      </p:sp>
       <p:pic>
         <p:nvPicPr>
-          <p:cNvPr id="10" name="Image 9">
-            <a:extLst>
-              <a:ext uri="{FF2B5EF4-FFF2-40B4-BE49-F238E27FC236}">
-                <a16:creationId xmlns:a16="http://schemas.microsoft.com/office/drawing/2014/main" id="{A4A19D8E-877A-4714-81DC-EB14021CE44F}"/>
+          <p:cNvPr id="18" name="Image 17">
+            <a:extLst>
+              <a:ext uri="{FF2B5EF4-FFF2-40B4-BE49-F238E27FC236}">
+                <a16:creationId xmlns:a16="http://schemas.microsoft.com/office/drawing/2014/main" id="{EC7DE786-97DC-4DAD-A99B-317D9C43BBDC}"/>
               </a:ext>
             </a:extLst>
           </p:cNvPr>
@@ -8275,8 +8523,8 @@
         </p:blipFill>
         <p:spPr>
           <a:xfrm>
-            <a:off x="935429" y="5052635"/>
-            <a:ext cx="4596237" cy="1102566"/>
+            <a:off x="5477014" y="3629166"/>
+            <a:ext cx="4245940" cy="361949"/>
           </a:xfrm>
           <a:prstGeom prst="rect">
             <a:avLst/>
@@ -8286,7 +8534,7 @@
     </p:spTree>
     <p:extLst>
       <p:ext uri="{BB962C8B-B14F-4D97-AF65-F5344CB8AC3E}">
-        <p14:creationId xmlns:p14="http://schemas.microsoft.com/office/powerpoint/2010/main" val="2029551732"/>
+        <p14:creationId xmlns:p14="http://schemas.microsoft.com/office/powerpoint/2010/main" val="59488387"/>
       </p:ext>
     </p:extLst>
   </p:cSld>
@@ -8315,10 +8563,10 @@
       </p:grpSpPr>
       <p:sp>
         <p:nvSpPr>
-          <p:cNvPr id="4" name="Titre 1">
-            <a:extLst>
-              <a:ext uri="{FF2B5EF4-FFF2-40B4-BE49-F238E27FC236}">
-                <a16:creationId xmlns:a16="http://schemas.microsoft.com/office/drawing/2014/main" id="{346382A5-FA00-4BA6-A46F-329E2A1283E0}"/>
+          <p:cNvPr id="2" name="Titre 1">
+            <a:extLst>
+              <a:ext uri="{FF2B5EF4-FFF2-40B4-BE49-F238E27FC236}">
+                <a16:creationId xmlns:a16="http://schemas.microsoft.com/office/drawing/2014/main" id="{059214AB-9CCA-4538-83A4-8E69920574DF}"/>
               </a:ext>
             </a:extLst>
           </p:cNvPr>
@@ -8329,49 +8577,49 @@
             <p:ph type="title"/>
           </p:nvPr>
         </p:nvSpPr>
-        <p:spPr>
-          <a:xfrm>
-            <a:off x="838200" y="365125"/>
-            <a:ext cx="10515600" cy="1325563"/>
-          </a:xfrm>
-        </p:spPr>
+        <p:spPr/>
         <p:txBody>
           <a:bodyPr/>
           <a:lstStyle/>
           <a:p>
             <a:r>
               <a:rPr lang="fr-FR" dirty="0"/>
-              <a:t>V- Classification </a:t>
-            </a:r>
-            <a:r>
-              <a:rPr lang="fr-FR" sz="3200" i="1" dirty="0"/>
+              <a:t>IV- Modeling </a:t>
+            </a:r>
+            <a:r>
+              <a:rPr lang="fr-FR" sz="4400" i="1" dirty="0"/>
               <a:t>(</a:t>
             </a:r>
             <a:r>
-              <a:rPr lang="fr-FR" sz="3200" i="1" dirty="0" err="1"/>
-              <a:t>Testing</a:t>
-            </a:r>
-            <a:r>
-              <a:rPr lang="fr-FR" sz="3200" i="1" dirty="0"/>
+              <a:rPr lang="fr-FR" i="1" dirty="0" err="1"/>
+              <a:t>T</a:t>
+            </a:r>
+            <a:r>
+              <a:rPr lang="fr-FR" sz="4400" i="1" dirty="0" err="1"/>
+              <a:t>esting</a:t>
+            </a:r>
+            <a:r>
+              <a:rPr lang="fr-FR" sz="4400" i="1" dirty="0"/>
               <a:t> of the </a:t>
             </a:r>
             <a:r>
-              <a:rPr lang="fr-FR" sz="3200" i="1" dirty="0" err="1"/>
+              <a:rPr lang="fr-FR" sz="4400" i="1" dirty="0" err="1"/>
               <a:t>models</a:t>
             </a:r>
             <a:r>
-              <a:rPr lang="fr-FR" sz="3200" i="1" dirty="0"/>
+              <a:rPr lang="fr-FR" sz="4400" i="1" dirty="0"/>
               <a:t>)</a:t>
             </a:r>
+            <a:endParaRPr lang="en-US" dirty="0"/>
           </a:p>
         </p:txBody>
       </p:sp>
       <p:sp>
         <p:nvSpPr>
-          <p:cNvPr id="6" name="ZoneTexte 5">
-            <a:extLst>
-              <a:ext uri="{FF2B5EF4-FFF2-40B4-BE49-F238E27FC236}">
-                <a16:creationId xmlns:a16="http://schemas.microsoft.com/office/drawing/2014/main" id="{F23D42F8-7E41-44C8-B4EB-153226C15EFB}"/>
+          <p:cNvPr id="8" name="ZoneTexte 7">
+            <a:extLst>
+              <a:ext uri="{FF2B5EF4-FFF2-40B4-BE49-F238E27FC236}">
+                <a16:creationId xmlns:a16="http://schemas.microsoft.com/office/drawing/2014/main" id="{1E5E8506-A60D-4A38-99CB-B98709A9D2FB}"/>
               </a:ext>
             </a:extLst>
           </p:cNvPr>
@@ -8380,8 +8628,8 @@
         </p:nvSpPr>
         <p:spPr>
           <a:xfrm>
-            <a:off x="838200" y="1690688"/>
-            <a:ext cx="10515600" cy="3693319"/>
+            <a:off x="6720595" y="2092440"/>
+            <a:ext cx="5018330" cy="1200329"/>
           </a:xfrm>
           <a:prstGeom prst="rect">
             <a:avLst/>
@@ -8394,82 +8642,33 @@
           </a:bodyPr>
           <a:lstStyle/>
           <a:p>
-            <a:pPr algn="just"/>
-            <a:r>
-              <a:rPr lang="en-US" b="1" i="1" dirty="0"/>
-              <a:t>Testing of the models</a:t>
-            </a:r>
-          </a:p>
-          <a:p>
-            <a:pPr algn="just"/>
-            <a:r>
-              <a:rPr lang="en-US" i="1" dirty="0"/>
-              <a:t>To test the model, we created a list of prediction of our test set that we compered to its already known results. That is how we obtained the accuracy of each model. </a:t>
-            </a:r>
-          </a:p>
-          <a:p>
-            <a:pPr algn="just"/>
-            <a:r>
-              <a:rPr lang="en-US" i="1" dirty="0"/>
-              <a:t>We also created a confusion matrix for each model, to illustrate our results.</a:t>
-            </a:r>
-          </a:p>
-          <a:p>
-            <a:pPr algn="just"/>
-            <a:endParaRPr lang="en-US" b="1" i="1" dirty="0"/>
-          </a:p>
-          <a:p>
-            <a:pPr algn="just"/>
-            <a:r>
-              <a:rPr lang="en-US" b="1" i="1" dirty="0"/>
-              <a:t>Example for the SVC Classification model :</a:t>
-            </a:r>
-          </a:p>
-          <a:p>
-            <a:pPr algn="just"/>
-            <a:endParaRPr lang="en-US" b="1" i="1" dirty="0"/>
-          </a:p>
-          <a:p>
-            <a:pPr algn="just"/>
-            <a:r>
-              <a:rPr lang="en-US" i="1" dirty="0"/>
-              <a:t>Prediction thanks to the function “.predict()”</a:t>
-            </a:r>
-          </a:p>
-          <a:p>
-            <a:pPr algn="just"/>
-            <a:endParaRPr lang="en-US" i="1" dirty="0"/>
-          </a:p>
-          <a:p>
-            <a:pPr algn="just"/>
-            <a:r>
-              <a:rPr lang="en-US" i="1" dirty="0"/>
-              <a:t>Final accuracy of the model : </a:t>
-            </a:r>
-          </a:p>
-          <a:p>
-            <a:pPr algn="just"/>
-            <a:endParaRPr lang="en-US" i="1" dirty="0"/>
-          </a:p>
-          <a:p>
-            <a:pPr algn="just"/>
-            <a:r>
-              <a:rPr lang="en-US" i="1" dirty="0"/>
-              <a:t>Confusion matrix :</a:t>
-            </a:r>
-          </a:p>
-          <a:p>
-            <a:pPr algn="just"/>
-            <a:endParaRPr lang="en-US" i="1" dirty="0"/>
+            <a:r>
+              <a:rPr lang="en-US" dirty="0"/>
+              <a:t>Using VotingClassifier we selected only the classifier with a score above 0,50 (We deleted the </a:t>
+            </a:r>
+            <a:r>
+              <a:rPr lang="en-US" dirty="0" err="1"/>
+              <a:t>AdaBoostClassifier</a:t>
+            </a:r>
+            <a:r>
+              <a:rPr lang="en-US" dirty="0"/>
+              <a:t>).</a:t>
+            </a:r>
+          </a:p>
+          <a:p>
+            <a:r>
+              <a:rPr lang="en-US" dirty="0"/>
+              <a:t> We tried both Hard and soft VotingClassifier. </a:t>
+            </a:r>
           </a:p>
         </p:txBody>
       </p:sp>
       <p:pic>
         <p:nvPicPr>
-          <p:cNvPr id="14" name="Image 13">
-            <a:extLst>
-              <a:ext uri="{FF2B5EF4-FFF2-40B4-BE49-F238E27FC236}">
-                <a16:creationId xmlns:a16="http://schemas.microsoft.com/office/drawing/2014/main" id="{A8A1B23C-B86B-473E-A093-D6BA8ECFDD1A}"/>
+          <p:cNvPr id="10" name="Image 9">
+            <a:extLst>
+              <a:ext uri="{FF2B5EF4-FFF2-40B4-BE49-F238E27FC236}">
+                <a16:creationId xmlns:a16="http://schemas.microsoft.com/office/drawing/2014/main" id="{A4A19D8E-877A-4714-81DC-EB14021CE44F}"/>
               </a:ext>
             </a:extLst>
           </p:cNvPr>
@@ -8486,8 +8685,8 @@
         </p:blipFill>
         <p:spPr>
           <a:xfrm>
-            <a:off x="2803296" y="4834870"/>
-            <a:ext cx="2673718" cy="1789666"/>
+            <a:off x="6790853" y="3794203"/>
+            <a:ext cx="4638795" cy="1112775"/>
           </a:xfrm>
           <a:prstGeom prst="rect">
             <a:avLst/>
@@ -8496,10 +8695,10 @@
       </p:pic>
       <p:pic>
         <p:nvPicPr>
-          <p:cNvPr id="16" name="Image 15">
-            <a:extLst>
-              <a:ext uri="{FF2B5EF4-FFF2-40B4-BE49-F238E27FC236}">
-                <a16:creationId xmlns:a16="http://schemas.microsoft.com/office/drawing/2014/main" id="{AC6506D4-23ED-48F9-82FE-476E8E6F3032}"/>
+          <p:cNvPr id="12" name="Image 11">
+            <a:extLst>
+              <a:ext uri="{FF2B5EF4-FFF2-40B4-BE49-F238E27FC236}">
+                <a16:creationId xmlns:a16="http://schemas.microsoft.com/office/drawing/2014/main" id="{8F6117DC-16B3-4D74-9625-EDE7EF2C24A7}"/>
               </a:ext>
             </a:extLst>
           </p:cNvPr>
@@ -8508,46 +8707,15 @@
           </p:cNvPicPr>
           <p:nvPr/>
         </p:nvPicPr>
-        <p:blipFill>
+        <p:blipFill rotWithShape="1">
           <a:blip r:embed="rId3"/>
-          <a:stretch>
-            <a:fillRect/>
-          </a:stretch>
+          <a:srcRect r="22503"/>
+          <a:stretch/>
         </p:blipFill>
         <p:spPr>
           <a:xfrm>
-            <a:off x="3912877" y="4174570"/>
-            <a:ext cx="3128274" cy="361949"/>
-          </a:xfrm>
-          <a:prstGeom prst="rect">
-            <a:avLst/>
-          </a:prstGeom>
-        </p:spPr>
-      </p:pic>
-      <p:pic>
-        <p:nvPicPr>
-          <p:cNvPr id="18" name="Image 17">
-            <a:extLst>
-              <a:ext uri="{FF2B5EF4-FFF2-40B4-BE49-F238E27FC236}">
-                <a16:creationId xmlns:a16="http://schemas.microsoft.com/office/drawing/2014/main" id="{EC7DE786-97DC-4DAD-A99B-317D9C43BBDC}"/>
-              </a:ext>
-            </a:extLst>
-          </p:cNvPr>
-          <p:cNvPicPr>
-            <a:picLocks noChangeAspect="1"/>
-          </p:cNvPicPr>
-          <p:nvPr/>
-        </p:nvPicPr>
-        <p:blipFill>
-          <a:blip r:embed="rId4"/>
-          <a:stretch>
-            <a:fillRect/>
-          </a:stretch>
-        </p:blipFill>
-        <p:spPr>
-          <a:xfrm>
-            <a:off x="5477014" y="3629166"/>
-            <a:ext cx="4245940" cy="361949"/>
+            <a:off x="838200" y="1772168"/>
+            <a:ext cx="4562949" cy="4511152"/>
           </a:xfrm>
           <a:prstGeom prst="rect">
             <a:avLst/>
@@ -8557,7 +8725,7 @@
     </p:spTree>
     <p:extLst>
       <p:ext uri="{BB962C8B-B14F-4D97-AF65-F5344CB8AC3E}">
-        <p14:creationId xmlns:p14="http://schemas.microsoft.com/office/powerpoint/2010/main" val="59488387"/>
+        <p14:creationId xmlns:p14="http://schemas.microsoft.com/office/powerpoint/2010/main" val="2029551732"/>
       </p:ext>
     </p:extLst>
   </p:cSld>
@@ -8776,9 +8944,32 @@
           <a:lstStyle/>
           <a:p>
             <a:r>
-              <a:rPr lang="fr-FR" dirty="0"/>
-              <a:t>V- Classification </a:t>
-            </a:r>
+              <a:rPr lang="fr-FR" sz="4400" dirty="0"/>
+              <a:t>V- Modeling </a:t>
+            </a:r>
+            <a:r>
+              <a:rPr lang="fr-FR" sz="4400" dirty="0" err="1"/>
+              <a:t>with</a:t>
+            </a:r>
+            <a:r>
+              <a:rPr lang="fr-FR" sz="4400" dirty="0"/>
+              <a:t> </a:t>
+            </a:r>
+            <a:r>
+              <a:rPr lang="fr-FR" sz="4400" dirty="0" err="1"/>
+              <a:t>reduced</a:t>
+            </a:r>
+            <a:r>
+              <a:rPr lang="fr-FR" sz="4400" dirty="0"/>
+              <a:t> </a:t>
+            </a:r>
+            <a:r>
+              <a:rPr lang="fr-FR" sz="4400" dirty="0" err="1"/>
+              <a:t>features</a:t>
+            </a:r>
+            <a:br>
+              <a:rPr lang="fr-FR" sz="4400" dirty="0"/>
+            </a:br>
             <a:r>
               <a:rPr lang="fr-FR" sz="3200" i="1" dirty="0"/>
               <a:t>(To go </a:t>
@@ -8846,9 +9037,32 @@
           <a:lstStyle/>
           <a:p>
             <a:r>
-              <a:rPr lang="fr-FR" dirty="0"/>
-              <a:t>IV- Classification </a:t>
-            </a:r>
+              <a:rPr lang="fr-FR" sz="4400" dirty="0"/>
+              <a:t>V- Modeling </a:t>
+            </a:r>
+            <a:r>
+              <a:rPr lang="fr-FR" sz="4400" dirty="0" err="1"/>
+              <a:t>with</a:t>
+            </a:r>
+            <a:r>
+              <a:rPr lang="fr-FR" sz="4400" dirty="0"/>
+              <a:t> </a:t>
+            </a:r>
+            <a:r>
+              <a:rPr lang="fr-FR" sz="4400" dirty="0" err="1"/>
+              <a:t>reduced</a:t>
+            </a:r>
+            <a:r>
+              <a:rPr lang="fr-FR" sz="4400" dirty="0"/>
+              <a:t> </a:t>
+            </a:r>
+            <a:r>
+              <a:rPr lang="fr-FR" sz="4400" dirty="0" err="1"/>
+              <a:t>features</a:t>
+            </a:r>
+            <a:br>
+              <a:rPr lang="fr-FR" sz="4400" dirty="0"/>
+            </a:br>
             <a:r>
               <a:rPr lang="fr-FR" sz="3200" i="1" dirty="0"/>
               <a:t>(</a:t>
@@ -8887,8 +9101,8 @@
         </p:blipFill>
         <p:spPr>
           <a:xfrm>
-            <a:off x="838200" y="2891017"/>
-            <a:ext cx="7343775" cy="2390775"/>
+            <a:off x="1272766" y="3181576"/>
+            <a:ext cx="6866299" cy="2235332"/>
           </a:xfrm>
           <a:prstGeom prst="rect">
             <a:avLst/>
@@ -8917,8 +9131,8 @@
         </p:blipFill>
         <p:spPr>
           <a:xfrm>
-            <a:off x="9455329" y="365125"/>
-            <a:ext cx="628964" cy="4725267"/>
+            <a:off x="10059081" y="1202257"/>
+            <a:ext cx="543013" cy="4079535"/>
           </a:xfrm>
           <a:prstGeom prst="rect">
             <a:avLst/>
@@ -8945,7 +9159,7 @@
         </p:nvSpPr>
         <p:spPr>
           <a:xfrm>
-            <a:off x="838200" y="1690688"/>
+            <a:off x="838200" y="1825804"/>
             <a:ext cx="4961298" cy="1200329"/>
           </a:xfrm>
           <a:prstGeom prst="rect">
@@ -9078,9 +9292,32 @@
           <a:lstStyle/>
           <a:p>
             <a:r>
-              <a:rPr lang="fr-FR" dirty="0"/>
-              <a:t>IV- Classification </a:t>
-            </a:r>
+              <a:rPr lang="fr-FR" sz="4400" dirty="0"/>
+              <a:t>V- Modeling </a:t>
+            </a:r>
+            <a:r>
+              <a:rPr lang="fr-FR" sz="4400" dirty="0" err="1"/>
+              <a:t>with</a:t>
+            </a:r>
+            <a:r>
+              <a:rPr lang="fr-FR" sz="4400" dirty="0"/>
+              <a:t> </a:t>
+            </a:r>
+            <a:r>
+              <a:rPr lang="fr-FR" sz="4400" dirty="0" err="1"/>
+              <a:t>reduced</a:t>
+            </a:r>
+            <a:r>
+              <a:rPr lang="fr-FR" sz="4400" dirty="0"/>
+              <a:t> </a:t>
+            </a:r>
+            <a:r>
+              <a:rPr lang="fr-FR" sz="4400" dirty="0" err="1"/>
+              <a:t>features</a:t>
+            </a:r>
+            <a:br>
+              <a:rPr lang="fr-FR" sz="4400" dirty="0"/>
+            </a:br>
             <a:r>
               <a:rPr lang="fr-FR" sz="3200" i="1" dirty="0"/>
               <a:t>(</a:t>
@@ -9103,10 +9340,10 @@
       </p:sp>
       <p:pic>
         <p:nvPicPr>
-          <p:cNvPr id="6" name="Image 5">
-            <a:extLst>
-              <a:ext uri="{FF2B5EF4-FFF2-40B4-BE49-F238E27FC236}">
-                <a16:creationId xmlns:a16="http://schemas.microsoft.com/office/drawing/2014/main" id="{6DFEDEE9-EEA3-407F-B4B9-642794FE2047}"/>
+          <p:cNvPr id="8" name="Image 7">
+            <a:extLst>
+              <a:ext uri="{FF2B5EF4-FFF2-40B4-BE49-F238E27FC236}">
+                <a16:creationId xmlns:a16="http://schemas.microsoft.com/office/drawing/2014/main" id="{13811389-A4AD-49F7-95FA-F4F71383C472}"/>
               </a:ext>
             </a:extLst>
           </p:cNvPr>
@@ -9123,26 +9360,20 @@
         </p:blipFill>
         <p:spPr>
           <a:xfrm>
-            <a:off x="9402654" y="365125"/>
-            <a:ext cx="628964" cy="4725267"/>
+            <a:off x="1508345" y="3199170"/>
+            <a:ext cx="6657429" cy="336509"/>
           </a:xfrm>
           <a:prstGeom prst="rect">
             <a:avLst/>
           </a:prstGeom>
-          <a:scene3d>
-            <a:camera prst="orthographicFront">
-              <a:rot lat="300000" lon="0" rev="0"/>
-            </a:camera>
-            <a:lightRig rig="threePt" dir="t"/>
-          </a:scene3d>
         </p:spPr>
       </p:pic>
       <p:pic>
         <p:nvPicPr>
-          <p:cNvPr id="8" name="Image 7">
-            <a:extLst>
-              <a:ext uri="{FF2B5EF4-FFF2-40B4-BE49-F238E27FC236}">
-                <a16:creationId xmlns:a16="http://schemas.microsoft.com/office/drawing/2014/main" id="{13811389-A4AD-49F7-95FA-F4F71383C472}"/>
+          <p:cNvPr id="10" name="Image 9">
+            <a:extLst>
+              <a:ext uri="{FF2B5EF4-FFF2-40B4-BE49-F238E27FC236}">
+                <a16:creationId xmlns:a16="http://schemas.microsoft.com/office/drawing/2014/main" id="{07A6AA4B-FC60-41C3-94F8-E4EEA99C4C21}"/>
               </a:ext>
             </a:extLst>
           </p:cNvPr>
@@ -9159,38 +9390,8 @@
         </p:blipFill>
         <p:spPr>
           <a:xfrm>
-            <a:off x="838200" y="2891017"/>
-            <a:ext cx="6972300" cy="352425"/>
-          </a:xfrm>
-          <a:prstGeom prst="rect">
-            <a:avLst/>
-          </a:prstGeom>
-        </p:spPr>
-      </p:pic>
-      <p:pic>
-        <p:nvPicPr>
-          <p:cNvPr id="10" name="Image 9">
-            <a:extLst>
-              <a:ext uri="{FF2B5EF4-FFF2-40B4-BE49-F238E27FC236}">
-                <a16:creationId xmlns:a16="http://schemas.microsoft.com/office/drawing/2014/main" id="{07A6AA4B-FC60-41C3-94F8-E4EEA99C4C21}"/>
-              </a:ext>
-            </a:extLst>
-          </p:cNvPr>
-          <p:cNvPicPr>
-            <a:picLocks noChangeAspect="1"/>
-          </p:cNvPicPr>
-          <p:nvPr/>
-        </p:nvPicPr>
-        <p:blipFill>
-          <a:blip r:embed="rId4"/>
-          <a:stretch>
-            <a:fillRect/>
-          </a:stretch>
-        </p:blipFill>
-        <p:spPr>
-          <a:xfrm>
-            <a:off x="1390650" y="3243442"/>
-            <a:ext cx="6419850" cy="2009775"/>
+            <a:off x="2082298" y="3551780"/>
+            <a:ext cx="6083476" cy="1730012"/>
           </a:xfrm>
           <a:prstGeom prst="rect">
             <a:avLst/>
@@ -9211,7 +9412,7 @@
         </p:nvSpPr>
         <p:spPr>
           <a:xfrm>
-            <a:off x="838200" y="1690688"/>
+            <a:off x="838200" y="1916087"/>
             <a:ext cx="4961298" cy="1200329"/>
           </a:xfrm>
           <a:prstGeom prst="rect">
@@ -9288,6 +9489,42 @@
           </a:p>
         </p:txBody>
       </p:sp>
+      <p:pic>
+        <p:nvPicPr>
+          <p:cNvPr id="13" name="Image 12">
+            <a:extLst>
+              <a:ext uri="{FF2B5EF4-FFF2-40B4-BE49-F238E27FC236}">
+                <a16:creationId xmlns:a16="http://schemas.microsoft.com/office/drawing/2014/main" id="{07D46A03-6B6C-415B-BF9F-FAC1F9A80E9A}"/>
+              </a:ext>
+            </a:extLst>
+          </p:cNvPr>
+          <p:cNvPicPr>
+            <a:picLocks noChangeAspect="1"/>
+          </p:cNvPicPr>
+          <p:nvPr/>
+        </p:nvPicPr>
+        <p:blipFill>
+          <a:blip r:embed="rId4"/>
+          <a:stretch>
+            <a:fillRect/>
+          </a:stretch>
+        </p:blipFill>
+        <p:spPr>
+          <a:xfrm>
+            <a:off x="10059081" y="1202257"/>
+            <a:ext cx="543013" cy="4079535"/>
+          </a:xfrm>
+          <a:prstGeom prst="rect">
+            <a:avLst/>
+          </a:prstGeom>
+          <a:scene3d>
+            <a:camera prst="orthographicFront">
+              <a:rot lat="300000" lon="0" rev="0"/>
+            </a:camera>
+            <a:lightRig rig="threePt" dir="t"/>
+          </a:scene3d>
+        </p:spPr>
+      </p:pic>
     </p:spTree>
     <p:extLst>
       <p:ext uri="{BB962C8B-B14F-4D97-AF65-F5344CB8AC3E}">
@@ -9345,9 +9582,32 @@
           <a:lstStyle/>
           <a:p>
             <a:r>
+              <a:rPr lang="fr-FR" sz="4000" dirty="0"/>
+              <a:t>V- Modeling </a:t>
+            </a:r>
+            <a:r>
+              <a:rPr lang="fr-FR" sz="4000" dirty="0" err="1"/>
+              <a:t>with</a:t>
+            </a:r>
+            <a:r>
+              <a:rPr lang="fr-FR" sz="4000" dirty="0"/>
+              <a:t> </a:t>
+            </a:r>
+            <a:r>
+              <a:rPr lang="fr-FR" sz="4000" dirty="0" err="1"/>
+              <a:t>reduced</a:t>
+            </a:r>
+            <a:r>
+              <a:rPr lang="fr-FR" sz="4000" dirty="0"/>
+              <a:t> </a:t>
+            </a:r>
+            <a:r>
+              <a:rPr lang="fr-FR" sz="4000" dirty="0" err="1"/>
+              <a:t>features</a:t>
+            </a:r>
+            <a:br>
               <a:rPr lang="fr-FR" dirty="0"/>
-              <a:t>IV- Classification </a:t>
-            </a:r>
+            </a:br>
             <a:r>
               <a:rPr lang="fr-FR" sz="3200" i="1" dirty="0"/>
               <a:t>(Drop of the </a:t>
@@ -9365,10 +9625,10 @@
       </p:sp>
       <p:sp>
         <p:nvSpPr>
-          <p:cNvPr id="5" name="ZoneTexte 4">
-            <a:extLst>
-              <a:ext uri="{FF2B5EF4-FFF2-40B4-BE49-F238E27FC236}">
-                <a16:creationId xmlns:a16="http://schemas.microsoft.com/office/drawing/2014/main" id="{D9832442-FF05-4347-B7E5-904CB4AC2C1B}"/>
+          <p:cNvPr id="17" name="ZoneTexte 16">
+            <a:extLst>
+              <a:ext uri="{FF2B5EF4-FFF2-40B4-BE49-F238E27FC236}">
+                <a16:creationId xmlns:a16="http://schemas.microsoft.com/office/drawing/2014/main" id="{0395F9C9-E47B-4BB8-A757-792358F81138}"/>
               </a:ext>
             </a:extLst>
           </p:cNvPr>
@@ -9377,7 +9637,7 @@
         </p:nvSpPr>
         <p:spPr>
           <a:xfrm>
-            <a:off x="838200" y="1690688"/>
+            <a:off x="908482" y="2324430"/>
             <a:ext cx="10445318" cy="1477328"/>
           </a:xfrm>
           <a:prstGeom prst="rect">
@@ -9415,10 +9675,10 @@
       </p:sp>
       <p:pic>
         <p:nvPicPr>
-          <p:cNvPr id="6" name="Image 5">
-            <a:extLst>
-              <a:ext uri="{FF2B5EF4-FFF2-40B4-BE49-F238E27FC236}">
-                <a16:creationId xmlns:a16="http://schemas.microsoft.com/office/drawing/2014/main" id="{CDDF68F3-FF09-4B25-A069-01452D6BB861}"/>
+          <p:cNvPr id="18" name="Image 17">
+            <a:extLst>
+              <a:ext uri="{FF2B5EF4-FFF2-40B4-BE49-F238E27FC236}">
+                <a16:creationId xmlns:a16="http://schemas.microsoft.com/office/drawing/2014/main" id="{DA978BF6-099B-44F8-B668-7F5BEB1B8117}"/>
               </a:ext>
             </a:extLst>
           </p:cNvPr>
@@ -9435,7 +9695,7 @@
         </p:blipFill>
         <p:spPr>
           <a:xfrm>
-            <a:off x="1390124" y="3208918"/>
+            <a:off x="1460406" y="3842660"/>
             <a:ext cx="9411752" cy="440164"/>
           </a:xfrm>
           <a:prstGeom prst="rect">
@@ -9443,45 +9703,6 @@
           </a:prstGeom>
         </p:spPr>
       </p:pic>
-      <p:sp>
-        <p:nvSpPr>
-          <p:cNvPr id="7" name="ZoneTexte 6">
-            <a:extLst>
-              <a:ext uri="{FF2B5EF4-FFF2-40B4-BE49-F238E27FC236}">
-                <a16:creationId xmlns:a16="http://schemas.microsoft.com/office/drawing/2014/main" id="{3C3DCBFA-F693-4355-8A01-F947E1C70D8F}"/>
-              </a:ext>
-            </a:extLst>
-          </p:cNvPr>
-          <p:cNvSpPr txBox="1"/>
-          <p:nvPr/>
-        </p:nvSpPr>
-        <p:spPr>
-          <a:xfrm>
-            <a:off x="838200" y="4170413"/>
-            <a:ext cx="10445318" cy="646331"/>
-          </a:xfrm>
-          <a:prstGeom prst="rect">
-            <a:avLst/>
-          </a:prstGeom>
-          <a:noFill/>
-        </p:spPr>
-        <p:txBody>
-          <a:bodyPr wrap="square" rtlCol="0">
-            <a:spAutoFit/>
-          </a:bodyPr>
-          <a:lstStyle/>
-          <a:p>
-            <a:pPr algn="just"/>
-            <a:r>
-              <a:rPr lang="en-US" i="1" dirty="0"/>
-              <a:t>Once we drop the columns from the training set we   </a:t>
-            </a:r>
-          </a:p>
-          <a:p>
-            <a:endParaRPr lang="en-US" dirty="0"/>
-          </a:p>
-        </p:txBody>
-      </p:sp>
     </p:spTree>
     <p:extLst>
       <p:ext uri="{BB962C8B-B14F-4D97-AF65-F5344CB8AC3E}">
@@ -9539,9 +9760,32 @@
           <a:lstStyle/>
           <a:p>
             <a:r>
-              <a:rPr lang="fr-FR" dirty="0"/>
-              <a:t>V- Classification </a:t>
-            </a:r>
+              <a:rPr lang="fr-FR" sz="4400" dirty="0"/>
+              <a:t>V- Modeling </a:t>
+            </a:r>
+            <a:r>
+              <a:rPr lang="fr-FR" sz="4400" dirty="0" err="1"/>
+              <a:t>with</a:t>
+            </a:r>
+            <a:r>
+              <a:rPr lang="fr-FR" sz="4400" dirty="0"/>
+              <a:t> </a:t>
+            </a:r>
+            <a:r>
+              <a:rPr lang="fr-FR" sz="4400" dirty="0" err="1"/>
+              <a:t>reduced</a:t>
+            </a:r>
+            <a:r>
+              <a:rPr lang="fr-FR" sz="4400" dirty="0"/>
+              <a:t> </a:t>
+            </a:r>
+            <a:r>
+              <a:rPr lang="fr-FR" sz="4400" dirty="0" err="1"/>
+              <a:t>features</a:t>
+            </a:r>
+            <a:br>
+              <a:rPr lang="fr-FR" sz="4400" dirty="0"/>
+            </a:br>
             <a:r>
               <a:rPr lang="fr-FR" sz="3200" i="1" dirty="0"/>
               <a:t>(</a:t>
@@ -10023,9 +10267,32 @@
               <a:buNone/>
             </a:pPr>
             <a:r>
-              <a:rPr lang="fr-FR" dirty="0"/>
-              <a:t>V- Classification </a:t>
-            </a:r>
+              <a:rPr lang="fr-FR" sz="4400" dirty="0"/>
+              <a:t>V- Modeling </a:t>
+            </a:r>
+            <a:r>
+              <a:rPr lang="fr-FR" sz="4400" dirty="0" err="1"/>
+              <a:t>with</a:t>
+            </a:r>
+            <a:r>
+              <a:rPr lang="fr-FR" sz="4400" dirty="0"/>
+              <a:t> </a:t>
+            </a:r>
+            <a:r>
+              <a:rPr lang="fr-FR" sz="4400" dirty="0" err="1"/>
+              <a:t>reduced</a:t>
+            </a:r>
+            <a:r>
+              <a:rPr lang="fr-FR" sz="4400" dirty="0"/>
+              <a:t> </a:t>
+            </a:r>
+            <a:r>
+              <a:rPr lang="fr-FR" sz="4400" dirty="0" err="1"/>
+              <a:t>features</a:t>
+            </a:r>
+            <a:br>
+              <a:rPr lang="fr-FR" sz="4400" dirty="0"/>
+            </a:br>
             <a:r>
               <a:rPr lang="fr-FR" sz="3200" i="1" dirty="0"/>
               <a:t>(</a:t>
@@ -10037,6 +10304,100 @@
             <a:r>
               <a:rPr lang="fr-FR" sz="3200" i="1" dirty="0"/>
               <a:t>) </a:t>
+            </a:r>
+          </a:p>
+        </p:txBody>
+      </p:sp>
+      <p:pic>
+        <p:nvPicPr>
+          <p:cNvPr id="4" name="Image 3">
+            <a:extLst>
+              <a:ext uri="{FF2B5EF4-FFF2-40B4-BE49-F238E27FC236}">
+                <a16:creationId xmlns:a16="http://schemas.microsoft.com/office/drawing/2014/main" id="{964FEF4A-555F-4FC2-9946-0B41854424BF}"/>
+              </a:ext>
+            </a:extLst>
+          </p:cNvPr>
+          <p:cNvPicPr>
+            <a:picLocks noChangeAspect="1"/>
+          </p:cNvPicPr>
+          <p:nvPr/>
+        </p:nvPicPr>
+        <p:blipFill rotWithShape="1">
+          <a:blip r:embed="rId2"/>
+          <a:srcRect r="13175"/>
+          <a:stretch/>
+        </p:blipFill>
+        <p:spPr>
+          <a:xfrm>
+            <a:off x="838199" y="1855960"/>
+            <a:ext cx="6277825" cy="1405926"/>
+          </a:xfrm>
+          <a:prstGeom prst="rect">
+            <a:avLst/>
+          </a:prstGeom>
+        </p:spPr>
+      </p:pic>
+      <p:pic>
+        <p:nvPicPr>
+          <p:cNvPr id="6" name="Image 5">
+            <a:extLst>
+              <a:ext uri="{FF2B5EF4-FFF2-40B4-BE49-F238E27FC236}">
+                <a16:creationId xmlns:a16="http://schemas.microsoft.com/office/drawing/2014/main" id="{BBCB48D8-1434-400F-AE8B-56A9A4FED41A}"/>
+              </a:ext>
+            </a:extLst>
+          </p:cNvPr>
+          <p:cNvPicPr>
+            <a:picLocks noChangeAspect="1"/>
+          </p:cNvPicPr>
+          <p:nvPr/>
+        </p:nvPicPr>
+        <p:blipFill>
+          <a:blip r:embed="rId3"/>
+          <a:stretch>
+            <a:fillRect/>
+          </a:stretch>
+        </p:blipFill>
+        <p:spPr>
+          <a:xfrm>
+            <a:off x="838200" y="3429000"/>
+            <a:ext cx="6277824" cy="1546170"/>
+          </a:xfrm>
+          <a:prstGeom prst="rect">
+            <a:avLst/>
+          </a:prstGeom>
+        </p:spPr>
+      </p:pic>
+      <p:sp>
+        <p:nvSpPr>
+          <p:cNvPr id="7" name="ZoneTexte 6">
+            <a:extLst>
+              <a:ext uri="{FF2B5EF4-FFF2-40B4-BE49-F238E27FC236}">
+                <a16:creationId xmlns:a16="http://schemas.microsoft.com/office/drawing/2014/main" id="{4490C7E3-A54F-439C-84A6-3C5F9A99ABFD}"/>
+              </a:ext>
+            </a:extLst>
+          </p:cNvPr>
+          <p:cNvSpPr txBox="1"/>
+          <p:nvPr/>
+        </p:nvSpPr>
+        <p:spPr>
+          <a:xfrm>
+            <a:off x="740875" y="5423024"/>
+            <a:ext cx="10710250" cy="646331"/>
+          </a:xfrm>
+          <a:prstGeom prst="rect">
+            <a:avLst/>
+          </a:prstGeom>
+          <a:noFill/>
+        </p:spPr>
+        <p:txBody>
+          <a:bodyPr wrap="square" rtlCol="0">
+            <a:spAutoFit/>
+          </a:bodyPr>
+          <a:lstStyle/>
+          <a:p>
+            <a:r>
+              <a:rPr lang="en-US" dirty="0"/>
+              <a:t>We can see that the reduced models (with only significant features) have globally a higher accuracy than the models with all features. </a:t>
             </a:r>
           </a:p>
         </p:txBody>
@@ -10076,7 +10437,7 @@
           <p:cNvPr id="2" name="Titre 1">
             <a:extLst>
               <a:ext uri="{FF2B5EF4-FFF2-40B4-BE49-F238E27FC236}">
-                <a16:creationId xmlns:a16="http://schemas.microsoft.com/office/drawing/2014/main" id="{BBA226AB-E5AF-4755-8BF1-C230E7297151}"/>
+                <a16:creationId xmlns:a16="http://schemas.microsoft.com/office/drawing/2014/main" id="{4BCAA153-5DDD-4524-990D-5E1F0763AD49}"/>
               </a:ext>
             </a:extLst>
           </p:cNvPr>
@@ -10092,162 +10453,47 @@
           <a:bodyPr/>
           <a:lstStyle/>
           <a:p>
-            <a:pPr marL="0" indent="0">
-              <a:buNone/>
-            </a:pPr>
-            <a:r>
-              <a:rPr lang="fr-FR" dirty="0"/>
-              <a:t>VI- Conclusion</a:t>
-            </a:r>
-            <a:endParaRPr lang="fr-FR" sz="3200" i="1" dirty="0"/>
+            <a:r>
+              <a:rPr lang="en-US" dirty="0"/>
+              <a:t>VI- How to use our FLASK application ?</a:t>
+            </a:r>
           </a:p>
         </p:txBody>
       </p:sp>
       <p:sp>
         <p:nvSpPr>
-          <p:cNvPr id="3" name="ZoneTexte 2">
-            <a:extLst>
-              <a:ext uri="{FF2B5EF4-FFF2-40B4-BE49-F238E27FC236}">
-                <a16:creationId xmlns:a16="http://schemas.microsoft.com/office/drawing/2014/main" id="{076E610F-C23C-4CB2-BA8A-71754ACB9D93}"/>
-              </a:ext>
-            </a:extLst>
-          </p:cNvPr>
-          <p:cNvSpPr txBox="1"/>
-          <p:nvPr/>
+          <p:cNvPr id="3" name="Espace réservé du contenu 2">
+            <a:extLst>
+              <a:ext uri="{FF2B5EF4-FFF2-40B4-BE49-F238E27FC236}">
+                <a16:creationId xmlns:a16="http://schemas.microsoft.com/office/drawing/2014/main" id="{DADED208-C2B0-4E82-A2A5-8A7DEE05C1A1}"/>
+              </a:ext>
+            </a:extLst>
+          </p:cNvPr>
+          <p:cNvSpPr>
+            <a:spLocks noGrp="1"/>
+          </p:cNvSpPr>
+          <p:nvPr>
+            <p:ph idx="1"/>
+          </p:nvPr>
         </p:nvSpPr>
         <p:spPr>
           <a:xfrm>
-            <a:off x="950614" y="2082297"/>
-            <a:ext cx="10909426" cy="2585323"/>
+            <a:off x="838200" y="1825625"/>
+            <a:ext cx="10515600" cy="1225393"/>
           </a:xfrm>
-          <a:prstGeom prst="rect">
-            <a:avLst/>
-          </a:prstGeom>
-          <a:noFill/>
         </p:spPr>
         <p:txBody>
-          <a:bodyPr wrap="square" rtlCol="0">
-            <a:spAutoFit/>
-          </a:bodyPr>
+          <a:bodyPr/>
           <a:lstStyle/>
           <a:p>
-            <a:r>
-              <a:rPr lang="en-US" b="1" dirty="0"/>
-              <a:t>Our objective: </a:t>
-            </a:r>
-            <a:r>
-              <a:rPr lang="en-US" dirty="0"/>
-              <a:t>get a Classifier  with at least an </a:t>
-            </a:r>
-            <a:r>
-              <a:rPr lang="en-US" b="1" dirty="0"/>
-              <a:t>accuracy of 90%. </a:t>
-            </a:r>
-          </a:p>
-          <a:p>
-            <a:endParaRPr lang="en-US" b="1" dirty="0"/>
-          </a:p>
-          <a:p>
-            <a:r>
-              <a:rPr lang="en-US" b="1" dirty="0"/>
-              <a:t>Our result: </a:t>
-            </a:r>
-            <a:r>
-              <a:rPr lang="en-US" dirty="0"/>
-              <a:t>Classifier with an </a:t>
-            </a:r>
-            <a:r>
-              <a:rPr lang="en-US" b="1" dirty="0"/>
-              <a:t>accuracy of 97%. </a:t>
-            </a:r>
-          </a:p>
-          <a:p>
             <a:endParaRPr lang="en-US" dirty="0"/>
-          </a:p>
-          <a:p>
-            <a:r>
-              <a:rPr lang="en-US" dirty="0"/>
-              <a:t>We obtain our a </a:t>
-            </a:r>
-            <a:r>
-              <a:rPr lang="en-US" dirty="0" err="1"/>
-              <a:t>SoftVotingClassifier</a:t>
-            </a:r>
-            <a:r>
-              <a:rPr lang="en-US" dirty="0"/>
-              <a:t> </a:t>
-            </a:r>
-          </a:p>
-          <a:p>
-            <a:pPr marL="742950" lvl="1" indent="-285750">
-              <a:buFont typeface="Arial" panose="020B0604020202020204" pitchFamily="34" charset="0"/>
-              <a:buChar char="•"/>
-            </a:pPr>
-            <a:r>
-              <a:rPr lang="en-US" dirty="0"/>
-              <a:t>using the </a:t>
-            </a:r>
-            <a:r>
-              <a:rPr lang="en-US" dirty="0" err="1"/>
-              <a:t>the</a:t>
-            </a:r>
-            <a:r>
-              <a:rPr lang="en-US" dirty="0"/>
-              <a:t> following classifier : </a:t>
-            </a:r>
-            <a:r>
-              <a:rPr lang="en-US" dirty="0" err="1"/>
-              <a:t>Bagging,RandomForest</a:t>
-            </a:r>
-            <a:r>
-              <a:rPr lang="en-US" dirty="0"/>
-              <a:t>,</a:t>
-            </a:r>
-            <a:r>
-              <a:rPr lang="es-ES" dirty="0" err="1"/>
-              <a:t>GradientBoosting,HistGradientBoosting</a:t>
-            </a:r>
-            <a:r>
-              <a:rPr lang="es-ES" dirty="0"/>
-              <a:t>,</a:t>
-            </a:r>
-            <a:r>
-              <a:rPr lang="en-US" dirty="0"/>
-              <a:t> K-</a:t>
-            </a:r>
-            <a:r>
-              <a:rPr lang="en-US" dirty="0" err="1"/>
-              <a:t>Neighbors,SVC</a:t>
-            </a:r>
-            <a:r>
-              <a:rPr lang="en-US" dirty="0"/>
-              <a:t>. </a:t>
-            </a:r>
-            <a:endParaRPr lang="es-ES" dirty="0"/>
-          </a:p>
-          <a:p>
-            <a:pPr marL="285750" indent="-285750">
-              <a:buFont typeface="Arial" panose="020B0604020202020204" pitchFamily="34" charset="0"/>
-              <a:buChar char="•"/>
-            </a:pPr>
-            <a:endParaRPr lang="en-US" dirty="0"/>
-          </a:p>
-          <a:p>
-            <a:pPr marL="742950" lvl="1" indent="-285750">
-              <a:buFont typeface="Arial" panose="020B0604020202020204" pitchFamily="34" charset="0"/>
-              <a:buChar char="•"/>
-            </a:pPr>
-            <a:r>
-              <a:rPr lang="en-US" dirty="0"/>
-              <a:t>Using all of our features. </a:t>
-            </a:r>
           </a:p>
         </p:txBody>
       </p:sp>
     </p:spTree>
     <p:extLst>
       <p:ext uri="{BB962C8B-B14F-4D97-AF65-F5344CB8AC3E}">
-        <p14:creationId xmlns:p14="http://schemas.microsoft.com/office/powerpoint/2010/main" val="3578082188"/>
+        <p14:creationId xmlns:p14="http://schemas.microsoft.com/office/powerpoint/2010/main" val="3319265952"/>
       </p:ext>
     </p:extLst>
   </p:cSld>
@@ -10279,7 +10525,7 @@
           <p:cNvPr id="2" name="Titre 1">
             <a:extLst>
               <a:ext uri="{FF2B5EF4-FFF2-40B4-BE49-F238E27FC236}">
-                <a16:creationId xmlns:a16="http://schemas.microsoft.com/office/drawing/2014/main" id="{38A94006-4AFD-4F2A-8379-1EDCCD0C248E}"/>
+                <a16:creationId xmlns:a16="http://schemas.microsoft.com/office/drawing/2014/main" id="{BBA226AB-E5AF-4755-8BF1-C230E7297151}"/>
               </a:ext>
             </a:extLst>
           </p:cNvPr>
@@ -10295,160 +10541,150 @@
           <a:bodyPr/>
           <a:lstStyle/>
           <a:p>
+            <a:pPr marL="0" indent="0">
+              <a:buNone/>
+            </a:pPr>
             <a:r>
               <a:rPr lang="fr-FR" dirty="0"/>
-              <a:t>VII- If </a:t>
-            </a:r>
-            <a:r>
-              <a:rPr lang="fr-FR" dirty="0" err="1"/>
-              <a:t>we</a:t>
-            </a:r>
-            <a:r>
-              <a:rPr lang="fr-FR" dirty="0"/>
-              <a:t> </a:t>
-            </a:r>
-            <a:r>
-              <a:rPr lang="fr-FR" dirty="0" err="1"/>
-              <a:t>had</a:t>
-            </a:r>
-            <a:r>
-              <a:rPr lang="fr-FR" dirty="0"/>
-              <a:t> to start the Project </a:t>
-            </a:r>
-            <a:r>
-              <a:rPr lang="fr-FR" dirty="0" err="1"/>
-              <a:t>again</a:t>
-            </a:r>
-            <a:r>
-              <a:rPr lang="fr-FR" dirty="0"/>
-              <a:t> ! </a:t>
-            </a:r>
-            <a:endParaRPr lang="en-US" dirty="0"/>
+              <a:t>VI- Conclusion</a:t>
+            </a:r>
+            <a:endParaRPr lang="fr-FR" sz="3200" i="1" dirty="0"/>
           </a:p>
         </p:txBody>
       </p:sp>
       <p:sp>
         <p:nvSpPr>
-          <p:cNvPr id="3" name="Espace réservé du contenu 2">
-            <a:extLst>
-              <a:ext uri="{FF2B5EF4-FFF2-40B4-BE49-F238E27FC236}">
-                <a16:creationId xmlns:a16="http://schemas.microsoft.com/office/drawing/2014/main" id="{0BACE578-F713-4A52-B02F-4A6029D7EC30}"/>
-              </a:ext>
-            </a:extLst>
-          </p:cNvPr>
-          <p:cNvSpPr>
-            <a:spLocks noGrp="1"/>
-          </p:cNvSpPr>
-          <p:nvPr>
-            <p:ph idx="1"/>
-          </p:nvPr>
+          <p:cNvPr id="3" name="ZoneTexte 2">
+            <a:extLst>
+              <a:ext uri="{FF2B5EF4-FFF2-40B4-BE49-F238E27FC236}">
+                <a16:creationId xmlns:a16="http://schemas.microsoft.com/office/drawing/2014/main" id="{076E610F-C23C-4CB2-BA8A-71754ACB9D93}"/>
+              </a:ext>
+            </a:extLst>
+          </p:cNvPr>
+          <p:cNvSpPr txBox="1"/>
+          <p:nvPr/>
         </p:nvSpPr>
-        <p:spPr/>
+        <p:spPr>
+          <a:xfrm>
+            <a:off x="950614" y="2082297"/>
+            <a:ext cx="10909426" cy="2585323"/>
+          </a:xfrm>
+          <a:prstGeom prst="rect">
+            <a:avLst/>
+          </a:prstGeom>
+          <a:noFill/>
+        </p:spPr>
         <p:txBody>
-          <a:bodyPr>
-            <a:normAutofit fontScale="92500" lnSpcReduction="20000"/>
+          <a:bodyPr wrap="square" rtlCol="0">
+            <a:spAutoFit/>
           </a:bodyPr>
           <a:lstStyle/>
           <a:p>
-            <a:pPr marL="0" indent="0">
-              <a:buNone/>
+            <a:r>
+              <a:rPr lang="en-US" b="1" dirty="0"/>
+              <a:t>Our objective: </a:t>
+            </a:r>
+            <a:r>
+              <a:rPr lang="en-US" dirty="0"/>
+              <a:t>get a Classifier  with at least an </a:t>
+            </a:r>
+            <a:r>
+              <a:rPr lang="en-US" b="1" dirty="0"/>
+              <a:t>accuracy of 90%. </a:t>
+            </a:r>
+          </a:p>
+          <a:p>
+            <a:endParaRPr lang="en-US" b="1" dirty="0"/>
+          </a:p>
+          <a:p>
+            <a:r>
+              <a:rPr lang="en-US" b="1" dirty="0"/>
+              <a:t>Our result: </a:t>
+            </a:r>
+            <a:r>
+              <a:rPr lang="en-US" dirty="0"/>
+              <a:t>Classifier with an </a:t>
+            </a:r>
+            <a:r>
+              <a:rPr lang="en-US" b="1" dirty="0"/>
+              <a:t>accuracy of 97%. </a:t>
+            </a:r>
+          </a:p>
+          <a:p>
+            <a:endParaRPr lang="en-US" dirty="0"/>
+          </a:p>
+          <a:p>
+            <a:r>
+              <a:rPr lang="en-US" dirty="0"/>
+              <a:t>We obtain our a </a:t>
+            </a:r>
+            <a:r>
+              <a:rPr lang="en-US" b="1" dirty="0" err="1"/>
+              <a:t>SoftVotingClassifier</a:t>
+            </a:r>
+            <a:r>
+              <a:rPr lang="en-US" dirty="0"/>
+              <a:t> </a:t>
+            </a:r>
+          </a:p>
+          <a:p>
+            <a:pPr marL="742950" lvl="1" indent="-285750">
+              <a:buFont typeface="Arial" panose="020B0604020202020204" pitchFamily="34" charset="0"/>
+              <a:buChar char="•"/>
             </a:pPr>
             <a:r>
-              <a:rPr lang="en-US" b="1" dirty="0"/>
-              <a:t>What we did Well ? </a:t>
-            </a:r>
-          </a:p>
-          <a:p>
-            <a:pPr marL="0" indent="0">
-              <a:buNone/>
-            </a:pPr>
-            <a:r>
               <a:rPr lang="en-US" dirty="0"/>
-              <a:t>Clean of data </a:t>
-            </a:r>
-          </a:p>
-          <a:p>
-            <a:pPr marL="0" indent="0">
-              <a:buNone/>
-            </a:pPr>
+              <a:t>using the </a:t>
+            </a:r>
+            <a:r>
+              <a:rPr lang="en-US" dirty="0" err="1"/>
+              <a:t>the</a:t>
+            </a:r>
             <a:r>
               <a:rPr lang="en-US" dirty="0"/>
-              <a:t>Flask. </a:t>
-            </a:r>
-          </a:p>
-          <a:p>
-            <a:pPr marL="0" indent="0">
-              <a:buNone/>
+              <a:t> following classifier : Bagging, </a:t>
+            </a:r>
+            <a:r>
+              <a:rPr lang="en-US" dirty="0" err="1"/>
+              <a:t>RandomForest</a:t>
+            </a:r>
+            <a:r>
+              <a:rPr lang="en-US" dirty="0"/>
+              <a:t>, </a:t>
+            </a:r>
+            <a:r>
+              <a:rPr lang="es-ES" dirty="0" err="1"/>
+              <a:t>GradientBoosting</a:t>
+            </a:r>
+            <a:r>
+              <a:rPr lang="es-ES" dirty="0"/>
+              <a:t>, </a:t>
+            </a:r>
+            <a:r>
+              <a:rPr lang="es-ES" dirty="0" err="1"/>
+              <a:t>HistGradientBoosting</a:t>
+            </a:r>
+            <a:r>
+              <a:rPr lang="en-US" dirty="0"/>
+              <a:t>, SVC (optimize with Grid-search) </a:t>
+            </a:r>
+            <a:endParaRPr lang="es-ES" dirty="0"/>
+          </a:p>
+          <a:p>
+            <a:pPr marL="285750" indent="-285750">
+              <a:buFont typeface="Arial" panose="020B0604020202020204" pitchFamily="34" charset="0"/>
+              <a:buChar char="•"/>
             </a:pPr>
             <a:endParaRPr lang="en-US" dirty="0"/>
           </a:p>
           <a:p>
-            <a:pPr marL="0" indent="0">
-              <a:buNone/>
+            <a:pPr marL="742950" lvl="1" indent="-285750">
+              <a:buFont typeface="Arial" panose="020B0604020202020204" pitchFamily="34" charset="0"/>
+              <a:buChar char="•"/>
             </a:pPr>
-            <a:endParaRPr lang="en-US" dirty="0"/>
-          </a:p>
-          <a:p>
-            <a:pPr marL="0" indent="0">
-              <a:buNone/>
-            </a:pPr>
-            <a:r>
-              <a:rPr lang="en-US" b="1" dirty="0"/>
-              <a:t>How to proceeded to find a model with a good accuracy ?</a:t>
-            </a:r>
-          </a:p>
-          <a:p>
-            <a:pPr marL="0" indent="0">
-              <a:buNone/>
-            </a:pPr>
             <a:r>
               <a:rPr lang="en-US" dirty="0"/>
-              <a:t>For a list of features:  </a:t>
-            </a:r>
-          </a:p>
-          <a:p>
-            <a:pPr marL="457200" lvl="1" indent="0">
-              <a:buNone/>
-            </a:pPr>
-            <a:r>
-              <a:rPr lang="en-US" dirty="0"/>
-              <a:t>Select a list of classifier. </a:t>
-            </a:r>
-          </a:p>
-          <a:p>
-            <a:pPr marL="457200" lvl="1" indent="0">
-              <a:buNone/>
-            </a:pPr>
-            <a:r>
-              <a:rPr lang="en-US" dirty="0"/>
-              <a:t>For each classifier :</a:t>
-            </a:r>
-          </a:p>
-          <a:p>
-            <a:pPr marL="914400" lvl="2" indent="0">
-              <a:buNone/>
-            </a:pPr>
-            <a:r>
-              <a:rPr lang="en-US" dirty="0"/>
-              <a:t>applied a grid Search to find the best parameters and create new optimize classifier.</a:t>
-            </a:r>
-          </a:p>
-          <a:p>
-            <a:pPr marL="914400" lvl="2" indent="0">
-              <a:buNone/>
-            </a:pPr>
-            <a:r>
-              <a:rPr lang="en-US" dirty="0"/>
-              <a:t>Keep only optimize classifier having an accuracy above 50%.   </a:t>
-            </a:r>
-          </a:p>
-          <a:p>
-            <a:pPr marL="457200" lvl="1" indent="0">
-              <a:buNone/>
-            </a:pPr>
-            <a:r>
-              <a:rPr lang="en-US" dirty="0"/>
-              <a:t>Proceed to a Voting Classifier. </a:t>
+              <a:t>Using the features :</a:t>
             </a:r>
           </a:p>
         </p:txBody>
@@ -10456,7 +10692,7 @@
     </p:spTree>
     <p:extLst>
       <p:ext uri="{BB962C8B-B14F-4D97-AF65-F5344CB8AC3E}">
-        <p14:creationId xmlns:p14="http://schemas.microsoft.com/office/powerpoint/2010/main" val="3844907166"/>
+        <p14:creationId xmlns:p14="http://schemas.microsoft.com/office/powerpoint/2010/main" val="3578082188"/>
       </p:ext>
     </p:extLst>
   </p:cSld>
@@ -10820,6 +11056,251 @@
     <p:extLst>
       <p:ext uri="{BB962C8B-B14F-4D97-AF65-F5344CB8AC3E}">
         <p14:creationId xmlns:p14="http://schemas.microsoft.com/office/powerpoint/2010/main" val="1327574151"/>
+      </p:ext>
+    </p:extLst>
+  </p:cSld>
+  <p:clrMapOvr>
+    <a:masterClrMapping/>
+  </p:clrMapOvr>
+</p:sld>
+</file>
+
+<file path=ppt/slides/slide30.xml><?xml version="1.0" encoding="utf-8"?>
+<p:sld xmlns:a="http://schemas.openxmlformats.org/drawingml/2006/main" xmlns:r="http://schemas.openxmlformats.org/officeDocument/2006/relationships" xmlns:p="http://schemas.openxmlformats.org/presentationml/2006/main">
+  <p:cSld>
+    <p:spTree>
+      <p:nvGrpSpPr>
+        <p:cNvPr id="1" name=""/>
+        <p:cNvGrpSpPr/>
+        <p:nvPr/>
+      </p:nvGrpSpPr>
+      <p:grpSpPr>
+        <a:xfrm>
+          <a:off x="0" y="0"/>
+          <a:ext cx="0" cy="0"/>
+          <a:chOff x="0" y="0"/>
+          <a:chExt cx="0" cy="0"/>
+        </a:xfrm>
+      </p:grpSpPr>
+      <p:sp>
+        <p:nvSpPr>
+          <p:cNvPr id="2" name="Titre 1">
+            <a:extLst>
+              <a:ext uri="{FF2B5EF4-FFF2-40B4-BE49-F238E27FC236}">
+                <a16:creationId xmlns:a16="http://schemas.microsoft.com/office/drawing/2014/main" id="{38A94006-4AFD-4F2A-8379-1EDCCD0C248E}"/>
+              </a:ext>
+            </a:extLst>
+          </p:cNvPr>
+          <p:cNvSpPr>
+            <a:spLocks noGrp="1"/>
+          </p:cNvSpPr>
+          <p:nvPr>
+            <p:ph type="title"/>
+          </p:nvPr>
+        </p:nvSpPr>
+        <p:spPr/>
+        <p:txBody>
+          <a:bodyPr/>
+          <a:lstStyle/>
+          <a:p>
+            <a:r>
+              <a:rPr lang="fr-FR" dirty="0"/>
+              <a:t>VI- Conclusion</a:t>
+            </a:r>
+            <a:br>
+              <a:rPr lang="fr-FR" dirty="0"/>
+            </a:br>
+            <a:r>
+              <a:rPr lang="fr-FR" sz="3200" i="1" dirty="0"/>
+              <a:t>(If </a:t>
+            </a:r>
+            <a:r>
+              <a:rPr lang="fr-FR" sz="3200" i="1" dirty="0" err="1"/>
+              <a:t>we</a:t>
+            </a:r>
+            <a:r>
+              <a:rPr lang="fr-FR" sz="3200" i="1" dirty="0"/>
+              <a:t> </a:t>
+            </a:r>
+            <a:r>
+              <a:rPr lang="fr-FR" sz="3200" i="1" dirty="0" err="1"/>
+              <a:t>had</a:t>
+            </a:r>
+            <a:r>
+              <a:rPr lang="fr-FR" sz="3200" i="1" dirty="0"/>
+              <a:t> to start the Project </a:t>
+            </a:r>
+            <a:r>
+              <a:rPr lang="fr-FR" sz="3200" i="1" dirty="0" err="1"/>
+              <a:t>again</a:t>
+            </a:r>
+            <a:r>
+              <a:rPr lang="fr-FR" sz="3200" i="1" dirty="0"/>
+              <a:t> ) </a:t>
+            </a:r>
+            <a:endParaRPr lang="en-US" sz="3200" i="1" dirty="0"/>
+          </a:p>
+        </p:txBody>
+      </p:sp>
+      <p:sp>
+        <p:nvSpPr>
+          <p:cNvPr id="3" name="Espace réservé du contenu 2">
+            <a:extLst>
+              <a:ext uri="{FF2B5EF4-FFF2-40B4-BE49-F238E27FC236}">
+                <a16:creationId xmlns:a16="http://schemas.microsoft.com/office/drawing/2014/main" id="{0BACE578-F713-4A52-B02F-4A6029D7EC30}"/>
+              </a:ext>
+            </a:extLst>
+          </p:cNvPr>
+          <p:cNvSpPr>
+            <a:spLocks noGrp="1"/>
+          </p:cNvSpPr>
+          <p:nvPr>
+            <p:ph idx="1"/>
+          </p:nvPr>
+        </p:nvSpPr>
+        <p:spPr/>
+        <p:txBody>
+          <a:bodyPr>
+            <a:normAutofit fontScale="70000" lnSpcReduction="20000"/>
+          </a:bodyPr>
+          <a:lstStyle/>
+          <a:p>
+            <a:pPr marL="0" indent="0">
+              <a:buNone/>
+            </a:pPr>
+            <a:r>
+              <a:rPr lang="en-US" b="1" dirty="0"/>
+              <a:t>What we did Well ? </a:t>
+            </a:r>
+          </a:p>
+          <a:p>
+            <a:pPr marL="0" indent="0">
+              <a:buNone/>
+            </a:pPr>
+            <a:r>
+              <a:rPr lang="en-US" dirty="0"/>
+              <a:t>The Analysis of the dataset. </a:t>
+            </a:r>
+          </a:p>
+          <a:p>
+            <a:pPr marL="0" indent="0">
+              <a:buNone/>
+            </a:pPr>
+            <a:r>
+              <a:rPr lang="en-US" dirty="0"/>
+              <a:t>Realization of a flask App (using few html)</a:t>
+            </a:r>
+          </a:p>
+          <a:p>
+            <a:pPr marL="0" indent="0">
+              <a:buNone/>
+            </a:pPr>
+            <a:r>
+              <a:rPr lang="en-US" dirty="0"/>
+              <a:t>Our collaboration (use of </a:t>
+            </a:r>
+            <a:r>
+              <a:rPr lang="en-US" dirty="0" err="1"/>
+              <a:t>github</a:t>
+            </a:r>
+            <a:r>
+              <a:rPr lang="en-US" dirty="0"/>
+              <a:t>, division of tasks)</a:t>
+            </a:r>
+          </a:p>
+          <a:p>
+            <a:pPr marL="0" indent="0">
+              <a:buNone/>
+            </a:pPr>
+            <a:r>
+              <a:rPr lang="en-US" dirty="0"/>
+              <a:t>Selection of the most significant features to improve our models.  </a:t>
+            </a:r>
+          </a:p>
+          <a:p>
+            <a:pPr marL="0" indent="0">
+              <a:buNone/>
+            </a:pPr>
+            <a:endParaRPr lang="en-US" dirty="0"/>
+          </a:p>
+          <a:p>
+            <a:pPr marL="0" indent="0">
+              <a:buNone/>
+            </a:pPr>
+            <a:r>
+              <a:rPr lang="en-US" b="1" dirty="0"/>
+              <a:t>How to proceeded to find a model with a good accuracy ?</a:t>
+            </a:r>
+          </a:p>
+          <a:p>
+            <a:pPr marL="0" indent="0">
+              <a:buNone/>
+            </a:pPr>
+            <a:r>
+              <a:rPr lang="en-US" b="1" dirty="0"/>
+              <a:t>Or what we should have done if we didn’t found conclusive first results.  </a:t>
+            </a:r>
+          </a:p>
+          <a:p>
+            <a:pPr marL="0" indent="0">
+              <a:buNone/>
+            </a:pPr>
+            <a:r>
+              <a:rPr lang="en-US" dirty="0"/>
+              <a:t>For a list of features:  </a:t>
+            </a:r>
+          </a:p>
+          <a:p>
+            <a:pPr marL="457200" lvl="1" indent="0">
+              <a:buNone/>
+            </a:pPr>
+            <a:r>
+              <a:rPr lang="en-US" dirty="0"/>
+              <a:t>Select a list of classifier. </a:t>
+            </a:r>
+          </a:p>
+          <a:p>
+            <a:pPr marL="457200" lvl="1" indent="0">
+              <a:buNone/>
+            </a:pPr>
+            <a:r>
+              <a:rPr lang="en-US" dirty="0"/>
+              <a:t>For each classifier :</a:t>
+            </a:r>
+          </a:p>
+          <a:p>
+            <a:pPr marL="914400" lvl="2" indent="0">
+              <a:buNone/>
+            </a:pPr>
+            <a:r>
+              <a:rPr lang="en-US" dirty="0"/>
+              <a:t>applied a grid Search to find the best parameters and create new optimize classifier.</a:t>
+            </a:r>
+          </a:p>
+          <a:p>
+            <a:pPr marL="914400" lvl="2" indent="0">
+              <a:buNone/>
+            </a:pPr>
+            <a:r>
+              <a:rPr lang="en-US" dirty="0"/>
+              <a:t>Keep only optimize classifier having an accuracy above 50%.   </a:t>
+            </a:r>
+          </a:p>
+          <a:p>
+            <a:pPr marL="457200" lvl="1" indent="0">
+              <a:buNone/>
+            </a:pPr>
+            <a:r>
+              <a:rPr lang="en-US" dirty="0"/>
+              <a:t>Proceed to a Voting Classifier. </a:t>
+            </a:r>
+          </a:p>
+        </p:txBody>
+      </p:sp>
+    </p:spTree>
+    <p:extLst>
+      <p:ext uri="{BB962C8B-B14F-4D97-AF65-F5344CB8AC3E}">
+        <p14:creationId xmlns:p14="http://schemas.microsoft.com/office/powerpoint/2010/main" val="3844907166"/>
       </p:ext>
     </p:extLst>
   </p:cSld>
@@ -12000,7 +12481,7 @@
         <p:spPr>
           <a:xfrm>
             <a:off x="583950" y="2192956"/>
-            <a:ext cx="3476531" cy="2308324"/>
+            <a:ext cx="3476531" cy="3770263"/>
           </a:xfrm>
           <a:prstGeom prst="rect">
             <a:avLst/>
@@ -12020,76 +12501,68 @@
           </a:p>
           <a:p>
             <a:r>
-              <a:rPr lang="en-US" dirty="0">
-                <a:solidFill>
-                  <a:srgbClr val="FF0000"/>
-                </a:solidFill>
-              </a:rPr>
+              <a:rPr lang="en-US" sz="1600" dirty="0"/>
+              <a:t>First interpretation:</a:t>
+            </a:r>
+          </a:p>
+          <a:p>
+            <a:pPr lvl="1"/>
+            <a:r>
+              <a:rPr lang="en-US" sz="1600" dirty="0"/>
               <a:t>1= </a:t>
             </a:r>
             <a:r>
-              <a:rPr lang="en-US" b="0" i="0" dirty="0">
-                <a:solidFill>
-                  <a:srgbClr val="FF0000"/>
-                </a:solidFill>
+              <a:rPr lang="en-US" sz="1600" b="0" i="0" dirty="0">
                 <a:effectLst/>
               </a:rPr>
               <a:t>Less than a liter </a:t>
             </a:r>
           </a:p>
           <a:p>
-            <a:r>
-              <a:rPr lang="en-US" dirty="0">
-                <a:solidFill>
-                  <a:srgbClr val="FF0000"/>
-                </a:solidFill>
-              </a:rPr>
-              <a:t>[1,2[= </a:t>
-            </a:r>
-            <a:r>
-              <a:rPr lang="en-US" b="0" i="0" dirty="0">
-                <a:solidFill>
-                  <a:srgbClr val="FF0000"/>
-                </a:solidFill>
+            <a:pPr lvl="1"/>
+            <a:r>
+              <a:rPr lang="en-US" sz="1600" dirty="0"/>
+              <a:t>]1,3[= </a:t>
+            </a:r>
+            <a:r>
+              <a:rPr lang="en-US" sz="1600" b="0" i="0" dirty="0">
                 <a:effectLst/>
               </a:rPr>
               <a:t>Between 1 and 2 L</a:t>
             </a:r>
             <a:r>
-              <a:rPr lang="en-US" dirty="0">
-                <a:solidFill>
-                  <a:srgbClr val="FF0000"/>
-                </a:solidFill>
-              </a:rPr>
+              <a:rPr lang="en-US" sz="1600" dirty="0"/>
               <a:t> </a:t>
             </a:r>
           </a:p>
           <a:p>
-            <a:r>
-              <a:rPr lang="en-US" dirty="0">
-                <a:solidFill>
-                  <a:srgbClr val="FF0000"/>
-                </a:solidFill>
-              </a:rPr>
+            <a:pPr lvl="1"/>
+            <a:r>
+              <a:rPr lang="en-US" sz="1600" dirty="0"/>
               <a:t>3= </a:t>
             </a:r>
             <a:r>
-              <a:rPr lang="en-US" b="0" i="0" dirty="0">
-                <a:solidFill>
-                  <a:srgbClr val="FF0000"/>
-                </a:solidFill>
+              <a:rPr lang="en-US" sz="1600" b="0" i="0" dirty="0">
                 <a:effectLst/>
               </a:rPr>
               <a:t>More than 2 L</a:t>
             </a:r>
-            <a:endParaRPr lang="en-US" dirty="0">
-              <a:solidFill>
-                <a:srgbClr val="FF0000"/>
-              </a:solidFill>
-            </a:endParaRPr>
-          </a:p>
-          <a:p>
-            <a:endParaRPr lang="en-US" dirty="0"/>
+          </a:p>
+          <a:p>
+            <a:r>
+              <a:rPr lang="en-US" sz="1600" dirty="0"/>
+              <a:t>Second Interpretation:</a:t>
+            </a:r>
+          </a:p>
+          <a:p>
+            <a:pPr lvl="1"/>
+            <a:r>
+              <a:rPr lang="en-US" sz="1600" dirty="0"/>
+              <a:t>The measuring unit is the liter. </a:t>
+            </a:r>
+          </a:p>
+          <a:p>
+            <a:endParaRPr lang="en-US" sz="1100" i="1" dirty="0"/>
           </a:p>
           <a:p>
             <a:r>
@@ -12107,6 +12580,22 @@
               </a:rPr>
               <a:t>“How much water do you drink daily?”</a:t>
             </a:r>
+          </a:p>
+          <a:p>
+            <a:endParaRPr lang="en-US" b="0" dirty="0">
+              <a:solidFill>
+                <a:srgbClr val="2E2E2E"/>
+              </a:solidFill>
+              <a:effectLst/>
+            </a:endParaRPr>
+          </a:p>
+          <a:p>
+            <a:r>
+              <a:rPr lang="en-US" sz="1200" i="1" dirty="0"/>
+              <a:t>This feature wasn’t significant enough. We didn’t keep it in our final model. </a:t>
+            </a:r>
+          </a:p>
+          <a:p>
             <a:endParaRPr lang="en-US" dirty="0"/>
           </a:p>
         </p:txBody>
@@ -12464,12 +12953,112 @@
           </a:p>
         </p:txBody>
       </p:sp>
+      <p:sp>
+        <p:nvSpPr>
+          <p:cNvPr id="3" name="ZoneTexte 2">
+            <a:extLst>
+              <a:ext uri="{FF2B5EF4-FFF2-40B4-BE49-F238E27FC236}">
+                <a16:creationId xmlns:a16="http://schemas.microsoft.com/office/drawing/2014/main" id="{87B0A696-9BE4-4410-AE89-A12680C79F75}"/>
+              </a:ext>
+            </a:extLst>
+          </p:cNvPr>
+          <p:cNvSpPr txBox="1"/>
+          <p:nvPr/>
+        </p:nvSpPr>
+        <p:spPr>
+          <a:xfrm>
+            <a:off x="742384" y="2426329"/>
+            <a:ext cx="3938258" cy="3139321"/>
+          </a:xfrm>
+          <a:prstGeom prst="rect">
+            <a:avLst/>
+          </a:prstGeom>
+          <a:noFill/>
+        </p:spPr>
+        <p:txBody>
+          <a:bodyPr wrap="square" rtlCol="0">
+            <a:spAutoFit/>
+          </a:bodyPr>
+          <a:lstStyle/>
+          <a:p>
+            <a:r>
+              <a:rPr lang="en-US" dirty="0"/>
+              <a:t>SCC {</a:t>
+            </a:r>
+            <a:r>
+              <a:rPr lang="en-US" dirty="0" err="1"/>
+              <a:t>yes,no</a:t>
+            </a:r>
+            <a:r>
+              <a:rPr lang="en-US" dirty="0"/>
+              <a:t>}</a:t>
+            </a:r>
+          </a:p>
+          <a:p>
+            <a:endParaRPr lang="en-US" dirty="0"/>
+          </a:p>
+          <a:p>
+            <a:r>
+              <a:rPr lang="en-US" dirty="0"/>
+              <a:t>Answering to the question:</a:t>
+            </a:r>
+          </a:p>
+          <a:p>
+            <a:r>
+              <a:rPr lang="en-US" b="0" i="1" dirty="0">
+                <a:solidFill>
+                  <a:srgbClr val="2E2E2E"/>
+                </a:solidFill>
+                <a:effectLst/>
+              </a:rPr>
+              <a:t>“Do you monitor the calories you eat daily?”</a:t>
+            </a:r>
+          </a:p>
+          <a:p>
+            <a:endParaRPr lang="en-US" i="1" dirty="0">
+              <a:solidFill>
+                <a:srgbClr val="2E2E2E"/>
+              </a:solidFill>
+            </a:endParaRPr>
+          </a:p>
+          <a:p>
+            <a:r>
+              <a:rPr lang="en-US" i="1" dirty="0">
+                <a:solidFill>
+                  <a:srgbClr val="2E2E2E"/>
+                </a:solidFill>
+              </a:rPr>
+              <a:t>NCP </a:t>
+            </a:r>
+            <a:r>
+              <a:rPr lang="en-US" dirty="0"/>
+              <a:t>{numeric value from 1 to 3}</a:t>
+            </a:r>
+          </a:p>
+          <a:p>
+            <a:endParaRPr lang="en-US" dirty="0"/>
+          </a:p>
+          <a:p>
+            <a:r>
+              <a:rPr lang="en-US" i="1" dirty="0">
+                <a:solidFill>
+                  <a:srgbClr val="2E2E2E"/>
+                </a:solidFill>
+              </a:rPr>
+              <a:t>“How many main meals do you have daily?”</a:t>
+            </a:r>
+          </a:p>
+          <a:p>
+            <a:endParaRPr lang="en-US" dirty="0"/>
+          </a:p>
+        </p:txBody>
+      </p:sp>
       <p:pic>
         <p:nvPicPr>
-          <p:cNvPr id="15" name="Image 14">
-            <a:extLst>
-              <a:ext uri="{FF2B5EF4-FFF2-40B4-BE49-F238E27FC236}">
-                <a16:creationId xmlns:a16="http://schemas.microsoft.com/office/drawing/2014/main" id="{9B273695-F3F3-4EA6-A0C9-0DD2FB497071}"/>
+          <p:cNvPr id="5" name="Image 4">
+            <a:extLst>
+              <a:ext uri="{FF2B5EF4-FFF2-40B4-BE49-F238E27FC236}">
+                <a16:creationId xmlns:a16="http://schemas.microsoft.com/office/drawing/2014/main" id="{00AC3375-21AD-47AB-90FA-BA262653ACB8}"/>
               </a:ext>
             </a:extLst>
           </p:cNvPr>
@@ -12486,141 +13075,14 @@
         </p:blipFill>
         <p:spPr>
           <a:xfrm>
-            <a:off x="4816444" y="1799236"/>
-            <a:ext cx="7375556" cy="5058764"/>
+            <a:off x="5029415" y="1765427"/>
+            <a:ext cx="7141462" cy="5072204"/>
           </a:xfrm>
           <a:prstGeom prst="rect">
             <a:avLst/>
           </a:prstGeom>
         </p:spPr>
       </p:pic>
-      <p:sp>
-        <p:nvSpPr>
-          <p:cNvPr id="3" name="ZoneTexte 2">
-            <a:extLst>
-              <a:ext uri="{FF2B5EF4-FFF2-40B4-BE49-F238E27FC236}">
-                <a16:creationId xmlns:a16="http://schemas.microsoft.com/office/drawing/2014/main" id="{87B0A696-9BE4-4410-AE89-A12680C79F75}"/>
-              </a:ext>
-            </a:extLst>
-          </p:cNvPr>
-          <p:cNvSpPr txBox="1"/>
-          <p:nvPr/>
-        </p:nvSpPr>
-        <p:spPr>
-          <a:xfrm>
-            <a:off x="742384" y="2426329"/>
-            <a:ext cx="3938258" cy="3693319"/>
-          </a:xfrm>
-          <a:prstGeom prst="rect">
-            <a:avLst/>
-          </a:prstGeom>
-          <a:noFill/>
-        </p:spPr>
-        <p:txBody>
-          <a:bodyPr wrap="square" rtlCol="0">
-            <a:spAutoFit/>
-          </a:bodyPr>
-          <a:lstStyle/>
-          <a:p>
-            <a:r>
-              <a:rPr lang="en-US" dirty="0"/>
-              <a:t>SCC {</a:t>
-            </a:r>
-            <a:r>
-              <a:rPr lang="en-US" dirty="0" err="1"/>
-              <a:t>yes,no</a:t>
-            </a:r>
-            <a:r>
-              <a:rPr lang="en-US" dirty="0"/>
-              <a:t>}</a:t>
-            </a:r>
-          </a:p>
-          <a:p>
-            <a:endParaRPr lang="en-US" dirty="0"/>
-          </a:p>
-          <a:p>
-            <a:r>
-              <a:rPr lang="en-US" dirty="0"/>
-              <a:t>Answering to the question:</a:t>
-            </a:r>
-          </a:p>
-          <a:p>
-            <a:r>
-              <a:rPr lang="en-US" b="0" i="1" dirty="0">
-                <a:solidFill>
-                  <a:srgbClr val="2E2E2E"/>
-                </a:solidFill>
-                <a:effectLst/>
-              </a:rPr>
-              <a:t>“Do you monitor the calories you eat daily?”</a:t>
-            </a:r>
-          </a:p>
-          <a:p>
-            <a:endParaRPr lang="en-US" i="1" dirty="0">
-              <a:solidFill>
-                <a:srgbClr val="2E2E2E"/>
-              </a:solidFill>
-            </a:endParaRPr>
-          </a:p>
-          <a:p>
-            <a:r>
-              <a:rPr lang="en-US" i="1" dirty="0">
-                <a:solidFill>
-                  <a:srgbClr val="2E2E2E"/>
-                </a:solidFill>
-              </a:rPr>
-              <a:t>NCP </a:t>
-            </a:r>
-            <a:r>
-              <a:rPr lang="en-US" dirty="0"/>
-              <a:t>{numeric value from 1 to 3}</a:t>
-            </a:r>
-          </a:p>
-          <a:p>
-            <a:r>
-              <a:rPr lang="en-US" dirty="0">
-                <a:solidFill>
-                  <a:srgbClr val="FF0000"/>
-                </a:solidFill>
-              </a:rPr>
-              <a:t>1= Between 1 and  2</a:t>
-            </a:r>
-          </a:p>
-          <a:p>
-            <a:r>
-              <a:rPr lang="en-US" dirty="0">
-                <a:solidFill>
-                  <a:srgbClr val="FF0000"/>
-                </a:solidFill>
-              </a:rPr>
-              <a:t>2= Three</a:t>
-            </a:r>
-          </a:p>
-          <a:p>
-            <a:r>
-              <a:rPr lang="en-US" dirty="0">
-                <a:solidFill>
-                  <a:srgbClr val="FF0000"/>
-                </a:solidFill>
-              </a:rPr>
-              <a:t>3= More than three</a:t>
-            </a:r>
-          </a:p>
-          <a:p>
-            <a:r>
-              <a:rPr lang="en-US" i="1" dirty="0">
-                <a:solidFill>
-                  <a:srgbClr val="2E2E2E"/>
-                </a:solidFill>
-              </a:rPr>
-              <a:t>“How many main meals do you have daily?”</a:t>
-            </a:r>
-          </a:p>
-          <a:p>
-            <a:endParaRPr lang="en-US" dirty="0"/>
-          </a:p>
-        </p:txBody>
-      </p:sp>
     </p:spTree>
     <p:extLst>
       <p:ext uri="{BB962C8B-B14F-4D97-AF65-F5344CB8AC3E}">

--- a/Presentation_Python.pptx
+++ b/Presentation_Python.pptx
@@ -8665,10 +8665,10 @@
       </p:sp>
       <p:pic>
         <p:nvPicPr>
-          <p:cNvPr id="10" name="Image 9">
-            <a:extLst>
-              <a:ext uri="{FF2B5EF4-FFF2-40B4-BE49-F238E27FC236}">
-                <a16:creationId xmlns:a16="http://schemas.microsoft.com/office/drawing/2014/main" id="{A4A19D8E-877A-4714-81DC-EB14021CE44F}"/>
+          <p:cNvPr id="6" name="Image 5">
+            <a:extLst>
+              <a:ext uri="{FF2B5EF4-FFF2-40B4-BE49-F238E27FC236}">
+                <a16:creationId xmlns:a16="http://schemas.microsoft.com/office/drawing/2014/main" id="{D0198F3A-68E1-486F-ABE8-E75B9FC1AD91}"/>
               </a:ext>
             </a:extLst>
           </p:cNvPr>
@@ -8685,8 +8685,8 @@
         </p:blipFill>
         <p:spPr>
           <a:xfrm>
-            <a:off x="6790853" y="3794203"/>
-            <a:ext cx="4638795" cy="1112775"/>
+            <a:off x="838200" y="1772168"/>
+            <a:ext cx="5189750" cy="4393242"/>
           </a:xfrm>
           <a:prstGeom prst="rect">
             <a:avLst/>
@@ -8695,10 +8695,10 @@
       </p:pic>
       <p:pic>
         <p:nvPicPr>
-          <p:cNvPr id="12" name="Image 11">
-            <a:extLst>
-              <a:ext uri="{FF2B5EF4-FFF2-40B4-BE49-F238E27FC236}">
-                <a16:creationId xmlns:a16="http://schemas.microsoft.com/office/drawing/2014/main" id="{8F6117DC-16B3-4D74-9625-EDE7EF2C24A7}"/>
+          <p:cNvPr id="13" name="Image 12">
+            <a:extLst>
+              <a:ext uri="{FF2B5EF4-FFF2-40B4-BE49-F238E27FC236}">
+                <a16:creationId xmlns:a16="http://schemas.microsoft.com/office/drawing/2014/main" id="{DC6485CA-D48B-4E27-A9EF-56694616EBC3}"/>
               </a:ext>
             </a:extLst>
           </p:cNvPr>
@@ -8707,15 +8707,16 @@
           </p:cNvPicPr>
           <p:nvPr/>
         </p:nvPicPr>
-        <p:blipFill rotWithShape="1">
+        <p:blipFill>
           <a:blip r:embed="rId3"/>
-          <a:srcRect r="22503"/>
-          <a:stretch/>
+          <a:stretch>
+            <a:fillRect/>
+          </a:stretch>
         </p:blipFill>
         <p:spPr>
           <a:xfrm>
-            <a:off x="838200" y="1772168"/>
-            <a:ext cx="4562949" cy="4511152"/>
+            <a:off x="6790853" y="3794203"/>
+            <a:ext cx="4948072" cy="1074438"/>
           </a:xfrm>
           <a:prstGeom prst="rect">
             <a:avLst/>
@@ -10308,65 +10309,6 @@
           </a:p>
         </p:txBody>
       </p:sp>
-      <p:pic>
-        <p:nvPicPr>
-          <p:cNvPr id="4" name="Image 3">
-            <a:extLst>
-              <a:ext uri="{FF2B5EF4-FFF2-40B4-BE49-F238E27FC236}">
-                <a16:creationId xmlns:a16="http://schemas.microsoft.com/office/drawing/2014/main" id="{964FEF4A-555F-4FC2-9946-0B41854424BF}"/>
-              </a:ext>
-            </a:extLst>
-          </p:cNvPr>
-          <p:cNvPicPr>
-            <a:picLocks noChangeAspect="1"/>
-          </p:cNvPicPr>
-          <p:nvPr/>
-        </p:nvPicPr>
-        <p:blipFill rotWithShape="1">
-          <a:blip r:embed="rId2"/>
-          <a:srcRect r="13175"/>
-          <a:stretch/>
-        </p:blipFill>
-        <p:spPr>
-          <a:xfrm>
-            <a:off x="838199" y="1855960"/>
-            <a:ext cx="6277825" cy="1405926"/>
-          </a:xfrm>
-          <a:prstGeom prst="rect">
-            <a:avLst/>
-          </a:prstGeom>
-        </p:spPr>
-      </p:pic>
-      <p:pic>
-        <p:nvPicPr>
-          <p:cNvPr id="6" name="Image 5">
-            <a:extLst>
-              <a:ext uri="{FF2B5EF4-FFF2-40B4-BE49-F238E27FC236}">
-                <a16:creationId xmlns:a16="http://schemas.microsoft.com/office/drawing/2014/main" id="{BBCB48D8-1434-400F-AE8B-56A9A4FED41A}"/>
-              </a:ext>
-            </a:extLst>
-          </p:cNvPr>
-          <p:cNvPicPr>
-            <a:picLocks noChangeAspect="1"/>
-          </p:cNvPicPr>
-          <p:nvPr/>
-        </p:nvPicPr>
-        <p:blipFill>
-          <a:blip r:embed="rId3"/>
-          <a:stretch>
-            <a:fillRect/>
-          </a:stretch>
-        </p:blipFill>
-        <p:spPr>
-          <a:xfrm>
-            <a:off x="838200" y="3429000"/>
-            <a:ext cx="6277824" cy="1546170"/>
-          </a:xfrm>
-          <a:prstGeom prst="rect">
-            <a:avLst/>
-          </a:prstGeom>
-        </p:spPr>
-      </p:pic>
       <p:sp>
         <p:nvSpPr>
           <p:cNvPr id="7" name="ZoneTexte 6">
@@ -10402,6 +10344,66 @@
           </a:p>
         </p:txBody>
       </p:sp>
+      <p:pic>
+        <p:nvPicPr>
+          <p:cNvPr id="5" name="Image 4">
+            <a:extLst>
+              <a:ext uri="{FF2B5EF4-FFF2-40B4-BE49-F238E27FC236}">
+                <a16:creationId xmlns:a16="http://schemas.microsoft.com/office/drawing/2014/main" id="{03A4A837-F1C1-4B84-97BC-B59505B84919}"/>
+              </a:ext>
+            </a:extLst>
+          </p:cNvPr>
+          <p:cNvPicPr>
+            <a:picLocks noChangeAspect="1"/>
+          </p:cNvPicPr>
+          <p:nvPr/>
+        </p:nvPicPr>
+        <p:blipFill>
+          <a:blip r:embed="rId2"/>
+          <a:stretch>
+            <a:fillRect/>
+          </a:stretch>
+        </p:blipFill>
+        <p:spPr>
+          <a:xfrm>
+            <a:off x="838198" y="1854072"/>
+            <a:ext cx="6649017" cy="1288029"/>
+          </a:xfrm>
+          <a:prstGeom prst="rect">
+            <a:avLst/>
+          </a:prstGeom>
+        </p:spPr>
+      </p:pic>
+      <p:pic>
+        <p:nvPicPr>
+          <p:cNvPr id="9" name="Image 8">
+            <a:extLst>
+              <a:ext uri="{FF2B5EF4-FFF2-40B4-BE49-F238E27FC236}">
+                <a16:creationId xmlns:a16="http://schemas.microsoft.com/office/drawing/2014/main" id="{897EA6AA-C249-4C4F-B486-44007B9B768D}"/>
+              </a:ext>
+            </a:extLst>
+          </p:cNvPr>
+          <p:cNvPicPr>
+            <a:picLocks noChangeAspect="1"/>
+          </p:cNvPicPr>
+          <p:nvPr/>
+        </p:nvPicPr>
+        <p:blipFill>
+          <a:blip r:embed="rId3"/>
+          <a:stretch>
+            <a:fillRect/>
+          </a:stretch>
+        </p:blipFill>
+        <p:spPr>
+          <a:xfrm>
+            <a:off x="838199" y="3427158"/>
+            <a:ext cx="6649016" cy="1432978"/>
+          </a:xfrm>
+          <a:prstGeom prst="rect">
+            <a:avLst/>
+          </a:prstGeom>
+        </p:spPr>
+      </p:pic>
     </p:spTree>
     <p:extLst>
       <p:ext uri="{BB962C8B-B14F-4D97-AF65-F5344CB8AC3E}">
@@ -10486,10 +10488,49 @@
           <a:bodyPr/>
           <a:lstStyle/>
           <a:p>
-            <a:endParaRPr lang="en-US" dirty="0"/>
+            <a:r>
+              <a:rPr lang="en-US" dirty="0"/>
+              <a:t>ON our GitHub You will find a READ_ME_FLASK.docx</a:t>
+            </a:r>
+          </a:p>
+          <a:p>
+            <a:r>
+              <a:rPr lang="en-US" dirty="0"/>
+              <a:t>You will find all the explanation here. </a:t>
+            </a:r>
           </a:p>
         </p:txBody>
       </p:sp>
+      <p:pic>
+        <p:nvPicPr>
+          <p:cNvPr id="5" name="Image 4">
+            <a:extLst>
+              <a:ext uri="{FF2B5EF4-FFF2-40B4-BE49-F238E27FC236}">
+                <a16:creationId xmlns:a16="http://schemas.microsoft.com/office/drawing/2014/main" id="{CBAF9ABD-6DC1-47D8-91C4-D2860D83231F}"/>
+              </a:ext>
+            </a:extLst>
+          </p:cNvPr>
+          <p:cNvPicPr>
+            <a:picLocks noChangeAspect="1"/>
+          </p:cNvPicPr>
+          <p:nvPr/>
+        </p:nvPicPr>
+        <p:blipFill>
+          <a:blip r:embed="rId2"/>
+          <a:stretch>
+            <a:fillRect/>
+          </a:stretch>
+        </p:blipFill>
+        <p:spPr>
+          <a:xfrm>
+            <a:off x="726116" y="3340634"/>
+            <a:ext cx="9087840" cy="3116428"/>
+          </a:xfrm>
+          <a:prstGeom prst="rect">
+            <a:avLst/>
+          </a:prstGeom>
+        </p:spPr>
+      </p:pic>
     </p:spTree>
     <p:extLst>
       <p:ext uri="{BB962C8B-B14F-4D97-AF65-F5344CB8AC3E}">
@@ -11629,7 +11670,7 @@
                 <a:latin typeface="Calibri" panose="020F0502020204030204" pitchFamily="34" charset="0"/>
                 <a:cs typeface="Arial" panose="020B0604020202020204" pitchFamily="34" charset="0"/>
               </a:rPr>
-              <a:t>Frequent consumption of high caloric food (FAVC), Consumption of food between meals (CAEC)</a:t>
+              <a:t>Frequent consumption of high caloric food (FAVC), Consumption of food between meals (CALC)</a:t>
             </a:r>
           </a:p>
           <a:p>
@@ -12796,7 +12837,7 @@
           <a:p>
             <a:r>
               <a:rPr lang="en-US" i="1" dirty="0"/>
-              <a:t>CAEC {</a:t>
+              <a:t>CALC {</a:t>
             </a:r>
             <a:r>
               <a:rPr lang="en-US" i="1" dirty="0" err="1"/>

--- a/Presentation_Python.pptx
+++ b/Presentation_Python.pptx
@@ -288,7 +288,7 @@
           <a:p>
             <a:fld id="{768181B6-C6C2-4A3E-A280-A6B2E0DF0E8B}" type="datetimeFigureOut">
               <a:rPr lang="fr-FR" smtClean="0"/>
-              <a:t>15/12/2021</a:t>
+              <a:t>19/12/2021</a:t>
             </a:fld>
             <a:endParaRPr lang="fr-FR"/>
           </a:p>
@@ -486,7 +486,7 @@
           <a:p>
             <a:fld id="{768181B6-C6C2-4A3E-A280-A6B2E0DF0E8B}" type="datetimeFigureOut">
               <a:rPr lang="fr-FR" smtClean="0"/>
-              <a:t>15/12/2021</a:t>
+              <a:t>19/12/2021</a:t>
             </a:fld>
             <a:endParaRPr lang="fr-FR"/>
           </a:p>
@@ -694,7 +694,7 @@
           <a:p>
             <a:fld id="{768181B6-C6C2-4A3E-A280-A6B2E0DF0E8B}" type="datetimeFigureOut">
               <a:rPr lang="fr-FR" smtClean="0"/>
-              <a:t>15/12/2021</a:t>
+              <a:t>19/12/2021</a:t>
             </a:fld>
             <a:endParaRPr lang="fr-FR"/>
           </a:p>
@@ -892,7 +892,7 @@
           <a:p>
             <a:fld id="{768181B6-C6C2-4A3E-A280-A6B2E0DF0E8B}" type="datetimeFigureOut">
               <a:rPr lang="fr-FR" smtClean="0"/>
-              <a:t>15/12/2021</a:t>
+              <a:t>19/12/2021</a:t>
             </a:fld>
             <a:endParaRPr lang="fr-FR"/>
           </a:p>
@@ -1167,7 +1167,7 @@
           <a:p>
             <a:fld id="{768181B6-C6C2-4A3E-A280-A6B2E0DF0E8B}" type="datetimeFigureOut">
               <a:rPr lang="fr-FR" smtClean="0"/>
-              <a:t>15/12/2021</a:t>
+              <a:t>19/12/2021</a:t>
             </a:fld>
             <a:endParaRPr lang="fr-FR"/>
           </a:p>
@@ -1432,7 +1432,7 @@
           <a:p>
             <a:fld id="{768181B6-C6C2-4A3E-A280-A6B2E0DF0E8B}" type="datetimeFigureOut">
               <a:rPr lang="fr-FR" smtClean="0"/>
-              <a:t>15/12/2021</a:t>
+              <a:t>19/12/2021</a:t>
             </a:fld>
             <a:endParaRPr lang="fr-FR"/>
           </a:p>
@@ -1844,7 +1844,7 @@
           <a:p>
             <a:fld id="{768181B6-C6C2-4A3E-A280-A6B2E0DF0E8B}" type="datetimeFigureOut">
               <a:rPr lang="fr-FR" smtClean="0"/>
-              <a:t>15/12/2021</a:t>
+              <a:t>19/12/2021</a:t>
             </a:fld>
             <a:endParaRPr lang="fr-FR"/>
           </a:p>
@@ -1985,7 +1985,7 @@
           <a:p>
             <a:fld id="{768181B6-C6C2-4A3E-A280-A6B2E0DF0E8B}" type="datetimeFigureOut">
               <a:rPr lang="fr-FR" smtClean="0"/>
-              <a:t>15/12/2021</a:t>
+              <a:t>19/12/2021</a:t>
             </a:fld>
             <a:endParaRPr lang="fr-FR"/>
           </a:p>
@@ -2098,7 +2098,7 @@
           <a:p>
             <a:fld id="{768181B6-C6C2-4A3E-A280-A6B2E0DF0E8B}" type="datetimeFigureOut">
               <a:rPr lang="fr-FR" smtClean="0"/>
-              <a:t>15/12/2021</a:t>
+              <a:t>19/12/2021</a:t>
             </a:fld>
             <a:endParaRPr lang="fr-FR"/>
           </a:p>
@@ -2409,7 +2409,7 @@
           <a:p>
             <a:fld id="{768181B6-C6C2-4A3E-A280-A6B2E0DF0E8B}" type="datetimeFigureOut">
               <a:rPr lang="fr-FR" smtClean="0"/>
-              <a:t>15/12/2021</a:t>
+              <a:t>19/12/2021</a:t>
             </a:fld>
             <a:endParaRPr lang="fr-FR"/>
           </a:p>
@@ -2697,7 +2697,7 @@
           <a:p>
             <a:fld id="{768181B6-C6C2-4A3E-A280-A6B2E0DF0E8B}" type="datetimeFigureOut">
               <a:rPr lang="fr-FR" smtClean="0"/>
-              <a:t>15/12/2021</a:t>
+              <a:t>19/12/2021</a:t>
             </a:fld>
             <a:endParaRPr lang="fr-FR"/>
           </a:p>
@@ -2938,7 +2938,7 @@
           <a:p>
             <a:fld id="{768181B6-C6C2-4A3E-A280-A6B2E0DF0E8B}" type="datetimeFigureOut">
               <a:rPr lang="fr-FR" smtClean="0"/>
-              <a:t>15/12/2021</a:t>
+              <a:t>19/12/2021</a:t>
             </a:fld>
             <a:endParaRPr lang="fr-FR"/>
           </a:p>
@@ -10725,7 +10725,7 @@
             </a:pPr>
             <a:r>
               <a:rPr lang="en-US" dirty="0"/>
-              <a:t>Using the features :</a:t>
+              <a:t>Using the features : Age, Weight, Height, Family History With Overweight, FAVC, FCVC and CALC</a:t>
             </a:r>
           </a:p>
         </p:txBody>
